--- a/database relationships.pptx
+++ b/database relationships.pptx
@@ -5,10 +5,10 @@
     <p:sldMasterId id="2147483650" r:id="rId4"/>
   </p:sldMasterIdLst>
   <p:notesMasterIdLst>
-    <p:notesMasterId r:id="rId13"/>
+    <p:notesMasterId r:id="rId17"/>
   </p:notesMasterIdLst>
   <p:handoutMasterIdLst>
-    <p:handoutMasterId r:id="rId14"/>
+    <p:handoutMasterId r:id="rId18"/>
   </p:handoutMasterIdLst>
   <p:sldIdLst>
     <p:sldId id="312" r:id="rId5"/>
@@ -19,6 +19,10 @@
     <p:sldId id="326" r:id="rId10"/>
     <p:sldId id="323" r:id="rId11"/>
     <p:sldId id="327" r:id="rId12"/>
+    <p:sldId id="330" r:id="rId13"/>
+    <p:sldId id="331" r:id="rId14"/>
+    <p:sldId id="332" r:id="rId15"/>
+    <p:sldId id="333" r:id="rId16"/>
   </p:sldIdLst>
   <p:sldSz cx="12192000" cy="6858000"/>
   <p:notesSz cx="13716000" cy="24384000"/>
@@ -119,7 +123,7 @@
   </p:defaultTextStyle>
   <p:extLst>
     <p:ext uri="{EFAFB233-063F-42B5-8137-9DF3F51BA10A}">
-      <p15:sldGuideLst xmlns:p15="http://schemas.microsoft.com/office/powerpoint/2012/main" xmlns="">
+      <p15:sldGuideLst xmlns="" xmlns:p15="http://schemas.microsoft.com/office/powerpoint/2012/main">
         <p15:guide id="3" orient="horz" pos="2616" userDrawn="1">
           <p15:clr>
             <a:srgbClr val="A4A3A4"/>
@@ -213,7 +217,7 @@
       </p15:sldGuideLst>
     </p:ext>
     <p:ext uri="{2D200454-40CA-4A62-9FC3-DE9A4176ACB9}">
-      <p15:notesGuideLst xmlns:p15="http://schemas.microsoft.com/office/powerpoint/2012/main" xmlns=""/>
+      <p15:notesGuideLst xmlns="" xmlns:p15="http://schemas.microsoft.com/office/powerpoint/2012/main"/>
     </p:ext>
   </p:extLst>
 </p:presentation>
@@ -252,7 +256,7 @@
           <p:cNvPr id="2" name="Header Placeholder 1">
             <a:extLst>
               <a:ext uri="{FF2B5EF4-FFF2-40B4-BE49-F238E27FC236}">
-                <a16:creationId xmlns:a16="http://schemas.microsoft.com/office/drawing/2014/main" xmlns="" id="{22426ABF-A8C0-D94B-8DA4-89B3D95177FD}"/>
+                <a16:creationId xmlns="" xmlns:a16="http://schemas.microsoft.com/office/drawing/2014/main" id="{22426ABF-A8C0-D94B-8DA4-89B3D95177FD}"/>
               </a:ext>
             </a:extLst>
           </p:cNvPr>
@@ -289,7 +293,7 @@
           <p:cNvPr id="3" name="Date Placeholder 2">
             <a:extLst>
               <a:ext uri="{FF2B5EF4-FFF2-40B4-BE49-F238E27FC236}">
-                <a16:creationId xmlns:a16="http://schemas.microsoft.com/office/drawing/2014/main" xmlns="" id="{F73E1C36-C21F-0B70-27E7-5B59DAE27561}"/>
+                <a16:creationId xmlns="" xmlns:a16="http://schemas.microsoft.com/office/drawing/2014/main" id="{F73E1C36-C21F-0B70-27E7-5B59DAE27561}"/>
               </a:ext>
             </a:extLst>
           </p:cNvPr>
@@ -330,7 +334,7 @@
           <p:cNvPr id="4" name="Footer Placeholder 3">
             <a:extLst>
               <a:ext uri="{FF2B5EF4-FFF2-40B4-BE49-F238E27FC236}">
-                <a16:creationId xmlns:a16="http://schemas.microsoft.com/office/drawing/2014/main" xmlns="" id="{E5942066-244B-8673-5E9A-26E4265AD0B2}"/>
+                <a16:creationId xmlns="" xmlns:a16="http://schemas.microsoft.com/office/drawing/2014/main" id="{E5942066-244B-8673-5E9A-26E4265AD0B2}"/>
               </a:ext>
             </a:extLst>
           </p:cNvPr>
@@ -367,7 +371,7 @@
           <p:cNvPr id="5" name="Slide Number Placeholder 4">
             <a:extLst>
               <a:ext uri="{FF2B5EF4-FFF2-40B4-BE49-F238E27FC236}">
-                <a16:creationId xmlns:a16="http://schemas.microsoft.com/office/drawing/2014/main" xmlns="" id="{2530EE97-1F54-6631-A4BB-FD938296488E}"/>
+                <a16:creationId xmlns="" xmlns:a16="http://schemas.microsoft.com/office/drawing/2014/main" id="{2530EE97-1F54-6631-A4BB-FD938296488E}"/>
               </a:ext>
             </a:extLst>
           </p:cNvPr>
@@ -615,6 +619,255 @@
     <p:extLst>
       <p:ext uri="{BB962C8B-B14F-4D97-AF65-F5344CB8AC3E}">
         <p14:creationId xmlns:p14="http://schemas.microsoft.com/office/powerpoint/2010/main" val="2997654815"/>
+      </p:ext>
+    </p:extLst>
+  </p:cSld>
+  <p:clrMapOvr>
+    <a:masterClrMapping/>
+  </p:clrMapOvr>
+</p:notes>
+</file>
+
+<file path=ppt/notesSlides/notesSlide10.xml><?xml version="1.0" encoding="utf-8"?>
+<p:notes xmlns:a="http://schemas.openxmlformats.org/drawingml/2006/main" xmlns:r="http://schemas.openxmlformats.org/officeDocument/2006/relationships" xmlns:p="http://schemas.openxmlformats.org/presentationml/2006/main">
+  <p:cSld>
+    <p:spTree>
+      <p:nvGrpSpPr>
+        <p:cNvPr id="1" name=""/>
+        <p:cNvGrpSpPr/>
+        <p:nvPr/>
+      </p:nvGrpSpPr>
+      <p:grpSpPr>
+        <a:xfrm>
+          <a:off x="0" y="0"/>
+          <a:ext cx="0" cy="0"/>
+          <a:chOff x="0" y="0"/>
+          <a:chExt cx="0" cy="0"/>
+        </a:xfrm>
+      </p:grpSpPr>
+      <p:sp>
+        <p:nvSpPr>
+          <p:cNvPr id="2" name="Slide Image Placeholder 1"/>
+          <p:cNvSpPr>
+            <a:spLocks noGrp="1" noRot="1" noChangeAspect="1"/>
+          </p:cNvSpPr>
+          <p:nvPr>
+            <p:ph type="sldImg"/>
+          </p:nvPr>
+        </p:nvSpPr>
+        <p:spPr>
+          <a:xfrm>
+            <a:off x="-457200" y="3048000"/>
+            <a:ext cx="14630400" cy="8229600"/>
+          </a:xfrm>
+          <a:prstGeom prst="rect">
+            <a:avLst/>
+          </a:prstGeom>
+          <a:noFill/>
+          <a:ln w="12700">
+            <a:solidFill>
+              <a:prstClr val="black"/>
+            </a:solidFill>
+          </a:ln>
+        </p:spPr>
+      </p:sp>
+      <p:sp>
+        <p:nvSpPr>
+          <p:cNvPr id="3" name="Notes Placeholder 2"/>
+          <p:cNvSpPr>
+            <a:spLocks noGrp="1"/>
+          </p:cNvSpPr>
+          <p:nvPr>
+            <p:ph type="body" idx="1"/>
+          </p:nvPr>
+        </p:nvSpPr>
+        <p:spPr>
+          <a:xfrm>
+            <a:off x="1371600" y="11734800"/>
+            <a:ext cx="10972800" cy="9601200"/>
+          </a:xfrm>
+          <a:prstGeom prst="rect">
+            <a:avLst/>
+          </a:prstGeom>
+        </p:spPr>
+        <p:txBody>
+          <a:bodyPr/>
+          <a:lstStyle/>
+          <a:p>
+            <a:endParaRPr lang="en-US" dirty="0"/>
+          </a:p>
+        </p:txBody>
+      </p:sp>
+    </p:spTree>
+    <p:extLst>
+      <p:ext uri="{BB962C8B-B14F-4D97-AF65-F5344CB8AC3E}">
+        <p14:creationId xmlns:p14="http://schemas.microsoft.com/office/powerpoint/2010/main" val="1019397722"/>
+      </p:ext>
+    </p:extLst>
+  </p:cSld>
+  <p:clrMapOvr>
+    <a:masterClrMapping/>
+  </p:clrMapOvr>
+</p:notes>
+</file>
+
+<file path=ppt/notesSlides/notesSlide11.xml><?xml version="1.0" encoding="utf-8"?>
+<p:notes xmlns:a="http://schemas.openxmlformats.org/drawingml/2006/main" xmlns:r="http://schemas.openxmlformats.org/officeDocument/2006/relationships" xmlns:p="http://schemas.openxmlformats.org/presentationml/2006/main">
+  <p:cSld>
+    <p:spTree>
+      <p:nvGrpSpPr>
+        <p:cNvPr id="1" name=""/>
+        <p:cNvGrpSpPr/>
+        <p:nvPr/>
+      </p:nvGrpSpPr>
+      <p:grpSpPr>
+        <a:xfrm>
+          <a:off x="0" y="0"/>
+          <a:ext cx="0" cy="0"/>
+          <a:chOff x="0" y="0"/>
+          <a:chExt cx="0" cy="0"/>
+        </a:xfrm>
+      </p:grpSpPr>
+      <p:sp>
+        <p:nvSpPr>
+          <p:cNvPr id="2" name="Slide Image Placeholder 1"/>
+          <p:cNvSpPr>
+            <a:spLocks noGrp="1" noRot="1" noChangeAspect="1"/>
+          </p:cNvSpPr>
+          <p:nvPr>
+            <p:ph type="sldImg"/>
+          </p:nvPr>
+        </p:nvSpPr>
+        <p:spPr>
+          <a:xfrm>
+            <a:off x="-457200" y="3048000"/>
+            <a:ext cx="14630400" cy="8229600"/>
+          </a:xfrm>
+          <a:prstGeom prst="rect">
+            <a:avLst/>
+          </a:prstGeom>
+          <a:noFill/>
+          <a:ln w="12700">
+            <a:solidFill>
+              <a:prstClr val="black"/>
+            </a:solidFill>
+          </a:ln>
+        </p:spPr>
+      </p:sp>
+      <p:sp>
+        <p:nvSpPr>
+          <p:cNvPr id="3" name="Notes Placeholder 2"/>
+          <p:cNvSpPr>
+            <a:spLocks noGrp="1"/>
+          </p:cNvSpPr>
+          <p:nvPr>
+            <p:ph type="body" idx="1"/>
+          </p:nvPr>
+        </p:nvSpPr>
+        <p:spPr>
+          <a:xfrm>
+            <a:off x="1371600" y="11734800"/>
+            <a:ext cx="10972800" cy="9601200"/>
+          </a:xfrm>
+          <a:prstGeom prst="rect">
+            <a:avLst/>
+          </a:prstGeom>
+        </p:spPr>
+        <p:txBody>
+          <a:bodyPr/>
+          <a:lstStyle/>
+          <a:p>
+            <a:endParaRPr lang="en-US" dirty="0"/>
+          </a:p>
+        </p:txBody>
+      </p:sp>
+    </p:spTree>
+    <p:extLst>
+      <p:ext uri="{BB962C8B-B14F-4D97-AF65-F5344CB8AC3E}">
+        <p14:creationId xmlns:p14="http://schemas.microsoft.com/office/powerpoint/2010/main" val="1019397722"/>
+      </p:ext>
+    </p:extLst>
+  </p:cSld>
+  <p:clrMapOvr>
+    <a:masterClrMapping/>
+  </p:clrMapOvr>
+</p:notes>
+</file>
+
+<file path=ppt/notesSlides/notesSlide12.xml><?xml version="1.0" encoding="utf-8"?>
+<p:notes xmlns:a="http://schemas.openxmlformats.org/drawingml/2006/main" xmlns:r="http://schemas.openxmlformats.org/officeDocument/2006/relationships" xmlns:p="http://schemas.openxmlformats.org/presentationml/2006/main">
+  <p:cSld>
+    <p:spTree>
+      <p:nvGrpSpPr>
+        <p:cNvPr id="1" name=""/>
+        <p:cNvGrpSpPr/>
+        <p:nvPr/>
+      </p:nvGrpSpPr>
+      <p:grpSpPr>
+        <a:xfrm>
+          <a:off x="0" y="0"/>
+          <a:ext cx="0" cy="0"/>
+          <a:chOff x="0" y="0"/>
+          <a:chExt cx="0" cy="0"/>
+        </a:xfrm>
+      </p:grpSpPr>
+      <p:sp>
+        <p:nvSpPr>
+          <p:cNvPr id="2" name="Slide Image Placeholder 1"/>
+          <p:cNvSpPr>
+            <a:spLocks noGrp="1" noRot="1" noChangeAspect="1"/>
+          </p:cNvSpPr>
+          <p:nvPr>
+            <p:ph type="sldImg"/>
+          </p:nvPr>
+        </p:nvSpPr>
+        <p:spPr>
+          <a:xfrm>
+            <a:off x="-457200" y="3048000"/>
+            <a:ext cx="14630400" cy="8229600"/>
+          </a:xfrm>
+          <a:prstGeom prst="rect">
+            <a:avLst/>
+          </a:prstGeom>
+          <a:noFill/>
+          <a:ln w="12700">
+            <a:solidFill>
+              <a:prstClr val="black"/>
+            </a:solidFill>
+          </a:ln>
+        </p:spPr>
+      </p:sp>
+      <p:sp>
+        <p:nvSpPr>
+          <p:cNvPr id="3" name="Notes Placeholder 2"/>
+          <p:cNvSpPr>
+            <a:spLocks noGrp="1"/>
+          </p:cNvSpPr>
+          <p:nvPr>
+            <p:ph type="body" idx="1"/>
+          </p:nvPr>
+        </p:nvSpPr>
+        <p:spPr>
+          <a:xfrm>
+            <a:off x="1371600" y="11734800"/>
+            <a:ext cx="10972800" cy="9601200"/>
+          </a:xfrm>
+          <a:prstGeom prst="rect">
+            <a:avLst/>
+          </a:prstGeom>
+        </p:spPr>
+        <p:txBody>
+          <a:bodyPr/>
+          <a:lstStyle/>
+          <a:p>
+            <a:endParaRPr lang="en-US" dirty="0"/>
+          </a:p>
+        </p:txBody>
+      </p:sp>
+    </p:spTree>
+    <p:extLst>
+      <p:ext uri="{BB962C8B-B14F-4D97-AF65-F5344CB8AC3E}">
+        <p14:creationId xmlns:p14="http://schemas.microsoft.com/office/powerpoint/2010/main" val="1019397722"/>
       </p:ext>
     </p:extLst>
   </p:cSld>
@@ -1205,6 +1458,89 @@
 </p:notes>
 </file>
 
+<file path=ppt/notesSlides/notesSlide9.xml><?xml version="1.0" encoding="utf-8"?>
+<p:notes xmlns:a="http://schemas.openxmlformats.org/drawingml/2006/main" xmlns:r="http://schemas.openxmlformats.org/officeDocument/2006/relationships" xmlns:p="http://schemas.openxmlformats.org/presentationml/2006/main">
+  <p:cSld>
+    <p:spTree>
+      <p:nvGrpSpPr>
+        <p:cNvPr id="1" name=""/>
+        <p:cNvGrpSpPr/>
+        <p:nvPr/>
+      </p:nvGrpSpPr>
+      <p:grpSpPr>
+        <a:xfrm>
+          <a:off x="0" y="0"/>
+          <a:ext cx="0" cy="0"/>
+          <a:chOff x="0" y="0"/>
+          <a:chExt cx="0" cy="0"/>
+        </a:xfrm>
+      </p:grpSpPr>
+      <p:sp>
+        <p:nvSpPr>
+          <p:cNvPr id="2" name="Slide Image Placeholder 1"/>
+          <p:cNvSpPr>
+            <a:spLocks noGrp="1" noRot="1" noChangeAspect="1"/>
+          </p:cNvSpPr>
+          <p:nvPr>
+            <p:ph type="sldImg"/>
+          </p:nvPr>
+        </p:nvSpPr>
+        <p:spPr>
+          <a:xfrm>
+            <a:off x="-457200" y="3048000"/>
+            <a:ext cx="14630400" cy="8229600"/>
+          </a:xfrm>
+          <a:prstGeom prst="rect">
+            <a:avLst/>
+          </a:prstGeom>
+          <a:noFill/>
+          <a:ln w="12700">
+            <a:solidFill>
+              <a:prstClr val="black"/>
+            </a:solidFill>
+          </a:ln>
+        </p:spPr>
+      </p:sp>
+      <p:sp>
+        <p:nvSpPr>
+          <p:cNvPr id="3" name="Notes Placeholder 2"/>
+          <p:cNvSpPr>
+            <a:spLocks noGrp="1"/>
+          </p:cNvSpPr>
+          <p:nvPr>
+            <p:ph type="body" idx="1"/>
+          </p:nvPr>
+        </p:nvSpPr>
+        <p:spPr>
+          <a:xfrm>
+            <a:off x="1371600" y="11734800"/>
+            <a:ext cx="10972800" cy="9601200"/>
+          </a:xfrm>
+          <a:prstGeom prst="rect">
+            <a:avLst/>
+          </a:prstGeom>
+        </p:spPr>
+        <p:txBody>
+          <a:bodyPr/>
+          <a:lstStyle/>
+          <a:p>
+            <a:endParaRPr lang="en-US" dirty="0"/>
+          </a:p>
+        </p:txBody>
+      </p:sp>
+    </p:spTree>
+    <p:extLst>
+      <p:ext uri="{BB962C8B-B14F-4D97-AF65-F5344CB8AC3E}">
+        <p14:creationId xmlns:p14="http://schemas.microsoft.com/office/powerpoint/2010/main" val="1019397722"/>
+      </p:ext>
+    </p:extLst>
+  </p:cSld>
+  <p:clrMapOvr>
+    <a:masterClrMapping/>
+  </p:clrMapOvr>
+</p:notes>
+</file>
+
 <file path=ppt/slideLayouts/slideLayout1.xml><?xml version="1.0" encoding="utf-8"?>
 <p:sldLayout xmlns:a="http://schemas.openxmlformats.org/drawingml/2006/main" xmlns:r="http://schemas.openxmlformats.org/officeDocument/2006/relationships" xmlns:p="http://schemas.openxmlformats.org/presentationml/2006/main" preserve="1" userDrawn="1">
   <p:cSld name="Title Slide">
@@ -1235,10 +1571,10 @@
           <p:cNvPr id="15" name="Image 0">
             <a:extLst>
               <a:ext uri="{FF2B5EF4-FFF2-40B4-BE49-F238E27FC236}">
-                <a16:creationId xmlns:a16="http://schemas.microsoft.com/office/drawing/2014/main" xmlns="" id="{BA5D5A72-CB6F-F8DE-E2C9-90459C8C3DC1}"/>
+                <a16:creationId xmlns="" xmlns:a16="http://schemas.microsoft.com/office/drawing/2014/main" id="{BA5D5A72-CB6F-F8DE-E2C9-90459C8C3DC1}"/>
               </a:ext>
               <a:ext uri="{C183D7F6-B498-43B3-948B-1728B52AA6E4}">
-                <adec:decorative xmlns:adec="http://schemas.microsoft.com/office/drawing/2017/decorative" xmlns="" val="1"/>
+                <adec:decorative xmlns="" xmlns:adec="http://schemas.microsoft.com/office/drawing/2017/decorative" val="1"/>
               </a:ext>
             </a:extLst>
           </p:cNvPr>
@@ -1320,10 +1656,10 @@
           <p:cNvPr id="20" name="Freeform: Shape 19">
             <a:extLst>
               <a:ext uri="{FF2B5EF4-FFF2-40B4-BE49-F238E27FC236}">
-                <a16:creationId xmlns:a16="http://schemas.microsoft.com/office/drawing/2014/main" xmlns="" id="{E66FD7FF-2869-7902-36B2-2B229AB9AB19}"/>
+                <a16:creationId xmlns="" xmlns:a16="http://schemas.microsoft.com/office/drawing/2014/main" id="{E66FD7FF-2869-7902-36B2-2B229AB9AB19}"/>
               </a:ext>
               <a:ext uri="{C183D7F6-B498-43B3-948B-1728B52AA6E4}">
-                <adec:decorative xmlns:adec="http://schemas.microsoft.com/office/drawing/2017/decorative" xmlns="" val="1"/>
+                <adec:decorative xmlns="" xmlns:adec="http://schemas.microsoft.com/office/drawing/2017/decorative" val="1"/>
               </a:ext>
             </a:extLst>
           </p:cNvPr>
@@ -1433,10 +1769,10 @@
           <p:cNvPr id="18" name="Freeform: Shape 17">
             <a:extLst>
               <a:ext uri="{FF2B5EF4-FFF2-40B4-BE49-F238E27FC236}">
-                <a16:creationId xmlns:a16="http://schemas.microsoft.com/office/drawing/2014/main" xmlns="" id="{B1457C88-4472-81CF-02AF-4421E0A3084B}"/>
+                <a16:creationId xmlns="" xmlns:a16="http://schemas.microsoft.com/office/drawing/2014/main" id="{B1457C88-4472-81CF-02AF-4421E0A3084B}"/>
               </a:ext>
               <a:ext uri="{C183D7F6-B498-43B3-948B-1728B52AA6E4}">
-                <adec:decorative xmlns:adec="http://schemas.microsoft.com/office/drawing/2017/decorative" xmlns="" val="1"/>
+                <adec:decorative xmlns="" xmlns:adec="http://schemas.microsoft.com/office/drawing/2017/decorative" val="1"/>
               </a:ext>
             </a:extLst>
           </p:cNvPr>
@@ -1593,7 +1929,7 @@
   </p:timing>
   <p:extLst mod="1">
     <p:ext uri="{DCECCB84-F9BA-43D5-87BE-67443E8EF086}">
-      <p15:sldGuideLst xmlns:p15="http://schemas.microsoft.com/office/powerpoint/2012/main" xmlns="">
+      <p15:sldGuideLst xmlns="" xmlns:p15="http://schemas.microsoft.com/office/powerpoint/2012/main">
         <p15:guide id="1" orient="horz" pos="2160" userDrawn="1">
           <p15:clr>
             <a:srgbClr val="FBAE40"/>
@@ -1632,10 +1968,10 @@
           <p:cNvPr id="12" name="Freeform 11">
             <a:extLst>
               <a:ext uri="{FF2B5EF4-FFF2-40B4-BE49-F238E27FC236}">
-                <a16:creationId xmlns:a16="http://schemas.microsoft.com/office/drawing/2014/main" xmlns="" id="{D014917C-8694-B4A4-A211-0F31F00E247E}"/>
+                <a16:creationId xmlns="" xmlns:a16="http://schemas.microsoft.com/office/drawing/2014/main" id="{D014917C-8694-B4A4-A211-0F31F00E247E}"/>
               </a:ext>
               <a:ext uri="{C183D7F6-B498-43B3-948B-1728B52AA6E4}">
-                <adec:decorative xmlns:adec="http://schemas.microsoft.com/office/drawing/2017/decorative" xmlns="" val="1"/>
+                <adec:decorative xmlns="" xmlns:adec="http://schemas.microsoft.com/office/drawing/2017/decorative" val="1"/>
               </a:ext>
             </a:extLst>
           </p:cNvPr>
@@ -1755,10 +2091,10 @@
           <p:cNvPr id="10" name="Freeform 9">
             <a:extLst>
               <a:ext uri="{FF2B5EF4-FFF2-40B4-BE49-F238E27FC236}">
-                <a16:creationId xmlns:a16="http://schemas.microsoft.com/office/drawing/2014/main" xmlns="" id="{A7DB6972-BB75-254A-BA88-C0C3E6E93BDB}"/>
+                <a16:creationId xmlns="" xmlns:a16="http://schemas.microsoft.com/office/drawing/2014/main" id="{A7DB6972-BB75-254A-BA88-C0C3E6E93BDB}"/>
               </a:ext>
               <a:ext uri="{C183D7F6-B498-43B3-948B-1728B52AA6E4}">
-                <adec:decorative xmlns:adec="http://schemas.microsoft.com/office/drawing/2017/decorative" xmlns="" val="1"/>
+                <adec:decorative xmlns="" xmlns:adec="http://schemas.microsoft.com/office/drawing/2017/decorative" val="1"/>
               </a:ext>
             </a:extLst>
           </p:cNvPr>
@@ -1856,10 +2192,10 @@
           <p:cNvPr id="30" name="Image 2">
             <a:extLst>
               <a:ext uri="{FF2B5EF4-FFF2-40B4-BE49-F238E27FC236}">
-                <a16:creationId xmlns:a16="http://schemas.microsoft.com/office/drawing/2014/main" xmlns="" id="{790E862E-398F-571C-EC2C-3D17164DE059}"/>
+                <a16:creationId xmlns="" xmlns:a16="http://schemas.microsoft.com/office/drawing/2014/main" id="{790E862E-398F-571C-EC2C-3D17164DE059}"/>
               </a:ext>
               <a:ext uri="{C183D7F6-B498-43B3-948B-1728B52AA6E4}">
-                <adec:decorative xmlns:adec="http://schemas.microsoft.com/office/drawing/2017/decorative" xmlns="" val="1"/>
+                <adec:decorative xmlns="" xmlns:adec="http://schemas.microsoft.com/office/drawing/2017/decorative" val="1"/>
               </a:ext>
             </a:extLst>
           </p:cNvPr>
@@ -1955,7 +2291,7 @@
           <p:cNvPr id="6" name="Title 1">
             <a:extLst>
               <a:ext uri="{FF2B5EF4-FFF2-40B4-BE49-F238E27FC236}">
-                <a16:creationId xmlns:a16="http://schemas.microsoft.com/office/drawing/2014/main" xmlns="" id="{1C975BF2-D657-C309-269D-B8D006263130}"/>
+                <a16:creationId xmlns="" xmlns:a16="http://schemas.microsoft.com/office/drawing/2014/main" id="{1C975BF2-D657-C309-269D-B8D006263130}"/>
               </a:ext>
             </a:extLst>
           </p:cNvPr>
@@ -1999,7 +2335,7 @@
           <p:cNvPr id="4" name="Text Placeholder 54">
             <a:extLst>
               <a:ext uri="{FF2B5EF4-FFF2-40B4-BE49-F238E27FC236}">
-                <a16:creationId xmlns:a16="http://schemas.microsoft.com/office/drawing/2014/main" xmlns="" id="{A0AEB4DF-13C8-8171-2BDB-FD1AD542E783}"/>
+                <a16:creationId xmlns="" xmlns:a16="http://schemas.microsoft.com/office/drawing/2014/main" id="{A0AEB4DF-13C8-8171-2BDB-FD1AD542E783}"/>
               </a:ext>
             </a:extLst>
           </p:cNvPr>
@@ -2049,7 +2385,7 @@
           <p:cNvPr id="9" name="Content Placeholder 2">
             <a:extLst>
               <a:ext uri="{FF2B5EF4-FFF2-40B4-BE49-F238E27FC236}">
-                <a16:creationId xmlns:a16="http://schemas.microsoft.com/office/drawing/2014/main" xmlns="" id="{42134EBA-AF32-9F8A-370F-0D3E842F0397}"/>
+                <a16:creationId xmlns="" xmlns:a16="http://schemas.microsoft.com/office/drawing/2014/main" id="{42134EBA-AF32-9F8A-370F-0D3E842F0397}"/>
               </a:ext>
             </a:extLst>
           </p:cNvPr>
@@ -2129,7 +2465,7 @@
           <p:cNvPr id="20" name="Slide Number Placeholder 2">
             <a:extLst>
               <a:ext uri="{FF2B5EF4-FFF2-40B4-BE49-F238E27FC236}">
-                <a16:creationId xmlns:a16="http://schemas.microsoft.com/office/drawing/2014/main" xmlns="" id="{AE99A73D-155B-A133-9671-506F54A0559A}"/>
+                <a16:creationId xmlns="" xmlns:a16="http://schemas.microsoft.com/office/drawing/2014/main" id="{AE99A73D-155B-A133-9671-506F54A0559A}"/>
               </a:ext>
             </a:extLst>
           </p:cNvPr>
@@ -2203,10 +2539,10 @@
           <p:cNvPr id="29" name="Graphic 28">
             <a:extLst>
               <a:ext uri="{FF2B5EF4-FFF2-40B4-BE49-F238E27FC236}">
-                <a16:creationId xmlns:a16="http://schemas.microsoft.com/office/drawing/2014/main" xmlns="" id="{D5595DD5-43B0-252F-8BC6-6B74340C5BCF}"/>
+                <a16:creationId xmlns="" xmlns:a16="http://schemas.microsoft.com/office/drawing/2014/main" id="{D5595DD5-43B0-252F-8BC6-6B74340C5BCF}"/>
               </a:ext>
               <a:ext uri="{C183D7F6-B498-43B3-948B-1728B52AA6E4}">
-                <adec:decorative xmlns:adec="http://schemas.microsoft.com/office/drawing/2017/decorative" xmlns="" val="1"/>
+                <adec:decorative xmlns="" xmlns:adec="http://schemas.microsoft.com/office/drawing/2017/decorative" val="1"/>
               </a:ext>
             </a:extLst>
           </p:cNvPr>
@@ -2222,7 +2558,7 @@
                 <a14:useLocalDpi xmlns:a14="http://schemas.microsoft.com/office/drawing/2010/main"/>
               </a:ext>
               <a:ext uri="{96DAC541-7B7A-43D3-8B79-37D633B846F1}">
-                <asvg:svgBlip xmlns:asvg="http://schemas.microsoft.com/office/drawing/2016/SVG/main" xmlns="" r:embed="rId3"/>
+                <asvg:svgBlip xmlns="" xmlns:asvg="http://schemas.microsoft.com/office/drawing/2016/SVG/main" r:embed="rId3"/>
               </a:ext>
             </a:extLst>
           </a:blip>
@@ -2323,10 +2659,10 @@
           <p:cNvPr id="49" name="Freeform 48">
             <a:extLst>
               <a:ext uri="{FF2B5EF4-FFF2-40B4-BE49-F238E27FC236}">
-                <a16:creationId xmlns:a16="http://schemas.microsoft.com/office/drawing/2014/main" xmlns="" id="{BC3A3767-6C5E-8188-0A49-955BBACE37F0}"/>
+                <a16:creationId xmlns="" xmlns:a16="http://schemas.microsoft.com/office/drawing/2014/main" id="{BC3A3767-6C5E-8188-0A49-955BBACE37F0}"/>
               </a:ext>
               <a:ext uri="{C183D7F6-B498-43B3-948B-1728B52AA6E4}">
-                <adec:decorative xmlns:adec="http://schemas.microsoft.com/office/drawing/2017/decorative" xmlns="" val="1"/>
+                <adec:decorative xmlns="" xmlns:adec="http://schemas.microsoft.com/office/drawing/2017/decorative" val="1"/>
               </a:ext>
             </a:extLst>
           </p:cNvPr>
@@ -2410,7 +2746,7 @@
           <p:cNvPr id="16" name="Content Placeholder 3">
             <a:extLst>
               <a:ext uri="{FF2B5EF4-FFF2-40B4-BE49-F238E27FC236}">
-                <a16:creationId xmlns:a16="http://schemas.microsoft.com/office/drawing/2014/main" xmlns="" id="{E4BD7F71-D12B-4F27-1505-FF681CF55F73}"/>
+                <a16:creationId xmlns="" xmlns:a16="http://schemas.microsoft.com/office/drawing/2014/main" id="{E4BD7F71-D12B-4F27-1505-FF681CF55F73}"/>
               </a:ext>
             </a:extLst>
           </p:cNvPr>
@@ -2505,7 +2841,7 @@
           <p:cNvPr id="18" name="Content Placeholder 3">
             <a:extLst>
               <a:ext uri="{FF2B5EF4-FFF2-40B4-BE49-F238E27FC236}">
-                <a16:creationId xmlns:a16="http://schemas.microsoft.com/office/drawing/2014/main" xmlns="" id="{FB87C65D-4EF3-18C8-18A8-477F87A37E51}"/>
+                <a16:creationId xmlns="" xmlns:a16="http://schemas.microsoft.com/office/drawing/2014/main" id="{FB87C65D-4EF3-18C8-18A8-477F87A37E51}"/>
               </a:ext>
             </a:extLst>
           </p:cNvPr>
@@ -2600,7 +2936,7 @@
           <p:cNvPr id="27" name="Slide Number Placeholder 2">
             <a:extLst>
               <a:ext uri="{FF2B5EF4-FFF2-40B4-BE49-F238E27FC236}">
-                <a16:creationId xmlns:a16="http://schemas.microsoft.com/office/drawing/2014/main" xmlns="" id="{AEFFA34C-885D-E995-D8F9-B4ACFBF3110D}"/>
+                <a16:creationId xmlns="" xmlns:a16="http://schemas.microsoft.com/office/drawing/2014/main" id="{AEFFA34C-885D-E995-D8F9-B4ACFBF3110D}"/>
               </a:ext>
             </a:extLst>
           </p:cNvPr>
@@ -2641,10 +2977,10 @@
           <p:cNvPr id="43" name="Graphic 42">
             <a:extLst>
               <a:ext uri="{FF2B5EF4-FFF2-40B4-BE49-F238E27FC236}">
-                <a16:creationId xmlns:a16="http://schemas.microsoft.com/office/drawing/2014/main" xmlns="" id="{C6639AD7-128F-B39D-B45F-0F22A2C6D68B}"/>
+                <a16:creationId xmlns="" xmlns:a16="http://schemas.microsoft.com/office/drawing/2014/main" id="{C6639AD7-128F-B39D-B45F-0F22A2C6D68B}"/>
               </a:ext>
               <a:ext uri="{C183D7F6-B498-43B3-948B-1728B52AA6E4}">
-                <adec:decorative xmlns:adec="http://schemas.microsoft.com/office/drawing/2017/decorative" xmlns="" val="1"/>
+                <adec:decorative xmlns="" xmlns:adec="http://schemas.microsoft.com/office/drawing/2017/decorative" val="1"/>
               </a:ext>
             </a:extLst>
           </p:cNvPr>
@@ -2660,7 +2996,7 @@
                 <a14:useLocalDpi xmlns:a14="http://schemas.microsoft.com/office/drawing/2010/main"/>
               </a:ext>
               <a:ext uri="{96DAC541-7B7A-43D3-8B79-37D633B846F1}">
-                <asvg:svgBlip xmlns:asvg="http://schemas.microsoft.com/office/drawing/2016/SVG/main" xmlns="" r:embed="rId3"/>
+                <asvg:svgBlip xmlns="" xmlns:asvg="http://schemas.microsoft.com/office/drawing/2016/SVG/main" r:embed="rId3"/>
               </a:ext>
             </a:extLst>
           </a:blip>
@@ -2725,10 +3061,10 @@
           <p:cNvPr id="54" name="Graphic 53">
             <a:extLst>
               <a:ext uri="{FF2B5EF4-FFF2-40B4-BE49-F238E27FC236}">
-                <a16:creationId xmlns:a16="http://schemas.microsoft.com/office/drawing/2014/main" xmlns="" id="{48479A23-C29C-C711-510C-05B69B882268}"/>
+                <a16:creationId xmlns="" xmlns:a16="http://schemas.microsoft.com/office/drawing/2014/main" id="{48479A23-C29C-C711-510C-05B69B882268}"/>
               </a:ext>
               <a:ext uri="{C183D7F6-B498-43B3-948B-1728B52AA6E4}">
-                <adec:decorative xmlns:adec="http://schemas.microsoft.com/office/drawing/2017/decorative" xmlns="" val="1"/>
+                <adec:decorative xmlns="" xmlns:adec="http://schemas.microsoft.com/office/drawing/2017/decorative" val="1"/>
               </a:ext>
             </a:extLst>
           </p:cNvPr>
@@ -2744,7 +3080,7 @@
                 <a14:useLocalDpi xmlns:a14="http://schemas.microsoft.com/office/drawing/2010/main"/>
               </a:ext>
               <a:ext uri="{96DAC541-7B7A-43D3-8B79-37D633B846F1}">
-                <asvg:svgBlip xmlns:asvg="http://schemas.microsoft.com/office/drawing/2016/SVG/main" xmlns="" r:embed="rId5"/>
+                <asvg:svgBlip xmlns="" xmlns:asvg="http://schemas.microsoft.com/office/drawing/2016/SVG/main" r:embed="rId5"/>
               </a:ext>
             </a:extLst>
           </a:blip>
@@ -2809,10 +3145,10 @@
           <p:cNvPr id="7" name="Image 2">
             <a:extLst>
               <a:ext uri="{FF2B5EF4-FFF2-40B4-BE49-F238E27FC236}">
-                <a16:creationId xmlns:a16="http://schemas.microsoft.com/office/drawing/2014/main" xmlns="" id="{F3DC42FA-4B8F-2EFC-CAB4-1CCAB93BEB7B}"/>
+                <a16:creationId xmlns="" xmlns:a16="http://schemas.microsoft.com/office/drawing/2014/main" id="{F3DC42FA-4B8F-2EFC-CAB4-1CCAB93BEB7B}"/>
               </a:ext>
               <a:ext uri="{C183D7F6-B498-43B3-948B-1728B52AA6E4}">
-                <adec:decorative xmlns:adec="http://schemas.microsoft.com/office/drawing/2017/decorative" xmlns="" val="1"/>
+                <adec:decorative xmlns="" xmlns:adec="http://schemas.microsoft.com/office/drawing/2017/decorative" val="1"/>
               </a:ext>
             </a:extLst>
           </p:cNvPr>
@@ -2941,10 +3277,10 @@
           <p:cNvPr id="33" name="Rectangle 32">
             <a:extLst>
               <a:ext uri="{FF2B5EF4-FFF2-40B4-BE49-F238E27FC236}">
-                <a16:creationId xmlns:a16="http://schemas.microsoft.com/office/drawing/2014/main" xmlns="" id="{376CF4B8-1811-BD21-43A7-560AC4724F3B}"/>
+                <a16:creationId xmlns="" xmlns:a16="http://schemas.microsoft.com/office/drawing/2014/main" id="{376CF4B8-1811-BD21-43A7-560AC4724F3B}"/>
               </a:ext>
               <a:ext uri="{C183D7F6-B498-43B3-948B-1728B52AA6E4}">
-                <adec:decorative xmlns:adec="http://schemas.microsoft.com/office/drawing/2017/decorative" xmlns="" val="1"/>
+                <adec:decorative xmlns="" xmlns:adec="http://schemas.microsoft.com/office/drawing/2017/decorative" val="1"/>
               </a:ext>
             </a:extLst>
           </p:cNvPr>
@@ -2998,10 +3334,10 @@
           <p:cNvPr id="34" name="Rectangle 33">
             <a:extLst>
               <a:ext uri="{FF2B5EF4-FFF2-40B4-BE49-F238E27FC236}">
-                <a16:creationId xmlns:a16="http://schemas.microsoft.com/office/drawing/2014/main" xmlns="" id="{30B7B4F0-D3BC-63DF-6429-F771BE5A3270}"/>
+                <a16:creationId xmlns="" xmlns:a16="http://schemas.microsoft.com/office/drawing/2014/main" id="{30B7B4F0-D3BC-63DF-6429-F771BE5A3270}"/>
               </a:ext>
               <a:ext uri="{C183D7F6-B498-43B3-948B-1728B52AA6E4}">
-                <adec:decorative xmlns:adec="http://schemas.microsoft.com/office/drawing/2017/decorative" xmlns="" val="1"/>
+                <adec:decorative xmlns="" xmlns:adec="http://schemas.microsoft.com/office/drawing/2017/decorative" val="1"/>
               </a:ext>
             </a:extLst>
           </p:cNvPr>
@@ -3053,7 +3389,7 @@
           <p:cNvPr id="2" name="Title 1">
             <a:extLst>
               <a:ext uri="{FF2B5EF4-FFF2-40B4-BE49-F238E27FC236}">
-                <a16:creationId xmlns:a16="http://schemas.microsoft.com/office/drawing/2014/main" xmlns="" id="{A65C6DDD-D2BB-0153-0F53-9F7C17BDFD2B}"/>
+                <a16:creationId xmlns="" xmlns:a16="http://schemas.microsoft.com/office/drawing/2014/main" id="{A65C6DDD-D2BB-0153-0F53-9F7C17BDFD2B}"/>
               </a:ext>
             </a:extLst>
           </p:cNvPr>
@@ -3097,7 +3433,7 @@
           <p:cNvPr id="14" name="Content Placeholder 5">
             <a:extLst>
               <a:ext uri="{FF2B5EF4-FFF2-40B4-BE49-F238E27FC236}">
-                <a16:creationId xmlns:a16="http://schemas.microsoft.com/office/drawing/2014/main" xmlns="" id="{4D6DED8E-165F-59D7-F01C-4EF0446E5FC0}"/>
+                <a16:creationId xmlns="" xmlns:a16="http://schemas.microsoft.com/office/drawing/2014/main" id="{4D6DED8E-165F-59D7-F01C-4EF0446E5FC0}"/>
               </a:ext>
             </a:extLst>
           </p:cNvPr>
@@ -3192,7 +3528,7 @@
           <p:cNvPr id="16" name="Slide Number Placeholder 2">
             <a:extLst>
               <a:ext uri="{FF2B5EF4-FFF2-40B4-BE49-F238E27FC236}">
-                <a16:creationId xmlns:a16="http://schemas.microsoft.com/office/drawing/2014/main" xmlns="" id="{2933FDAB-13EE-5F9F-5DFC-A5A60BC63623}"/>
+                <a16:creationId xmlns="" xmlns:a16="http://schemas.microsoft.com/office/drawing/2014/main" id="{2933FDAB-13EE-5F9F-5DFC-A5A60BC63623}"/>
               </a:ext>
             </a:extLst>
           </p:cNvPr>
@@ -3274,10 +3610,10 @@
           <p:cNvPr id="13" name="Freeform: Shape 12">
             <a:extLst>
               <a:ext uri="{FF2B5EF4-FFF2-40B4-BE49-F238E27FC236}">
-                <a16:creationId xmlns:a16="http://schemas.microsoft.com/office/drawing/2014/main" xmlns="" id="{AEF1F750-031C-BDB7-BD7B-9CBE17406FDB}"/>
+                <a16:creationId xmlns="" xmlns:a16="http://schemas.microsoft.com/office/drawing/2014/main" id="{AEF1F750-031C-BDB7-BD7B-9CBE17406FDB}"/>
               </a:ext>
               <a:ext uri="{C183D7F6-B498-43B3-948B-1728B52AA6E4}">
-                <adec:decorative xmlns:adec="http://schemas.microsoft.com/office/drawing/2017/decorative" xmlns="" val="1"/>
+                <adec:decorative xmlns="" xmlns:adec="http://schemas.microsoft.com/office/drawing/2017/decorative" val="1"/>
               </a:ext>
             </a:extLst>
           </p:cNvPr>
@@ -3395,10 +3731,10 @@
           <p:cNvPr id="19" name="Freeform: Shape 18">
             <a:extLst>
               <a:ext uri="{FF2B5EF4-FFF2-40B4-BE49-F238E27FC236}">
-                <a16:creationId xmlns:a16="http://schemas.microsoft.com/office/drawing/2014/main" xmlns="" id="{FEB515B5-2D9F-58E1-6E3C-CCBF105D891E}"/>
+                <a16:creationId xmlns="" xmlns:a16="http://schemas.microsoft.com/office/drawing/2014/main" id="{FEB515B5-2D9F-58E1-6E3C-CCBF105D891E}"/>
               </a:ext>
               <a:ext uri="{C183D7F6-B498-43B3-948B-1728B52AA6E4}">
-                <adec:decorative xmlns:adec="http://schemas.microsoft.com/office/drawing/2017/decorative" xmlns="" val="1"/>
+                <adec:decorative xmlns="" xmlns:adec="http://schemas.microsoft.com/office/drawing/2017/decorative" val="1"/>
               </a:ext>
             </a:extLst>
           </p:cNvPr>
@@ -3498,10 +3834,10 @@
           <p:cNvPr id="9" name="Image 2">
             <a:extLst>
               <a:ext uri="{FF2B5EF4-FFF2-40B4-BE49-F238E27FC236}">
-                <a16:creationId xmlns:a16="http://schemas.microsoft.com/office/drawing/2014/main" xmlns="" id="{5CCFEDF9-5B69-87BA-8A33-35033DA4013F}"/>
+                <a16:creationId xmlns="" xmlns:a16="http://schemas.microsoft.com/office/drawing/2014/main" id="{5CCFEDF9-5B69-87BA-8A33-35033DA4013F}"/>
               </a:ext>
               <a:ext uri="{C183D7F6-B498-43B3-948B-1728B52AA6E4}">
-                <adec:decorative xmlns:adec="http://schemas.microsoft.com/office/drawing/2017/decorative" xmlns="" val="1"/>
+                <adec:decorative xmlns="" xmlns:adec="http://schemas.microsoft.com/office/drawing/2017/decorative" val="1"/>
               </a:ext>
             </a:extLst>
           </p:cNvPr>
@@ -3517,7 +3853,7 @@
                 <a14:useLocalDpi xmlns:a14="http://schemas.microsoft.com/office/drawing/2010/main"/>
               </a:ext>
               <a:ext uri="{96DAC541-7B7A-43D3-8B79-37D633B846F1}">
-                <asvg:svgBlip xmlns:asvg="http://schemas.microsoft.com/office/drawing/2016/SVG/main" xmlns="" r:embed="rId3"/>
+                <asvg:svgBlip xmlns="" xmlns:asvg="http://schemas.microsoft.com/office/drawing/2016/SVG/main" r:embed="rId3"/>
               </a:ext>
             </a:extLst>
           </a:blip>
@@ -3575,7 +3911,7 @@
           <p:cNvPr id="6" name="Subtitle 2">
             <a:extLst>
               <a:ext uri="{FF2B5EF4-FFF2-40B4-BE49-F238E27FC236}">
-                <a16:creationId xmlns:a16="http://schemas.microsoft.com/office/drawing/2014/main" xmlns="" id="{86F10CB4-CF79-A942-DA9C-04CBB7C89DC3}"/>
+                <a16:creationId xmlns="" xmlns:a16="http://schemas.microsoft.com/office/drawing/2014/main" id="{86F10CB4-CF79-A942-DA9C-04CBB7C89DC3}"/>
               </a:ext>
             </a:extLst>
           </p:cNvPr>
@@ -3683,10 +4019,10 @@
           <p:cNvPr id="7" name="Freeform: Shape 6">
             <a:extLst>
               <a:ext uri="{FF2B5EF4-FFF2-40B4-BE49-F238E27FC236}">
-                <a16:creationId xmlns:a16="http://schemas.microsoft.com/office/drawing/2014/main" xmlns="" id="{2C6B5F91-ABF5-D0B6-E43F-40CEDC3A6DF8}"/>
+                <a16:creationId xmlns="" xmlns:a16="http://schemas.microsoft.com/office/drawing/2014/main" id="{2C6B5F91-ABF5-D0B6-E43F-40CEDC3A6DF8}"/>
               </a:ext>
               <a:ext uri="{C183D7F6-B498-43B3-948B-1728B52AA6E4}">
-                <adec:decorative xmlns:adec="http://schemas.microsoft.com/office/drawing/2017/decorative" xmlns="" val="1"/>
+                <adec:decorative xmlns="" xmlns:adec="http://schemas.microsoft.com/office/drawing/2017/decorative" val="1"/>
               </a:ext>
             </a:extLst>
           </p:cNvPr>
@@ -4647,10 +4983,10 @@
           <p:cNvPr id="9" name="Freeform: Shape 8">
             <a:extLst>
               <a:ext uri="{FF2B5EF4-FFF2-40B4-BE49-F238E27FC236}">
-                <a16:creationId xmlns:a16="http://schemas.microsoft.com/office/drawing/2014/main" xmlns="" id="{A52D64F1-27B6-A1E5-4F44-A6029FAB307B}"/>
+                <a16:creationId xmlns="" xmlns:a16="http://schemas.microsoft.com/office/drawing/2014/main" id="{A52D64F1-27B6-A1E5-4F44-A6029FAB307B}"/>
               </a:ext>
               <a:ext uri="{C183D7F6-B498-43B3-948B-1728B52AA6E4}">
-                <adec:decorative xmlns:adec="http://schemas.microsoft.com/office/drawing/2017/decorative" xmlns="" val="1"/>
+                <adec:decorative xmlns="" xmlns:adec="http://schemas.microsoft.com/office/drawing/2017/decorative" val="1"/>
               </a:ext>
             </a:extLst>
           </p:cNvPr>
@@ -5696,10 +6032,10 @@
           <p:cNvPr id="6" name="Freeform: Shape 5">
             <a:extLst>
               <a:ext uri="{FF2B5EF4-FFF2-40B4-BE49-F238E27FC236}">
-                <a16:creationId xmlns:a16="http://schemas.microsoft.com/office/drawing/2014/main" xmlns="" id="{A626DE4B-D4E5-B36A-89FA-7C0E87AFC31D}"/>
+                <a16:creationId xmlns="" xmlns:a16="http://schemas.microsoft.com/office/drawing/2014/main" id="{A626DE4B-D4E5-B36A-89FA-7C0E87AFC31D}"/>
               </a:ext>
               <a:ext uri="{C183D7F6-B498-43B3-948B-1728B52AA6E4}">
-                <adec:decorative xmlns:adec="http://schemas.microsoft.com/office/drawing/2017/decorative" xmlns="" val="1"/>
+                <adec:decorative xmlns="" xmlns:adec="http://schemas.microsoft.com/office/drawing/2017/decorative" val="1"/>
               </a:ext>
             </a:extLst>
           </p:cNvPr>
@@ -6660,10 +6996,10 @@
           <p:cNvPr id="8" name="Freeform: Shape 7">
             <a:extLst>
               <a:ext uri="{FF2B5EF4-FFF2-40B4-BE49-F238E27FC236}">
-                <a16:creationId xmlns:a16="http://schemas.microsoft.com/office/drawing/2014/main" xmlns="" id="{95243571-BE64-3777-F992-88FC43A60537}"/>
+                <a16:creationId xmlns="" xmlns:a16="http://schemas.microsoft.com/office/drawing/2014/main" id="{95243571-BE64-3777-F992-88FC43A60537}"/>
               </a:ext>
               <a:ext uri="{C183D7F6-B498-43B3-948B-1728B52AA6E4}">
-                <adec:decorative xmlns:adec="http://schemas.microsoft.com/office/drawing/2017/decorative" xmlns="" val="1"/>
+                <adec:decorative xmlns="" xmlns:adec="http://schemas.microsoft.com/office/drawing/2017/decorative" val="1"/>
               </a:ext>
             </a:extLst>
           </p:cNvPr>
@@ -7687,10 +8023,10 @@
           <p:cNvPr id="11" name="Freeform: Shape 10">
             <a:extLst>
               <a:ext uri="{FF2B5EF4-FFF2-40B4-BE49-F238E27FC236}">
-                <a16:creationId xmlns:a16="http://schemas.microsoft.com/office/drawing/2014/main" xmlns="" id="{ADFAE2CB-0EAD-E788-FCB7-FB12F6939199}"/>
+                <a16:creationId xmlns="" xmlns:a16="http://schemas.microsoft.com/office/drawing/2014/main" id="{ADFAE2CB-0EAD-E788-FCB7-FB12F6939199}"/>
               </a:ext>
               <a:ext uri="{C183D7F6-B498-43B3-948B-1728B52AA6E4}">
-                <adec:decorative xmlns:adec="http://schemas.microsoft.com/office/drawing/2017/decorative" xmlns="" val="1"/>
+                <adec:decorative xmlns="" xmlns:adec="http://schemas.microsoft.com/office/drawing/2017/decorative" val="1"/>
               </a:ext>
             </a:extLst>
           </p:cNvPr>
@@ -8897,10 +9233,10 @@
           <p:cNvPr id="11" name="Freeform: Shape 10">
             <a:extLst>
               <a:ext uri="{FF2B5EF4-FFF2-40B4-BE49-F238E27FC236}">
-                <a16:creationId xmlns:a16="http://schemas.microsoft.com/office/drawing/2014/main" xmlns="" id="{CAA6B609-D718-DB49-892F-7E49376CC913}"/>
+                <a16:creationId xmlns="" xmlns:a16="http://schemas.microsoft.com/office/drawing/2014/main" id="{CAA6B609-D718-DB49-892F-7E49376CC913}"/>
               </a:ext>
               <a:ext uri="{C183D7F6-B498-43B3-948B-1728B52AA6E4}">
-                <adec:decorative xmlns:adec="http://schemas.microsoft.com/office/drawing/2017/decorative" xmlns="" val="1"/>
+                <adec:decorative xmlns="" xmlns:adec="http://schemas.microsoft.com/office/drawing/2017/decorative" val="1"/>
               </a:ext>
             </a:extLst>
           </p:cNvPr>
@@ -10089,10 +10425,10 @@
           <p:cNvPr id="6" name="Group 5">
             <a:extLst>
               <a:ext uri="{FF2B5EF4-FFF2-40B4-BE49-F238E27FC236}">
-                <a16:creationId xmlns:a16="http://schemas.microsoft.com/office/drawing/2014/main" xmlns="" id="{75923D9E-9381-3D11-B31A-1BF5C97F35B0}"/>
+                <a16:creationId xmlns="" xmlns:a16="http://schemas.microsoft.com/office/drawing/2014/main" id="{75923D9E-9381-3D11-B31A-1BF5C97F35B0}"/>
               </a:ext>
               <a:ext uri="{C183D7F6-B498-43B3-948B-1728B52AA6E4}">
-                <adec:decorative xmlns:adec="http://schemas.microsoft.com/office/drawing/2017/decorative" xmlns="" val="1"/>
+                <adec:decorative xmlns="" xmlns:adec="http://schemas.microsoft.com/office/drawing/2017/decorative" val="1"/>
               </a:ext>
             </a:extLst>
           </p:cNvPr>
@@ -10112,7 +10448,7 @@
             <p:cNvPr id="7" name="Freeform 7">
               <a:extLst>
                 <a:ext uri="{FF2B5EF4-FFF2-40B4-BE49-F238E27FC236}">
-                  <a16:creationId xmlns:a16="http://schemas.microsoft.com/office/drawing/2014/main" xmlns="" id="{89E777D0-3240-08CE-6B6C-B33B910B8490}"/>
+                  <a16:creationId xmlns="" xmlns:a16="http://schemas.microsoft.com/office/drawing/2014/main" id="{89E777D0-3240-08CE-6B6C-B33B910B8490}"/>
                 </a:ext>
               </a:extLst>
             </p:cNvPr>
@@ -10197,7 +10533,7 @@
             <p:cNvPr id="8" name="Freeform 6">
               <a:extLst>
                 <a:ext uri="{FF2B5EF4-FFF2-40B4-BE49-F238E27FC236}">
-                  <a16:creationId xmlns:a16="http://schemas.microsoft.com/office/drawing/2014/main" xmlns="" id="{EFEA81A2-6893-518C-6AF3-37C987789C86}"/>
+                  <a16:creationId xmlns="" xmlns:a16="http://schemas.microsoft.com/office/drawing/2014/main" id="{EFEA81A2-6893-518C-6AF3-37C987789C86}"/>
                 </a:ext>
               </a:extLst>
             </p:cNvPr>
@@ -10283,10 +10619,10 @@
           <p:cNvPr id="9" name="Group 8">
             <a:extLst>
               <a:ext uri="{FF2B5EF4-FFF2-40B4-BE49-F238E27FC236}">
-                <a16:creationId xmlns:a16="http://schemas.microsoft.com/office/drawing/2014/main" xmlns="" id="{0F297964-0B81-31DC-6D6D-1414832238B1}"/>
+                <a16:creationId xmlns="" xmlns:a16="http://schemas.microsoft.com/office/drawing/2014/main" id="{0F297964-0B81-31DC-6D6D-1414832238B1}"/>
               </a:ext>
               <a:ext uri="{C183D7F6-B498-43B3-948B-1728B52AA6E4}">
-                <adec:decorative xmlns:adec="http://schemas.microsoft.com/office/drawing/2017/decorative" xmlns="" val="1"/>
+                <adec:decorative xmlns="" xmlns:adec="http://schemas.microsoft.com/office/drawing/2017/decorative" val="1"/>
               </a:ext>
             </a:extLst>
           </p:cNvPr>
@@ -10306,7 +10642,7 @@
             <p:cNvPr id="10" name="Freeform 7">
               <a:extLst>
                 <a:ext uri="{FF2B5EF4-FFF2-40B4-BE49-F238E27FC236}">
-                  <a16:creationId xmlns:a16="http://schemas.microsoft.com/office/drawing/2014/main" xmlns="" id="{CE4FDB43-7466-4B74-330E-836DA9504C90}"/>
+                  <a16:creationId xmlns="" xmlns:a16="http://schemas.microsoft.com/office/drawing/2014/main" id="{CE4FDB43-7466-4B74-330E-836DA9504C90}"/>
                 </a:ext>
               </a:extLst>
             </p:cNvPr>
@@ -10391,7 +10727,7 @@
             <p:cNvPr id="11" name="Freeform 6">
               <a:extLst>
                 <a:ext uri="{FF2B5EF4-FFF2-40B4-BE49-F238E27FC236}">
-                  <a16:creationId xmlns:a16="http://schemas.microsoft.com/office/drawing/2014/main" xmlns="" id="{2EA39DB9-F1B4-F4E9-CF4D-717B0CD747DA}"/>
+                  <a16:creationId xmlns="" xmlns:a16="http://schemas.microsoft.com/office/drawing/2014/main" id="{2EA39DB9-F1B4-F4E9-CF4D-717B0CD747DA}"/>
                 </a:ext>
               </a:extLst>
             </p:cNvPr>
@@ -10477,10 +10813,10 @@
           <p:cNvPr id="14" name="Image 2">
             <a:extLst>
               <a:ext uri="{FF2B5EF4-FFF2-40B4-BE49-F238E27FC236}">
-                <a16:creationId xmlns:a16="http://schemas.microsoft.com/office/drawing/2014/main" xmlns="" id="{EFFAEAD9-58A9-096B-C6D0-58F7AD08EB20}"/>
+                <a16:creationId xmlns="" xmlns:a16="http://schemas.microsoft.com/office/drawing/2014/main" id="{EFFAEAD9-58A9-096B-C6D0-58F7AD08EB20}"/>
               </a:ext>
               <a:ext uri="{C183D7F6-B498-43B3-948B-1728B52AA6E4}">
-                <adec:decorative xmlns:adec="http://schemas.microsoft.com/office/drawing/2017/decorative" xmlns="" val="1"/>
+                <adec:decorative xmlns="" xmlns:adec="http://schemas.microsoft.com/office/drawing/2017/decorative" val="1"/>
               </a:ext>
             </a:extLst>
           </p:cNvPr>
@@ -10578,7 +10914,7 @@
           <p:cNvPr id="2" name="Title 1">
             <a:extLst>
               <a:ext uri="{FF2B5EF4-FFF2-40B4-BE49-F238E27FC236}">
-                <a16:creationId xmlns:a16="http://schemas.microsoft.com/office/drawing/2014/main" xmlns="" id="{9A1CFBBA-B680-A6A7-3C4B-5FEAC4253283}"/>
+                <a16:creationId xmlns="" xmlns:a16="http://schemas.microsoft.com/office/drawing/2014/main" id="{9A1CFBBA-B680-A6A7-3C4B-5FEAC4253283}"/>
               </a:ext>
             </a:extLst>
           </p:cNvPr>
@@ -10620,7 +10956,7 @@
           <p:cNvPr id="13" name="Content Placeholder 2">
             <a:extLst>
               <a:ext uri="{FF2B5EF4-FFF2-40B4-BE49-F238E27FC236}">
-                <a16:creationId xmlns:a16="http://schemas.microsoft.com/office/drawing/2014/main" xmlns="" id="{72386C43-DD10-E892-08AD-D6F4AE9617DD}"/>
+                <a16:creationId xmlns="" xmlns:a16="http://schemas.microsoft.com/office/drawing/2014/main" id="{72386C43-DD10-E892-08AD-D6F4AE9617DD}"/>
               </a:ext>
             </a:extLst>
           </p:cNvPr>
@@ -10699,7 +11035,7 @@
           <p:cNvPr id="3" name="Slide Number Placeholder 2">
             <a:extLst>
               <a:ext uri="{FF2B5EF4-FFF2-40B4-BE49-F238E27FC236}">
-                <a16:creationId xmlns:a16="http://schemas.microsoft.com/office/drawing/2014/main" xmlns="" id="{71114D1E-7749-DD58-8782-318E4F679DE0}"/>
+                <a16:creationId xmlns="" xmlns:a16="http://schemas.microsoft.com/office/drawing/2014/main" id="{71114D1E-7749-DD58-8782-318E4F679DE0}"/>
               </a:ext>
             </a:extLst>
           </p:cNvPr>
@@ -10780,10 +11116,10 @@
           <p:cNvPr id="5" name="Rectangle 4">
             <a:extLst>
               <a:ext uri="{FF2B5EF4-FFF2-40B4-BE49-F238E27FC236}">
-                <a16:creationId xmlns:a16="http://schemas.microsoft.com/office/drawing/2014/main" xmlns="" id="{7537D12D-0FCA-3396-988D-452D3D526E3D}"/>
+                <a16:creationId xmlns="" xmlns:a16="http://schemas.microsoft.com/office/drawing/2014/main" id="{7537D12D-0FCA-3396-988D-452D3D526E3D}"/>
               </a:ext>
               <a:ext uri="{C183D7F6-B498-43B3-948B-1728B52AA6E4}">
-                <adec:decorative xmlns:adec="http://schemas.microsoft.com/office/drawing/2017/decorative" xmlns="" val="1"/>
+                <adec:decorative xmlns="" xmlns:adec="http://schemas.microsoft.com/office/drawing/2017/decorative" val="1"/>
               </a:ext>
             </a:extLst>
           </p:cNvPr>
@@ -10837,10 +11173,10 @@
           <p:cNvPr id="6" name="Rectangle 5">
             <a:extLst>
               <a:ext uri="{FF2B5EF4-FFF2-40B4-BE49-F238E27FC236}">
-                <a16:creationId xmlns:a16="http://schemas.microsoft.com/office/drawing/2014/main" xmlns="" id="{11710CE8-8A83-C0D3-623E-AFCC6C6A2930}"/>
+                <a16:creationId xmlns="" xmlns:a16="http://schemas.microsoft.com/office/drawing/2014/main" id="{11710CE8-8A83-C0D3-623E-AFCC6C6A2930}"/>
               </a:ext>
               <a:ext uri="{C183D7F6-B498-43B3-948B-1728B52AA6E4}">
-                <adec:decorative xmlns:adec="http://schemas.microsoft.com/office/drawing/2017/decorative" xmlns="" val="1"/>
+                <adec:decorative xmlns="" xmlns:adec="http://schemas.microsoft.com/office/drawing/2017/decorative" val="1"/>
               </a:ext>
             </a:extLst>
           </p:cNvPr>
@@ -10892,10 +11228,10 @@
           <p:cNvPr id="18" name="Group 17">
             <a:extLst>
               <a:ext uri="{FF2B5EF4-FFF2-40B4-BE49-F238E27FC236}">
-                <a16:creationId xmlns:a16="http://schemas.microsoft.com/office/drawing/2014/main" xmlns="" id="{7AA66C80-37C3-6D28-7564-733A30B2CD8D}"/>
+                <a16:creationId xmlns="" xmlns:a16="http://schemas.microsoft.com/office/drawing/2014/main" id="{7AA66C80-37C3-6D28-7564-733A30B2CD8D}"/>
               </a:ext>
               <a:ext uri="{C183D7F6-B498-43B3-948B-1728B52AA6E4}">
-                <adec:decorative xmlns:adec="http://schemas.microsoft.com/office/drawing/2017/decorative" xmlns="" val="1"/>
+                <adec:decorative xmlns="" xmlns:adec="http://schemas.microsoft.com/office/drawing/2017/decorative" val="1"/>
               </a:ext>
             </a:extLst>
           </p:cNvPr>
@@ -10915,10 +11251,10 @@
             <p:cNvPr id="12" name="Freeform: Shape 28">
               <a:extLst>
                 <a:ext uri="{FF2B5EF4-FFF2-40B4-BE49-F238E27FC236}">
-                  <a16:creationId xmlns:a16="http://schemas.microsoft.com/office/drawing/2014/main" xmlns="" id="{D9DB7C23-E0CF-A75F-BFFD-4E7679AF4AD5}"/>
+                  <a16:creationId xmlns="" xmlns:a16="http://schemas.microsoft.com/office/drawing/2014/main" id="{D9DB7C23-E0CF-A75F-BFFD-4E7679AF4AD5}"/>
                 </a:ext>
                 <a:ext uri="{C183D7F6-B498-43B3-948B-1728B52AA6E4}">
-                  <adec:decorative xmlns:adec="http://schemas.microsoft.com/office/drawing/2017/decorative" xmlns="" val="1"/>
+                  <adec:decorative xmlns="" xmlns:adec="http://schemas.microsoft.com/office/drawing/2017/decorative" val="1"/>
                 </a:ext>
               </a:extLst>
             </p:cNvPr>
@@ -11038,10 +11374,10 @@
             <p:cNvPr id="15" name="Freeform: Shape 15">
               <a:extLst>
                 <a:ext uri="{FF2B5EF4-FFF2-40B4-BE49-F238E27FC236}">
-                  <a16:creationId xmlns:a16="http://schemas.microsoft.com/office/drawing/2014/main" xmlns="" id="{4D62A0CC-A0CE-403A-A167-27225B2C6083}"/>
+                  <a16:creationId xmlns="" xmlns:a16="http://schemas.microsoft.com/office/drawing/2014/main" id="{4D62A0CC-A0CE-403A-A167-27225B2C6083}"/>
                 </a:ext>
                 <a:ext uri="{C183D7F6-B498-43B3-948B-1728B52AA6E4}">
-                  <adec:decorative xmlns:adec="http://schemas.microsoft.com/office/drawing/2017/decorative" xmlns="" val="1"/>
+                  <adec:decorative xmlns="" xmlns:adec="http://schemas.microsoft.com/office/drawing/2017/decorative" val="1"/>
                 </a:ext>
               </a:extLst>
             </p:cNvPr>
@@ -11139,10 +11475,10 @@
             <p:cNvPr id="16" name="Image 2">
               <a:extLst>
                 <a:ext uri="{FF2B5EF4-FFF2-40B4-BE49-F238E27FC236}">
-                  <a16:creationId xmlns:a16="http://schemas.microsoft.com/office/drawing/2014/main" xmlns="" id="{F8AD83DA-A293-6D56-F606-7C98C403A3F7}"/>
+                  <a16:creationId xmlns="" xmlns:a16="http://schemas.microsoft.com/office/drawing/2014/main" id="{F8AD83DA-A293-6D56-F606-7C98C403A3F7}"/>
                 </a:ext>
                 <a:ext uri="{C183D7F6-B498-43B3-948B-1728B52AA6E4}">
-                  <adec:decorative xmlns:adec="http://schemas.microsoft.com/office/drawing/2017/decorative" xmlns="" val="1"/>
+                  <adec:decorative xmlns="" xmlns:adec="http://schemas.microsoft.com/office/drawing/2017/decorative" val="1"/>
                 </a:ext>
               </a:extLst>
             </p:cNvPr>
@@ -11275,7 +11611,7 @@
           <p:cNvPr id="8" name="Picture Placeholder 7">
             <a:extLst>
               <a:ext uri="{FF2B5EF4-FFF2-40B4-BE49-F238E27FC236}">
-                <a16:creationId xmlns:a16="http://schemas.microsoft.com/office/drawing/2014/main" xmlns="" id="{E979AC40-7C15-9431-5B1A-415655A7FC05}"/>
+                <a16:creationId xmlns="" xmlns:a16="http://schemas.microsoft.com/office/drawing/2014/main" id="{E979AC40-7C15-9431-5B1A-415655A7FC05}"/>
               </a:ext>
             </a:extLst>
           </p:cNvPr>
@@ -11349,10 +11685,10 @@
           <p:cNvPr id="21" name="Rectangle 20">
             <a:extLst>
               <a:ext uri="{FF2B5EF4-FFF2-40B4-BE49-F238E27FC236}">
-                <a16:creationId xmlns:a16="http://schemas.microsoft.com/office/drawing/2014/main" xmlns="" id="{86F8B46B-EF6E-BC12-09E2-0F3B779197B4}"/>
+                <a16:creationId xmlns="" xmlns:a16="http://schemas.microsoft.com/office/drawing/2014/main" id="{86F8B46B-EF6E-BC12-09E2-0F3B779197B4}"/>
               </a:ext>
               <a:ext uri="{C183D7F6-B498-43B3-948B-1728B52AA6E4}">
-                <adec:decorative xmlns:adec="http://schemas.microsoft.com/office/drawing/2017/decorative" xmlns="" val="1"/>
+                <adec:decorative xmlns="" xmlns:adec="http://schemas.microsoft.com/office/drawing/2017/decorative" val="1"/>
               </a:ext>
             </a:extLst>
           </p:cNvPr>
@@ -11406,10 +11742,10 @@
           <p:cNvPr id="22" name="Rectangle 21">
             <a:extLst>
               <a:ext uri="{FF2B5EF4-FFF2-40B4-BE49-F238E27FC236}">
-                <a16:creationId xmlns:a16="http://schemas.microsoft.com/office/drawing/2014/main" xmlns="" id="{5D7B4F11-E150-473B-98F5-6E6AC9646863}"/>
+                <a16:creationId xmlns="" xmlns:a16="http://schemas.microsoft.com/office/drawing/2014/main" id="{5D7B4F11-E150-473B-98F5-6E6AC9646863}"/>
               </a:ext>
               <a:ext uri="{C183D7F6-B498-43B3-948B-1728B52AA6E4}">
-                <adec:decorative xmlns:adec="http://schemas.microsoft.com/office/drawing/2017/decorative" xmlns="" val="1"/>
+                <adec:decorative xmlns="" xmlns:adec="http://schemas.microsoft.com/office/drawing/2017/decorative" val="1"/>
               </a:ext>
             </a:extLst>
           </p:cNvPr>
@@ -11461,10 +11797,10 @@
           <p:cNvPr id="36" name="Freeform 35">
             <a:extLst>
               <a:ext uri="{FF2B5EF4-FFF2-40B4-BE49-F238E27FC236}">
-                <a16:creationId xmlns:a16="http://schemas.microsoft.com/office/drawing/2014/main" xmlns="" id="{A8E2FA61-C047-21BB-AA50-F84AD7685498}"/>
+                <a16:creationId xmlns="" xmlns:a16="http://schemas.microsoft.com/office/drawing/2014/main" id="{A8E2FA61-C047-21BB-AA50-F84AD7685498}"/>
               </a:ext>
               <a:ext uri="{C183D7F6-B498-43B3-948B-1728B52AA6E4}">
-                <adec:decorative xmlns:adec="http://schemas.microsoft.com/office/drawing/2017/decorative" xmlns="" val="1"/>
+                <adec:decorative xmlns="" xmlns:adec="http://schemas.microsoft.com/office/drawing/2017/decorative" val="1"/>
               </a:ext>
             </a:extLst>
           </p:cNvPr>
@@ -11548,10 +11884,10 @@
           <p:cNvPr id="33" name="Freeform 32">
             <a:extLst>
               <a:ext uri="{FF2B5EF4-FFF2-40B4-BE49-F238E27FC236}">
-                <a16:creationId xmlns:a16="http://schemas.microsoft.com/office/drawing/2014/main" xmlns="" id="{1A2791BA-760E-9FA5-8743-D0B699FC9835}"/>
+                <a16:creationId xmlns="" xmlns:a16="http://schemas.microsoft.com/office/drawing/2014/main" id="{1A2791BA-760E-9FA5-8743-D0B699FC9835}"/>
               </a:ext>
               <a:ext uri="{C183D7F6-B498-43B3-948B-1728B52AA6E4}">
-                <adec:decorative xmlns:adec="http://schemas.microsoft.com/office/drawing/2017/decorative" xmlns="" val="1"/>
+                <adec:decorative xmlns="" xmlns:adec="http://schemas.microsoft.com/office/drawing/2017/decorative" val="1"/>
               </a:ext>
             </a:extLst>
           </p:cNvPr>
@@ -11648,7 +11984,7 @@
           <p:cNvPr id="4" name="Title 1">
             <a:extLst>
               <a:ext uri="{FF2B5EF4-FFF2-40B4-BE49-F238E27FC236}">
-                <a16:creationId xmlns:a16="http://schemas.microsoft.com/office/drawing/2014/main" xmlns="" id="{8D6A03F2-8C7B-D33B-0E8F-24D4800D5C01}"/>
+                <a16:creationId xmlns="" xmlns:a16="http://schemas.microsoft.com/office/drawing/2014/main" id="{8D6A03F2-8C7B-D33B-0E8F-24D4800D5C01}"/>
               </a:ext>
             </a:extLst>
           </p:cNvPr>
@@ -11690,7 +12026,7 @@
           <p:cNvPr id="5" name="Content Placeholder 2">
             <a:extLst>
               <a:ext uri="{FF2B5EF4-FFF2-40B4-BE49-F238E27FC236}">
-                <a16:creationId xmlns:a16="http://schemas.microsoft.com/office/drawing/2014/main" xmlns="" id="{C51465C6-2CDE-B5BF-F22E-CBDD44E86CFC}"/>
+                <a16:creationId xmlns="" xmlns:a16="http://schemas.microsoft.com/office/drawing/2014/main" id="{C51465C6-2CDE-B5BF-F22E-CBDD44E86CFC}"/>
               </a:ext>
             </a:extLst>
           </p:cNvPr>
@@ -11769,7 +12105,7 @@
           <p:cNvPr id="52" name="Picture Placeholder 7">
             <a:extLst>
               <a:ext uri="{FF2B5EF4-FFF2-40B4-BE49-F238E27FC236}">
-                <a16:creationId xmlns:a16="http://schemas.microsoft.com/office/drawing/2014/main" xmlns="" id="{55126063-BDEE-A1AB-FDAE-DD9B98CACDA8}"/>
+                <a16:creationId xmlns="" xmlns:a16="http://schemas.microsoft.com/office/drawing/2014/main" id="{55126063-BDEE-A1AB-FDAE-DD9B98CACDA8}"/>
               </a:ext>
             </a:extLst>
           </p:cNvPr>
@@ -11846,10 +12182,10 @@
           <p:cNvPr id="32" name="Image 1">
             <a:extLst>
               <a:ext uri="{FF2B5EF4-FFF2-40B4-BE49-F238E27FC236}">
-                <a16:creationId xmlns:a16="http://schemas.microsoft.com/office/drawing/2014/main" xmlns="" id="{2A3EC91E-4089-D366-06D3-3E66F93DFAF3}"/>
+                <a16:creationId xmlns="" xmlns:a16="http://schemas.microsoft.com/office/drawing/2014/main" id="{2A3EC91E-4089-D366-06D3-3E66F93DFAF3}"/>
               </a:ext>
               <a:ext uri="{C183D7F6-B498-43B3-948B-1728B52AA6E4}">
-                <adec:decorative xmlns:adec="http://schemas.microsoft.com/office/drawing/2017/decorative" xmlns="" val="1"/>
+                <adec:decorative xmlns="" xmlns:adec="http://schemas.microsoft.com/office/drawing/2017/decorative" val="1"/>
               </a:ext>
             </a:extLst>
           </p:cNvPr>
@@ -11939,10 +12275,10 @@
           <p:cNvPr id="53" name="Freeform: Shape 52">
             <a:extLst>
               <a:ext uri="{FF2B5EF4-FFF2-40B4-BE49-F238E27FC236}">
-                <a16:creationId xmlns:a16="http://schemas.microsoft.com/office/drawing/2014/main" xmlns="" id="{70F595E1-C910-3710-90E9-AF5FFCE05861}"/>
+                <a16:creationId xmlns="" xmlns:a16="http://schemas.microsoft.com/office/drawing/2014/main" id="{70F595E1-C910-3710-90E9-AF5FFCE05861}"/>
               </a:ext>
               <a:ext uri="{C183D7F6-B498-43B3-948B-1728B52AA6E4}">
-                <adec:decorative xmlns:adec="http://schemas.microsoft.com/office/drawing/2017/decorative" xmlns="" val="1"/>
+                <adec:decorative xmlns="" xmlns:adec="http://schemas.microsoft.com/office/drawing/2017/decorative" val="1"/>
               </a:ext>
             </a:extLst>
           </p:cNvPr>
@@ -12796,10 +13132,10 @@
           <p:cNvPr id="29" name="Freeform 70">
             <a:extLst>
               <a:ext uri="{FF2B5EF4-FFF2-40B4-BE49-F238E27FC236}">
-                <a16:creationId xmlns:a16="http://schemas.microsoft.com/office/drawing/2014/main" xmlns="" id="{AA39EF58-54F1-4AC9-1D83-2E7DEEAAEA6A}"/>
+                <a16:creationId xmlns="" xmlns:a16="http://schemas.microsoft.com/office/drawing/2014/main" id="{AA39EF58-54F1-4AC9-1D83-2E7DEEAAEA6A}"/>
               </a:ext>
               <a:ext uri="{C183D7F6-B498-43B3-948B-1728B52AA6E4}">
-                <adec:decorative xmlns:adec="http://schemas.microsoft.com/office/drawing/2017/decorative" xmlns="" val="1"/>
+                <adec:decorative xmlns="" xmlns:adec="http://schemas.microsoft.com/office/drawing/2017/decorative" val="1"/>
               </a:ext>
             </a:extLst>
           </p:cNvPr>
@@ -12886,10 +13222,10 @@
           <p:cNvPr id="31" name="Freeform 70">
             <a:extLst>
               <a:ext uri="{FF2B5EF4-FFF2-40B4-BE49-F238E27FC236}">
-                <a16:creationId xmlns:a16="http://schemas.microsoft.com/office/drawing/2014/main" xmlns="" id="{0C320934-59CC-4123-C7C1-FEEE89F3045F}"/>
+                <a16:creationId xmlns="" xmlns:a16="http://schemas.microsoft.com/office/drawing/2014/main" id="{0C320934-59CC-4123-C7C1-FEEE89F3045F}"/>
               </a:ext>
               <a:ext uri="{C183D7F6-B498-43B3-948B-1728B52AA6E4}">
-                <adec:decorative xmlns:adec="http://schemas.microsoft.com/office/drawing/2017/decorative" xmlns="" val="1"/>
+                <adec:decorative xmlns="" xmlns:adec="http://schemas.microsoft.com/office/drawing/2017/decorative" val="1"/>
               </a:ext>
             </a:extLst>
           </p:cNvPr>
@@ -12974,10 +13310,10 @@
           <p:cNvPr id="33" name="Image 4">
             <a:extLst>
               <a:ext uri="{FF2B5EF4-FFF2-40B4-BE49-F238E27FC236}">
-                <a16:creationId xmlns:a16="http://schemas.microsoft.com/office/drawing/2014/main" xmlns="" id="{EC46DC71-C12A-96C8-3FE2-AA95AB58B349}"/>
+                <a16:creationId xmlns="" xmlns:a16="http://schemas.microsoft.com/office/drawing/2014/main" id="{EC46DC71-C12A-96C8-3FE2-AA95AB58B349}"/>
               </a:ext>
               <a:ext uri="{C183D7F6-B498-43B3-948B-1728B52AA6E4}">
-                <adec:decorative xmlns:adec="http://schemas.microsoft.com/office/drawing/2017/decorative" xmlns="" val="1"/>
+                <adec:decorative xmlns="" xmlns:adec="http://schemas.microsoft.com/office/drawing/2017/decorative" val="1"/>
               </a:ext>
             </a:extLst>
           </p:cNvPr>
@@ -13104,7 +13440,7 @@
           <p:cNvPr id="13" name="Content Placeholder 3">
             <a:extLst>
               <a:ext uri="{FF2B5EF4-FFF2-40B4-BE49-F238E27FC236}">
-                <a16:creationId xmlns:a16="http://schemas.microsoft.com/office/drawing/2014/main" xmlns="" id="{B20F5EA7-881C-8FB7-EAC9-89C8F2E5865C}"/>
+                <a16:creationId xmlns="" xmlns:a16="http://schemas.microsoft.com/office/drawing/2014/main" id="{B20F5EA7-881C-8FB7-EAC9-89C8F2E5865C}"/>
               </a:ext>
             </a:extLst>
           </p:cNvPr>
@@ -13199,7 +13535,7 @@
           <p:cNvPr id="18" name="Slide Number Placeholder 2">
             <a:extLst>
               <a:ext uri="{FF2B5EF4-FFF2-40B4-BE49-F238E27FC236}">
-                <a16:creationId xmlns:a16="http://schemas.microsoft.com/office/drawing/2014/main" xmlns="" id="{ED7A50D8-0839-EC58-FFBE-315A20995799}"/>
+                <a16:creationId xmlns="" xmlns:a16="http://schemas.microsoft.com/office/drawing/2014/main" id="{ED7A50D8-0839-EC58-FFBE-315A20995799}"/>
               </a:ext>
             </a:extLst>
           </p:cNvPr>
@@ -13273,7 +13609,7 @@
           <p:cNvPr id="20" name="Title 19">
             <a:extLst>
               <a:ext uri="{FF2B5EF4-FFF2-40B4-BE49-F238E27FC236}">
-                <a16:creationId xmlns:a16="http://schemas.microsoft.com/office/drawing/2014/main" xmlns="" id="{C26B5661-F583-FA44-8353-161B862E69B1}"/>
+                <a16:creationId xmlns="" xmlns:a16="http://schemas.microsoft.com/office/drawing/2014/main" id="{C26B5661-F583-FA44-8353-161B862E69B1}"/>
               </a:ext>
             </a:extLst>
           </p:cNvPr>
@@ -13315,10 +13651,10 @@
           <p:cNvPr id="11" name="Image 0">
             <a:extLst>
               <a:ext uri="{FF2B5EF4-FFF2-40B4-BE49-F238E27FC236}">
-                <a16:creationId xmlns:a16="http://schemas.microsoft.com/office/drawing/2014/main" xmlns="" id="{CD2D664E-6702-6607-A37E-2E996144917C}"/>
+                <a16:creationId xmlns="" xmlns:a16="http://schemas.microsoft.com/office/drawing/2014/main" id="{CD2D664E-6702-6607-A37E-2E996144917C}"/>
               </a:ext>
               <a:ext uri="{C183D7F6-B498-43B3-948B-1728B52AA6E4}">
-                <adec:decorative xmlns:adec="http://schemas.microsoft.com/office/drawing/2017/decorative" xmlns="" val="1"/>
+                <adec:decorative xmlns="" xmlns:adec="http://schemas.microsoft.com/office/drawing/2017/decorative" val="1"/>
               </a:ext>
             </a:extLst>
           </p:cNvPr>
@@ -13408,10 +13744,10 @@
           <p:cNvPr id="13" name="Image 1">
             <a:extLst>
               <a:ext uri="{FF2B5EF4-FFF2-40B4-BE49-F238E27FC236}">
-                <a16:creationId xmlns:a16="http://schemas.microsoft.com/office/drawing/2014/main" xmlns="" id="{951C5737-DF7E-D671-AC74-9E488335BCA2}"/>
+                <a16:creationId xmlns="" xmlns:a16="http://schemas.microsoft.com/office/drawing/2014/main" id="{951C5737-DF7E-D671-AC74-9E488335BCA2}"/>
               </a:ext>
               <a:ext uri="{C183D7F6-B498-43B3-948B-1728B52AA6E4}">
-                <adec:decorative xmlns:adec="http://schemas.microsoft.com/office/drawing/2017/decorative" xmlns="" val="1"/>
+                <adec:decorative xmlns="" xmlns:adec="http://schemas.microsoft.com/office/drawing/2017/decorative" val="1"/>
               </a:ext>
             </a:extLst>
           </p:cNvPr>
@@ -13427,7 +13763,7 @@
                 <a14:useLocalDpi xmlns:a14="http://schemas.microsoft.com/office/drawing/2010/main"/>
               </a:ext>
               <a:ext uri="{96DAC541-7B7A-43D3-8B79-37D633B846F1}">
-                <asvg:svgBlip xmlns:asvg="http://schemas.microsoft.com/office/drawing/2016/SVG/main" xmlns="" r:embed="rId3"/>
+                <asvg:svgBlip xmlns="" xmlns:asvg="http://schemas.microsoft.com/office/drawing/2016/SVG/main" r:embed="rId3"/>
               </a:ext>
             </a:extLst>
           </a:blip>
@@ -13449,10 +13785,10 @@
           <p:cNvPr id="39" name="Freeform: Shape 38">
             <a:extLst>
               <a:ext uri="{FF2B5EF4-FFF2-40B4-BE49-F238E27FC236}">
-                <a16:creationId xmlns:a16="http://schemas.microsoft.com/office/drawing/2014/main" xmlns="" id="{F232A1E1-DD38-15EA-6CA1-A84950EC43F0}"/>
+                <a16:creationId xmlns="" xmlns:a16="http://schemas.microsoft.com/office/drawing/2014/main" id="{F232A1E1-DD38-15EA-6CA1-A84950EC43F0}"/>
               </a:ext>
               <a:ext uri="{C183D7F6-B498-43B3-948B-1728B52AA6E4}">
-                <adec:decorative xmlns:adec="http://schemas.microsoft.com/office/drawing/2017/decorative" xmlns="" val="1"/>
+                <adec:decorative xmlns="" xmlns:adec="http://schemas.microsoft.com/office/drawing/2017/decorative" val="1"/>
               </a:ext>
             </a:extLst>
           </p:cNvPr>
@@ -14306,10 +14642,10 @@
           <p:cNvPr id="17" name="Image 5">
             <a:extLst>
               <a:ext uri="{FF2B5EF4-FFF2-40B4-BE49-F238E27FC236}">
-                <a16:creationId xmlns:a16="http://schemas.microsoft.com/office/drawing/2014/main" xmlns="" id="{B9036D42-A06F-E6EE-BB91-8BAF045198BE}"/>
+                <a16:creationId xmlns="" xmlns:a16="http://schemas.microsoft.com/office/drawing/2014/main" id="{B9036D42-A06F-E6EE-BB91-8BAF045198BE}"/>
               </a:ext>
               <a:ext uri="{C183D7F6-B498-43B3-948B-1728B52AA6E4}">
-                <adec:decorative xmlns:adec="http://schemas.microsoft.com/office/drawing/2017/decorative" xmlns="" val="1"/>
+                <adec:decorative xmlns="" xmlns:adec="http://schemas.microsoft.com/office/drawing/2017/decorative" val="1"/>
               </a:ext>
             </a:extLst>
           </p:cNvPr>
@@ -14407,10 +14743,10 @@
           <p:cNvPr id="19" name="Image 6">
             <a:extLst>
               <a:ext uri="{FF2B5EF4-FFF2-40B4-BE49-F238E27FC236}">
-                <a16:creationId xmlns:a16="http://schemas.microsoft.com/office/drawing/2014/main" xmlns="" id="{86E0540C-3355-A50D-AC61-047B54B70C64}"/>
+                <a16:creationId xmlns="" xmlns:a16="http://schemas.microsoft.com/office/drawing/2014/main" id="{86E0540C-3355-A50D-AC61-047B54B70C64}"/>
               </a:ext>
               <a:ext uri="{C183D7F6-B498-43B3-948B-1728B52AA6E4}">
-                <adec:decorative xmlns:adec="http://schemas.microsoft.com/office/drawing/2017/decorative" xmlns="" val="1"/>
+                <adec:decorative xmlns="" xmlns:adec="http://schemas.microsoft.com/office/drawing/2017/decorative" val="1"/>
               </a:ext>
             </a:extLst>
           </p:cNvPr>
@@ -14426,7 +14762,7 @@
                 <a14:useLocalDpi xmlns:a14="http://schemas.microsoft.com/office/drawing/2010/main"/>
               </a:ext>
               <a:ext uri="{96DAC541-7B7A-43D3-8B79-37D633B846F1}">
-                <asvg:svgBlip xmlns:asvg="http://schemas.microsoft.com/office/drawing/2016/SVG/main" xmlns="" r:embed="rId5"/>
+                <asvg:svgBlip xmlns="" xmlns:asvg="http://schemas.microsoft.com/office/drawing/2016/SVG/main" r:embed="rId5"/>
               </a:ext>
             </a:extLst>
           </a:blip>
@@ -14448,7 +14784,7 @@
           <p:cNvPr id="16" name="Slide Number Placeholder 2">
             <a:extLst>
               <a:ext uri="{FF2B5EF4-FFF2-40B4-BE49-F238E27FC236}">
-                <a16:creationId xmlns:a16="http://schemas.microsoft.com/office/drawing/2014/main" xmlns="" id="{B00F713C-1CC6-5879-0410-95F179D56AD2}"/>
+                <a16:creationId xmlns="" xmlns:a16="http://schemas.microsoft.com/office/drawing/2014/main" id="{B00F713C-1CC6-5879-0410-95F179D56AD2}"/>
               </a:ext>
             </a:extLst>
           </p:cNvPr>
@@ -14489,7 +14825,7 @@
           <p:cNvPr id="2" name="Content Placeholder 2">
             <a:extLst>
               <a:ext uri="{FF2B5EF4-FFF2-40B4-BE49-F238E27FC236}">
-                <a16:creationId xmlns:a16="http://schemas.microsoft.com/office/drawing/2014/main" xmlns="" id="{8E40D3F2-4A7A-F909-AC98-0B402B26776E}"/>
+                <a16:creationId xmlns="" xmlns:a16="http://schemas.microsoft.com/office/drawing/2014/main" id="{8E40D3F2-4A7A-F909-AC98-0B402B26776E}"/>
               </a:ext>
             </a:extLst>
           </p:cNvPr>
@@ -14601,10 +14937,10 @@
           <p:cNvPr id="27" name="Freeform 26">
             <a:extLst>
               <a:ext uri="{FF2B5EF4-FFF2-40B4-BE49-F238E27FC236}">
-                <a16:creationId xmlns:a16="http://schemas.microsoft.com/office/drawing/2014/main" xmlns="" id="{3C7B0BB3-A5CA-7C72-DC39-AD00EC90964C}"/>
+                <a16:creationId xmlns="" xmlns:a16="http://schemas.microsoft.com/office/drawing/2014/main" id="{3C7B0BB3-A5CA-7C72-DC39-AD00EC90964C}"/>
               </a:ext>
               <a:ext uri="{C183D7F6-B498-43B3-948B-1728B52AA6E4}">
-                <adec:decorative xmlns:adec="http://schemas.microsoft.com/office/drawing/2017/decorative" xmlns="" val="1"/>
+                <adec:decorative xmlns="" xmlns:adec="http://schemas.microsoft.com/office/drawing/2017/decorative" val="1"/>
               </a:ext>
             </a:extLst>
           </p:cNvPr>
@@ -14692,10 +15028,10 @@
           <p:cNvPr id="18" name="Freeform 17">
             <a:extLst>
               <a:ext uri="{FF2B5EF4-FFF2-40B4-BE49-F238E27FC236}">
-                <a16:creationId xmlns:a16="http://schemas.microsoft.com/office/drawing/2014/main" xmlns="" id="{07871527-68A5-0A5C-F5A6-A80523BAC92F}"/>
+                <a16:creationId xmlns="" xmlns:a16="http://schemas.microsoft.com/office/drawing/2014/main" id="{07871527-68A5-0A5C-F5A6-A80523BAC92F}"/>
               </a:ext>
               <a:ext uri="{C183D7F6-B498-43B3-948B-1728B52AA6E4}">
-                <adec:decorative xmlns:adec="http://schemas.microsoft.com/office/drawing/2017/decorative" xmlns="" val="1"/>
+                <adec:decorative xmlns="" xmlns:adec="http://schemas.microsoft.com/office/drawing/2017/decorative" val="1"/>
               </a:ext>
             </a:extLst>
           </p:cNvPr>
@@ -14783,10 +15119,10 @@
           <p:cNvPr id="14" name="Freeform 13">
             <a:extLst>
               <a:ext uri="{FF2B5EF4-FFF2-40B4-BE49-F238E27FC236}">
-                <a16:creationId xmlns:a16="http://schemas.microsoft.com/office/drawing/2014/main" xmlns="" id="{CEB118B3-9B06-AD11-738A-7A0651F98B7E}"/>
+                <a16:creationId xmlns="" xmlns:a16="http://schemas.microsoft.com/office/drawing/2014/main" id="{CEB118B3-9B06-AD11-738A-7A0651F98B7E}"/>
               </a:ext>
               <a:ext uri="{C183D7F6-B498-43B3-948B-1728B52AA6E4}">
-                <adec:decorative xmlns:adec="http://schemas.microsoft.com/office/drawing/2017/decorative" xmlns="" val="1"/>
+                <adec:decorative xmlns="" xmlns:adec="http://schemas.microsoft.com/office/drawing/2017/decorative" val="1"/>
               </a:ext>
             </a:extLst>
           </p:cNvPr>
@@ -14874,10 +15210,10 @@
           <p:cNvPr id="16" name="Freeform 15">
             <a:extLst>
               <a:ext uri="{FF2B5EF4-FFF2-40B4-BE49-F238E27FC236}">
-                <a16:creationId xmlns:a16="http://schemas.microsoft.com/office/drawing/2014/main" xmlns="" id="{0EA94262-504E-06F2-F383-E832C37B1250}"/>
+                <a16:creationId xmlns="" xmlns:a16="http://schemas.microsoft.com/office/drawing/2014/main" id="{0EA94262-504E-06F2-F383-E832C37B1250}"/>
               </a:ext>
               <a:ext uri="{C183D7F6-B498-43B3-948B-1728B52AA6E4}">
-                <adec:decorative xmlns:adec="http://schemas.microsoft.com/office/drawing/2017/decorative" xmlns="" val="1"/>
+                <adec:decorative xmlns="" xmlns:adec="http://schemas.microsoft.com/office/drawing/2017/decorative" val="1"/>
               </a:ext>
             </a:extLst>
           </p:cNvPr>
@@ -14965,7 +15301,7 @@
           <p:cNvPr id="20" name="Title 19">
             <a:extLst>
               <a:ext uri="{FF2B5EF4-FFF2-40B4-BE49-F238E27FC236}">
-                <a16:creationId xmlns:a16="http://schemas.microsoft.com/office/drawing/2014/main" xmlns="" id="{C26B5661-F583-FA44-8353-161B862E69B1}"/>
+                <a16:creationId xmlns="" xmlns:a16="http://schemas.microsoft.com/office/drawing/2014/main" id="{C26B5661-F583-FA44-8353-161B862E69B1}"/>
               </a:ext>
             </a:extLst>
           </p:cNvPr>
@@ -15007,7 +15343,7 @@
           <p:cNvPr id="19" name="Slide Number Placeholder 2">
             <a:extLst>
               <a:ext uri="{FF2B5EF4-FFF2-40B4-BE49-F238E27FC236}">
-                <a16:creationId xmlns:a16="http://schemas.microsoft.com/office/drawing/2014/main" xmlns="" id="{BFBCB81C-7599-87A1-8037-5FB8C374503A}"/>
+                <a16:creationId xmlns="" xmlns:a16="http://schemas.microsoft.com/office/drawing/2014/main" id="{BFBCB81C-7599-87A1-8037-5FB8C374503A}"/>
               </a:ext>
             </a:extLst>
           </p:cNvPr>
@@ -15048,7 +15384,7 @@
           <p:cNvPr id="23" name="Content Placeholder 3">
             <a:extLst>
               <a:ext uri="{FF2B5EF4-FFF2-40B4-BE49-F238E27FC236}">
-                <a16:creationId xmlns:a16="http://schemas.microsoft.com/office/drawing/2014/main" xmlns="" id="{6FF02D51-6992-3FED-2A19-92E5AC564CF4}"/>
+                <a16:creationId xmlns="" xmlns:a16="http://schemas.microsoft.com/office/drawing/2014/main" id="{6FF02D51-6992-3FED-2A19-92E5AC564CF4}"/>
               </a:ext>
             </a:extLst>
           </p:cNvPr>
@@ -15144,7 +15480,7 @@
           <p:cNvPr id="25" name="Content Placeholder 5">
             <a:extLst>
               <a:ext uri="{FF2B5EF4-FFF2-40B4-BE49-F238E27FC236}">
-                <a16:creationId xmlns:a16="http://schemas.microsoft.com/office/drawing/2014/main" xmlns="" id="{C2762372-3C12-61F8-F131-E4C08A2B1735}"/>
+                <a16:creationId xmlns="" xmlns:a16="http://schemas.microsoft.com/office/drawing/2014/main" id="{C2762372-3C12-61F8-F131-E4C08A2B1735}"/>
               </a:ext>
             </a:extLst>
           </p:cNvPr>
@@ -15273,10 +15609,10 @@
           <p:cNvPr id="33" name="Rectangle 32">
             <a:extLst>
               <a:ext uri="{FF2B5EF4-FFF2-40B4-BE49-F238E27FC236}">
-                <a16:creationId xmlns:a16="http://schemas.microsoft.com/office/drawing/2014/main" xmlns="" id="{376CF4B8-1811-BD21-43A7-560AC4724F3B}"/>
+                <a16:creationId xmlns="" xmlns:a16="http://schemas.microsoft.com/office/drawing/2014/main" id="{376CF4B8-1811-BD21-43A7-560AC4724F3B}"/>
               </a:ext>
               <a:ext uri="{C183D7F6-B498-43B3-948B-1728B52AA6E4}">
-                <adec:decorative xmlns:adec="http://schemas.microsoft.com/office/drawing/2017/decorative" xmlns="" val="1"/>
+                <adec:decorative xmlns="" xmlns:adec="http://schemas.microsoft.com/office/drawing/2017/decorative" val="1"/>
               </a:ext>
             </a:extLst>
           </p:cNvPr>
@@ -15330,10 +15666,10 @@
           <p:cNvPr id="34" name="Rectangle 33">
             <a:extLst>
               <a:ext uri="{FF2B5EF4-FFF2-40B4-BE49-F238E27FC236}">
-                <a16:creationId xmlns:a16="http://schemas.microsoft.com/office/drawing/2014/main" xmlns="" id="{30B7B4F0-D3BC-63DF-6429-F771BE5A3270}"/>
+                <a16:creationId xmlns="" xmlns:a16="http://schemas.microsoft.com/office/drawing/2014/main" id="{30B7B4F0-D3BC-63DF-6429-F771BE5A3270}"/>
               </a:ext>
               <a:ext uri="{C183D7F6-B498-43B3-948B-1728B52AA6E4}">
-                <adec:decorative xmlns:adec="http://schemas.microsoft.com/office/drawing/2017/decorative" xmlns="" val="1"/>
+                <adec:decorative xmlns="" xmlns:adec="http://schemas.microsoft.com/office/drawing/2017/decorative" val="1"/>
               </a:ext>
             </a:extLst>
           </p:cNvPr>
@@ -15385,7 +15721,7 @@
           <p:cNvPr id="2" name="Title 1">
             <a:extLst>
               <a:ext uri="{FF2B5EF4-FFF2-40B4-BE49-F238E27FC236}">
-                <a16:creationId xmlns:a16="http://schemas.microsoft.com/office/drawing/2014/main" xmlns="" id="{A65C6DDD-D2BB-0153-0F53-9F7C17BDFD2B}"/>
+                <a16:creationId xmlns="" xmlns:a16="http://schemas.microsoft.com/office/drawing/2014/main" id="{A65C6DDD-D2BB-0153-0F53-9F7C17BDFD2B}"/>
               </a:ext>
             </a:extLst>
           </p:cNvPr>
@@ -15429,7 +15765,7 @@
           <p:cNvPr id="5" name="Content Placeholder 2">
             <a:extLst>
               <a:ext uri="{FF2B5EF4-FFF2-40B4-BE49-F238E27FC236}">
-                <a16:creationId xmlns:a16="http://schemas.microsoft.com/office/drawing/2014/main" xmlns="" id="{0AADE444-940A-5A34-8C49-4F15BC33EEC7}"/>
+                <a16:creationId xmlns="" xmlns:a16="http://schemas.microsoft.com/office/drawing/2014/main" id="{0AADE444-940A-5A34-8C49-4F15BC33EEC7}"/>
               </a:ext>
             </a:extLst>
           </p:cNvPr>
@@ -15525,7 +15861,7 @@
           <p:cNvPr id="3" name="Content Placeholder 2">
             <a:extLst>
               <a:ext uri="{FF2B5EF4-FFF2-40B4-BE49-F238E27FC236}">
-                <a16:creationId xmlns:a16="http://schemas.microsoft.com/office/drawing/2014/main" xmlns="" id="{97A79FCB-9A9F-6B60-A95C-FCF020598DE3}"/>
+                <a16:creationId xmlns="" xmlns:a16="http://schemas.microsoft.com/office/drawing/2014/main" id="{97A79FCB-9A9F-6B60-A95C-FCF020598DE3}"/>
               </a:ext>
             </a:extLst>
           </p:cNvPr>
@@ -15621,7 +15957,7 @@
           <p:cNvPr id="31" name="Picture Placeholder 30">
             <a:extLst>
               <a:ext uri="{FF2B5EF4-FFF2-40B4-BE49-F238E27FC236}">
-                <a16:creationId xmlns:a16="http://schemas.microsoft.com/office/drawing/2014/main" xmlns="" id="{2912B88E-830A-AD4C-378F-46EF5F77950C}"/>
+                <a16:creationId xmlns="" xmlns:a16="http://schemas.microsoft.com/office/drawing/2014/main" id="{2912B88E-830A-AD4C-378F-46EF5F77950C}"/>
               </a:ext>
             </a:extLst>
           </p:cNvPr>
@@ -15821,10 +16157,10 @@
           <p:cNvPr id="32" name="Group 31">
             <a:extLst>
               <a:ext uri="{FF2B5EF4-FFF2-40B4-BE49-F238E27FC236}">
-                <a16:creationId xmlns:a16="http://schemas.microsoft.com/office/drawing/2014/main" xmlns="" id="{B9152F76-E42E-3D76-6BDB-2FA0D69216AD}"/>
+                <a16:creationId xmlns="" xmlns:a16="http://schemas.microsoft.com/office/drawing/2014/main" id="{B9152F76-E42E-3D76-6BDB-2FA0D69216AD}"/>
               </a:ext>
               <a:ext uri="{C183D7F6-B498-43B3-948B-1728B52AA6E4}">
-                <adec:decorative xmlns:adec="http://schemas.microsoft.com/office/drawing/2017/decorative" xmlns="" val="1"/>
+                <adec:decorative xmlns="" xmlns:adec="http://schemas.microsoft.com/office/drawing/2017/decorative" val="1"/>
               </a:ext>
             </a:extLst>
           </p:cNvPr>
@@ -15844,10 +16180,10 @@
             <p:cNvPr id="20" name="Freeform: Shape 28">
               <a:extLst>
                 <a:ext uri="{FF2B5EF4-FFF2-40B4-BE49-F238E27FC236}">
-                  <a16:creationId xmlns:a16="http://schemas.microsoft.com/office/drawing/2014/main" xmlns="" id="{ED0348C7-D83F-0AD7-2539-41219A795693}"/>
+                  <a16:creationId xmlns="" xmlns:a16="http://schemas.microsoft.com/office/drawing/2014/main" id="{ED0348C7-D83F-0AD7-2539-41219A795693}"/>
                 </a:ext>
                 <a:ext uri="{C183D7F6-B498-43B3-948B-1728B52AA6E4}">
-                  <adec:decorative xmlns:adec="http://schemas.microsoft.com/office/drawing/2017/decorative" xmlns="" val="1"/>
+                  <adec:decorative xmlns="" xmlns:adec="http://schemas.microsoft.com/office/drawing/2017/decorative" val="1"/>
                 </a:ext>
               </a:extLst>
             </p:cNvPr>
@@ -15967,10 +16303,10 @@
             <p:cNvPr id="21" name="Freeform: Shape 25">
               <a:extLst>
                 <a:ext uri="{FF2B5EF4-FFF2-40B4-BE49-F238E27FC236}">
-                  <a16:creationId xmlns:a16="http://schemas.microsoft.com/office/drawing/2014/main" xmlns="" id="{E911AA2D-BE77-278D-CD2E-2EB3E180F3B8}"/>
+                  <a16:creationId xmlns="" xmlns:a16="http://schemas.microsoft.com/office/drawing/2014/main" id="{E911AA2D-BE77-278D-CD2E-2EB3E180F3B8}"/>
                 </a:ext>
                 <a:ext uri="{C183D7F6-B498-43B3-948B-1728B52AA6E4}">
-                  <adec:decorative xmlns:adec="http://schemas.microsoft.com/office/drawing/2017/decorative" xmlns="" val="1"/>
+                  <adec:decorative xmlns="" xmlns:adec="http://schemas.microsoft.com/office/drawing/2017/decorative" val="1"/>
                 </a:ext>
               </a:extLst>
             </p:cNvPr>
@@ -16068,10 +16404,10 @@
             <p:cNvPr id="22" name="Freeform: Shape 15">
               <a:extLst>
                 <a:ext uri="{FF2B5EF4-FFF2-40B4-BE49-F238E27FC236}">
-                  <a16:creationId xmlns:a16="http://schemas.microsoft.com/office/drawing/2014/main" xmlns="" id="{B6CE0BA6-C0FD-AC39-6C31-8477E0CAFDB0}"/>
+                  <a16:creationId xmlns="" xmlns:a16="http://schemas.microsoft.com/office/drawing/2014/main" id="{B6CE0BA6-C0FD-AC39-6C31-8477E0CAFDB0}"/>
                 </a:ext>
                 <a:ext uri="{C183D7F6-B498-43B3-948B-1728B52AA6E4}">
-                  <adec:decorative xmlns:adec="http://schemas.microsoft.com/office/drawing/2017/decorative" xmlns="" val="1"/>
+                  <adec:decorative xmlns="" xmlns:adec="http://schemas.microsoft.com/office/drawing/2017/decorative" val="1"/>
                 </a:ext>
               </a:extLst>
             </p:cNvPr>
@@ -16169,10 +16505,10 @@
             <p:cNvPr id="23" name="Image 2">
               <a:extLst>
                 <a:ext uri="{FF2B5EF4-FFF2-40B4-BE49-F238E27FC236}">
-                  <a16:creationId xmlns:a16="http://schemas.microsoft.com/office/drawing/2014/main" xmlns="" id="{666AD1A4-36DE-12F3-BB78-BA678A59572C}"/>
+                  <a16:creationId xmlns="" xmlns:a16="http://schemas.microsoft.com/office/drawing/2014/main" id="{666AD1A4-36DE-12F3-BB78-BA678A59572C}"/>
                 </a:ext>
                 <a:ext uri="{C183D7F6-B498-43B3-948B-1728B52AA6E4}">
-                  <adec:decorative xmlns:adec="http://schemas.microsoft.com/office/drawing/2017/decorative" xmlns="" val="1"/>
+                  <adec:decorative xmlns="" xmlns:adec="http://schemas.microsoft.com/office/drawing/2017/decorative" val="1"/>
                 </a:ext>
               </a:extLst>
             </p:cNvPr>
@@ -16269,7 +16605,7 @@
           <p:cNvPr id="44" name="Slide Number Placeholder 2">
             <a:extLst>
               <a:ext uri="{FF2B5EF4-FFF2-40B4-BE49-F238E27FC236}">
-                <a16:creationId xmlns:a16="http://schemas.microsoft.com/office/drawing/2014/main" xmlns="" id="{79071EEC-EAD1-8B22-009A-68E74589AA8D}"/>
+                <a16:creationId xmlns="" xmlns:a16="http://schemas.microsoft.com/office/drawing/2014/main" id="{79071EEC-EAD1-8B22-009A-68E74589AA8D}"/>
               </a:ext>
             </a:extLst>
           </p:cNvPr>
@@ -16343,10 +16679,10 @@
           <p:cNvPr id="5" name="Freeform 4">
             <a:extLst>
               <a:ext uri="{FF2B5EF4-FFF2-40B4-BE49-F238E27FC236}">
-                <a16:creationId xmlns:a16="http://schemas.microsoft.com/office/drawing/2014/main" xmlns="" id="{28259CF0-6BC5-3693-6F49-C4489C07C317}"/>
+                <a16:creationId xmlns="" xmlns:a16="http://schemas.microsoft.com/office/drawing/2014/main" id="{28259CF0-6BC5-3693-6F49-C4489C07C317}"/>
               </a:ext>
               <a:ext uri="{C183D7F6-B498-43B3-948B-1728B52AA6E4}">
-                <adec:decorative xmlns:adec="http://schemas.microsoft.com/office/drawing/2017/decorative" xmlns="" val="1"/>
+                <adec:decorative xmlns="" xmlns:adec="http://schemas.microsoft.com/office/drawing/2017/decorative" val="1"/>
               </a:ext>
             </a:extLst>
           </p:cNvPr>
@@ -16430,10 +16766,10 @@
           <p:cNvPr id="26" name="Image 4">
             <a:extLst>
               <a:ext uri="{FF2B5EF4-FFF2-40B4-BE49-F238E27FC236}">
-                <a16:creationId xmlns:a16="http://schemas.microsoft.com/office/drawing/2014/main" xmlns="" id="{9019DA73-2516-F3D2-ECDB-620C90483DB3}"/>
+                <a16:creationId xmlns="" xmlns:a16="http://schemas.microsoft.com/office/drawing/2014/main" id="{9019DA73-2516-F3D2-ECDB-620C90483DB3}"/>
               </a:ext>
               <a:ext uri="{C183D7F6-B498-43B3-948B-1728B52AA6E4}">
-                <adec:decorative xmlns:adec="http://schemas.microsoft.com/office/drawing/2017/decorative" xmlns="" val="1"/>
+                <adec:decorative xmlns="" xmlns:adec="http://schemas.microsoft.com/office/drawing/2017/decorative" val="1"/>
               </a:ext>
             </a:extLst>
           </p:cNvPr>
@@ -16515,10 +16851,10 @@
           <p:cNvPr id="14" name="Freeform 13">
             <a:extLst>
               <a:ext uri="{FF2B5EF4-FFF2-40B4-BE49-F238E27FC236}">
-                <a16:creationId xmlns:a16="http://schemas.microsoft.com/office/drawing/2014/main" xmlns="" id="{5665DA82-D253-8EC5-5DFB-F0266ED9FBB4}"/>
+                <a16:creationId xmlns="" xmlns:a16="http://schemas.microsoft.com/office/drawing/2014/main" id="{5665DA82-D253-8EC5-5DFB-F0266ED9FBB4}"/>
               </a:ext>
               <a:ext uri="{C183D7F6-B498-43B3-948B-1728B52AA6E4}">
-                <adec:decorative xmlns:adec="http://schemas.microsoft.com/office/drawing/2017/decorative" xmlns="" val="1"/>
+                <adec:decorative xmlns="" xmlns:adec="http://schemas.microsoft.com/office/drawing/2017/decorative" val="1"/>
               </a:ext>
             </a:extLst>
           </p:cNvPr>
@@ -16604,10 +16940,10 @@
           <p:cNvPr id="21" name="Image 2">
             <a:extLst>
               <a:ext uri="{FF2B5EF4-FFF2-40B4-BE49-F238E27FC236}">
-                <a16:creationId xmlns:a16="http://schemas.microsoft.com/office/drawing/2014/main" xmlns="" id="{A8B7F1F1-806C-8D65-7340-220A0C4653C8}"/>
+                <a16:creationId xmlns="" xmlns:a16="http://schemas.microsoft.com/office/drawing/2014/main" id="{A8B7F1F1-806C-8D65-7340-220A0C4653C8}"/>
               </a:ext>
               <a:ext uri="{C183D7F6-B498-43B3-948B-1728B52AA6E4}">
-                <adec:decorative xmlns:adec="http://schemas.microsoft.com/office/drawing/2017/decorative" xmlns="" val="1"/>
+                <adec:decorative xmlns="" xmlns:adec="http://schemas.microsoft.com/office/drawing/2017/decorative" val="1"/>
               </a:ext>
             </a:extLst>
           </p:cNvPr>
@@ -16623,7 +16959,7 @@
                 <a14:useLocalDpi xmlns:a14="http://schemas.microsoft.com/office/drawing/2010/main"/>
               </a:ext>
               <a:ext uri="{96DAC541-7B7A-43D3-8B79-37D633B846F1}">
-                <asvg:svgBlip xmlns:asvg="http://schemas.microsoft.com/office/drawing/2016/SVG/main" xmlns="" r:embed="rId3"/>
+                <asvg:svgBlip xmlns="" xmlns:asvg="http://schemas.microsoft.com/office/drawing/2016/SVG/main" r:embed="rId3"/>
               </a:ext>
             </a:extLst>
           </a:blip>
@@ -16645,10 +16981,10 @@
           <p:cNvPr id="12" name="Freeform 11">
             <a:extLst>
               <a:ext uri="{FF2B5EF4-FFF2-40B4-BE49-F238E27FC236}">
-                <a16:creationId xmlns:a16="http://schemas.microsoft.com/office/drawing/2014/main" xmlns="" id="{E76518D4-6149-BA03-3BE5-6A13A792C115}"/>
+                <a16:creationId xmlns="" xmlns:a16="http://schemas.microsoft.com/office/drawing/2014/main" id="{E76518D4-6149-BA03-3BE5-6A13A792C115}"/>
               </a:ext>
               <a:ext uri="{C183D7F6-B498-43B3-948B-1728B52AA6E4}">
-                <adec:decorative xmlns:adec="http://schemas.microsoft.com/office/drawing/2017/decorative" xmlns="" val="1"/>
+                <adec:decorative xmlns="" xmlns:adec="http://schemas.microsoft.com/office/drawing/2017/decorative" val="1"/>
               </a:ext>
             </a:extLst>
           </p:cNvPr>
@@ -16787,7 +17123,7 @@
           <p:cNvPr id="30" name="Content Placeholder 2">
             <a:extLst>
               <a:ext uri="{FF2B5EF4-FFF2-40B4-BE49-F238E27FC236}">
-                <a16:creationId xmlns:a16="http://schemas.microsoft.com/office/drawing/2014/main" xmlns="" id="{58F56A7F-403C-059D-4B58-A8D59888A158}"/>
+                <a16:creationId xmlns="" xmlns:a16="http://schemas.microsoft.com/office/drawing/2014/main" id="{58F56A7F-403C-059D-4B58-A8D59888A158}"/>
               </a:ext>
             </a:extLst>
           </p:cNvPr>
@@ -16866,7 +17202,7 @@
           <p:cNvPr id="10" name="Picture Placeholder 9">
             <a:extLst>
               <a:ext uri="{FF2B5EF4-FFF2-40B4-BE49-F238E27FC236}">
-                <a16:creationId xmlns:a16="http://schemas.microsoft.com/office/drawing/2014/main" xmlns="" id="{0723BF40-731C-2A5B-FC2F-B59DEF431C66}"/>
+                <a16:creationId xmlns="" xmlns:a16="http://schemas.microsoft.com/office/drawing/2014/main" id="{0723BF40-731C-2A5B-FC2F-B59DEF431C66}"/>
               </a:ext>
             </a:extLst>
           </p:cNvPr>
@@ -16910,7 +17246,7 @@
           <p:cNvPr id="20" name="Slide Number Placeholder 2">
             <a:extLst>
               <a:ext uri="{FF2B5EF4-FFF2-40B4-BE49-F238E27FC236}">
-                <a16:creationId xmlns:a16="http://schemas.microsoft.com/office/drawing/2014/main" xmlns="" id="{3ACD3A33-D8A4-7058-9798-30967E3EFD39}"/>
+                <a16:creationId xmlns="" xmlns:a16="http://schemas.microsoft.com/office/drawing/2014/main" id="{3ACD3A33-D8A4-7058-9798-30967E3EFD39}"/>
               </a:ext>
             </a:extLst>
           </p:cNvPr>
@@ -17464,7 +17800,7 @@
           <p:cNvPr id="2" name="Title 1">
             <a:extLst>
               <a:ext uri="{FF2B5EF4-FFF2-40B4-BE49-F238E27FC236}">
-                <a16:creationId xmlns:a16="http://schemas.microsoft.com/office/drawing/2014/main" xmlns="" id="{4207FF65-A536-F639-8591-ED024C223308}"/>
+                <a16:creationId xmlns="" xmlns:a16="http://schemas.microsoft.com/office/drawing/2014/main" id="{4207FF65-A536-F639-8591-ED024C223308}"/>
               </a:ext>
             </a:extLst>
           </p:cNvPr>
@@ -17516,6 +17852,546 @@
 </p:sld>
 </file>
 
+<file path=ppt/slides/slide10.xml><?xml version="1.0" encoding="utf-8"?>
+<p:sld xmlns:a="http://schemas.openxmlformats.org/drawingml/2006/main" xmlns:r="http://schemas.openxmlformats.org/officeDocument/2006/relationships" xmlns:p="http://schemas.openxmlformats.org/presentationml/2006/main">
+  <p:cSld>
+    <p:spTree>
+      <p:nvGrpSpPr>
+        <p:cNvPr id="1" name=""/>
+        <p:cNvGrpSpPr/>
+        <p:nvPr/>
+      </p:nvGrpSpPr>
+      <p:grpSpPr>
+        <a:xfrm>
+          <a:off x="0" y="0"/>
+          <a:ext cx="0" cy="0"/>
+          <a:chOff x="0" y="0"/>
+          <a:chExt cx="0" cy="0"/>
+        </a:xfrm>
+      </p:grpSpPr>
+      <p:sp>
+        <p:nvSpPr>
+          <p:cNvPr id="2" name="Title 1">
+            <a:extLst>
+              <a:ext uri="{FF2B5EF4-FFF2-40B4-BE49-F238E27FC236}">
+                <a16:creationId xmlns="" xmlns:a16="http://schemas.microsoft.com/office/drawing/2014/main" id="{FD5E8954-9BCB-7FD9-A210-38DC54382D45}"/>
+              </a:ext>
+            </a:extLst>
+          </p:cNvPr>
+          <p:cNvSpPr>
+            <a:spLocks noGrp="1"/>
+          </p:cNvSpPr>
+          <p:nvPr>
+            <p:ph type="title"/>
+          </p:nvPr>
+        </p:nvSpPr>
+        <p:spPr>
+          <a:xfrm>
+            <a:off x="3460565" y="1057274"/>
+            <a:ext cx="8426635" cy="994164"/>
+          </a:xfrm>
+        </p:spPr>
+        <p:txBody>
+          <a:bodyPr/>
+          <a:lstStyle/>
+          <a:p>
+            <a:r>
+              <a:rPr lang="en-IN" b="0" dirty="0"/>
+              <a:t>A self-referencing relationship</a:t>
+            </a:r>
+            <a:endParaRPr lang="en-US" dirty="0"/>
+          </a:p>
+        </p:txBody>
+      </p:sp>
+      <p:sp>
+        <p:nvSpPr>
+          <p:cNvPr id="3" name="Content Placeholder 2">
+            <a:extLst>
+              <a:ext uri="{FF2B5EF4-FFF2-40B4-BE49-F238E27FC236}">
+                <a16:creationId xmlns="" xmlns:a16="http://schemas.microsoft.com/office/drawing/2014/main" id="{75111C33-898C-4414-4665-5136EB6FC126}"/>
+              </a:ext>
+            </a:extLst>
+          </p:cNvPr>
+          <p:cNvSpPr>
+            <a:spLocks noGrp="1"/>
+          </p:cNvSpPr>
+          <p:nvPr>
+            <p:ph sz="half" idx="2"/>
+          </p:nvPr>
+        </p:nvSpPr>
+        <p:spPr>
+          <a:xfrm>
+            <a:off x="3460565" y="2303029"/>
+            <a:ext cx="7965460" cy="3497698"/>
+          </a:xfrm>
+        </p:spPr>
+        <p:txBody>
+          <a:bodyPr>
+            <a:normAutofit/>
+          </a:bodyPr>
+          <a:lstStyle/>
+          <a:p>
+            <a:r>
+              <a:rPr lang="en-US" sz="2400" dirty="0"/>
+              <a:t>For instance, consider an Employee table within a company's database that stores information about each employee, their </a:t>
+            </a:r>
+            <a:r>
+              <a:rPr lang="en-US" sz="2400" dirty="0" smtClean="0"/>
+              <a:t>department, and </a:t>
+            </a:r>
+            <a:r>
+              <a:rPr lang="en-US" sz="2400" dirty="0"/>
+              <a:t>other relevant data. One of the key aspects of an organizational hierarchy is the manager-subordinate </a:t>
+            </a:r>
+            <a:r>
+              <a:rPr lang="en-US" sz="2400" dirty="0" smtClean="0"/>
+              <a:t>relationship</a:t>
+            </a:r>
+          </a:p>
+        </p:txBody>
+      </p:sp>
+      <p:sp>
+        <p:nvSpPr>
+          <p:cNvPr id="23" name="Slide Number Placeholder 22">
+            <a:extLst>
+              <a:ext uri="{FF2B5EF4-FFF2-40B4-BE49-F238E27FC236}">
+                <a16:creationId xmlns="" xmlns:a16="http://schemas.microsoft.com/office/drawing/2014/main" id="{94FF72B7-0438-3641-5939-75128934B0DF}"/>
+              </a:ext>
+            </a:extLst>
+          </p:cNvPr>
+          <p:cNvSpPr>
+            <a:spLocks noGrp="1"/>
+          </p:cNvSpPr>
+          <p:nvPr>
+            <p:ph type="sldNum" sz="quarter" idx="10"/>
+          </p:nvPr>
+        </p:nvSpPr>
+        <p:spPr>
+          <a:xfrm>
+            <a:off x="10358437" y="457199"/>
+            <a:ext cx="1067589" cy="471489"/>
+          </a:xfrm>
+        </p:spPr>
+        <p:txBody>
+          <a:bodyPr/>
+          <a:lstStyle/>
+          <a:p>
+            <a:fld id="{48F63A3B-78C7-47BE-AE5E-E10140E04643}" type="slidenum">
+              <a:rPr lang="en-US" smtClean="0"/>
+              <a:pPr/>
+              <a:t>10</a:t>
+            </a:fld>
+            <a:endParaRPr lang="en-US" dirty="0"/>
+          </a:p>
+        </p:txBody>
+      </p:sp>
+    </p:spTree>
+    <p:extLst>
+      <p:ext uri="{BB962C8B-B14F-4D97-AF65-F5344CB8AC3E}">
+        <p14:creationId xmlns:p14="http://schemas.microsoft.com/office/powerpoint/2010/main" val="785648247"/>
+      </p:ext>
+    </p:extLst>
+  </p:cSld>
+  <p:clrMapOvr>
+    <a:masterClrMapping/>
+  </p:clrMapOvr>
+  <p:transition>
+    <p:split orient="vert"/>
+  </p:transition>
+  <p:timing>
+    <p:tnLst>
+      <p:par>
+        <p:cTn id="1" dur="indefinite" restart="never" nodeType="tmRoot"/>
+      </p:par>
+    </p:tnLst>
+  </p:timing>
+</p:sld>
+</file>
+
+<file path=ppt/slides/slide11.xml><?xml version="1.0" encoding="utf-8"?>
+<p:sld xmlns:a="http://schemas.openxmlformats.org/drawingml/2006/main" xmlns:r="http://schemas.openxmlformats.org/officeDocument/2006/relationships" xmlns:p="http://schemas.openxmlformats.org/presentationml/2006/main">
+  <p:cSld>
+    <p:spTree>
+      <p:nvGrpSpPr>
+        <p:cNvPr id="1" name=""/>
+        <p:cNvGrpSpPr/>
+        <p:nvPr/>
+      </p:nvGrpSpPr>
+      <p:grpSpPr>
+        <a:xfrm>
+          <a:off x="0" y="0"/>
+          <a:ext cx="0" cy="0"/>
+          <a:chOff x="0" y="0"/>
+          <a:chExt cx="0" cy="0"/>
+        </a:xfrm>
+      </p:grpSpPr>
+      <p:sp>
+        <p:nvSpPr>
+          <p:cNvPr id="2" name="Title 1">
+            <a:extLst>
+              <a:ext uri="{FF2B5EF4-FFF2-40B4-BE49-F238E27FC236}">
+                <a16:creationId xmlns="" xmlns:a16="http://schemas.microsoft.com/office/drawing/2014/main" id="{FD5E8954-9BCB-7FD9-A210-38DC54382D45}"/>
+              </a:ext>
+            </a:extLst>
+          </p:cNvPr>
+          <p:cNvSpPr>
+            <a:spLocks noGrp="1"/>
+          </p:cNvSpPr>
+          <p:nvPr>
+            <p:ph type="title"/>
+          </p:nvPr>
+        </p:nvSpPr>
+        <p:spPr>
+          <a:xfrm>
+            <a:off x="3460565" y="1057274"/>
+            <a:ext cx="8426635" cy="994164"/>
+          </a:xfrm>
+        </p:spPr>
+        <p:txBody>
+          <a:bodyPr/>
+          <a:lstStyle/>
+          <a:p>
+            <a:r>
+              <a:rPr lang="en-IN" b="0" dirty="0"/>
+              <a:t>A self-referencing relationship</a:t>
+            </a:r>
+            <a:endParaRPr lang="en-US" dirty="0"/>
+          </a:p>
+        </p:txBody>
+      </p:sp>
+      <p:sp>
+        <p:nvSpPr>
+          <p:cNvPr id="3" name="Content Placeholder 2">
+            <a:extLst>
+              <a:ext uri="{FF2B5EF4-FFF2-40B4-BE49-F238E27FC236}">
+                <a16:creationId xmlns="" xmlns:a16="http://schemas.microsoft.com/office/drawing/2014/main" id="{75111C33-898C-4414-4665-5136EB6FC126}"/>
+              </a:ext>
+            </a:extLst>
+          </p:cNvPr>
+          <p:cNvSpPr>
+            <a:spLocks noGrp="1"/>
+          </p:cNvSpPr>
+          <p:nvPr>
+            <p:ph sz="half" idx="2"/>
+          </p:nvPr>
+        </p:nvSpPr>
+        <p:spPr>
+          <a:xfrm>
+            <a:off x="3460565" y="2303029"/>
+            <a:ext cx="7965460" cy="3497698"/>
+          </a:xfrm>
+        </p:spPr>
+        <p:txBody>
+          <a:bodyPr>
+            <a:normAutofit/>
+          </a:bodyPr>
+          <a:lstStyle/>
+          <a:p>
+            <a:r>
+              <a:rPr lang="en-US" sz="2400" dirty="0"/>
+              <a:t>Instead of creating a separate table for managers, a self-referencing relationship can be established within the Employee table by adding a Manager_ID foreign key column that refers back to the Employee_ID primary key column. In this case, employees who are managers have their own Employee_ID as Manager_ID, and employees who report to a manager have the corresponding manager's Employee_ID as their Manager_ID.</a:t>
+            </a:r>
+            <a:endParaRPr lang="en-US" sz="2400" dirty="0" smtClean="0"/>
+          </a:p>
+        </p:txBody>
+      </p:sp>
+      <p:sp>
+        <p:nvSpPr>
+          <p:cNvPr id="23" name="Slide Number Placeholder 22">
+            <a:extLst>
+              <a:ext uri="{FF2B5EF4-FFF2-40B4-BE49-F238E27FC236}">
+                <a16:creationId xmlns="" xmlns:a16="http://schemas.microsoft.com/office/drawing/2014/main" id="{94FF72B7-0438-3641-5939-75128934B0DF}"/>
+              </a:ext>
+            </a:extLst>
+          </p:cNvPr>
+          <p:cNvSpPr>
+            <a:spLocks noGrp="1"/>
+          </p:cNvSpPr>
+          <p:nvPr>
+            <p:ph type="sldNum" sz="quarter" idx="10"/>
+          </p:nvPr>
+        </p:nvSpPr>
+        <p:spPr>
+          <a:xfrm>
+            <a:off x="10358437" y="457199"/>
+            <a:ext cx="1067589" cy="471489"/>
+          </a:xfrm>
+        </p:spPr>
+        <p:txBody>
+          <a:bodyPr/>
+          <a:lstStyle/>
+          <a:p>
+            <a:fld id="{48F63A3B-78C7-47BE-AE5E-E10140E04643}" type="slidenum">
+              <a:rPr lang="en-US" smtClean="0"/>
+              <a:pPr/>
+              <a:t>11</a:t>
+            </a:fld>
+            <a:endParaRPr lang="en-US" dirty="0"/>
+          </a:p>
+        </p:txBody>
+      </p:sp>
+    </p:spTree>
+    <p:extLst>
+      <p:ext uri="{BB962C8B-B14F-4D97-AF65-F5344CB8AC3E}">
+        <p14:creationId xmlns:p14="http://schemas.microsoft.com/office/powerpoint/2010/main" val="3878122819"/>
+      </p:ext>
+    </p:extLst>
+  </p:cSld>
+  <p:clrMapOvr>
+    <a:masterClrMapping/>
+  </p:clrMapOvr>
+  <p:transition>
+    <p:split orient="vert"/>
+  </p:transition>
+  <p:timing>
+    <p:tnLst>
+      <p:par>
+        <p:cTn id="1" dur="indefinite" restart="never" nodeType="tmRoot"/>
+      </p:par>
+    </p:tnLst>
+  </p:timing>
+</p:sld>
+</file>
+
+<file path=ppt/slides/slide12.xml><?xml version="1.0" encoding="utf-8"?>
+<p:sld xmlns:a="http://schemas.openxmlformats.org/drawingml/2006/main" xmlns:r="http://schemas.openxmlformats.org/officeDocument/2006/relationships" xmlns:p="http://schemas.openxmlformats.org/presentationml/2006/main">
+  <p:cSld>
+    <p:spTree>
+      <p:nvGrpSpPr>
+        <p:cNvPr id="1" name=""/>
+        <p:cNvGrpSpPr/>
+        <p:nvPr/>
+      </p:nvGrpSpPr>
+      <p:grpSpPr>
+        <a:xfrm>
+          <a:off x="0" y="0"/>
+          <a:ext cx="0" cy="0"/>
+          <a:chOff x="0" y="0"/>
+          <a:chExt cx="0" cy="0"/>
+        </a:xfrm>
+      </p:grpSpPr>
+      <p:sp>
+        <p:nvSpPr>
+          <p:cNvPr id="2" name="Title 1">
+            <a:extLst>
+              <a:ext uri="{FF2B5EF4-FFF2-40B4-BE49-F238E27FC236}">
+                <a16:creationId xmlns="" xmlns:a16="http://schemas.microsoft.com/office/drawing/2014/main" id="{FD5E8954-9BCB-7FD9-A210-38DC54382D45}"/>
+              </a:ext>
+            </a:extLst>
+          </p:cNvPr>
+          <p:cNvSpPr>
+            <a:spLocks noGrp="1"/>
+          </p:cNvSpPr>
+          <p:nvPr>
+            <p:ph type="title"/>
+          </p:nvPr>
+        </p:nvSpPr>
+        <p:spPr>
+          <a:xfrm>
+            <a:off x="3460565" y="1057274"/>
+            <a:ext cx="8426635" cy="994164"/>
+          </a:xfrm>
+        </p:spPr>
+        <p:txBody>
+          <a:bodyPr/>
+          <a:lstStyle/>
+          <a:p>
+            <a:r>
+              <a:rPr lang="en-IN" b="0" dirty="0"/>
+              <a:t> </a:t>
+            </a:r>
+            <a:r>
+              <a:rPr lang="en-IN" dirty="0"/>
+              <a:t>composite primary key</a:t>
+            </a:r>
+            <a:endParaRPr lang="en-US" dirty="0"/>
+          </a:p>
+        </p:txBody>
+      </p:sp>
+      <p:sp>
+        <p:nvSpPr>
+          <p:cNvPr id="3" name="Content Placeholder 2">
+            <a:extLst>
+              <a:ext uri="{FF2B5EF4-FFF2-40B4-BE49-F238E27FC236}">
+                <a16:creationId xmlns="" xmlns:a16="http://schemas.microsoft.com/office/drawing/2014/main" id="{75111C33-898C-4414-4665-5136EB6FC126}"/>
+              </a:ext>
+            </a:extLst>
+          </p:cNvPr>
+          <p:cNvSpPr>
+            <a:spLocks noGrp="1"/>
+          </p:cNvSpPr>
+          <p:nvPr>
+            <p:ph sz="half" idx="2"/>
+          </p:nvPr>
+        </p:nvSpPr>
+        <p:spPr>
+          <a:xfrm>
+            <a:off x="3460565" y="2303029"/>
+            <a:ext cx="7965460" cy="3497698"/>
+          </a:xfrm>
+        </p:spPr>
+        <p:txBody>
+          <a:bodyPr>
+            <a:normAutofit/>
+          </a:bodyPr>
+          <a:lstStyle/>
+          <a:p>
+            <a:r>
+              <a:rPr lang="en-US" sz="2400" dirty="0"/>
+              <a:t>is a combination of </a:t>
+            </a:r>
+            <a:r>
+              <a:rPr lang="en-US" sz="2400" b="1" dirty="0"/>
+              <a:t>two or more columns</a:t>
+            </a:r>
+            <a:r>
+              <a:rPr lang="en-US" sz="2400" dirty="0"/>
+              <a:t> used to create a unique primary key</a:t>
+            </a:r>
+            <a:r>
+              <a:rPr lang="en-US" sz="2400"/>
+              <a:t>. </a:t>
+            </a:r>
+            <a:endParaRPr lang="en-US" sz="2400" smtClean="0"/>
+          </a:p>
+          <a:p>
+            <a:r>
+              <a:rPr lang="en-US" sz="2400" smtClean="0"/>
+              <a:t>A</a:t>
+            </a:r>
+            <a:r>
+              <a:rPr lang="en-US" sz="2400" dirty="0"/>
+              <a:t> </a:t>
+            </a:r>
+            <a:r>
+              <a:rPr lang="en-US" sz="2400" b="1" dirty="0"/>
+              <a:t>primary key</a:t>
+            </a:r>
+            <a:r>
+              <a:rPr lang="en-US" sz="2400" dirty="0"/>
+              <a:t> is </a:t>
+            </a:r>
+            <a:r>
+              <a:rPr lang="en-IN" sz="2400" dirty="0"/>
+              <a:t>single </a:t>
+            </a:r>
+            <a:r>
+              <a:rPr lang="en-US" sz="2400" dirty="0" smtClean="0"/>
+              <a:t>column </a:t>
+            </a:r>
+            <a:r>
+              <a:rPr lang="en-US" sz="2400" dirty="0"/>
+              <a:t>that has a </a:t>
+            </a:r>
+            <a:r>
+              <a:rPr lang="en-US" sz="2400" b="1" dirty="0"/>
+              <a:t>unique</a:t>
+            </a:r>
+            <a:r>
+              <a:rPr lang="en-US" sz="2400" dirty="0"/>
+              <a:t> and </a:t>
+            </a:r>
+            <a:r>
+              <a:rPr lang="en-US" sz="2400" b="1" dirty="0"/>
+              <a:t>not null</a:t>
+            </a:r>
+            <a:r>
+              <a:rPr lang="en-US" sz="2400" dirty="0"/>
+              <a:t> value in an SQL table</a:t>
+            </a:r>
+            <a:r>
+              <a:rPr lang="en-US" sz="2400" dirty="0" smtClean="0"/>
+              <a:t>.</a:t>
+            </a:r>
+          </a:p>
+          <a:p>
+            <a:r>
+              <a:rPr lang="en-US" sz="2400" dirty="0"/>
+              <a:t>A </a:t>
+            </a:r>
+            <a:r>
+              <a:rPr lang="en-US" sz="2400" b="1" dirty="0"/>
+              <a:t>composite primary key</a:t>
+            </a:r>
+            <a:r>
+              <a:rPr lang="en-US" sz="2400" dirty="0"/>
+              <a:t> is also a primary key, but it is made by the </a:t>
+            </a:r>
+            <a:r>
+              <a:rPr lang="en-US" sz="2400" b="1" dirty="0"/>
+              <a:t>combination of more than one column</a:t>
+            </a:r>
+            <a:r>
+              <a:rPr lang="en-US" sz="2400" dirty="0"/>
+              <a:t> to uniquely identify a particular row in the table.</a:t>
+            </a:r>
+          </a:p>
+          <a:p>
+            <a:endParaRPr lang="en-US" sz="2400" dirty="0"/>
+          </a:p>
+          <a:p>
+            <a:endParaRPr lang="en-US" sz="2400" dirty="0" smtClean="0"/>
+          </a:p>
+        </p:txBody>
+      </p:sp>
+      <p:sp>
+        <p:nvSpPr>
+          <p:cNvPr id="23" name="Slide Number Placeholder 22">
+            <a:extLst>
+              <a:ext uri="{FF2B5EF4-FFF2-40B4-BE49-F238E27FC236}">
+                <a16:creationId xmlns="" xmlns:a16="http://schemas.microsoft.com/office/drawing/2014/main" id="{94FF72B7-0438-3641-5939-75128934B0DF}"/>
+              </a:ext>
+            </a:extLst>
+          </p:cNvPr>
+          <p:cNvSpPr>
+            <a:spLocks noGrp="1"/>
+          </p:cNvSpPr>
+          <p:nvPr>
+            <p:ph type="sldNum" sz="quarter" idx="10"/>
+          </p:nvPr>
+        </p:nvSpPr>
+        <p:spPr>
+          <a:xfrm>
+            <a:off x="10358437" y="457199"/>
+            <a:ext cx="1067589" cy="471489"/>
+          </a:xfrm>
+        </p:spPr>
+        <p:txBody>
+          <a:bodyPr/>
+          <a:lstStyle/>
+          <a:p>
+            <a:fld id="{48F63A3B-78C7-47BE-AE5E-E10140E04643}" type="slidenum">
+              <a:rPr lang="en-US" smtClean="0"/>
+              <a:pPr/>
+              <a:t>12</a:t>
+            </a:fld>
+            <a:endParaRPr lang="en-US" dirty="0"/>
+          </a:p>
+        </p:txBody>
+      </p:sp>
+    </p:spTree>
+    <p:extLst>
+      <p:ext uri="{BB962C8B-B14F-4D97-AF65-F5344CB8AC3E}">
+        <p14:creationId xmlns:p14="http://schemas.microsoft.com/office/powerpoint/2010/main" val="1963660630"/>
+      </p:ext>
+    </p:extLst>
+  </p:cSld>
+  <p:clrMapOvr>
+    <a:masterClrMapping/>
+  </p:clrMapOvr>
+  <p:transition>
+    <p:split orient="vert"/>
+  </p:transition>
+  <p:timing>
+    <p:tnLst>
+      <p:par>
+        <p:cTn id="1" dur="indefinite" restart="never" nodeType="tmRoot"/>
+      </p:par>
+    </p:tnLst>
+  </p:timing>
+</p:sld>
+</file>
+
 <file path=ppt/slides/slide2.xml><?xml version="1.0" encoding="utf-8"?>
 <p:sld xmlns:a="http://schemas.openxmlformats.org/drawingml/2006/main" xmlns:r="http://schemas.openxmlformats.org/officeDocument/2006/relationships" xmlns:p="http://schemas.openxmlformats.org/presentationml/2006/main">
   <p:cSld>
@@ -17538,7 +18414,7 @@
           <p:cNvPr id="2" name="Title 1">
             <a:extLst>
               <a:ext uri="{FF2B5EF4-FFF2-40B4-BE49-F238E27FC236}">
-                <a16:creationId xmlns:a16="http://schemas.microsoft.com/office/drawing/2014/main" xmlns="" id="{FD5E8954-9BCB-7FD9-A210-38DC54382D45}"/>
+                <a16:creationId xmlns="" xmlns:a16="http://schemas.microsoft.com/office/drawing/2014/main" id="{FD5E8954-9BCB-7FD9-A210-38DC54382D45}"/>
               </a:ext>
             </a:extLst>
           </p:cNvPr>
@@ -17572,7 +18448,7 @@
           <p:cNvPr id="3" name="Content Placeholder 2">
             <a:extLst>
               <a:ext uri="{FF2B5EF4-FFF2-40B4-BE49-F238E27FC236}">
-                <a16:creationId xmlns:a16="http://schemas.microsoft.com/office/drawing/2014/main" xmlns="" id="{75111C33-898C-4414-4665-5136EB6FC126}"/>
+                <a16:creationId xmlns="" xmlns:a16="http://schemas.microsoft.com/office/drawing/2014/main" id="{75111C33-898C-4414-4665-5136EB6FC126}"/>
               </a:ext>
             </a:extLst>
           </p:cNvPr>
@@ -17640,7 +18516,7 @@
           <p:cNvPr id="23" name="Slide Number Placeholder 22">
             <a:extLst>
               <a:ext uri="{FF2B5EF4-FFF2-40B4-BE49-F238E27FC236}">
-                <a16:creationId xmlns:a16="http://schemas.microsoft.com/office/drawing/2014/main" xmlns="" id="{94FF72B7-0438-3641-5939-75128934B0DF}"/>
+                <a16:creationId xmlns="" xmlns:a16="http://schemas.microsoft.com/office/drawing/2014/main" id="{94FF72B7-0438-3641-5939-75128934B0DF}"/>
               </a:ext>
             </a:extLst>
           </p:cNvPr>
@@ -17715,7 +18591,7 @@
           <p:cNvPr id="2" name="Title 1">
             <a:extLst>
               <a:ext uri="{FF2B5EF4-FFF2-40B4-BE49-F238E27FC236}">
-                <a16:creationId xmlns:a16="http://schemas.microsoft.com/office/drawing/2014/main" xmlns="" id="{FD5E8954-9BCB-7FD9-A210-38DC54382D45}"/>
+                <a16:creationId xmlns="" xmlns:a16="http://schemas.microsoft.com/office/drawing/2014/main" id="{FD5E8954-9BCB-7FD9-A210-38DC54382D45}"/>
               </a:ext>
             </a:extLst>
           </p:cNvPr>
@@ -17749,7 +18625,7 @@
           <p:cNvPr id="3" name="Content Placeholder 2">
             <a:extLst>
               <a:ext uri="{FF2B5EF4-FFF2-40B4-BE49-F238E27FC236}">
-                <a16:creationId xmlns:a16="http://schemas.microsoft.com/office/drawing/2014/main" xmlns="" id="{75111C33-898C-4414-4665-5136EB6FC126}"/>
+                <a16:creationId xmlns="" xmlns:a16="http://schemas.microsoft.com/office/drawing/2014/main" id="{75111C33-898C-4414-4665-5136EB6FC126}"/>
               </a:ext>
             </a:extLst>
           </p:cNvPr>
@@ -17784,23 +18660,7 @@
           <a:p>
             <a:r>
               <a:rPr lang="en-US" sz="2400" dirty="0"/>
-              <a:t>Example: Consider the relationship between </a:t>
-            </a:r>
-            <a:r>
-              <a:rPr lang="en-US" sz="2400" dirty="0"/>
-              <a:t>Employees</a:t>
-            </a:r>
-            <a:r>
-              <a:rPr lang="en-US" sz="2400" dirty="0"/>
-              <a:t> and </a:t>
-            </a:r>
-            <a:r>
-              <a:rPr lang="en-US" sz="2400" dirty="0"/>
-              <a:t>Departments</a:t>
-            </a:r>
-            <a:r>
-              <a:rPr lang="en-US" sz="2400" dirty="0"/>
-              <a:t> tables</a:t>
+              <a:t>Example: Consider the relationship between Employees and Departments tables</a:t>
             </a:r>
             <a:r>
               <a:rPr lang="en-US" sz="2400" dirty="0" smtClean="0"/>
@@ -17812,7 +18672,6 @@
               <a:rPr lang="en-US" sz="2400" dirty="0"/>
               <a:t>Each employee belongs to exactly one department, but each department can have multiple employees.</a:t>
             </a:r>
-            <a:endParaRPr lang="en-US" sz="2400" dirty="0"/>
           </a:p>
         </p:txBody>
       </p:sp>
@@ -17821,7 +18680,7 @@
           <p:cNvPr id="23" name="Slide Number Placeholder 22">
             <a:extLst>
               <a:ext uri="{FF2B5EF4-FFF2-40B4-BE49-F238E27FC236}">
-                <a16:creationId xmlns:a16="http://schemas.microsoft.com/office/drawing/2014/main" xmlns="" id="{94FF72B7-0438-3641-5939-75128934B0DF}"/>
+                <a16:creationId xmlns="" xmlns:a16="http://schemas.microsoft.com/office/drawing/2014/main" id="{94FF72B7-0438-3641-5939-75128934B0DF}"/>
               </a:ext>
             </a:extLst>
           </p:cNvPr>
@@ -17896,7 +18755,7 @@
           <p:cNvPr id="5" name="Title 4">
             <a:extLst>
               <a:ext uri="{FF2B5EF4-FFF2-40B4-BE49-F238E27FC236}">
-                <a16:creationId xmlns:a16="http://schemas.microsoft.com/office/drawing/2014/main" xmlns="" id="{2136FCF6-982C-CC37-9625-3EBFC7E7DD13}"/>
+                <a16:creationId xmlns="" xmlns:a16="http://schemas.microsoft.com/office/drawing/2014/main" id="{2136FCF6-982C-CC37-9625-3EBFC7E7DD13}"/>
               </a:ext>
             </a:extLst>
           </p:cNvPr>
@@ -17930,7 +18789,7 @@
           <p:cNvPr id="6" name="Content Placeholder 5">
             <a:extLst>
               <a:ext uri="{FF2B5EF4-FFF2-40B4-BE49-F238E27FC236}">
-                <a16:creationId xmlns:a16="http://schemas.microsoft.com/office/drawing/2014/main" xmlns="" id="{4DB3991E-0605-C20E-53AD-D64E13638DA5}"/>
+                <a16:creationId xmlns="" xmlns:a16="http://schemas.microsoft.com/office/drawing/2014/main" id="{4DB3991E-0605-C20E-53AD-D64E13638DA5}"/>
               </a:ext>
             </a:extLst>
           </p:cNvPr>
@@ -17960,21 +18819,21 @@
                 <a:gridCol w="2719020">
                   <a:extLst>
                     <a:ext uri="{9D8B030D-6E8A-4147-A177-3AD203B41FA5}">
-                      <a16:colId xmlns:a16="http://schemas.microsoft.com/office/drawing/2014/main" xmlns="" val="180956085"/>
+                      <a16:colId xmlns="" xmlns:a16="http://schemas.microsoft.com/office/drawing/2014/main" val="180956085"/>
                     </a:ext>
                   </a:extLst>
                 </a:gridCol>
                 <a:gridCol w="2719020">
                   <a:extLst>
                     <a:ext uri="{9D8B030D-6E8A-4147-A177-3AD203B41FA5}">
-                      <a16:colId xmlns:a16="http://schemas.microsoft.com/office/drawing/2014/main" xmlns="" val="1180706872"/>
+                      <a16:colId xmlns="" xmlns:a16="http://schemas.microsoft.com/office/drawing/2014/main" val="1180706872"/>
                     </a:ext>
                   </a:extLst>
                 </a:gridCol>
                 <a:gridCol w="1153827">
                   <a:extLst>
                     <a:ext uri="{9D8B030D-6E8A-4147-A177-3AD203B41FA5}">
-                      <a16:colId xmlns:a16="http://schemas.microsoft.com/office/drawing/2014/main" xmlns="" val="2050154702"/>
+                      <a16:colId xmlns="" xmlns:a16="http://schemas.microsoft.com/office/drawing/2014/main" val="2050154702"/>
                     </a:ext>
                   </a:extLst>
                 </a:gridCol>
@@ -18056,7 +18915,7 @@
                 </a:tc>
                 <a:extLst>
                   <a:ext uri="{0D108BD9-81ED-4DB2-BD59-A6C34878D82A}">
-                    <a16:rowId xmlns:a16="http://schemas.microsoft.com/office/drawing/2014/main" xmlns="" val="3059142786"/>
+                    <a16:rowId xmlns="" xmlns:a16="http://schemas.microsoft.com/office/drawing/2014/main" val="3059142786"/>
                   </a:ext>
                 </a:extLst>
               </a:tr>
@@ -18129,7 +18988,7 @@
                 </a:tc>
                 <a:extLst>
                   <a:ext uri="{0D108BD9-81ED-4DB2-BD59-A6C34878D82A}">
-                    <a16:rowId xmlns:a16="http://schemas.microsoft.com/office/drawing/2014/main" xmlns="" val="3588576737"/>
+                    <a16:rowId xmlns="" xmlns:a16="http://schemas.microsoft.com/office/drawing/2014/main" val="3588576737"/>
                   </a:ext>
                 </a:extLst>
               </a:tr>
@@ -18202,7 +19061,7 @@
                 </a:tc>
                 <a:extLst>
                   <a:ext uri="{0D108BD9-81ED-4DB2-BD59-A6C34878D82A}">
-                    <a16:rowId xmlns:a16="http://schemas.microsoft.com/office/drawing/2014/main" xmlns="" val="1626410507"/>
+                    <a16:rowId xmlns="" xmlns:a16="http://schemas.microsoft.com/office/drawing/2014/main" val="1626410507"/>
                   </a:ext>
                 </a:extLst>
               </a:tr>
@@ -18275,7 +19134,7 @@
                 </a:tc>
                 <a:extLst>
                   <a:ext uri="{0D108BD9-81ED-4DB2-BD59-A6C34878D82A}">
-                    <a16:rowId xmlns:a16="http://schemas.microsoft.com/office/drawing/2014/main" xmlns="" val="1888116840"/>
+                    <a16:rowId xmlns="" xmlns:a16="http://schemas.microsoft.com/office/drawing/2014/main" val="1888116840"/>
                   </a:ext>
                 </a:extLst>
               </a:tr>
@@ -18348,7 +19207,7 @@
                 </a:tc>
                 <a:extLst>
                   <a:ext uri="{0D108BD9-81ED-4DB2-BD59-A6C34878D82A}">
-                    <a16:rowId xmlns:a16="http://schemas.microsoft.com/office/drawing/2014/main" xmlns="" val="4023592559"/>
+                    <a16:rowId xmlns="" xmlns:a16="http://schemas.microsoft.com/office/drawing/2014/main" val="4023592559"/>
                   </a:ext>
                 </a:extLst>
               </a:tr>
@@ -18421,7 +19280,7 @@
                 </a:tc>
                 <a:extLst>
                   <a:ext uri="{0D108BD9-81ED-4DB2-BD59-A6C34878D82A}">
-                    <a16:rowId xmlns:a16="http://schemas.microsoft.com/office/drawing/2014/main" xmlns="" val="2426564953"/>
+                    <a16:rowId xmlns="" xmlns:a16="http://schemas.microsoft.com/office/drawing/2014/main" val="2426564953"/>
                   </a:ext>
                 </a:extLst>
               </a:tr>
@@ -18434,7 +19293,7 @@
           <p:cNvPr id="2" name="Slide Number Placeholder 1">
             <a:extLst>
               <a:ext uri="{FF2B5EF4-FFF2-40B4-BE49-F238E27FC236}">
-                <a16:creationId xmlns:a16="http://schemas.microsoft.com/office/drawing/2014/main" xmlns="" id="{A913EEC9-16E3-6C86-97D0-A7EC7EA09CDA}"/>
+                <a16:creationId xmlns="" xmlns:a16="http://schemas.microsoft.com/office/drawing/2014/main" id="{A913EEC9-16E3-6C86-97D0-A7EC7EA09CDA}"/>
               </a:ext>
             </a:extLst>
           </p:cNvPr>
@@ -18469,7 +19328,7 @@
           <p:cNvPr id="7" name="Content Placeholder 5">
             <a:extLst>
               <a:ext uri="{FF2B5EF4-FFF2-40B4-BE49-F238E27FC236}">
-                <a16:creationId xmlns:a16="http://schemas.microsoft.com/office/drawing/2014/main" xmlns="" id="{4DB3991E-0605-C20E-53AD-D64E13638DA5}"/>
+                <a16:creationId xmlns="" xmlns:a16="http://schemas.microsoft.com/office/drawing/2014/main" id="{4DB3991E-0605-C20E-53AD-D64E13638DA5}"/>
               </a:ext>
             </a:extLst>
           </p:cNvPr>
@@ -18498,14 +19357,14 @@
                 <a:gridCol w="2013246">
                   <a:extLst>
                     <a:ext uri="{9D8B030D-6E8A-4147-A177-3AD203B41FA5}">
-                      <a16:colId xmlns:a16="http://schemas.microsoft.com/office/drawing/2014/main" xmlns="" val="180956085"/>
+                      <a16:colId xmlns="" xmlns:a16="http://schemas.microsoft.com/office/drawing/2014/main" val="180956085"/>
                     </a:ext>
                   </a:extLst>
                 </a:gridCol>
                 <a:gridCol w="2013246">
                   <a:extLst>
                     <a:ext uri="{9D8B030D-6E8A-4147-A177-3AD203B41FA5}">
-                      <a16:colId xmlns:a16="http://schemas.microsoft.com/office/drawing/2014/main" xmlns="" val="1180706872"/>
+                      <a16:colId xmlns="" xmlns:a16="http://schemas.microsoft.com/office/drawing/2014/main" val="1180706872"/>
                     </a:ext>
                   </a:extLst>
                 </a:gridCol>
@@ -18557,7 +19416,7 @@
                 </a:tc>
                 <a:extLst>
                   <a:ext uri="{0D108BD9-81ED-4DB2-BD59-A6C34878D82A}">
-                    <a16:rowId xmlns:a16="http://schemas.microsoft.com/office/drawing/2014/main" xmlns="" val="3059142786"/>
+                    <a16:rowId xmlns="" xmlns:a16="http://schemas.microsoft.com/office/drawing/2014/main" val="3059142786"/>
                   </a:ext>
                 </a:extLst>
               </a:tr>
@@ -18608,7 +19467,7 @@
                 </a:tc>
                 <a:extLst>
                   <a:ext uri="{0D108BD9-81ED-4DB2-BD59-A6C34878D82A}">
-                    <a16:rowId xmlns:a16="http://schemas.microsoft.com/office/drawing/2014/main" xmlns="" val="3588576737"/>
+                    <a16:rowId xmlns="" xmlns:a16="http://schemas.microsoft.com/office/drawing/2014/main" val="3588576737"/>
                   </a:ext>
                 </a:extLst>
               </a:tr>
@@ -18659,7 +19518,7 @@
                 </a:tc>
                 <a:extLst>
                   <a:ext uri="{0D108BD9-81ED-4DB2-BD59-A6C34878D82A}">
-                    <a16:rowId xmlns:a16="http://schemas.microsoft.com/office/drawing/2014/main" xmlns="" val="1626410507"/>
+                    <a16:rowId xmlns="" xmlns:a16="http://schemas.microsoft.com/office/drawing/2014/main" val="1626410507"/>
                   </a:ext>
                 </a:extLst>
               </a:tr>
@@ -18710,7 +19569,7 @@
                 </a:tc>
                 <a:extLst>
                   <a:ext uri="{0D108BD9-81ED-4DB2-BD59-A6C34878D82A}">
-                    <a16:rowId xmlns:a16="http://schemas.microsoft.com/office/drawing/2014/main" xmlns="" val="1888116840"/>
+                    <a16:rowId xmlns="" xmlns:a16="http://schemas.microsoft.com/office/drawing/2014/main" val="1888116840"/>
                   </a:ext>
                 </a:extLst>
               </a:tr>
@@ -18723,7 +19582,7 @@
           <p:cNvPr id="8" name="Title 1">
             <a:extLst>
               <a:ext uri="{FF2B5EF4-FFF2-40B4-BE49-F238E27FC236}">
-                <a16:creationId xmlns="" xmlns:a16="http://schemas.microsoft.com/office/drawing/2014/main" id="{13021072-4A77-DB4D-DF41-58EADB7DA94E}"/>
+                <a16:creationId xmlns:a16="http://schemas.microsoft.com/office/drawing/2014/main" xmlns="" id="{13021072-4A77-DB4D-DF41-58EADB7DA94E}"/>
               </a:ext>
             </a:extLst>
           </p:cNvPr>
@@ -18779,7 +19638,7 @@
           <p:cNvPr id="9" name="Title 1">
             <a:extLst>
               <a:ext uri="{FF2B5EF4-FFF2-40B4-BE49-F238E27FC236}">
-                <a16:creationId xmlns="" xmlns:a16="http://schemas.microsoft.com/office/drawing/2014/main" id="{13021072-4A77-DB4D-DF41-58EADB7DA94E}"/>
+                <a16:creationId xmlns:a16="http://schemas.microsoft.com/office/drawing/2014/main" xmlns="" id="{13021072-4A77-DB4D-DF41-58EADB7DA94E}"/>
               </a:ext>
             </a:extLst>
           </p:cNvPr>
@@ -18875,7 +19734,7 @@
           <p:cNvPr id="2" name="Title 1">
             <a:extLst>
               <a:ext uri="{FF2B5EF4-FFF2-40B4-BE49-F238E27FC236}">
-                <a16:creationId xmlns:a16="http://schemas.microsoft.com/office/drawing/2014/main" xmlns="" id="{FD5E8954-9BCB-7FD9-A210-38DC54382D45}"/>
+                <a16:creationId xmlns="" xmlns:a16="http://schemas.microsoft.com/office/drawing/2014/main" id="{FD5E8954-9BCB-7FD9-A210-38DC54382D45}"/>
               </a:ext>
             </a:extLst>
           </p:cNvPr>
@@ -18921,7 +19780,7 @@
           <p:cNvPr id="3" name="Content Placeholder 2">
             <a:extLst>
               <a:ext uri="{FF2B5EF4-FFF2-40B4-BE49-F238E27FC236}">
-                <a16:creationId xmlns:a16="http://schemas.microsoft.com/office/drawing/2014/main" xmlns="" id="{75111C33-898C-4414-4665-5136EB6FC126}"/>
+                <a16:creationId xmlns="" xmlns:a16="http://schemas.microsoft.com/office/drawing/2014/main" id="{75111C33-898C-4414-4665-5136EB6FC126}"/>
               </a:ext>
             </a:extLst>
           </p:cNvPr>
@@ -18956,23 +19815,7 @@
           <a:p>
             <a:r>
               <a:rPr lang="en-US" sz="2400" dirty="0"/>
-              <a:t>Example: Consider the relationship between </a:t>
-            </a:r>
-            <a:r>
-              <a:rPr lang="en-US" sz="2400" dirty="0"/>
-              <a:t>Employees</a:t>
-            </a:r>
-            <a:r>
-              <a:rPr lang="en-US" sz="2400" dirty="0"/>
-              <a:t> and </a:t>
-            </a:r>
-            <a:r>
-              <a:rPr lang="en-US" sz="2400" dirty="0"/>
-              <a:t>Employee_Accounts</a:t>
-            </a:r>
-            <a:r>
-              <a:rPr lang="en-US" sz="2400" dirty="0"/>
-              <a:t> tables.</a:t>
+              <a:t>Example: Consider the relationship between Employees and Employee_Accounts tables.</a:t>
             </a:r>
             <a:r>
               <a:rPr lang="en-US" sz="2400" dirty="0" smtClean="0"/>
@@ -19008,7 +19851,6 @@
               <a:rPr lang="en-US" sz="2400" dirty="0"/>
               <a:t>.</a:t>
             </a:r>
-            <a:endParaRPr lang="en-US" sz="2400" dirty="0"/>
           </a:p>
         </p:txBody>
       </p:sp>
@@ -19017,7 +19859,7 @@
           <p:cNvPr id="23" name="Slide Number Placeholder 22">
             <a:extLst>
               <a:ext uri="{FF2B5EF4-FFF2-40B4-BE49-F238E27FC236}">
-                <a16:creationId xmlns:a16="http://schemas.microsoft.com/office/drawing/2014/main" xmlns="" id="{94FF72B7-0438-3641-5939-75128934B0DF}"/>
+                <a16:creationId xmlns="" xmlns:a16="http://schemas.microsoft.com/office/drawing/2014/main" id="{94FF72B7-0438-3641-5939-75128934B0DF}"/>
               </a:ext>
             </a:extLst>
           </p:cNvPr>
@@ -19092,7 +19934,7 @@
           <p:cNvPr id="5" name="Title 4">
             <a:extLst>
               <a:ext uri="{FF2B5EF4-FFF2-40B4-BE49-F238E27FC236}">
-                <a16:creationId xmlns:a16="http://schemas.microsoft.com/office/drawing/2014/main" xmlns="" id="{2136FCF6-982C-CC37-9625-3EBFC7E7DD13}"/>
+                <a16:creationId xmlns="" xmlns:a16="http://schemas.microsoft.com/office/drawing/2014/main" id="{2136FCF6-982C-CC37-9625-3EBFC7E7DD13}"/>
               </a:ext>
             </a:extLst>
           </p:cNvPr>
@@ -19134,7 +19976,7 @@
           <p:cNvPr id="6" name="Content Placeholder 5">
             <a:extLst>
               <a:ext uri="{FF2B5EF4-FFF2-40B4-BE49-F238E27FC236}">
-                <a16:creationId xmlns:a16="http://schemas.microsoft.com/office/drawing/2014/main" xmlns="" id="{4DB3991E-0605-C20E-53AD-D64E13638DA5}"/>
+                <a16:creationId xmlns="" xmlns:a16="http://schemas.microsoft.com/office/drawing/2014/main" id="{4DB3991E-0605-C20E-53AD-D64E13638DA5}"/>
               </a:ext>
             </a:extLst>
           </p:cNvPr>
@@ -19164,14 +20006,14 @@
                 <a:gridCol w="2354278">
                   <a:extLst>
                     <a:ext uri="{9D8B030D-6E8A-4147-A177-3AD203B41FA5}">
-                      <a16:colId xmlns:a16="http://schemas.microsoft.com/office/drawing/2014/main" xmlns="" val="180956085"/>
+                      <a16:colId xmlns="" xmlns:a16="http://schemas.microsoft.com/office/drawing/2014/main" val="180956085"/>
                     </a:ext>
                   </a:extLst>
                 </a:gridCol>
                 <a:gridCol w="2354278">
                   <a:extLst>
                     <a:ext uri="{9D8B030D-6E8A-4147-A177-3AD203B41FA5}">
-                      <a16:colId xmlns:a16="http://schemas.microsoft.com/office/drawing/2014/main" xmlns="" val="1180706872"/>
+                      <a16:colId xmlns="" xmlns:a16="http://schemas.microsoft.com/office/drawing/2014/main" val="1180706872"/>
                     </a:ext>
                   </a:extLst>
                 </a:gridCol>
@@ -19231,7 +20073,7 @@
                 </a:tc>
                 <a:extLst>
                   <a:ext uri="{0D108BD9-81ED-4DB2-BD59-A6C34878D82A}">
-                    <a16:rowId xmlns:a16="http://schemas.microsoft.com/office/drawing/2014/main" xmlns="" val="3059142786"/>
+                    <a16:rowId xmlns="" xmlns:a16="http://schemas.microsoft.com/office/drawing/2014/main" val="3059142786"/>
                   </a:ext>
                 </a:extLst>
               </a:tr>
@@ -19282,7 +20124,7 @@
                 </a:tc>
                 <a:extLst>
                   <a:ext uri="{0D108BD9-81ED-4DB2-BD59-A6C34878D82A}">
-                    <a16:rowId xmlns:a16="http://schemas.microsoft.com/office/drawing/2014/main" xmlns="" val="3588576737"/>
+                    <a16:rowId xmlns="" xmlns:a16="http://schemas.microsoft.com/office/drawing/2014/main" val="3588576737"/>
                   </a:ext>
                 </a:extLst>
               </a:tr>
@@ -19333,7 +20175,7 @@
                 </a:tc>
                 <a:extLst>
                   <a:ext uri="{0D108BD9-81ED-4DB2-BD59-A6C34878D82A}">
-                    <a16:rowId xmlns:a16="http://schemas.microsoft.com/office/drawing/2014/main" xmlns="" val="1626410507"/>
+                    <a16:rowId xmlns="" xmlns:a16="http://schemas.microsoft.com/office/drawing/2014/main" val="1626410507"/>
                   </a:ext>
                 </a:extLst>
               </a:tr>
@@ -19384,7 +20226,7 @@
                 </a:tc>
                 <a:extLst>
                   <a:ext uri="{0D108BD9-81ED-4DB2-BD59-A6C34878D82A}">
-                    <a16:rowId xmlns:a16="http://schemas.microsoft.com/office/drawing/2014/main" xmlns="" val="1888116840"/>
+                    <a16:rowId xmlns="" xmlns:a16="http://schemas.microsoft.com/office/drawing/2014/main" val="1888116840"/>
                   </a:ext>
                 </a:extLst>
               </a:tr>
@@ -19435,7 +20277,7 @@
                 </a:tc>
                 <a:extLst>
                   <a:ext uri="{0D108BD9-81ED-4DB2-BD59-A6C34878D82A}">
-                    <a16:rowId xmlns:a16="http://schemas.microsoft.com/office/drawing/2014/main" xmlns="" val="4023592559"/>
+                    <a16:rowId xmlns="" xmlns:a16="http://schemas.microsoft.com/office/drawing/2014/main" val="4023592559"/>
                   </a:ext>
                 </a:extLst>
               </a:tr>
@@ -19486,7 +20328,7 @@
                 </a:tc>
                 <a:extLst>
                   <a:ext uri="{0D108BD9-81ED-4DB2-BD59-A6C34878D82A}">
-                    <a16:rowId xmlns:a16="http://schemas.microsoft.com/office/drawing/2014/main" xmlns="" val="2426564953"/>
+                    <a16:rowId xmlns="" xmlns:a16="http://schemas.microsoft.com/office/drawing/2014/main" val="2426564953"/>
                   </a:ext>
                 </a:extLst>
               </a:tr>
@@ -19499,7 +20341,7 @@
           <p:cNvPr id="2" name="Slide Number Placeholder 1">
             <a:extLst>
               <a:ext uri="{FF2B5EF4-FFF2-40B4-BE49-F238E27FC236}">
-                <a16:creationId xmlns:a16="http://schemas.microsoft.com/office/drawing/2014/main" xmlns="" id="{A913EEC9-16E3-6C86-97D0-A7EC7EA09CDA}"/>
+                <a16:creationId xmlns="" xmlns:a16="http://schemas.microsoft.com/office/drawing/2014/main" id="{A913EEC9-16E3-6C86-97D0-A7EC7EA09CDA}"/>
               </a:ext>
             </a:extLst>
           </p:cNvPr>
@@ -19534,7 +20376,7 @@
           <p:cNvPr id="8" name="Content Placeholder 5">
             <a:extLst>
               <a:ext uri="{FF2B5EF4-FFF2-40B4-BE49-F238E27FC236}">
-                <a16:creationId xmlns:a16="http://schemas.microsoft.com/office/drawing/2014/main" xmlns="" id="{4DB3991E-0605-C20E-53AD-D64E13638DA5}"/>
+                <a16:creationId xmlns="" xmlns:a16="http://schemas.microsoft.com/office/drawing/2014/main" id="{4DB3991E-0605-C20E-53AD-D64E13638DA5}"/>
               </a:ext>
             </a:extLst>
           </p:cNvPr>
@@ -19563,14 +20405,14 @@
                 <a:gridCol w="1414250">
                   <a:extLst>
                     <a:ext uri="{9D8B030D-6E8A-4147-A177-3AD203B41FA5}">
-                      <a16:colId xmlns:a16="http://schemas.microsoft.com/office/drawing/2014/main" xmlns="" val="180956085"/>
+                      <a16:colId xmlns="" xmlns:a16="http://schemas.microsoft.com/office/drawing/2014/main" val="180956085"/>
                     </a:ext>
                   </a:extLst>
                 </a:gridCol>
                 <a:gridCol w="1414250">
                   <a:extLst>
                     <a:ext uri="{9D8B030D-6E8A-4147-A177-3AD203B41FA5}">
-                      <a16:colId xmlns:a16="http://schemas.microsoft.com/office/drawing/2014/main" xmlns="" val="1180706872"/>
+                      <a16:colId xmlns="" xmlns:a16="http://schemas.microsoft.com/office/drawing/2014/main" val="1180706872"/>
                     </a:ext>
                   </a:extLst>
                 </a:gridCol>
@@ -19668,7 +20510,7 @@
                 </a:tc>
                 <a:extLst>
                   <a:ext uri="{0D108BD9-81ED-4DB2-BD59-A6C34878D82A}">
-                    <a16:rowId xmlns:a16="http://schemas.microsoft.com/office/drawing/2014/main" xmlns="" val="3059142786"/>
+                    <a16:rowId xmlns="" xmlns:a16="http://schemas.microsoft.com/office/drawing/2014/main" val="3059142786"/>
                   </a:ext>
                 </a:extLst>
               </a:tr>
@@ -19763,7 +20605,7 @@
                 </a:tc>
                 <a:extLst>
                   <a:ext uri="{0D108BD9-81ED-4DB2-BD59-A6C34878D82A}">
-                    <a16:rowId xmlns:a16="http://schemas.microsoft.com/office/drawing/2014/main" xmlns="" val="3588576737"/>
+                    <a16:rowId xmlns="" xmlns:a16="http://schemas.microsoft.com/office/drawing/2014/main" val="3588576737"/>
                   </a:ext>
                 </a:extLst>
               </a:tr>
@@ -19877,7 +20719,7 @@
                 </a:tc>
                 <a:extLst>
                   <a:ext uri="{0D108BD9-81ED-4DB2-BD59-A6C34878D82A}">
-                    <a16:rowId xmlns:a16="http://schemas.microsoft.com/office/drawing/2014/main" xmlns="" val="1626410507"/>
+                    <a16:rowId xmlns="" xmlns:a16="http://schemas.microsoft.com/office/drawing/2014/main" val="1626410507"/>
                   </a:ext>
                 </a:extLst>
               </a:tr>
@@ -19991,7 +20833,7 @@
                 </a:tc>
                 <a:extLst>
                   <a:ext uri="{0D108BD9-81ED-4DB2-BD59-A6C34878D82A}">
-                    <a16:rowId xmlns:a16="http://schemas.microsoft.com/office/drawing/2014/main" xmlns="" val="1888116840"/>
+                    <a16:rowId xmlns="" xmlns:a16="http://schemas.microsoft.com/office/drawing/2014/main" val="1888116840"/>
                   </a:ext>
                 </a:extLst>
               </a:tr>
@@ -20222,7 +21064,7 @@
           <p:cNvPr id="9" name="Title 1">
             <a:extLst>
               <a:ext uri="{FF2B5EF4-FFF2-40B4-BE49-F238E27FC236}">
-                <a16:creationId xmlns="" xmlns:a16="http://schemas.microsoft.com/office/drawing/2014/main" id="{13021072-4A77-DB4D-DF41-58EADB7DA94E}"/>
+                <a16:creationId xmlns:a16="http://schemas.microsoft.com/office/drawing/2014/main" xmlns="" id="{13021072-4A77-DB4D-DF41-58EADB7DA94E}"/>
               </a:ext>
             </a:extLst>
           </p:cNvPr>
@@ -20278,7 +21120,7 @@
           <p:cNvPr id="10" name="Title 1">
             <a:extLst>
               <a:ext uri="{FF2B5EF4-FFF2-40B4-BE49-F238E27FC236}">
-                <a16:creationId xmlns="" xmlns:a16="http://schemas.microsoft.com/office/drawing/2014/main" id="{13021072-4A77-DB4D-DF41-58EADB7DA94E}"/>
+                <a16:creationId xmlns:a16="http://schemas.microsoft.com/office/drawing/2014/main" xmlns="" id="{13021072-4A77-DB4D-DF41-58EADB7DA94E}"/>
               </a:ext>
             </a:extLst>
           </p:cNvPr>
@@ -20374,7 +21216,7 @@
           <p:cNvPr id="2" name="Title 1">
             <a:extLst>
               <a:ext uri="{FF2B5EF4-FFF2-40B4-BE49-F238E27FC236}">
-                <a16:creationId xmlns:a16="http://schemas.microsoft.com/office/drawing/2014/main" xmlns="" id="{FD5E8954-9BCB-7FD9-A210-38DC54382D45}"/>
+                <a16:creationId xmlns="" xmlns:a16="http://schemas.microsoft.com/office/drawing/2014/main" id="{FD5E8954-9BCB-7FD9-A210-38DC54382D45}"/>
               </a:ext>
             </a:extLst>
           </p:cNvPr>
@@ -20420,7 +21262,7 @@
           <p:cNvPr id="3" name="Content Placeholder 2">
             <a:extLst>
               <a:ext uri="{FF2B5EF4-FFF2-40B4-BE49-F238E27FC236}">
-                <a16:creationId xmlns:a16="http://schemas.microsoft.com/office/drawing/2014/main" xmlns="" id="{75111C33-898C-4414-4665-5136EB6FC126}"/>
+                <a16:creationId xmlns="" xmlns:a16="http://schemas.microsoft.com/office/drawing/2014/main" id="{75111C33-898C-4414-4665-5136EB6FC126}"/>
               </a:ext>
             </a:extLst>
           </p:cNvPr>
@@ -20455,23 +21297,7 @@
           <a:p>
             <a:r>
               <a:rPr lang="en-US" sz="2400" dirty="0"/>
-              <a:t>Example: Consider the relationship between </a:t>
-            </a:r>
-            <a:r>
-              <a:rPr lang="en-US" sz="2400" dirty="0"/>
-              <a:t>Employees</a:t>
-            </a:r>
-            <a:r>
-              <a:rPr lang="en-US" sz="2400" dirty="0"/>
-              <a:t> and </a:t>
-            </a:r>
-            <a:r>
-              <a:rPr lang="en-US" sz="2400" dirty="0"/>
-              <a:t>Projects</a:t>
-            </a:r>
-            <a:r>
-              <a:rPr lang="en-US" sz="2400" dirty="0"/>
-              <a:t> tables</a:t>
+              <a:t>Example: Consider the relationship between Employees and Projects tables</a:t>
             </a:r>
             <a:r>
               <a:rPr lang="en-US" sz="2400" dirty="0" smtClean="0"/>
@@ -20499,7 +21325,6 @@
               <a:rPr lang="en-US" sz="2400" dirty="0"/>
               <a:t>project can involve multiple employees</a:t>
             </a:r>
-            <a:endParaRPr lang="en-US" sz="2400" dirty="0"/>
           </a:p>
         </p:txBody>
       </p:sp>
@@ -20508,7 +21333,7 @@
           <p:cNvPr id="23" name="Slide Number Placeholder 22">
             <a:extLst>
               <a:ext uri="{FF2B5EF4-FFF2-40B4-BE49-F238E27FC236}">
-                <a16:creationId xmlns:a16="http://schemas.microsoft.com/office/drawing/2014/main" xmlns="" id="{94FF72B7-0438-3641-5939-75128934B0DF}"/>
+                <a16:creationId xmlns="" xmlns:a16="http://schemas.microsoft.com/office/drawing/2014/main" id="{94FF72B7-0438-3641-5939-75128934B0DF}"/>
               </a:ext>
             </a:extLst>
           </p:cNvPr>
@@ -20583,7 +21408,7 @@
           <p:cNvPr id="5" name="Title 4">
             <a:extLst>
               <a:ext uri="{FF2B5EF4-FFF2-40B4-BE49-F238E27FC236}">
-                <a16:creationId xmlns:a16="http://schemas.microsoft.com/office/drawing/2014/main" xmlns="" id="{2136FCF6-982C-CC37-9625-3EBFC7E7DD13}"/>
+                <a16:creationId xmlns="" xmlns:a16="http://schemas.microsoft.com/office/drawing/2014/main" id="{2136FCF6-982C-CC37-9625-3EBFC7E7DD13}"/>
               </a:ext>
             </a:extLst>
           </p:cNvPr>
@@ -20629,7 +21454,7 @@
           <p:cNvPr id="6" name="Content Placeholder 5">
             <a:extLst>
               <a:ext uri="{FF2B5EF4-FFF2-40B4-BE49-F238E27FC236}">
-                <a16:creationId xmlns:a16="http://schemas.microsoft.com/office/drawing/2014/main" xmlns="" id="{4DB3991E-0605-C20E-53AD-D64E13638DA5}"/>
+                <a16:creationId xmlns="" xmlns:a16="http://schemas.microsoft.com/office/drawing/2014/main" id="{4DB3991E-0605-C20E-53AD-D64E13638DA5}"/>
               </a:ext>
             </a:extLst>
           </p:cNvPr>
@@ -20659,14 +21484,14 @@
                 <a:gridCol w="1924373">
                   <a:extLst>
                     <a:ext uri="{9D8B030D-6E8A-4147-A177-3AD203B41FA5}">
-                      <a16:colId xmlns:a16="http://schemas.microsoft.com/office/drawing/2014/main" xmlns="" val="180956085"/>
+                      <a16:colId xmlns="" xmlns:a16="http://schemas.microsoft.com/office/drawing/2014/main" val="180956085"/>
                     </a:ext>
                   </a:extLst>
                 </a:gridCol>
                 <a:gridCol w="1924373">
                   <a:extLst>
                     <a:ext uri="{9D8B030D-6E8A-4147-A177-3AD203B41FA5}">
-                      <a16:colId xmlns:a16="http://schemas.microsoft.com/office/drawing/2014/main" xmlns="" val="1180706872"/>
+                      <a16:colId xmlns="" xmlns:a16="http://schemas.microsoft.com/office/drawing/2014/main" val="1180706872"/>
                     </a:ext>
                   </a:extLst>
                 </a:gridCol>
@@ -20726,7 +21551,7 @@
                 </a:tc>
                 <a:extLst>
                   <a:ext uri="{0D108BD9-81ED-4DB2-BD59-A6C34878D82A}">
-                    <a16:rowId xmlns:a16="http://schemas.microsoft.com/office/drawing/2014/main" xmlns="" val="3059142786"/>
+                    <a16:rowId xmlns="" xmlns:a16="http://schemas.microsoft.com/office/drawing/2014/main" val="3059142786"/>
                   </a:ext>
                 </a:extLst>
               </a:tr>
@@ -20777,7 +21602,7 @@
                 </a:tc>
                 <a:extLst>
                   <a:ext uri="{0D108BD9-81ED-4DB2-BD59-A6C34878D82A}">
-                    <a16:rowId xmlns:a16="http://schemas.microsoft.com/office/drawing/2014/main" xmlns="" val="3588576737"/>
+                    <a16:rowId xmlns="" xmlns:a16="http://schemas.microsoft.com/office/drawing/2014/main" val="3588576737"/>
                   </a:ext>
                 </a:extLst>
               </a:tr>
@@ -20828,7 +21653,7 @@
                 </a:tc>
                 <a:extLst>
                   <a:ext uri="{0D108BD9-81ED-4DB2-BD59-A6C34878D82A}">
-                    <a16:rowId xmlns:a16="http://schemas.microsoft.com/office/drawing/2014/main" xmlns="" val="1626410507"/>
+                    <a16:rowId xmlns="" xmlns:a16="http://schemas.microsoft.com/office/drawing/2014/main" val="1626410507"/>
                   </a:ext>
                 </a:extLst>
               </a:tr>
@@ -20879,7 +21704,7 @@
                 </a:tc>
                 <a:extLst>
                   <a:ext uri="{0D108BD9-81ED-4DB2-BD59-A6C34878D82A}">
-                    <a16:rowId xmlns:a16="http://schemas.microsoft.com/office/drawing/2014/main" xmlns="" val="1888116840"/>
+                    <a16:rowId xmlns="" xmlns:a16="http://schemas.microsoft.com/office/drawing/2014/main" val="1888116840"/>
                   </a:ext>
                 </a:extLst>
               </a:tr>
@@ -20930,7 +21755,7 @@
                 </a:tc>
                 <a:extLst>
                   <a:ext uri="{0D108BD9-81ED-4DB2-BD59-A6C34878D82A}">
-                    <a16:rowId xmlns:a16="http://schemas.microsoft.com/office/drawing/2014/main" xmlns="" val="4023592559"/>
+                    <a16:rowId xmlns="" xmlns:a16="http://schemas.microsoft.com/office/drawing/2014/main" val="4023592559"/>
                   </a:ext>
                 </a:extLst>
               </a:tr>
@@ -20981,7 +21806,7 @@
                 </a:tc>
                 <a:extLst>
                   <a:ext uri="{0D108BD9-81ED-4DB2-BD59-A6C34878D82A}">
-                    <a16:rowId xmlns:a16="http://schemas.microsoft.com/office/drawing/2014/main" xmlns="" val="2426564953"/>
+                    <a16:rowId xmlns="" xmlns:a16="http://schemas.microsoft.com/office/drawing/2014/main" val="2426564953"/>
                   </a:ext>
                 </a:extLst>
               </a:tr>
@@ -20994,7 +21819,7 @@
           <p:cNvPr id="2" name="Slide Number Placeholder 1">
             <a:extLst>
               <a:ext uri="{FF2B5EF4-FFF2-40B4-BE49-F238E27FC236}">
-                <a16:creationId xmlns:a16="http://schemas.microsoft.com/office/drawing/2014/main" xmlns="" id="{A913EEC9-16E3-6C86-97D0-A7EC7EA09CDA}"/>
+                <a16:creationId xmlns="" xmlns:a16="http://schemas.microsoft.com/office/drawing/2014/main" id="{A913EEC9-16E3-6C86-97D0-A7EC7EA09CDA}"/>
               </a:ext>
             </a:extLst>
           </p:cNvPr>
@@ -21029,7 +21854,7 @@
           <p:cNvPr id="8" name="Content Placeholder 5">
             <a:extLst>
               <a:ext uri="{FF2B5EF4-FFF2-40B4-BE49-F238E27FC236}">
-                <a16:creationId xmlns:a16="http://schemas.microsoft.com/office/drawing/2014/main" xmlns="" id="{4DB3991E-0605-C20E-53AD-D64E13638DA5}"/>
+                <a16:creationId xmlns="" xmlns:a16="http://schemas.microsoft.com/office/drawing/2014/main" id="{4DB3991E-0605-C20E-53AD-D64E13638DA5}"/>
               </a:ext>
             </a:extLst>
           </p:cNvPr>
@@ -21058,14 +21883,14 @@
                 <a:gridCol w="1550720">
                   <a:extLst>
                     <a:ext uri="{9D8B030D-6E8A-4147-A177-3AD203B41FA5}">
-                      <a16:colId xmlns:a16="http://schemas.microsoft.com/office/drawing/2014/main" xmlns="" val="180956085"/>
+                      <a16:colId xmlns="" xmlns:a16="http://schemas.microsoft.com/office/drawing/2014/main" val="180956085"/>
                     </a:ext>
                   </a:extLst>
                 </a:gridCol>
                 <a:gridCol w="1550720">
                   <a:extLst>
                     <a:ext uri="{9D8B030D-6E8A-4147-A177-3AD203B41FA5}">
-                      <a16:colId xmlns:a16="http://schemas.microsoft.com/office/drawing/2014/main" xmlns="" val="1180706872"/>
+                      <a16:colId xmlns="" xmlns:a16="http://schemas.microsoft.com/office/drawing/2014/main" val="1180706872"/>
                     </a:ext>
                   </a:extLst>
                 </a:gridCol>
@@ -21117,7 +21942,7 @@
                 </a:tc>
                 <a:extLst>
                   <a:ext uri="{0D108BD9-81ED-4DB2-BD59-A6C34878D82A}">
-                    <a16:rowId xmlns:a16="http://schemas.microsoft.com/office/drawing/2014/main" xmlns="" val="3059142786"/>
+                    <a16:rowId xmlns="" xmlns:a16="http://schemas.microsoft.com/office/drawing/2014/main" val="3059142786"/>
                   </a:ext>
                 </a:extLst>
               </a:tr>
@@ -21168,7 +21993,7 @@
                 </a:tc>
                 <a:extLst>
                   <a:ext uri="{0D108BD9-81ED-4DB2-BD59-A6C34878D82A}">
-                    <a16:rowId xmlns:a16="http://schemas.microsoft.com/office/drawing/2014/main" xmlns="" val="3588576737"/>
+                    <a16:rowId xmlns="" xmlns:a16="http://schemas.microsoft.com/office/drawing/2014/main" val="3588576737"/>
                   </a:ext>
                 </a:extLst>
               </a:tr>
@@ -21219,7 +22044,7 @@
                 </a:tc>
                 <a:extLst>
                   <a:ext uri="{0D108BD9-81ED-4DB2-BD59-A6C34878D82A}">
-                    <a16:rowId xmlns:a16="http://schemas.microsoft.com/office/drawing/2014/main" xmlns="" val="1626410507"/>
+                    <a16:rowId xmlns="" xmlns:a16="http://schemas.microsoft.com/office/drawing/2014/main" val="1626410507"/>
                   </a:ext>
                 </a:extLst>
               </a:tr>
@@ -21270,7 +22095,7 @@
                 </a:tc>
                 <a:extLst>
                   <a:ext uri="{0D108BD9-81ED-4DB2-BD59-A6C34878D82A}">
-                    <a16:rowId xmlns:a16="http://schemas.microsoft.com/office/drawing/2014/main" xmlns="" val="1888116840"/>
+                    <a16:rowId xmlns="" xmlns:a16="http://schemas.microsoft.com/office/drawing/2014/main" val="1888116840"/>
                   </a:ext>
                 </a:extLst>
               </a:tr>
@@ -21283,7 +22108,7 @@
           <p:cNvPr id="7" name="Content Placeholder 5">
             <a:extLst>
               <a:ext uri="{FF2B5EF4-FFF2-40B4-BE49-F238E27FC236}">
-                <a16:creationId xmlns:a16="http://schemas.microsoft.com/office/drawing/2014/main" xmlns="" id="{4DB3991E-0605-C20E-53AD-D64E13638DA5}"/>
+                <a16:creationId xmlns="" xmlns:a16="http://schemas.microsoft.com/office/drawing/2014/main" id="{4DB3991E-0605-C20E-53AD-D64E13638DA5}"/>
               </a:ext>
             </a:extLst>
           </p:cNvPr>
@@ -21312,14 +22137,14 @@
                 <a:gridCol w="1319283">
                   <a:extLst>
                     <a:ext uri="{9D8B030D-6E8A-4147-A177-3AD203B41FA5}">
-                      <a16:colId xmlns:a16="http://schemas.microsoft.com/office/drawing/2014/main" xmlns="" val="180956085"/>
+                      <a16:colId xmlns="" xmlns:a16="http://schemas.microsoft.com/office/drawing/2014/main" val="180956085"/>
                     </a:ext>
                   </a:extLst>
                 </a:gridCol>
                 <a:gridCol w="1319283">
                   <a:extLst>
                     <a:ext uri="{9D8B030D-6E8A-4147-A177-3AD203B41FA5}">
-                      <a16:colId xmlns:a16="http://schemas.microsoft.com/office/drawing/2014/main" xmlns="" val="1180706872"/>
+                      <a16:colId xmlns="" xmlns:a16="http://schemas.microsoft.com/office/drawing/2014/main" val="1180706872"/>
                     </a:ext>
                   </a:extLst>
                 </a:gridCol>
@@ -21405,7 +22230,7 @@
                 </a:tc>
                 <a:extLst>
                   <a:ext uri="{0D108BD9-81ED-4DB2-BD59-A6C34878D82A}">
-                    <a16:rowId xmlns:a16="http://schemas.microsoft.com/office/drawing/2014/main" xmlns="" val="3059142786"/>
+                    <a16:rowId xmlns="" xmlns:a16="http://schemas.microsoft.com/office/drawing/2014/main" val="3059142786"/>
                   </a:ext>
                 </a:extLst>
               </a:tr>
@@ -21478,7 +22303,7 @@
                 </a:tc>
                 <a:extLst>
                   <a:ext uri="{0D108BD9-81ED-4DB2-BD59-A6C34878D82A}">
-                    <a16:rowId xmlns:a16="http://schemas.microsoft.com/office/drawing/2014/main" xmlns="" val="3588576737"/>
+                    <a16:rowId xmlns="" xmlns:a16="http://schemas.microsoft.com/office/drawing/2014/main" val="3588576737"/>
                   </a:ext>
                 </a:extLst>
               </a:tr>
@@ -21551,7 +22376,7 @@
                 </a:tc>
                 <a:extLst>
                   <a:ext uri="{0D108BD9-81ED-4DB2-BD59-A6C34878D82A}">
-                    <a16:rowId xmlns:a16="http://schemas.microsoft.com/office/drawing/2014/main" xmlns="" val="1626410507"/>
+                    <a16:rowId xmlns="" xmlns:a16="http://schemas.microsoft.com/office/drawing/2014/main" val="1626410507"/>
                   </a:ext>
                 </a:extLst>
               </a:tr>
@@ -21620,7 +22445,7 @@
                 </a:tc>
                 <a:extLst>
                   <a:ext uri="{0D108BD9-81ED-4DB2-BD59-A6C34878D82A}">
-                    <a16:rowId xmlns:a16="http://schemas.microsoft.com/office/drawing/2014/main" xmlns="" val="1888116840"/>
+                    <a16:rowId xmlns="" xmlns:a16="http://schemas.microsoft.com/office/drawing/2014/main" val="1888116840"/>
                   </a:ext>
                 </a:extLst>
               </a:tr>
@@ -21833,7 +22658,7 @@
           <p:cNvPr id="9" name="Title 1">
             <a:extLst>
               <a:ext uri="{FF2B5EF4-FFF2-40B4-BE49-F238E27FC236}">
-                <a16:creationId xmlns="" xmlns:a16="http://schemas.microsoft.com/office/drawing/2014/main" id="{13021072-4A77-DB4D-DF41-58EADB7DA94E}"/>
+                <a16:creationId xmlns:a16="http://schemas.microsoft.com/office/drawing/2014/main" xmlns="" id="{13021072-4A77-DB4D-DF41-58EADB7DA94E}"/>
               </a:ext>
             </a:extLst>
           </p:cNvPr>
@@ -21889,7 +22714,7 @@
           <p:cNvPr id="10" name="Title 1">
             <a:extLst>
               <a:ext uri="{FF2B5EF4-FFF2-40B4-BE49-F238E27FC236}">
-                <a16:creationId xmlns="" xmlns:a16="http://schemas.microsoft.com/office/drawing/2014/main" id="{13021072-4A77-DB4D-DF41-58EADB7DA94E}"/>
+                <a16:creationId xmlns:a16="http://schemas.microsoft.com/office/drawing/2014/main" xmlns="" id="{13021072-4A77-DB4D-DF41-58EADB7DA94E}"/>
               </a:ext>
             </a:extLst>
           </p:cNvPr>
@@ -21945,7 +22770,7 @@
           <p:cNvPr id="11" name="Title 1">
             <a:extLst>
               <a:ext uri="{FF2B5EF4-FFF2-40B4-BE49-F238E27FC236}">
-                <a16:creationId xmlns="" xmlns:a16="http://schemas.microsoft.com/office/drawing/2014/main" id="{13021072-4A77-DB4D-DF41-58EADB7DA94E}"/>
+                <a16:creationId xmlns:a16="http://schemas.microsoft.com/office/drawing/2014/main" xmlns="" id="{13021072-4A77-DB4D-DF41-58EADB7DA94E}"/>
               </a:ext>
             </a:extLst>
           </p:cNvPr>
@@ -22004,6 +22829,161 @@
     <p:extLst>
       <p:ext uri="{BB962C8B-B14F-4D97-AF65-F5344CB8AC3E}">
         <p14:creationId xmlns:p14="http://schemas.microsoft.com/office/powerpoint/2010/main" val="3270425701"/>
+      </p:ext>
+    </p:extLst>
+  </p:cSld>
+  <p:clrMapOvr>
+    <a:masterClrMapping/>
+  </p:clrMapOvr>
+  <p:transition>
+    <p:split orient="vert"/>
+  </p:transition>
+  <p:timing>
+    <p:tnLst>
+      <p:par>
+        <p:cTn id="1" dur="indefinite" restart="never" nodeType="tmRoot"/>
+      </p:par>
+    </p:tnLst>
+  </p:timing>
+</p:sld>
+</file>
+
+<file path=ppt/slides/slide9.xml><?xml version="1.0" encoding="utf-8"?>
+<p:sld xmlns:a="http://schemas.openxmlformats.org/drawingml/2006/main" xmlns:r="http://schemas.openxmlformats.org/officeDocument/2006/relationships" xmlns:p="http://schemas.openxmlformats.org/presentationml/2006/main">
+  <p:cSld>
+    <p:spTree>
+      <p:nvGrpSpPr>
+        <p:cNvPr id="1" name=""/>
+        <p:cNvGrpSpPr/>
+        <p:nvPr/>
+      </p:nvGrpSpPr>
+      <p:grpSpPr>
+        <a:xfrm>
+          <a:off x="0" y="0"/>
+          <a:ext cx="0" cy="0"/>
+          <a:chOff x="0" y="0"/>
+          <a:chExt cx="0" cy="0"/>
+        </a:xfrm>
+      </p:grpSpPr>
+      <p:sp>
+        <p:nvSpPr>
+          <p:cNvPr id="2" name="Title 1">
+            <a:extLst>
+              <a:ext uri="{FF2B5EF4-FFF2-40B4-BE49-F238E27FC236}">
+                <a16:creationId xmlns="" xmlns:a16="http://schemas.microsoft.com/office/drawing/2014/main" id="{FD5E8954-9BCB-7FD9-A210-38DC54382D45}"/>
+              </a:ext>
+            </a:extLst>
+          </p:cNvPr>
+          <p:cNvSpPr>
+            <a:spLocks noGrp="1"/>
+          </p:cNvSpPr>
+          <p:nvPr>
+            <p:ph type="title"/>
+          </p:nvPr>
+        </p:nvSpPr>
+        <p:spPr>
+          <a:xfrm>
+            <a:off x="3460565" y="1057274"/>
+            <a:ext cx="8426635" cy="994164"/>
+          </a:xfrm>
+        </p:spPr>
+        <p:txBody>
+          <a:bodyPr/>
+          <a:lstStyle/>
+          <a:p>
+            <a:r>
+              <a:rPr lang="en-IN" b="0" dirty="0"/>
+              <a:t>A self-referencing relationship</a:t>
+            </a:r>
+            <a:endParaRPr lang="en-US" dirty="0"/>
+          </a:p>
+        </p:txBody>
+      </p:sp>
+      <p:sp>
+        <p:nvSpPr>
+          <p:cNvPr id="3" name="Content Placeholder 2">
+            <a:extLst>
+              <a:ext uri="{FF2B5EF4-FFF2-40B4-BE49-F238E27FC236}">
+                <a16:creationId xmlns="" xmlns:a16="http://schemas.microsoft.com/office/drawing/2014/main" id="{75111C33-898C-4414-4665-5136EB6FC126}"/>
+              </a:ext>
+            </a:extLst>
+          </p:cNvPr>
+          <p:cNvSpPr>
+            <a:spLocks noGrp="1"/>
+          </p:cNvSpPr>
+          <p:nvPr>
+            <p:ph sz="half" idx="2"/>
+          </p:nvPr>
+        </p:nvSpPr>
+        <p:spPr>
+          <a:xfrm>
+            <a:off x="3460565" y="2303029"/>
+            <a:ext cx="7965460" cy="3497698"/>
+          </a:xfrm>
+        </p:spPr>
+        <p:txBody>
+          <a:bodyPr>
+            <a:normAutofit lnSpcReduction="10000"/>
+          </a:bodyPr>
+          <a:lstStyle/>
+          <a:p>
+            <a:r>
+              <a:rPr lang="en-US" sz="2400" dirty="0"/>
+              <a:t>A self-referencing relationship, also known as a recursive relationship or a self-join, occurs in the context of relational databases when a table contains a foreign key that refers back to the primary key of the same </a:t>
+            </a:r>
+            <a:r>
+              <a:rPr lang="en-US" sz="2400" dirty="0" smtClean="0"/>
+              <a:t>table</a:t>
+            </a:r>
+          </a:p>
+          <a:p>
+            <a:r>
+              <a:rPr lang="en-US" sz="2400" dirty="0"/>
+              <a:t>This type of relationship is prevalent in various real-world scenarios, such as hierarchical data structures, organizational charts, and parent-child dependencies, where an entity is related to itself, either directly or indirectly</a:t>
+            </a:r>
+            <a:endParaRPr lang="en-US" sz="2400" dirty="0" smtClean="0"/>
+          </a:p>
+        </p:txBody>
+      </p:sp>
+      <p:sp>
+        <p:nvSpPr>
+          <p:cNvPr id="23" name="Slide Number Placeholder 22">
+            <a:extLst>
+              <a:ext uri="{FF2B5EF4-FFF2-40B4-BE49-F238E27FC236}">
+                <a16:creationId xmlns="" xmlns:a16="http://schemas.microsoft.com/office/drawing/2014/main" id="{94FF72B7-0438-3641-5939-75128934B0DF}"/>
+              </a:ext>
+            </a:extLst>
+          </p:cNvPr>
+          <p:cNvSpPr>
+            <a:spLocks noGrp="1"/>
+          </p:cNvSpPr>
+          <p:nvPr>
+            <p:ph type="sldNum" sz="quarter" idx="10"/>
+          </p:nvPr>
+        </p:nvSpPr>
+        <p:spPr>
+          <a:xfrm>
+            <a:off x="10358437" y="457199"/>
+            <a:ext cx="1067589" cy="471489"/>
+          </a:xfrm>
+        </p:spPr>
+        <p:txBody>
+          <a:bodyPr/>
+          <a:lstStyle/>
+          <a:p>
+            <a:fld id="{48F63A3B-78C7-47BE-AE5E-E10140E04643}" type="slidenum">
+              <a:rPr lang="en-US" smtClean="0"/>
+              <a:pPr/>
+              <a:t>9</a:t>
+            </a:fld>
+            <a:endParaRPr lang="en-US" dirty="0"/>
+          </a:p>
+        </p:txBody>
+      </p:sp>
+    </p:spTree>
+    <p:extLst>
+      <p:ext uri="{BB962C8B-B14F-4D97-AF65-F5344CB8AC3E}">
+        <p14:creationId xmlns:p14="http://schemas.microsoft.com/office/powerpoint/2010/main" val="1509695608"/>
       </p:ext>
     </p:extLst>
   </p:cSld>
@@ -22218,7 +23198,7 @@
   <a:extraClrSchemeLst/>
   <a:extLst>
     <a:ext uri="{05A4C25C-085E-4340-85A3-A5531E510DB2}">
-      <thm15:themeFamily xmlns:thm15="http://schemas.microsoft.com/office/thememl/2012/main" xmlns="" name="Geometric color block_Win32_SL_v14" id="{59749740-91A0-46B8-82A8-B436C7A8A142}" vid="{B3F8D047-377B-4FC8-B21C-47530C6DE3AB}"/>
+      <thm15:themeFamily xmlns="" xmlns:thm15="http://schemas.microsoft.com/office/thememl/2012/main" name="Geometric color block_Win32_SL_v14" id="{59749740-91A0-46B8-82A8-B436C7A8A142}" vid="{B3F8D047-377B-4FC8-B21C-47530C6DE3AB}"/>
     </a:ext>
   </a:extLst>
 </a:theme>
@@ -22513,7 +23493,7 @@
   <a:extraClrSchemeLst/>
   <a:extLst>
     <a:ext uri="{05A4C25C-085E-4340-85A3-A5531E510DB2}">
-      <thm15:themeFamily xmlns:thm15="http://schemas.microsoft.com/office/thememl/2012/main" xmlns="" name="Office Theme" id="{62F939B6-93AF-4DB8-9C6B-D6C7DFDC589F}" vid="{4A3C46E8-61CC-4603-A589-7422A47A8E4A}"/>
+      <thm15:themeFamily xmlns="" xmlns:thm15="http://schemas.microsoft.com/office/thememl/2012/main" name="Office Theme" id="{62F939B6-93AF-4DB8-9C6B-D6C7DFDC589F}" vid="{4A3C46E8-61CC-4603-A589-7422A47A8E4A}"/>
     </a:ext>
   </a:extLst>
 </a:theme>
@@ -22808,13 +23788,42 @@
   <a:extraClrSchemeLst/>
   <a:extLst>
     <a:ext uri="{05A4C25C-085E-4340-85A3-A5531E510DB2}">
-      <thm15:themeFamily xmlns:thm15="http://schemas.microsoft.com/office/thememl/2012/main" xmlns="" name="Office Theme" id="{62F939B6-93AF-4DB8-9C6B-D6C7DFDC589F}" vid="{4A3C46E8-61CC-4603-A589-7422A47A8E4A}"/>
+      <thm15:themeFamily xmlns="" xmlns:thm15="http://schemas.microsoft.com/office/thememl/2012/main" name="Office Theme" id="{62F939B6-93AF-4DB8-9C6B-D6C7DFDC589F}" vid="{4A3C46E8-61CC-4603-A589-7422A47A8E4A}"/>
     </a:ext>
   </a:extLst>
 </a:theme>
 </file>
 
 <file path=customXml/item1.xml><?xml version="1.0" encoding="utf-8"?>
+<p:properties xmlns:p="http://schemas.microsoft.com/office/2006/metadata/properties" xmlns:xsi="http://www.w3.org/2001/XMLSchema-instance" xmlns:pc="http://schemas.microsoft.com/office/infopath/2007/PartnerControls">
+  <documentManagement>
+    <_ip_UnifiedCompliancePolicyUIAction xmlns="http://schemas.microsoft.com/sharepoint/v3" xsi:nil="true"/>
+    <Image xmlns="71af3243-3dd4-4a8d-8c0d-dd76da1f02a5">
+      <Url xsi:nil="true"/>
+      <Description xsi:nil="true"/>
+    </Image>
+    <Status xmlns="71af3243-3dd4-4a8d-8c0d-dd76da1f02a5">Not started</Status>
+    <Background xmlns="71af3243-3dd4-4a8d-8c0d-dd76da1f02a5">false</Background>
+    <_ip_UnifiedCompliancePolicyProperties xmlns="http://schemas.microsoft.com/sharepoint/v3" xsi:nil="true"/>
+    <ImageTagsTaxHTField xmlns="71af3243-3dd4-4a8d-8c0d-dd76da1f02a5">
+      <Terms xmlns="http://schemas.microsoft.com/office/infopath/2007/PartnerControls"/>
+    </ImageTagsTaxHTField>
+    <TaxCatchAll xmlns="230e9df3-be65-4c73-a93b-d1236ebd677e" xsi:nil="true"/>
+    <MediaServiceKeyPoints xmlns="71af3243-3dd4-4a8d-8c0d-dd76da1f02a5" xsi:nil="true"/>
+  </documentManagement>
+</p:properties>
+</file>
+
+<file path=customXml/item2.xml><?xml version="1.0" encoding="utf-8"?>
+<?mso-contentType ?>
+<FormTemplates xmlns="http://schemas.microsoft.com/sharepoint/v3/contenttype/forms">
+  <Display>DocumentLibraryForm</Display>
+  <Edit>DocumentLibraryForm</Edit>
+  <New>DocumentLibraryForm</New>
+</FormTemplates>
+</file>
+
+<file path=customXml/item3.xml><?xml version="1.0" encoding="utf-8"?>
 <ct:contentTypeSchema xmlns:ct="http://schemas.microsoft.com/office/2006/metadata/contentType" xmlns:ma="http://schemas.microsoft.com/office/2006/metadata/properties/metaAttributes" ct:_="" ma:_="" ma:contentTypeName="Document" ma:contentTypeID="0x01010079F111ED35F8CC479449609E8A0923A6" ma:contentTypeVersion="28" ma:contentTypeDescription="Create a new document." ma:contentTypeScope="" ma:versionID="60f5a4f2d2b0abadcf532d48ebf9cb71">
   <xsd:schema xmlns:xsd="http://www.w3.org/2001/XMLSchema" xmlns:xs="http://www.w3.org/2001/XMLSchema" xmlns:p="http://schemas.microsoft.com/office/2006/metadata/properties" xmlns:ns1="http://schemas.microsoft.com/sharepoint/v3" xmlns:ns2="71af3243-3dd4-4a8d-8c0d-dd76da1f02a5" xmlns:ns3="16c05727-aa75-4e4a-9b5f-8a80a1165891" xmlns:ns4="230e9df3-be65-4c73-a93b-d1236ebd677e" targetNamespace="http://schemas.microsoft.com/office/2006/metadata/properties" ma:root="true" ma:fieldsID="7dd78129e6a1811f84807ad11c651531" ns1:_="" ns2:_="" ns3:_="" ns4:_="">
     <xsd:import namespace="http://schemas.microsoft.com/sharepoint/v3"/>
@@ -23126,36 +24135,34 @@
 </ct:contentTypeSchema>
 </file>
 
-<file path=customXml/item2.xml><?xml version="1.0" encoding="utf-8"?>
-<?mso-contentType ?>
-<FormTemplates xmlns="http://schemas.microsoft.com/sharepoint/v3/contenttype/forms">
-  <Display>DocumentLibraryForm</Display>
-  <Edit>DocumentLibraryForm</Edit>
-  <New>DocumentLibraryForm</New>
-</FormTemplates>
+<file path=customXml/itemProps1.xml><?xml version="1.0" encoding="utf-8"?>
+<ds:datastoreItem xmlns:ds="http://schemas.openxmlformats.org/officeDocument/2006/customXml" ds:itemID="{BA719FA4-954C-4FA8-82CB-206659C3B826}">
+  <ds:schemaRefs>
+    <ds:schemaRef ds:uri="230e9df3-be65-4c73-a93b-d1236ebd677e"/>
+    <ds:schemaRef ds:uri="http://schemas.microsoft.com/office/2006/documentManagement/types"/>
+    <ds:schemaRef ds:uri="http://schemas.openxmlformats.org/package/2006/metadata/core-properties"/>
+    <ds:schemaRef ds:uri="http://purl.org/dc/elements/1.1/"/>
+    <ds:schemaRef ds:uri="http://schemas.microsoft.com/office/2006/metadata/properties"/>
+    <ds:schemaRef ds:uri="http://schemas.microsoft.com/sharepoint/v3"/>
+    <ds:schemaRef ds:uri="http://schemas.microsoft.com/office/infopath/2007/PartnerControls"/>
+    <ds:schemaRef ds:uri="http://purl.org/dc/terms/"/>
+    <ds:schemaRef ds:uri="16c05727-aa75-4e4a-9b5f-8a80a1165891"/>
+    <ds:schemaRef ds:uri="71af3243-3dd4-4a8d-8c0d-dd76da1f02a5"/>
+    <ds:schemaRef ds:uri="http://www.w3.org/XML/1998/namespace"/>
+    <ds:schemaRef ds:uri="http://purl.org/dc/dcmitype/"/>
+  </ds:schemaRefs>
+</ds:datastoreItem>
 </file>
 
-<file path=customXml/item3.xml><?xml version="1.0" encoding="utf-8"?>
-<p:properties xmlns:p="http://schemas.microsoft.com/office/2006/metadata/properties" xmlns:xsi="http://www.w3.org/2001/XMLSchema-instance" xmlns:pc="http://schemas.microsoft.com/office/infopath/2007/PartnerControls">
-  <documentManagement>
-    <_ip_UnifiedCompliancePolicyUIAction xmlns="http://schemas.microsoft.com/sharepoint/v3" xsi:nil="true"/>
-    <Image xmlns="71af3243-3dd4-4a8d-8c0d-dd76da1f02a5">
-      <Url xsi:nil="true"/>
-      <Description xsi:nil="true"/>
-    </Image>
-    <Status xmlns="71af3243-3dd4-4a8d-8c0d-dd76da1f02a5">Not started</Status>
-    <Background xmlns="71af3243-3dd4-4a8d-8c0d-dd76da1f02a5">false</Background>
-    <_ip_UnifiedCompliancePolicyProperties xmlns="http://schemas.microsoft.com/sharepoint/v3" xsi:nil="true"/>
-    <ImageTagsTaxHTField xmlns="71af3243-3dd4-4a8d-8c0d-dd76da1f02a5">
-      <Terms xmlns="http://schemas.microsoft.com/office/infopath/2007/PartnerControls"/>
-    </ImageTagsTaxHTField>
-    <TaxCatchAll xmlns="230e9df3-be65-4c73-a93b-d1236ebd677e" xsi:nil="true"/>
-    <MediaServiceKeyPoints xmlns="71af3243-3dd4-4a8d-8c0d-dd76da1f02a5" xsi:nil="true"/>
-  </documentManagement>
-</p:properties>
+<file path=customXml/itemProps2.xml><?xml version="1.0" encoding="utf-8"?>
+<ds:datastoreItem xmlns:ds="http://schemas.openxmlformats.org/officeDocument/2006/customXml" ds:itemID="{16DBB56F-4362-4386-A1A1-3DF898896616}">
+  <ds:schemaRefs>
+    <ds:schemaRef ds:uri="http://schemas.microsoft.com/sharepoint/v3/contenttype/forms"/>
+  </ds:schemaRefs>
+</ds:datastoreItem>
 </file>
 
-<file path=customXml/itemProps1.xml><?xml version="1.0" encoding="utf-8"?>
+<file path=customXml/itemProps3.xml><?xml version="1.0" encoding="utf-8"?>
 <ds:datastoreItem xmlns:ds="http://schemas.openxmlformats.org/officeDocument/2006/customXml" ds:itemID="{04948363-B267-4BAC-8655-100FBEC280C1}">
   <ds:schemaRefs>
     <ds:schemaRef ds:uri="http://schemas.microsoft.com/office/2006/metadata/contentType"/>
@@ -23176,33 +24183,6 @@
 </ds:datastoreItem>
 </file>
 
-<file path=customXml/itemProps2.xml><?xml version="1.0" encoding="utf-8"?>
-<ds:datastoreItem xmlns:ds="http://schemas.openxmlformats.org/officeDocument/2006/customXml" ds:itemID="{16DBB56F-4362-4386-A1A1-3DF898896616}">
-  <ds:schemaRefs>
-    <ds:schemaRef ds:uri="http://schemas.microsoft.com/sharepoint/v3/contenttype/forms"/>
-  </ds:schemaRefs>
-</ds:datastoreItem>
-</file>
-
-<file path=customXml/itemProps3.xml><?xml version="1.0" encoding="utf-8"?>
-<ds:datastoreItem xmlns:ds="http://schemas.openxmlformats.org/officeDocument/2006/customXml" ds:itemID="{BA719FA4-954C-4FA8-82CB-206659C3B826}">
-  <ds:schemaRefs>
-    <ds:schemaRef ds:uri="230e9df3-be65-4c73-a93b-d1236ebd677e"/>
-    <ds:schemaRef ds:uri="http://schemas.microsoft.com/office/2006/documentManagement/types"/>
-    <ds:schemaRef ds:uri="http://schemas.openxmlformats.org/package/2006/metadata/core-properties"/>
-    <ds:schemaRef ds:uri="http://purl.org/dc/elements/1.1/"/>
-    <ds:schemaRef ds:uri="http://schemas.microsoft.com/office/2006/metadata/properties"/>
-    <ds:schemaRef ds:uri="http://schemas.microsoft.com/sharepoint/v3"/>
-    <ds:schemaRef ds:uri="http://schemas.microsoft.com/office/infopath/2007/PartnerControls"/>
-    <ds:schemaRef ds:uri="http://purl.org/dc/terms/"/>
-    <ds:schemaRef ds:uri="16c05727-aa75-4e4a-9b5f-8a80a1165891"/>
-    <ds:schemaRef ds:uri="71af3243-3dd4-4a8d-8c0d-dd76da1f02a5"/>
-    <ds:schemaRef ds:uri="http://www.w3.org/XML/1998/namespace"/>
-    <ds:schemaRef ds:uri="http://purl.org/dc/dcmitype/"/>
-  </ds:schemaRefs>
-</ds:datastoreItem>
-</file>
-
 <file path=docMetadata/LabelInfo.xml><?xml version="1.0" encoding="utf-8"?>
 <clbl:labelList xmlns:clbl="http://schemas.microsoft.com/office/2020/mipLabelMetadata"/>
 </file>
--- a/database relationships.pptx
+++ b/database relationships.pptx
@@ -5,10 +5,10 @@
     <p:sldMasterId id="2147483650" r:id="rId4"/>
   </p:sldMasterIdLst>
   <p:notesMasterIdLst>
-    <p:notesMasterId r:id="rId17"/>
+    <p:notesMasterId r:id="rId19"/>
   </p:notesMasterIdLst>
   <p:handoutMasterIdLst>
-    <p:handoutMasterId r:id="rId18"/>
+    <p:handoutMasterId r:id="rId20"/>
   </p:handoutMasterIdLst>
   <p:sldIdLst>
     <p:sldId id="312" r:id="rId5"/>
@@ -23,6 +23,8 @@
     <p:sldId id="331" r:id="rId14"/>
     <p:sldId id="332" r:id="rId15"/>
     <p:sldId id="333" r:id="rId16"/>
+    <p:sldId id="334" r:id="rId17"/>
+    <p:sldId id="335" r:id="rId18"/>
   </p:sldIdLst>
   <p:sldSz cx="12192000" cy="6858000"/>
   <p:notesSz cx="13716000" cy="24384000"/>
@@ -123,7 +125,7 @@
   </p:defaultTextStyle>
   <p:extLst>
     <p:ext uri="{EFAFB233-063F-42B5-8137-9DF3F51BA10A}">
-      <p15:sldGuideLst xmlns="" xmlns:p15="http://schemas.microsoft.com/office/powerpoint/2012/main">
+      <p15:sldGuideLst xmlns:p15="http://schemas.microsoft.com/office/powerpoint/2012/main" xmlns="">
         <p15:guide id="3" orient="horz" pos="2616" userDrawn="1">
           <p15:clr>
             <a:srgbClr val="A4A3A4"/>
@@ -217,7 +219,7 @@
       </p15:sldGuideLst>
     </p:ext>
     <p:ext uri="{2D200454-40CA-4A62-9FC3-DE9A4176ACB9}">
-      <p15:notesGuideLst xmlns="" xmlns:p15="http://schemas.microsoft.com/office/powerpoint/2012/main"/>
+      <p15:notesGuideLst xmlns:p15="http://schemas.microsoft.com/office/powerpoint/2012/main" xmlns=""/>
     </p:ext>
   </p:extLst>
 </p:presentation>
@@ -256,7 +258,7 @@
           <p:cNvPr id="2" name="Header Placeholder 1">
             <a:extLst>
               <a:ext uri="{FF2B5EF4-FFF2-40B4-BE49-F238E27FC236}">
-                <a16:creationId xmlns="" xmlns:a16="http://schemas.microsoft.com/office/drawing/2014/main" id="{22426ABF-A8C0-D94B-8DA4-89B3D95177FD}"/>
+                <a16:creationId xmlns:a16="http://schemas.microsoft.com/office/drawing/2014/main" xmlns="" id="{22426ABF-A8C0-D94B-8DA4-89B3D95177FD}"/>
               </a:ext>
             </a:extLst>
           </p:cNvPr>
@@ -293,7 +295,7 @@
           <p:cNvPr id="3" name="Date Placeholder 2">
             <a:extLst>
               <a:ext uri="{FF2B5EF4-FFF2-40B4-BE49-F238E27FC236}">
-                <a16:creationId xmlns="" xmlns:a16="http://schemas.microsoft.com/office/drawing/2014/main" id="{F73E1C36-C21F-0B70-27E7-5B59DAE27561}"/>
+                <a16:creationId xmlns:a16="http://schemas.microsoft.com/office/drawing/2014/main" xmlns="" id="{F73E1C36-C21F-0B70-27E7-5B59DAE27561}"/>
               </a:ext>
             </a:extLst>
           </p:cNvPr>
@@ -334,7 +336,7 @@
           <p:cNvPr id="4" name="Footer Placeholder 3">
             <a:extLst>
               <a:ext uri="{FF2B5EF4-FFF2-40B4-BE49-F238E27FC236}">
-                <a16:creationId xmlns="" xmlns:a16="http://schemas.microsoft.com/office/drawing/2014/main" id="{E5942066-244B-8673-5E9A-26E4265AD0B2}"/>
+                <a16:creationId xmlns:a16="http://schemas.microsoft.com/office/drawing/2014/main" xmlns="" id="{E5942066-244B-8673-5E9A-26E4265AD0B2}"/>
               </a:ext>
             </a:extLst>
           </p:cNvPr>
@@ -371,7 +373,7 @@
           <p:cNvPr id="5" name="Slide Number Placeholder 4">
             <a:extLst>
               <a:ext uri="{FF2B5EF4-FFF2-40B4-BE49-F238E27FC236}">
-                <a16:creationId xmlns="" xmlns:a16="http://schemas.microsoft.com/office/drawing/2014/main" id="{2530EE97-1F54-6631-A4BB-FD938296488E}"/>
+                <a16:creationId xmlns:a16="http://schemas.microsoft.com/office/drawing/2014/main" xmlns="" id="{2530EE97-1F54-6631-A4BB-FD938296488E}"/>
               </a:ext>
             </a:extLst>
           </p:cNvPr>
@@ -795,6 +797,172 @@
 </file>
 
 <file path=ppt/notesSlides/notesSlide12.xml><?xml version="1.0" encoding="utf-8"?>
+<p:notes xmlns:a="http://schemas.openxmlformats.org/drawingml/2006/main" xmlns:r="http://schemas.openxmlformats.org/officeDocument/2006/relationships" xmlns:p="http://schemas.openxmlformats.org/presentationml/2006/main">
+  <p:cSld>
+    <p:spTree>
+      <p:nvGrpSpPr>
+        <p:cNvPr id="1" name=""/>
+        <p:cNvGrpSpPr/>
+        <p:nvPr/>
+      </p:nvGrpSpPr>
+      <p:grpSpPr>
+        <a:xfrm>
+          <a:off x="0" y="0"/>
+          <a:ext cx="0" cy="0"/>
+          <a:chOff x="0" y="0"/>
+          <a:chExt cx="0" cy="0"/>
+        </a:xfrm>
+      </p:grpSpPr>
+      <p:sp>
+        <p:nvSpPr>
+          <p:cNvPr id="2" name="Slide Image Placeholder 1"/>
+          <p:cNvSpPr>
+            <a:spLocks noGrp="1" noRot="1" noChangeAspect="1"/>
+          </p:cNvSpPr>
+          <p:nvPr>
+            <p:ph type="sldImg"/>
+          </p:nvPr>
+        </p:nvSpPr>
+        <p:spPr>
+          <a:xfrm>
+            <a:off x="-457200" y="3048000"/>
+            <a:ext cx="14630400" cy="8229600"/>
+          </a:xfrm>
+          <a:prstGeom prst="rect">
+            <a:avLst/>
+          </a:prstGeom>
+          <a:noFill/>
+          <a:ln w="12700">
+            <a:solidFill>
+              <a:prstClr val="black"/>
+            </a:solidFill>
+          </a:ln>
+        </p:spPr>
+      </p:sp>
+      <p:sp>
+        <p:nvSpPr>
+          <p:cNvPr id="3" name="Notes Placeholder 2"/>
+          <p:cNvSpPr>
+            <a:spLocks noGrp="1"/>
+          </p:cNvSpPr>
+          <p:nvPr>
+            <p:ph type="body" idx="1"/>
+          </p:nvPr>
+        </p:nvSpPr>
+        <p:spPr>
+          <a:xfrm>
+            <a:off x="1371600" y="11734800"/>
+            <a:ext cx="10972800" cy="9601200"/>
+          </a:xfrm>
+          <a:prstGeom prst="rect">
+            <a:avLst/>
+          </a:prstGeom>
+        </p:spPr>
+        <p:txBody>
+          <a:bodyPr/>
+          <a:lstStyle/>
+          <a:p>
+            <a:endParaRPr lang="en-US" dirty="0"/>
+          </a:p>
+        </p:txBody>
+      </p:sp>
+    </p:spTree>
+    <p:extLst>
+      <p:ext uri="{BB962C8B-B14F-4D97-AF65-F5344CB8AC3E}">
+        <p14:creationId xmlns:p14="http://schemas.microsoft.com/office/powerpoint/2010/main" val="1019397722"/>
+      </p:ext>
+    </p:extLst>
+  </p:cSld>
+  <p:clrMapOvr>
+    <a:masterClrMapping/>
+  </p:clrMapOvr>
+</p:notes>
+</file>
+
+<file path=ppt/notesSlides/notesSlide13.xml><?xml version="1.0" encoding="utf-8"?>
+<p:notes xmlns:a="http://schemas.openxmlformats.org/drawingml/2006/main" xmlns:r="http://schemas.openxmlformats.org/officeDocument/2006/relationships" xmlns:p="http://schemas.openxmlformats.org/presentationml/2006/main">
+  <p:cSld>
+    <p:spTree>
+      <p:nvGrpSpPr>
+        <p:cNvPr id="1" name=""/>
+        <p:cNvGrpSpPr/>
+        <p:nvPr/>
+      </p:nvGrpSpPr>
+      <p:grpSpPr>
+        <a:xfrm>
+          <a:off x="0" y="0"/>
+          <a:ext cx="0" cy="0"/>
+          <a:chOff x="0" y="0"/>
+          <a:chExt cx="0" cy="0"/>
+        </a:xfrm>
+      </p:grpSpPr>
+      <p:sp>
+        <p:nvSpPr>
+          <p:cNvPr id="2" name="Slide Image Placeholder 1"/>
+          <p:cNvSpPr>
+            <a:spLocks noGrp="1" noRot="1" noChangeAspect="1"/>
+          </p:cNvSpPr>
+          <p:nvPr>
+            <p:ph type="sldImg"/>
+          </p:nvPr>
+        </p:nvSpPr>
+        <p:spPr>
+          <a:xfrm>
+            <a:off x="-457200" y="3048000"/>
+            <a:ext cx="14630400" cy="8229600"/>
+          </a:xfrm>
+          <a:prstGeom prst="rect">
+            <a:avLst/>
+          </a:prstGeom>
+          <a:noFill/>
+          <a:ln w="12700">
+            <a:solidFill>
+              <a:prstClr val="black"/>
+            </a:solidFill>
+          </a:ln>
+        </p:spPr>
+      </p:sp>
+      <p:sp>
+        <p:nvSpPr>
+          <p:cNvPr id="3" name="Notes Placeholder 2"/>
+          <p:cNvSpPr>
+            <a:spLocks noGrp="1"/>
+          </p:cNvSpPr>
+          <p:nvPr>
+            <p:ph type="body" idx="1"/>
+          </p:nvPr>
+        </p:nvSpPr>
+        <p:spPr>
+          <a:xfrm>
+            <a:off x="1371600" y="11734800"/>
+            <a:ext cx="10972800" cy="9601200"/>
+          </a:xfrm>
+          <a:prstGeom prst="rect">
+            <a:avLst/>
+          </a:prstGeom>
+        </p:spPr>
+        <p:txBody>
+          <a:bodyPr/>
+          <a:lstStyle/>
+          <a:p>
+            <a:endParaRPr lang="en-US" dirty="0"/>
+          </a:p>
+        </p:txBody>
+      </p:sp>
+    </p:spTree>
+    <p:extLst>
+      <p:ext uri="{BB962C8B-B14F-4D97-AF65-F5344CB8AC3E}">
+        <p14:creationId xmlns:p14="http://schemas.microsoft.com/office/powerpoint/2010/main" val="4110138705"/>
+      </p:ext>
+    </p:extLst>
+  </p:cSld>
+  <p:clrMapOvr>
+    <a:masterClrMapping/>
+  </p:clrMapOvr>
+</p:notes>
+</file>
+
+<file path=ppt/notesSlides/notesSlide14.xml><?xml version="1.0" encoding="utf-8"?>
 <p:notes xmlns:a="http://schemas.openxmlformats.org/drawingml/2006/main" xmlns:r="http://schemas.openxmlformats.org/officeDocument/2006/relationships" xmlns:p="http://schemas.openxmlformats.org/presentationml/2006/main">
   <p:cSld>
     <p:spTree>
@@ -1571,10 +1739,10 @@
           <p:cNvPr id="15" name="Image 0">
             <a:extLst>
               <a:ext uri="{FF2B5EF4-FFF2-40B4-BE49-F238E27FC236}">
-                <a16:creationId xmlns="" xmlns:a16="http://schemas.microsoft.com/office/drawing/2014/main" id="{BA5D5A72-CB6F-F8DE-E2C9-90459C8C3DC1}"/>
+                <a16:creationId xmlns:a16="http://schemas.microsoft.com/office/drawing/2014/main" xmlns="" id="{BA5D5A72-CB6F-F8DE-E2C9-90459C8C3DC1}"/>
               </a:ext>
               <a:ext uri="{C183D7F6-B498-43B3-948B-1728B52AA6E4}">
-                <adec:decorative xmlns="" xmlns:adec="http://schemas.microsoft.com/office/drawing/2017/decorative" val="1"/>
+                <adec:decorative xmlns:adec="http://schemas.microsoft.com/office/drawing/2017/decorative" xmlns="" val="1"/>
               </a:ext>
             </a:extLst>
           </p:cNvPr>
@@ -1656,10 +1824,10 @@
           <p:cNvPr id="20" name="Freeform: Shape 19">
             <a:extLst>
               <a:ext uri="{FF2B5EF4-FFF2-40B4-BE49-F238E27FC236}">
-                <a16:creationId xmlns="" xmlns:a16="http://schemas.microsoft.com/office/drawing/2014/main" id="{E66FD7FF-2869-7902-36B2-2B229AB9AB19}"/>
+                <a16:creationId xmlns:a16="http://schemas.microsoft.com/office/drawing/2014/main" xmlns="" id="{E66FD7FF-2869-7902-36B2-2B229AB9AB19}"/>
               </a:ext>
               <a:ext uri="{C183D7F6-B498-43B3-948B-1728B52AA6E4}">
-                <adec:decorative xmlns="" xmlns:adec="http://schemas.microsoft.com/office/drawing/2017/decorative" val="1"/>
+                <adec:decorative xmlns:adec="http://schemas.microsoft.com/office/drawing/2017/decorative" xmlns="" val="1"/>
               </a:ext>
             </a:extLst>
           </p:cNvPr>
@@ -1769,10 +1937,10 @@
           <p:cNvPr id="18" name="Freeform: Shape 17">
             <a:extLst>
               <a:ext uri="{FF2B5EF4-FFF2-40B4-BE49-F238E27FC236}">
-                <a16:creationId xmlns="" xmlns:a16="http://schemas.microsoft.com/office/drawing/2014/main" id="{B1457C88-4472-81CF-02AF-4421E0A3084B}"/>
+                <a16:creationId xmlns:a16="http://schemas.microsoft.com/office/drawing/2014/main" xmlns="" id="{B1457C88-4472-81CF-02AF-4421E0A3084B}"/>
               </a:ext>
               <a:ext uri="{C183D7F6-B498-43B3-948B-1728B52AA6E4}">
-                <adec:decorative xmlns="" xmlns:adec="http://schemas.microsoft.com/office/drawing/2017/decorative" val="1"/>
+                <adec:decorative xmlns:adec="http://schemas.microsoft.com/office/drawing/2017/decorative" xmlns="" val="1"/>
               </a:ext>
             </a:extLst>
           </p:cNvPr>
@@ -1929,7 +2097,7 @@
   </p:timing>
   <p:extLst mod="1">
     <p:ext uri="{DCECCB84-F9BA-43D5-87BE-67443E8EF086}">
-      <p15:sldGuideLst xmlns="" xmlns:p15="http://schemas.microsoft.com/office/powerpoint/2012/main">
+      <p15:sldGuideLst xmlns:p15="http://schemas.microsoft.com/office/powerpoint/2012/main" xmlns="">
         <p15:guide id="1" orient="horz" pos="2160" userDrawn="1">
           <p15:clr>
             <a:srgbClr val="FBAE40"/>
@@ -1968,10 +2136,10 @@
           <p:cNvPr id="12" name="Freeform 11">
             <a:extLst>
               <a:ext uri="{FF2B5EF4-FFF2-40B4-BE49-F238E27FC236}">
-                <a16:creationId xmlns="" xmlns:a16="http://schemas.microsoft.com/office/drawing/2014/main" id="{D014917C-8694-B4A4-A211-0F31F00E247E}"/>
+                <a16:creationId xmlns:a16="http://schemas.microsoft.com/office/drawing/2014/main" xmlns="" id="{D014917C-8694-B4A4-A211-0F31F00E247E}"/>
               </a:ext>
               <a:ext uri="{C183D7F6-B498-43B3-948B-1728B52AA6E4}">
-                <adec:decorative xmlns="" xmlns:adec="http://schemas.microsoft.com/office/drawing/2017/decorative" val="1"/>
+                <adec:decorative xmlns:adec="http://schemas.microsoft.com/office/drawing/2017/decorative" xmlns="" val="1"/>
               </a:ext>
             </a:extLst>
           </p:cNvPr>
@@ -2091,10 +2259,10 @@
           <p:cNvPr id="10" name="Freeform 9">
             <a:extLst>
               <a:ext uri="{FF2B5EF4-FFF2-40B4-BE49-F238E27FC236}">
-                <a16:creationId xmlns="" xmlns:a16="http://schemas.microsoft.com/office/drawing/2014/main" id="{A7DB6972-BB75-254A-BA88-C0C3E6E93BDB}"/>
+                <a16:creationId xmlns:a16="http://schemas.microsoft.com/office/drawing/2014/main" xmlns="" id="{A7DB6972-BB75-254A-BA88-C0C3E6E93BDB}"/>
               </a:ext>
               <a:ext uri="{C183D7F6-B498-43B3-948B-1728B52AA6E4}">
-                <adec:decorative xmlns="" xmlns:adec="http://schemas.microsoft.com/office/drawing/2017/decorative" val="1"/>
+                <adec:decorative xmlns:adec="http://schemas.microsoft.com/office/drawing/2017/decorative" xmlns="" val="1"/>
               </a:ext>
             </a:extLst>
           </p:cNvPr>
@@ -2192,10 +2360,10 @@
           <p:cNvPr id="30" name="Image 2">
             <a:extLst>
               <a:ext uri="{FF2B5EF4-FFF2-40B4-BE49-F238E27FC236}">
-                <a16:creationId xmlns="" xmlns:a16="http://schemas.microsoft.com/office/drawing/2014/main" id="{790E862E-398F-571C-EC2C-3D17164DE059}"/>
+                <a16:creationId xmlns:a16="http://schemas.microsoft.com/office/drawing/2014/main" xmlns="" id="{790E862E-398F-571C-EC2C-3D17164DE059}"/>
               </a:ext>
               <a:ext uri="{C183D7F6-B498-43B3-948B-1728B52AA6E4}">
-                <adec:decorative xmlns="" xmlns:adec="http://schemas.microsoft.com/office/drawing/2017/decorative" val="1"/>
+                <adec:decorative xmlns:adec="http://schemas.microsoft.com/office/drawing/2017/decorative" xmlns="" val="1"/>
               </a:ext>
             </a:extLst>
           </p:cNvPr>
@@ -2291,7 +2459,7 @@
           <p:cNvPr id="6" name="Title 1">
             <a:extLst>
               <a:ext uri="{FF2B5EF4-FFF2-40B4-BE49-F238E27FC236}">
-                <a16:creationId xmlns="" xmlns:a16="http://schemas.microsoft.com/office/drawing/2014/main" id="{1C975BF2-D657-C309-269D-B8D006263130}"/>
+                <a16:creationId xmlns:a16="http://schemas.microsoft.com/office/drawing/2014/main" xmlns="" id="{1C975BF2-D657-C309-269D-B8D006263130}"/>
               </a:ext>
             </a:extLst>
           </p:cNvPr>
@@ -2335,7 +2503,7 @@
           <p:cNvPr id="4" name="Text Placeholder 54">
             <a:extLst>
               <a:ext uri="{FF2B5EF4-FFF2-40B4-BE49-F238E27FC236}">
-                <a16:creationId xmlns="" xmlns:a16="http://schemas.microsoft.com/office/drawing/2014/main" id="{A0AEB4DF-13C8-8171-2BDB-FD1AD542E783}"/>
+                <a16:creationId xmlns:a16="http://schemas.microsoft.com/office/drawing/2014/main" xmlns="" id="{A0AEB4DF-13C8-8171-2BDB-FD1AD542E783}"/>
               </a:ext>
             </a:extLst>
           </p:cNvPr>
@@ -2385,7 +2553,7 @@
           <p:cNvPr id="9" name="Content Placeholder 2">
             <a:extLst>
               <a:ext uri="{FF2B5EF4-FFF2-40B4-BE49-F238E27FC236}">
-                <a16:creationId xmlns="" xmlns:a16="http://schemas.microsoft.com/office/drawing/2014/main" id="{42134EBA-AF32-9F8A-370F-0D3E842F0397}"/>
+                <a16:creationId xmlns:a16="http://schemas.microsoft.com/office/drawing/2014/main" xmlns="" id="{42134EBA-AF32-9F8A-370F-0D3E842F0397}"/>
               </a:ext>
             </a:extLst>
           </p:cNvPr>
@@ -2465,7 +2633,7 @@
           <p:cNvPr id="20" name="Slide Number Placeholder 2">
             <a:extLst>
               <a:ext uri="{FF2B5EF4-FFF2-40B4-BE49-F238E27FC236}">
-                <a16:creationId xmlns="" xmlns:a16="http://schemas.microsoft.com/office/drawing/2014/main" id="{AE99A73D-155B-A133-9671-506F54A0559A}"/>
+                <a16:creationId xmlns:a16="http://schemas.microsoft.com/office/drawing/2014/main" xmlns="" id="{AE99A73D-155B-A133-9671-506F54A0559A}"/>
               </a:ext>
             </a:extLst>
           </p:cNvPr>
@@ -2539,10 +2707,10 @@
           <p:cNvPr id="29" name="Graphic 28">
             <a:extLst>
               <a:ext uri="{FF2B5EF4-FFF2-40B4-BE49-F238E27FC236}">
-                <a16:creationId xmlns="" xmlns:a16="http://schemas.microsoft.com/office/drawing/2014/main" id="{D5595DD5-43B0-252F-8BC6-6B74340C5BCF}"/>
+                <a16:creationId xmlns:a16="http://schemas.microsoft.com/office/drawing/2014/main" xmlns="" id="{D5595DD5-43B0-252F-8BC6-6B74340C5BCF}"/>
               </a:ext>
               <a:ext uri="{C183D7F6-B498-43B3-948B-1728B52AA6E4}">
-                <adec:decorative xmlns="" xmlns:adec="http://schemas.microsoft.com/office/drawing/2017/decorative" val="1"/>
+                <adec:decorative xmlns:adec="http://schemas.microsoft.com/office/drawing/2017/decorative" xmlns="" val="1"/>
               </a:ext>
             </a:extLst>
           </p:cNvPr>
@@ -2558,7 +2726,7 @@
                 <a14:useLocalDpi xmlns:a14="http://schemas.microsoft.com/office/drawing/2010/main"/>
               </a:ext>
               <a:ext uri="{96DAC541-7B7A-43D3-8B79-37D633B846F1}">
-                <asvg:svgBlip xmlns="" xmlns:asvg="http://schemas.microsoft.com/office/drawing/2016/SVG/main" r:embed="rId3"/>
+                <asvg:svgBlip xmlns:asvg="http://schemas.microsoft.com/office/drawing/2016/SVG/main" xmlns="" r:embed="rId3"/>
               </a:ext>
             </a:extLst>
           </a:blip>
@@ -2659,10 +2827,10 @@
           <p:cNvPr id="49" name="Freeform 48">
             <a:extLst>
               <a:ext uri="{FF2B5EF4-FFF2-40B4-BE49-F238E27FC236}">
-                <a16:creationId xmlns="" xmlns:a16="http://schemas.microsoft.com/office/drawing/2014/main" id="{BC3A3767-6C5E-8188-0A49-955BBACE37F0}"/>
+                <a16:creationId xmlns:a16="http://schemas.microsoft.com/office/drawing/2014/main" xmlns="" id="{BC3A3767-6C5E-8188-0A49-955BBACE37F0}"/>
               </a:ext>
               <a:ext uri="{C183D7F6-B498-43B3-948B-1728B52AA6E4}">
-                <adec:decorative xmlns="" xmlns:adec="http://schemas.microsoft.com/office/drawing/2017/decorative" val="1"/>
+                <adec:decorative xmlns:adec="http://schemas.microsoft.com/office/drawing/2017/decorative" xmlns="" val="1"/>
               </a:ext>
             </a:extLst>
           </p:cNvPr>
@@ -2746,7 +2914,7 @@
           <p:cNvPr id="16" name="Content Placeholder 3">
             <a:extLst>
               <a:ext uri="{FF2B5EF4-FFF2-40B4-BE49-F238E27FC236}">
-                <a16:creationId xmlns="" xmlns:a16="http://schemas.microsoft.com/office/drawing/2014/main" id="{E4BD7F71-D12B-4F27-1505-FF681CF55F73}"/>
+                <a16:creationId xmlns:a16="http://schemas.microsoft.com/office/drawing/2014/main" xmlns="" id="{E4BD7F71-D12B-4F27-1505-FF681CF55F73}"/>
               </a:ext>
             </a:extLst>
           </p:cNvPr>
@@ -2841,7 +3009,7 @@
           <p:cNvPr id="18" name="Content Placeholder 3">
             <a:extLst>
               <a:ext uri="{FF2B5EF4-FFF2-40B4-BE49-F238E27FC236}">
-                <a16:creationId xmlns="" xmlns:a16="http://schemas.microsoft.com/office/drawing/2014/main" id="{FB87C65D-4EF3-18C8-18A8-477F87A37E51}"/>
+                <a16:creationId xmlns:a16="http://schemas.microsoft.com/office/drawing/2014/main" xmlns="" id="{FB87C65D-4EF3-18C8-18A8-477F87A37E51}"/>
               </a:ext>
             </a:extLst>
           </p:cNvPr>
@@ -2936,7 +3104,7 @@
           <p:cNvPr id="27" name="Slide Number Placeholder 2">
             <a:extLst>
               <a:ext uri="{FF2B5EF4-FFF2-40B4-BE49-F238E27FC236}">
-                <a16:creationId xmlns="" xmlns:a16="http://schemas.microsoft.com/office/drawing/2014/main" id="{AEFFA34C-885D-E995-D8F9-B4ACFBF3110D}"/>
+                <a16:creationId xmlns:a16="http://schemas.microsoft.com/office/drawing/2014/main" xmlns="" id="{AEFFA34C-885D-E995-D8F9-B4ACFBF3110D}"/>
               </a:ext>
             </a:extLst>
           </p:cNvPr>
@@ -2977,10 +3145,10 @@
           <p:cNvPr id="43" name="Graphic 42">
             <a:extLst>
               <a:ext uri="{FF2B5EF4-FFF2-40B4-BE49-F238E27FC236}">
-                <a16:creationId xmlns="" xmlns:a16="http://schemas.microsoft.com/office/drawing/2014/main" id="{C6639AD7-128F-B39D-B45F-0F22A2C6D68B}"/>
+                <a16:creationId xmlns:a16="http://schemas.microsoft.com/office/drawing/2014/main" xmlns="" id="{C6639AD7-128F-B39D-B45F-0F22A2C6D68B}"/>
               </a:ext>
               <a:ext uri="{C183D7F6-B498-43B3-948B-1728B52AA6E4}">
-                <adec:decorative xmlns="" xmlns:adec="http://schemas.microsoft.com/office/drawing/2017/decorative" val="1"/>
+                <adec:decorative xmlns:adec="http://schemas.microsoft.com/office/drawing/2017/decorative" xmlns="" val="1"/>
               </a:ext>
             </a:extLst>
           </p:cNvPr>
@@ -2996,7 +3164,7 @@
                 <a14:useLocalDpi xmlns:a14="http://schemas.microsoft.com/office/drawing/2010/main"/>
               </a:ext>
               <a:ext uri="{96DAC541-7B7A-43D3-8B79-37D633B846F1}">
-                <asvg:svgBlip xmlns="" xmlns:asvg="http://schemas.microsoft.com/office/drawing/2016/SVG/main" r:embed="rId3"/>
+                <asvg:svgBlip xmlns:asvg="http://schemas.microsoft.com/office/drawing/2016/SVG/main" xmlns="" r:embed="rId3"/>
               </a:ext>
             </a:extLst>
           </a:blip>
@@ -3061,10 +3229,10 @@
           <p:cNvPr id="54" name="Graphic 53">
             <a:extLst>
               <a:ext uri="{FF2B5EF4-FFF2-40B4-BE49-F238E27FC236}">
-                <a16:creationId xmlns="" xmlns:a16="http://schemas.microsoft.com/office/drawing/2014/main" id="{48479A23-C29C-C711-510C-05B69B882268}"/>
+                <a16:creationId xmlns:a16="http://schemas.microsoft.com/office/drawing/2014/main" xmlns="" id="{48479A23-C29C-C711-510C-05B69B882268}"/>
               </a:ext>
               <a:ext uri="{C183D7F6-B498-43B3-948B-1728B52AA6E4}">
-                <adec:decorative xmlns="" xmlns:adec="http://schemas.microsoft.com/office/drawing/2017/decorative" val="1"/>
+                <adec:decorative xmlns:adec="http://schemas.microsoft.com/office/drawing/2017/decorative" xmlns="" val="1"/>
               </a:ext>
             </a:extLst>
           </p:cNvPr>
@@ -3080,7 +3248,7 @@
                 <a14:useLocalDpi xmlns:a14="http://schemas.microsoft.com/office/drawing/2010/main"/>
               </a:ext>
               <a:ext uri="{96DAC541-7B7A-43D3-8B79-37D633B846F1}">
-                <asvg:svgBlip xmlns="" xmlns:asvg="http://schemas.microsoft.com/office/drawing/2016/SVG/main" r:embed="rId5"/>
+                <asvg:svgBlip xmlns:asvg="http://schemas.microsoft.com/office/drawing/2016/SVG/main" xmlns="" r:embed="rId5"/>
               </a:ext>
             </a:extLst>
           </a:blip>
@@ -3145,10 +3313,10 @@
           <p:cNvPr id="7" name="Image 2">
             <a:extLst>
               <a:ext uri="{FF2B5EF4-FFF2-40B4-BE49-F238E27FC236}">
-                <a16:creationId xmlns="" xmlns:a16="http://schemas.microsoft.com/office/drawing/2014/main" id="{F3DC42FA-4B8F-2EFC-CAB4-1CCAB93BEB7B}"/>
+                <a16:creationId xmlns:a16="http://schemas.microsoft.com/office/drawing/2014/main" xmlns="" id="{F3DC42FA-4B8F-2EFC-CAB4-1CCAB93BEB7B}"/>
               </a:ext>
               <a:ext uri="{C183D7F6-B498-43B3-948B-1728B52AA6E4}">
-                <adec:decorative xmlns="" xmlns:adec="http://schemas.microsoft.com/office/drawing/2017/decorative" val="1"/>
+                <adec:decorative xmlns:adec="http://schemas.microsoft.com/office/drawing/2017/decorative" xmlns="" val="1"/>
               </a:ext>
             </a:extLst>
           </p:cNvPr>
@@ -3277,10 +3445,10 @@
           <p:cNvPr id="33" name="Rectangle 32">
             <a:extLst>
               <a:ext uri="{FF2B5EF4-FFF2-40B4-BE49-F238E27FC236}">
-                <a16:creationId xmlns="" xmlns:a16="http://schemas.microsoft.com/office/drawing/2014/main" id="{376CF4B8-1811-BD21-43A7-560AC4724F3B}"/>
+                <a16:creationId xmlns:a16="http://schemas.microsoft.com/office/drawing/2014/main" xmlns="" id="{376CF4B8-1811-BD21-43A7-560AC4724F3B}"/>
               </a:ext>
               <a:ext uri="{C183D7F6-B498-43B3-948B-1728B52AA6E4}">
-                <adec:decorative xmlns="" xmlns:adec="http://schemas.microsoft.com/office/drawing/2017/decorative" val="1"/>
+                <adec:decorative xmlns:adec="http://schemas.microsoft.com/office/drawing/2017/decorative" xmlns="" val="1"/>
               </a:ext>
             </a:extLst>
           </p:cNvPr>
@@ -3334,10 +3502,10 @@
           <p:cNvPr id="34" name="Rectangle 33">
             <a:extLst>
               <a:ext uri="{FF2B5EF4-FFF2-40B4-BE49-F238E27FC236}">
-                <a16:creationId xmlns="" xmlns:a16="http://schemas.microsoft.com/office/drawing/2014/main" id="{30B7B4F0-D3BC-63DF-6429-F771BE5A3270}"/>
+                <a16:creationId xmlns:a16="http://schemas.microsoft.com/office/drawing/2014/main" xmlns="" id="{30B7B4F0-D3BC-63DF-6429-F771BE5A3270}"/>
               </a:ext>
               <a:ext uri="{C183D7F6-B498-43B3-948B-1728B52AA6E4}">
-                <adec:decorative xmlns="" xmlns:adec="http://schemas.microsoft.com/office/drawing/2017/decorative" val="1"/>
+                <adec:decorative xmlns:adec="http://schemas.microsoft.com/office/drawing/2017/decorative" xmlns="" val="1"/>
               </a:ext>
             </a:extLst>
           </p:cNvPr>
@@ -3389,7 +3557,7 @@
           <p:cNvPr id="2" name="Title 1">
             <a:extLst>
               <a:ext uri="{FF2B5EF4-FFF2-40B4-BE49-F238E27FC236}">
-                <a16:creationId xmlns="" xmlns:a16="http://schemas.microsoft.com/office/drawing/2014/main" id="{A65C6DDD-D2BB-0153-0F53-9F7C17BDFD2B}"/>
+                <a16:creationId xmlns:a16="http://schemas.microsoft.com/office/drawing/2014/main" xmlns="" id="{A65C6DDD-D2BB-0153-0F53-9F7C17BDFD2B}"/>
               </a:ext>
             </a:extLst>
           </p:cNvPr>
@@ -3433,7 +3601,7 @@
           <p:cNvPr id="14" name="Content Placeholder 5">
             <a:extLst>
               <a:ext uri="{FF2B5EF4-FFF2-40B4-BE49-F238E27FC236}">
-                <a16:creationId xmlns="" xmlns:a16="http://schemas.microsoft.com/office/drawing/2014/main" id="{4D6DED8E-165F-59D7-F01C-4EF0446E5FC0}"/>
+                <a16:creationId xmlns:a16="http://schemas.microsoft.com/office/drawing/2014/main" xmlns="" id="{4D6DED8E-165F-59D7-F01C-4EF0446E5FC0}"/>
               </a:ext>
             </a:extLst>
           </p:cNvPr>
@@ -3528,7 +3696,7 @@
           <p:cNvPr id="16" name="Slide Number Placeholder 2">
             <a:extLst>
               <a:ext uri="{FF2B5EF4-FFF2-40B4-BE49-F238E27FC236}">
-                <a16:creationId xmlns="" xmlns:a16="http://schemas.microsoft.com/office/drawing/2014/main" id="{2933FDAB-13EE-5F9F-5DFC-A5A60BC63623}"/>
+                <a16:creationId xmlns:a16="http://schemas.microsoft.com/office/drawing/2014/main" xmlns="" id="{2933FDAB-13EE-5F9F-5DFC-A5A60BC63623}"/>
               </a:ext>
             </a:extLst>
           </p:cNvPr>
@@ -3610,10 +3778,10 @@
           <p:cNvPr id="13" name="Freeform: Shape 12">
             <a:extLst>
               <a:ext uri="{FF2B5EF4-FFF2-40B4-BE49-F238E27FC236}">
-                <a16:creationId xmlns="" xmlns:a16="http://schemas.microsoft.com/office/drawing/2014/main" id="{AEF1F750-031C-BDB7-BD7B-9CBE17406FDB}"/>
+                <a16:creationId xmlns:a16="http://schemas.microsoft.com/office/drawing/2014/main" xmlns="" id="{AEF1F750-031C-BDB7-BD7B-9CBE17406FDB}"/>
               </a:ext>
               <a:ext uri="{C183D7F6-B498-43B3-948B-1728B52AA6E4}">
-                <adec:decorative xmlns="" xmlns:adec="http://schemas.microsoft.com/office/drawing/2017/decorative" val="1"/>
+                <adec:decorative xmlns:adec="http://schemas.microsoft.com/office/drawing/2017/decorative" xmlns="" val="1"/>
               </a:ext>
             </a:extLst>
           </p:cNvPr>
@@ -3731,10 +3899,10 @@
           <p:cNvPr id="19" name="Freeform: Shape 18">
             <a:extLst>
               <a:ext uri="{FF2B5EF4-FFF2-40B4-BE49-F238E27FC236}">
-                <a16:creationId xmlns="" xmlns:a16="http://schemas.microsoft.com/office/drawing/2014/main" id="{FEB515B5-2D9F-58E1-6E3C-CCBF105D891E}"/>
+                <a16:creationId xmlns:a16="http://schemas.microsoft.com/office/drawing/2014/main" xmlns="" id="{FEB515B5-2D9F-58E1-6E3C-CCBF105D891E}"/>
               </a:ext>
               <a:ext uri="{C183D7F6-B498-43B3-948B-1728B52AA6E4}">
-                <adec:decorative xmlns="" xmlns:adec="http://schemas.microsoft.com/office/drawing/2017/decorative" val="1"/>
+                <adec:decorative xmlns:adec="http://schemas.microsoft.com/office/drawing/2017/decorative" xmlns="" val="1"/>
               </a:ext>
             </a:extLst>
           </p:cNvPr>
@@ -3834,10 +4002,10 @@
           <p:cNvPr id="9" name="Image 2">
             <a:extLst>
               <a:ext uri="{FF2B5EF4-FFF2-40B4-BE49-F238E27FC236}">
-                <a16:creationId xmlns="" xmlns:a16="http://schemas.microsoft.com/office/drawing/2014/main" id="{5CCFEDF9-5B69-87BA-8A33-35033DA4013F}"/>
+                <a16:creationId xmlns:a16="http://schemas.microsoft.com/office/drawing/2014/main" xmlns="" id="{5CCFEDF9-5B69-87BA-8A33-35033DA4013F}"/>
               </a:ext>
               <a:ext uri="{C183D7F6-B498-43B3-948B-1728B52AA6E4}">
-                <adec:decorative xmlns="" xmlns:adec="http://schemas.microsoft.com/office/drawing/2017/decorative" val="1"/>
+                <adec:decorative xmlns:adec="http://schemas.microsoft.com/office/drawing/2017/decorative" xmlns="" val="1"/>
               </a:ext>
             </a:extLst>
           </p:cNvPr>
@@ -3853,7 +4021,7 @@
                 <a14:useLocalDpi xmlns:a14="http://schemas.microsoft.com/office/drawing/2010/main"/>
               </a:ext>
               <a:ext uri="{96DAC541-7B7A-43D3-8B79-37D633B846F1}">
-                <asvg:svgBlip xmlns="" xmlns:asvg="http://schemas.microsoft.com/office/drawing/2016/SVG/main" r:embed="rId3"/>
+                <asvg:svgBlip xmlns:asvg="http://schemas.microsoft.com/office/drawing/2016/SVG/main" xmlns="" r:embed="rId3"/>
               </a:ext>
             </a:extLst>
           </a:blip>
@@ -3911,7 +4079,7 @@
           <p:cNvPr id="6" name="Subtitle 2">
             <a:extLst>
               <a:ext uri="{FF2B5EF4-FFF2-40B4-BE49-F238E27FC236}">
-                <a16:creationId xmlns="" xmlns:a16="http://schemas.microsoft.com/office/drawing/2014/main" id="{86F10CB4-CF79-A942-DA9C-04CBB7C89DC3}"/>
+                <a16:creationId xmlns:a16="http://schemas.microsoft.com/office/drawing/2014/main" xmlns="" id="{86F10CB4-CF79-A942-DA9C-04CBB7C89DC3}"/>
               </a:ext>
             </a:extLst>
           </p:cNvPr>
@@ -4019,10 +4187,10 @@
           <p:cNvPr id="7" name="Freeform: Shape 6">
             <a:extLst>
               <a:ext uri="{FF2B5EF4-FFF2-40B4-BE49-F238E27FC236}">
-                <a16:creationId xmlns="" xmlns:a16="http://schemas.microsoft.com/office/drawing/2014/main" id="{2C6B5F91-ABF5-D0B6-E43F-40CEDC3A6DF8}"/>
+                <a16:creationId xmlns:a16="http://schemas.microsoft.com/office/drawing/2014/main" xmlns="" id="{2C6B5F91-ABF5-D0B6-E43F-40CEDC3A6DF8}"/>
               </a:ext>
               <a:ext uri="{C183D7F6-B498-43B3-948B-1728B52AA6E4}">
-                <adec:decorative xmlns="" xmlns:adec="http://schemas.microsoft.com/office/drawing/2017/decorative" val="1"/>
+                <adec:decorative xmlns:adec="http://schemas.microsoft.com/office/drawing/2017/decorative" xmlns="" val="1"/>
               </a:ext>
             </a:extLst>
           </p:cNvPr>
@@ -4983,10 +5151,10 @@
           <p:cNvPr id="9" name="Freeform: Shape 8">
             <a:extLst>
               <a:ext uri="{FF2B5EF4-FFF2-40B4-BE49-F238E27FC236}">
-                <a16:creationId xmlns="" xmlns:a16="http://schemas.microsoft.com/office/drawing/2014/main" id="{A52D64F1-27B6-A1E5-4F44-A6029FAB307B}"/>
+                <a16:creationId xmlns:a16="http://schemas.microsoft.com/office/drawing/2014/main" xmlns="" id="{A52D64F1-27B6-A1E5-4F44-A6029FAB307B}"/>
               </a:ext>
               <a:ext uri="{C183D7F6-B498-43B3-948B-1728B52AA6E4}">
-                <adec:decorative xmlns="" xmlns:adec="http://schemas.microsoft.com/office/drawing/2017/decorative" val="1"/>
+                <adec:decorative xmlns:adec="http://schemas.microsoft.com/office/drawing/2017/decorative" xmlns="" val="1"/>
               </a:ext>
             </a:extLst>
           </p:cNvPr>
@@ -6032,10 +6200,10 @@
           <p:cNvPr id="6" name="Freeform: Shape 5">
             <a:extLst>
               <a:ext uri="{FF2B5EF4-FFF2-40B4-BE49-F238E27FC236}">
-                <a16:creationId xmlns="" xmlns:a16="http://schemas.microsoft.com/office/drawing/2014/main" id="{A626DE4B-D4E5-B36A-89FA-7C0E87AFC31D}"/>
+                <a16:creationId xmlns:a16="http://schemas.microsoft.com/office/drawing/2014/main" xmlns="" id="{A626DE4B-D4E5-B36A-89FA-7C0E87AFC31D}"/>
               </a:ext>
               <a:ext uri="{C183D7F6-B498-43B3-948B-1728B52AA6E4}">
-                <adec:decorative xmlns="" xmlns:adec="http://schemas.microsoft.com/office/drawing/2017/decorative" val="1"/>
+                <adec:decorative xmlns:adec="http://schemas.microsoft.com/office/drawing/2017/decorative" xmlns="" val="1"/>
               </a:ext>
             </a:extLst>
           </p:cNvPr>
@@ -6996,10 +7164,10 @@
           <p:cNvPr id="8" name="Freeform: Shape 7">
             <a:extLst>
               <a:ext uri="{FF2B5EF4-FFF2-40B4-BE49-F238E27FC236}">
-                <a16:creationId xmlns="" xmlns:a16="http://schemas.microsoft.com/office/drawing/2014/main" id="{95243571-BE64-3777-F992-88FC43A60537}"/>
+                <a16:creationId xmlns:a16="http://schemas.microsoft.com/office/drawing/2014/main" xmlns="" id="{95243571-BE64-3777-F992-88FC43A60537}"/>
               </a:ext>
               <a:ext uri="{C183D7F6-B498-43B3-948B-1728B52AA6E4}">
-                <adec:decorative xmlns="" xmlns:adec="http://schemas.microsoft.com/office/drawing/2017/decorative" val="1"/>
+                <adec:decorative xmlns:adec="http://schemas.microsoft.com/office/drawing/2017/decorative" xmlns="" val="1"/>
               </a:ext>
             </a:extLst>
           </p:cNvPr>
@@ -8023,10 +8191,10 @@
           <p:cNvPr id="11" name="Freeform: Shape 10">
             <a:extLst>
               <a:ext uri="{FF2B5EF4-FFF2-40B4-BE49-F238E27FC236}">
-                <a16:creationId xmlns="" xmlns:a16="http://schemas.microsoft.com/office/drawing/2014/main" id="{ADFAE2CB-0EAD-E788-FCB7-FB12F6939199}"/>
+                <a16:creationId xmlns:a16="http://schemas.microsoft.com/office/drawing/2014/main" xmlns="" id="{ADFAE2CB-0EAD-E788-FCB7-FB12F6939199}"/>
               </a:ext>
               <a:ext uri="{C183D7F6-B498-43B3-948B-1728B52AA6E4}">
-                <adec:decorative xmlns="" xmlns:adec="http://schemas.microsoft.com/office/drawing/2017/decorative" val="1"/>
+                <adec:decorative xmlns:adec="http://schemas.microsoft.com/office/drawing/2017/decorative" xmlns="" val="1"/>
               </a:ext>
             </a:extLst>
           </p:cNvPr>
@@ -9233,10 +9401,10 @@
           <p:cNvPr id="11" name="Freeform: Shape 10">
             <a:extLst>
               <a:ext uri="{FF2B5EF4-FFF2-40B4-BE49-F238E27FC236}">
-                <a16:creationId xmlns="" xmlns:a16="http://schemas.microsoft.com/office/drawing/2014/main" id="{CAA6B609-D718-DB49-892F-7E49376CC913}"/>
+                <a16:creationId xmlns:a16="http://schemas.microsoft.com/office/drawing/2014/main" xmlns="" id="{CAA6B609-D718-DB49-892F-7E49376CC913}"/>
               </a:ext>
               <a:ext uri="{C183D7F6-B498-43B3-948B-1728B52AA6E4}">
-                <adec:decorative xmlns="" xmlns:adec="http://schemas.microsoft.com/office/drawing/2017/decorative" val="1"/>
+                <adec:decorative xmlns:adec="http://schemas.microsoft.com/office/drawing/2017/decorative" xmlns="" val="1"/>
               </a:ext>
             </a:extLst>
           </p:cNvPr>
@@ -10425,10 +10593,10 @@
           <p:cNvPr id="6" name="Group 5">
             <a:extLst>
               <a:ext uri="{FF2B5EF4-FFF2-40B4-BE49-F238E27FC236}">
-                <a16:creationId xmlns="" xmlns:a16="http://schemas.microsoft.com/office/drawing/2014/main" id="{75923D9E-9381-3D11-B31A-1BF5C97F35B0}"/>
+                <a16:creationId xmlns:a16="http://schemas.microsoft.com/office/drawing/2014/main" xmlns="" id="{75923D9E-9381-3D11-B31A-1BF5C97F35B0}"/>
               </a:ext>
               <a:ext uri="{C183D7F6-B498-43B3-948B-1728B52AA6E4}">
-                <adec:decorative xmlns="" xmlns:adec="http://schemas.microsoft.com/office/drawing/2017/decorative" val="1"/>
+                <adec:decorative xmlns:adec="http://schemas.microsoft.com/office/drawing/2017/decorative" xmlns="" val="1"/>
               </a:ext>
             </a:extLst>
           </p:cNvPr>
@@ -10448,7 +10616,7 @@
             <p:cNvPr id="7" name="Freeform 7">
               <a:extLst>
                 <a:ext uri="{FF2B5EF4-FFF2-40B4-BE49-F238E27FC236}">
-                  <a16:creationId xmlns="" xmlns:a16="http://schemas.microsoft.com/office/drawing/2014/main" id="{89E777D0-3240-08CE-6B6C-B33B910B8490}"/>
+                  <a16:creationId xmlns:a16="http://schemas.microsoft.com/office/drawing/2014/main" xmlns="" id="{89E777D0-3240-08CE-6B6C-B33B910B8490}"/>
                 </a:ext>
               </a:extLst>
             </p:cNvPr>
@@ -10533,7 +10701,7 @@
             <p:cNvPr id="8" name="Freeform 6">
               <a:extLst>
                 <a:ext uri="{FF2B5EF4-FFF2-40B4-BE49-F238E27FC236}">
-                  <a16:creationId xmlns="" xmlns:a16="http://schemas.microsoft.com/office/drawing/2014/main" id="{EFEA81A2-6893-518C-6AF3-37C987789C86}"/>
+                  <a16:creationId xmlns:a16="http://schemas.microsoft.com/office/drawing/2014/main" xmlns="" id="{EFEA81A2-6893-518C-6AF3-37C987789C86}"/>
                 </a:ext>
               </a:extLst>
             </p:cNvPr>
@@ -10619,10 +10787,10 @@
           <p:cNvPr id="9" name="Group 8">
             <a:extLst>
               <a:ext uri="{FF2B5EF4-FFF2-40B4-BE49-F238E27FC236}">
-                <a16:creationId xmlns="" xmlns:a16="http://schemas.microsoft.com/office/drawing/2014/main" id="{0F297964-0B81-31DC-6D6D-1414832238B1}"/>
+                <a16:creationId xmlns:a16="http://schemas.microsoft.com/office/drawing/2014/main" xmlns="" id="{0F297964-0B81-31DC-6D6D-1414832238B1}"/>
               </a:ext>
               <a:ext uri="{C183D7F6-B498-43B3-948B-1728B52AA6E4}">
-                <adec:decorative xmlns="" xmlns:adec="http://schemas.microsoft.com/office/drawing/2017/decorative" val="1"/>
+                <adec:decorative xmlns:adec="http://schemas.microsoft.com/office/drawing/2017/decorative" xmlns="" val="1"/>
               </a:ext>
             </a:extLst>
           </p:cNvPr>
@@ -10642,7 +10810,7 @@
             <p:cNvPr id="10" name="Freeform 7">
               <a:extLst>
                 <a:ext uri="{FF2B5EF4-FFF2-40B4-BE49-F238E27FC236}">
-                  <a16:creationId xmlns="" xmlns:a16="http://schemas.microsoft.com/office/drawing/2014/main" id="{CE4FDB43-7466-4B74-330E-836DA9504C90}"/>
+                  <a16:creationId xmlns:a16="http://schemas.microsoft.com/office/drawing/2014/main" xmlns="" id="{CE4FDB43-7466-4B74-330E-836DA9504C90}"/>
                 </a:ext>
               </a:extLst>
             </p:cNvPr>
@@ -10727,7 +10895,7 @@
             <p:cNvPr id="11" name="Freeform 6">
               <a:extLst>
                 <a:ext uri="{FF2B5EF4-FFF2-40B4-BE49-F238E27FC236}">
-                  <a16:creationId xmlns="" xmlns:a16="http://schemas.microsoft.com/office/drawing/2014/main" id="{2EA39DB9-F1B4-F4E9-CF4D-717B0CD747DA}"/>
+                  <a16:creationId xmlns:a16="http://schemas.microsoft.com/office/drawing/2014/main" xmlns="" id="{2EA39DB9-F1B4-F4E9-CF4D-717B0CD747DA}"/>
                 </a:ext>
               </a:extLst>
             </p:cNvPr>
@@ -10813,10 +10981,10 @@
           <p:cNvPr id="14" name="Image 2">
             <a:extLst>
               <a:ext uri="{FF2B5EF4-FFF2-40B4-BE49-F238E27FC236}">
-                <a16:creationId xmlns="" xmlns:a16="http://schemas.microsoft.com/office/drawing/2014/main" id="{EFFAEAD9-58A9-096B-C6D0-58F7AD08EB20}"/>
+                <a16:creationId xmlns:a16="http://schemas.microsoft.com/office/drawing/2014/main" xmlns="" id="{EFFAEAD9-58A9-096B-C6D0-58F7AD08EB20}"/>
               </a:ext>
               <a:ext uri="{C183D7F6-B498-43B3-948B-1728B52AA6E4}">
-                <adec:decorative xmlns="" xmlns:adec="http://schemas.microsoft.com/office/drawing/2017/decorative" val="1"/>
+                <adec:decorative xmlns:adec="http://schemas.microsoft.com/office/drawing/2017/decorative" xmlns="" val="1"/>
               </a:ext>
             </a:extLst>
           </p:cNvPr>
@@ -10914,7 +11082,7 @@
           <p:cNvPr id="2" name="Title 1">
             <a:extLst>
               <a:ext uri="{FF2B5EF4-FFF2-40B4-BE49-F238E27FC236}">
-                <a16:creationId xmlns="" xmlns:a16="http://schemas.microsoft.com/office/drawing/2014/main" id="{9A1CFBBA-B680-A6A7-3C4B-5FEAC4253283}"/>
+                <a16:creationId xmlns:a16="http://schemas.microsoft.com/office/drawing/2014/main" xmlns="" id="{9A1CFBBA-B680-A6A7-3C4B-5FEAC4253283}"/>
               </a:ext>
             </a:extLst>
           </p:cNvPr>
@@ -10956,7 +11124,7 @@
           <p:cNvPr id="13" name="Content Placeholder 2">
             <a:extLst>
               <a:ext uri="{FF2B5EF4-FFF2-40B4-BE49-F238E27FC236}">
-                <a16:creationId xmlns="" xmlns:a16="http://schemas.microsoft.com/office/drawing/2014/main" id="{72386C43-DD10-E892-08AD-D6F4AE9617DD}"/>
+                <a16:creationId xmlns:a16="http://schemas.microsoft.com/office/drawing/2014/main" xmlns="" id="{72386C43-DD10-E892-08AD-D6F4AE9617DD}"/>
               </a:ext>
             </a:extLst>
           </p:cNvPr>
@@ -11035,7 +11203,7 @@
           <p:cNvPr id="3" name="Slide Number Placeholder 2">
             <a:extLst>
               <a:ext uri="{FF2B5EF4-FFF2-40B4-BE49-F238E27FC236}">
-                <a16:creationId xmlns="" xmlns:a16="http://schemas.microsoft.com/office/drawing/2014/main" id="{71114D1E-7749-DD58-8782-318E4F679DE0}"/>
+                <a16:creationId xmlns:a16="http://schemas.microsoft.com/office/drawing/2014/main" xmlns="" id="{71114D1E-7749-DD58-8782-318E4F679DE0}"/>
               </a:ext>
             </a:extLst>
           </p:cNvPr>
@@ -11116,10 +11284,10 @@
           <p:cNvPr id="5" name="Rectangle 4">
             <a:extLst>
               <a:ext uri="{FF2B5EF4-FFF2-40B4-BE49-F238E27FC236}">
-                <a16:creationId xmlns="" xmlns:a16="http://schemas.microsoft.com/office/drawing/2014/main" id="{7537D12D-0FCA-3396-988D-452D3D526E3D}"/>
+                <a16:creationId xmlns:a16="http://schemas.microsoft.com/office/drawing/2014/main" xmlns="" id="{7537D12D-0FCA-3396-988D-452D3D526E3D}"/>
               </a:ext>
               <a:ext uri="{C183D7F6-B498-43B3-948B-1728B52AA6E4}">
-                <adec:decorative xmlns="" xmlns:adec="http://schemas.microsoft.com/office/drawing/2017/decorative" val="1"/>
+                <adec:decorative xmlns:adec="http://schemas.microsoft.com/office/drawing/2017/decorative" xmlns="" val="1"/>
               </a:ext>
             </a:extLst>
           </p:cNvPr>
@@ -11173,10 +11341,10 @@
           <p:cNvPr id="6" name="Rectangle 5">
             <a:extLst>
               <a:ext uri="{FF2B5EF4-FFF2-40B4-BE49-F238E27FC236}">
-                <a16:creationId xmlns="" xmlns:a16="http://schemas.microsoft.com/office/drawing/2014/main" id="{11710CE8-8A83-C0D3-623E-AFCC6C6A2930}"/>
+                <a16:creationId xmlns:a16="http://schemas.microsoft.com/office/drawing/2014/main" xmlns="" id="{11710CE8-8A83-C0D3-623E-AFCC6C6A2930}"/>
               </a:ext>
               <a:ext uri="{C183D7F6-B498-43B3-948B-1728B52AA6E4}">
-                <adec:decorative xmlns="" xmlns:adec="http://schemas.microsoft.com/office/drawing/2017/decorative" val="1"/>
+                <adec:decorative xmlns:adec="http://schemas.microsoft.com/office/drawing/2017/decorative" xmlns="" val="1"/>
               </a:ext>
             </a:extLst>
           </p:cNvPr>
@@ -11228,10 +11396,10 @@
           <p:cNvPr id="18" name="Group 17">
             <a:extLst>
               <a:ext uri="{FF2B5EF4-FFF2-40B4-BE49-F238E27FC236}">
-                <a16:creationId xmlns="" xmlns:a16="http://schemas.microsoft.com/office/drawing/2014/main" id="{7AA66C80-37C3-6D28-7564-733A30B2CD8D}"/>
+                <a16:creationId xmlns:a16="http://schemas.microsoft.com/office/drawing/2014/main" xmlns="" id="{7AA66C80-37C3-6D28-7564-733A30B2CD8D}"/>
               </a:ext>
               <a:ext uri="{C183D7F6-B498-43B3-948B-1728B52AA6E4}">
-                <adec:decorative xmlns="" xmlns:adec="http://schemas.microsoft.com/office/drawing/2017/decorative" val="1"/>
+                <adec:decorative xmlns:adec="http://schemas.microsoft.com/office/drawing/2017/decorative" xmlns="" val="1"/>
               </a:ext>
             </a:extLst>
           </p:cNvPr>
@@ -11251,10 +11419,10 @@
             <p:cNvPr id="12" name="Freeform: Shape 28">
               <a:extLst>
                 <a:ext uri="{FF2B5EF4-FFF2-40B4-BE49-F238E27FC236}">
-                  <a16:creationId xmlns="" xmlns:a16="http://schemas.microsoft.com/office/drawing/2014/main" id="{D9DB7C23-E0CF-A75F-BFFD-4E7679AF4AD5}"/>
+                  <a16:creationId xmlns:a16="http://schemas.microsoft.com/office/drawing/2014/main" xmlns="" id="{D9DB7C23-E0CF-A75F-BFFD-4E7679AF4AD5}"/>
                 </a:ext>
                 <a:ext uri="{C183D7F6-B498-43B3-948B-1728B52AA6E4}">
-                  <adec:decorative xmlns="" xmlns:adec="http://schemas.microsoft.com/office/drawing/2017/decorative" val="1"/>
+                  <adec:decorative xmlns:adec="http://schemas.microsoft.com/office/drawing/2017/decorative" xmlns="" val="1"/>
                 </a:ext>
               </a:extLst>
             </p:cNvPr>
@@ -11374,10 +11542,10 @@
             <p:cNvPr id="15" name="Freeform: Shape 15">
               <a:extLst>
                 <a:ext uri="{FF2B5EF4-FFF2-40B4-BE49-F238E27FC236}">
-                  <a16:creationId xmlns="" xmlns:a16="http://schemas.microsoft.com/office/drawing/2014/main" id="{4D62A0CC-A0CE-403A-A167-27225B2C6083}"/>
+                  <a16:creationId xmlns:a16="http://schemas.microsoft.com/office/drawing/2014/main" xmlns="" id="{4D62A0CC-A0CE-403A-A167-27225B2C6083}"/>
                 </a:ext>
                 <a:ext uri="{C183D7F6-B498-43B3-948B-1728B52AA6E4}">
-                  <adec:decorative xmlns="" xmlns:adec="http://schemas.microsoft.com/office/drawing/2017/decorative" val="1"/>
+                  <adec:decorative xmlns:adec="http://schemas.microsoft.com/office/drawing/2017/decorative" xmlns="" val="1"/>
                 </a:ext>
               </a:extLst>
             </p:cNvPr>
@@ -11475,10 +11643,10 @@
             <p:cNvPr id="16" name="Image 2">
               <a:extLst>
                 <a:ext uri="{FF2B5EF4-FFF2-40B4-BE49-F238E27FC236}">
-                  <a16:creationId xmlns="" xmlns:a16="http://schemas.microsoft.com/office/drawing/2014/main" id="{F8AD83DA-A293-6D56-F606-7C98C403A3F7}"/>
+                  <a16:creationId xmlns:a16="http://schemas.microsoft.com/office/drawing/2014/main" xmlns="" id="{F8AD83DA-A293-6D56-F606-7C98C403A3F7}"/>
                 </a:ext>
                 <a:ext uri="{C183D7F6-B498-43B3-948B-1728B52AA6E4}">
-                  <adec:decorative xmlns="" xmlns:adec="http://schemas.microsoft.com/office/drawing/2017/decorative" val="1"/>
+                  <adec:decorative xmlns:adec="http://schemas.microsoft.com/office/drawing/2017/decorative" xmlns="" val="1"/>
                 </a:ext>
               </a:extLst>
             </p:cNvPr>
@@ -11611,7 +11779,7 @@
           <p:cNvPr id="8" name="Picture Placeholder 7">
             <a:extLst>
               <a:ext uri="{FF2B5EF4-FFF2-40B4-BE49-F238E27FC236}">
-                <a16:creationId xmlns="" xmlns:a16="http://schemas.microsoft.com/office/drawing/2014/main" id="{E979AC40-7C15-9431-5B1A-415655A7FC05}"/>
+                <a16:creationId xmlns:a16="http://schemas.microsoft.com/office/drawing/2014/main" xmlns="" id="{E979AC40-7C15-9431-5B1A-415655A7FC05}"/>
               </a:ext>
             </a:extLst>
           </p:cNvPr>
@@ -11685,10 +11853,10 @@
           <p:cNvPr id="21" name="Rectangle 20">
             <a:extLst>
               <a:ext uri="{FF2B5EF4-FFF2-40B4-BE49-F238E27FC236}">
-                <a16:creationId xmlns="" xmlns:a16="http://schemas.microsoft.com/office/drawing/2014/main" id="{86F8B46B-EF6E-BC12-09E2-0F3B779197B4}"/>
+                <a16:creationId xmlns:a16="http://schemas.microsoft.com/office/drawing/2014/main" xmlns="" id="{86F8B46B-EF6E-BC12-09E2-0F3B779197B4}"/>
               </a:ext>
               <a:ext uri="{C183D7F6-B498-43B3-948B-1728B52AA6E4}">
-                <adec:decorative xmlns="" xmlns:adec="http://schemas.microsoft.com/office/drawing/2017/decorative" val="1"/>
+                <adec:decorative xmlns:adec="http://schemas.microsoft.com/office/drawing/2017/decorative" xmlns="" val="1"/>
               </a:ext>
             </a:extLst>
           </p:cNvPr>
@@ -11742,10 +11910,10 @@
           <p:cNvPr id="22" name="Rectangle 21">
             <a:extLst>
               <a:ext uri="{FF2B5EF4-FFF2-40B4-BE49-F238E27FC236}">
-                <a16:creationId xmlns="" xmlns:a16="http://schemas.microsoft.com/office/drawing/2014/main" id="{5D7B4F11-E150-473B-98F5-6E6AC9646863}"/>
+                <a16:creationId xmlns:a16="http://schemas.microsoft.com/office/drawing/2014/main" xmlns="" id="{5D7B4F11-E150-473B-98F5-6E6AC9646863}"/>
               </a:ext>
               <a:ext uri="{C183D7F6-B498-43B3-948B-1728B52AA6E4}">
-                <adec:decorative xmlns="" xmlns:adec="http://schemas.microsoft.com/office/drawing/2017/decorative" val="1"/>
+                <adec:decorative xmlns:adec="http://schemas.microsoft.com/office/drawing/2017/decorative" xmlns="" val="1"/>
               </a:ext>
             </a:extLst>
           </p:cNvPr>
@@ -11797,10 +11965,10 @@
           <p:cNvPr id="36" name="Freeform 35">
             <a:extLst>
               <a:ext uri="{FF2B5EF4-FFF2-40B4-BE49-F238E27FC236}">
-                <a16:creationId xmlns="" xmlns:a16="http://schemas.microsoft.com/office/drawing/2014/main" id="{A8E2FA61-C047-21BB-AA50-F84AD7685498}"/>
+                <a16:creationId xmlns:a16="http://schemas.microsoft.com/office/drawing/2014/main" xmlns="" id="{A8E2FA61-C047-21BB-AA50-F84AD7685498}"/>
               </a:ext>
               <a:ext uri="{C183D7F6-B498-43B3-948B-1728B52AA6E4}">
-                <adec:decorative xmlns="" xmlns:adec="http://schemas.microsoft.com/office/drawing/2017/decorative" val="1"/>
+                <adec:decorative xmlns:adec="http://schemas.microsoft.com/office/drawing/2017/decorative" xmlns="" val="1"/>
               </a:ext>
             </a:extLst>
           </p:cNvPr>
@@ -11884,10 +12052,10 @@
           <p:cNvPr id="33" name="Freeform 32">
             <a:extLst>
               <a:ext uri="{FF2B5EF4-FFF2-40B4-BE49-F238E27FC236}">
-                <a16:creationId xmlns="" xmlns:a16="http://schemas.microsoft.com/office/drawing/2014/main" id="{1A2791BA-760E-9FA5-8743-D0B699FC9835}"/>
+                <a16:creationId xmlns:a16="http://schemas.microsoft.com/office/drawing/2014/main" xmlns="" id="{1A2791BA-760E-9FA5-8743-D0B699FC9835}"/>
               </a:ext>
               <a:ext uri="{C183D7F6-B498-43B3-948B-1728B52AA6E4}">
-                <adec:decorative xmlns="" xmlns:adec="http://schemas.microsoft.com/office/drawing/2017/decorative" val="1"/>
+                <adec:decorative xmlns:adec="http://schemas.microsoft.com/office/drawing/2017/decorative" xmlns="" val="1"/>
               </a:ext>
             </a:extLst>
           </p:cNvPr>
@@ -11984,7 +12152,7 @@
           <p:cNvPr id="4" name="Title 1">
             <a:extLst>
               <a:ext uri="{FF2B5EF4-FFF2-40B4-BE49-F238E27FC236}">
-                <a16:creationId xmlns="" xmlns:a16="http://schemas.microsoft.com/office/drawing/2014/main" id="{8D6A03F2-8C7B-D33B-0E8F-24D4800D5C01}"/>
+                <a16:creationId xmlns:a16="http://schemas.microsoft.com/office/drawing/2014/main" xmlns="" id="{8D6A03F2-8C7B-D33B-0E8F-24D4800D5C01}"/>
               </a:ext>
             </a:extLst>
           </p:cNvPr>
@@ -12026,7 +12194,7 @@
           <p:cNvPr id="5" name="Content Placeholder 2">
             <a:extLst>
               <a:ext uri="{FF2B5EF4-FFF2-40B4-BE49-F238E27FC236}">
-                <a16:creationId xmlns="" xmlns:a16="http://schemas.microsoft.com/office/drawing/2014/main" id="{C51465C6-2CDE-B5BF-F22E-CBDD44E86CFC}"/>
+                <a16:creationId xmlns:a16="http://schemas.microsoft.com/office/drawing/2014/main" xmlns="" id="{C51465C6-2CDE-B5BF-F22E-CBDD44E86CFC}"/>
               </a:ext>
             </a:extLst>
           </p:cNvPr>
@@ -12105,7 +12273,7 @@
           <p:cNvPr id="52" name="Picture Placeholder 7">
             <a:extLst>
               <a:ext uri="{FF2B5EF4-FFF2-40B4-BE49-F238E27FC236}">
-                <a16:creationId xmlns="" xmlns:a16="http://schemas.microsoft.com/office/drawing/2014/main" id="{55126063-BDEE-A1AB-FDAE-DD9B98CACDA8}"/>
+                <a16:creationId xmlns:a16="http://schemas.microsoft.com/office/drawing/2014/main" xmlns="" id="{55126063-BDEE-A1AB-FDAE-DD9B98CACDA8}"/>
               </a:ext>
             </a:extLst>
           </p:cNvPr>
@@ -12182,10 +12350,10 @@
           <p:cNvPr id="32" name="Image 1">
             <a:extLst>
               <a:ext uri="{FF2B5EF4-FFF2-40B4-BE49-F238E27FC236}">
-                <a16:creationId xmlns="" xmlns:a16="http://schemas.microsoft.com/office/drawing/2014/main" id="{2A3EC91E-4089-D366-06D3-3E66F93DFAF3}"/>
+                <a16:creationId xmlns:a16="http://schemas.microsoft.com/office/drawing/2014/main" xmlns="" id="{2A3EC91E-4089-D366-06D3-3E66F93DFAF3}"/>
               </a:ext>
               <a:ext uri="{C183D7F6-B498-43B3-948B-1728B52AA6E4}">
-                <adec:decorative xmlns="" xmlns:adec="http://schemas.microsoft.com/office/drawing/2017/decorative" val="1"/>
+                <adec:decorative xmlns:adec="http://schemas.microsoft.com/office/drawing/2017/decorative" xmlns="" val="1"/>
               </a:ext>
             </a:extLst>
           </p:cNvPr>
@@ -12275,10 +12443,10 @@
           <p:cNvPr id="53" name="Freeform: Shape 52">
             <a:extLst>
               <a:ext uri="{FF2B5EF4-FFF2-40B4-BE49-F238E27FC236}">
-                <a16:creationId xmlns="" xmlns:a16="http://schemas.microsoft.com/office/drawing/2014/main" id="{70F595E1-C910-3710-90E9-AF5FFCE05861}"/>
+                <a16:creationId xmlns:a16="http://schemas.microsoft.com/office/drawing/2014/main" xmlns="" id="{70F595E1-C910-3710-90E9-AF5FFCE05861}"/>
               </a:ext>
               <a:ext uri="{C183D7F6-B498-43B3-948B-1728B52AA6E4}">
-                <adec:decorative xmlns="" xmlns:adec="http://schemas.microsoft.com/office/drawing/2017/decorative" val="1"/>
+                <adec:decorative xmlns:adec="http://schemas.microsoft.com/office/drawing/2017/decorative" xmlns="" val="1"/>
               </a:ext>
             </a:extLst>
           </p:cNvPr>
@@ -13132,10 +13300,10 @@
           <p:cNvPr id="29" name="Freeform 70">
             <a:extLst>
               <a:ext uri="{FF2B5EF4-FFF2-40B4-BE49-F238E27FC236}">
-                <a16:creationId xmlns="" xmlns:a16="http://schemas.microsoft.com/office/drawing/2014/main" id="{AA39EF58-54F1-4AC9-1D83-2E7DEEAAEA6A}"/>
+                <a16:creationId xmlns:a16="http://schemas.microsoft.com/office/drawing/2014/main" xmlns="" id="{AA39EF58-54F1-4AC9-1D83-2E7DEEAAEA6A}"/>
               </a:ext>
               <a:ext uri="{C183D7F6-B498-43B3-948B-1728B52AA6E4}">
-                <adec:decorative xmlns="" xmlns:adec="http://schemas.microsoft.com/office/drawing/2017/decorative" val="1"/>
+                <adec:decorative xmlns:adec="http://schemas.microsoft.com/office/drawing/2017/decorative" xmlns="" val="1"/>
               </a:ext>
             </a:extLst>
           </p:cNvPr>
@@ -13222,10 +13390,10 @@
           <p:cNvPr id="31" name="Freeform 70">
             <a:extLst>
               <a:ext uri="{FF2B5EF4-FFF2-40B4-BE49-F238E27FC236}">
-                <a16:creationId xmlns="" xmlns:a16="http://schemas.microsoft.com/office/drawing/2014/main" id="{0C320934-59CC-4123-C7C1-FEEE89F3045F}"/>
+                <a16:creationId xmlns:a16="http://schemas.microsoft.com/office/drawing/2014/main" xmlns="" id="{0C320934-59CC-4123-C7C1-FEEE89F3045F}"/>
               </a:ext>
               <a:ext uri="{C183D7F6-B498-43B3-948B-1728B52AA6E4}">
-                <adec:decorative xmlns="" xmlns:adec="http://schemas.microsoft.com/office/drawing/2017/decorative" val="1"/>
+                <adec:decorative xmlns:adec="http://schemas.microsoft.com/office/drawing/2017/decorative" xmlns="" val="1"/>
               </a:ext>
             </a:extLst>
           </p:cNvPr>
@@ -13310,10 +13478,10 @@
           <p:cNvPr id="33" name="Image 4">
             <a:extLst>
               <a:ext uri="{FF2B5EF4-FFF2-40B4-BE49-F238E27FC236}">
-                <a16:creationId xmlns="" xmlns:a16="http://schemas.microsoft.com/office/drawing/2014/main" id="{EC46DC71-C12A-96C8-3FE2-AA95AB58B349}"/>
+                <a16:creationId xmlns:a16="http://schemas.microsoft.com/office/drawing/2014/main" xmlns="" id="{EC46DC71-C12A-96C8-3FE2-AA95AB58B349}"/>
               </a:ext>
               <a:ext uri="{C183D7F6-B498-43B3-948B-1728B52AA6E4}">
-                <adec:decorative xmlns="" xmlns:adec="http://schemas.microsoft.com/office/drawing/2017/decorative" val="1"/>
+                <adec:decorative xmlns:adec="http://schemas.microsoft.com/office/drawing/2017/decorative" xmlns="" val="1"/>
               </a:ext>
             </a:extLst>
           </p:cNvPr>
@@ -13440,7 +13608,7 @@
           <p:cNvPr id="13" name="Content Placeholder 3">
             <a:extLst>
               <a:ext uri="{FF2B5EF4-FFF2-40B4-BE49-F238E27FC236}">
-                <a16:creationId xmlns="" xmlns:a16="http://schemas.microsoft.com/office/drawing/2014/main" id="{B20F5EA7-881C-8FB7-EAC9-89C8F2E5865C}"/>
+                <a16:creationId xmlns:a16="http://schemas.microsoft.com/office/drawing/2014/main" xmlns="" id="{B20F5EA7-881C-8FB7-EAC9-89C8F2E5865C}"/>
               </a:ext>
             </a:extLst>
           </p:cNvPr>
@@ -13535,7 +13703,7 @@
           <p:cNvPr id="18" name="Slide Number Placeholder 2">
             <a:extLst>
               <a:ext uri="{FF2B5EF4-FFF2-40B4-BE49-F238E27FC236}">
-                <a16:creationId xmlns="" xmlns:a16="http://schemas.microsoft.com/office/drawing/2014/main" id="{ED7A50D8-0839-EC58-FFBE-315A20995799}"/>
+                <a16:creationId xmlns:a16="http://schemas.microsoft.com/office/drawing/2014/main" xmlns="" id="{ED7A50D8-0839-EC58-FFBE-315A20995799}"/>
               </a:ext>
             </a:extLst>
           </p:cNvPr>
@@ -13609,7 +13777,7 @@
           <p:cNvPr id="20" name="Title 19">
             <a:extLst>
               <a:ext uri="{FF2B5EF4-FFF2-40B4-BE49-F238E27FC236}">
-                <a16:creationId xmlns="" xmlns:a16="http://schemas.microsoft.com/office/drawing/2014/main" id="{C26B5661-F583-FA44-8353-161B862E69B1}"/>
+                <a16:creationId xmlns:a16="http://schemas.microsoft.com/office/drawing/2014/main" xmlns="" id="{C26B5661-F583-FA44-8353-161B862E69B1}"/>
               </a:ext>
             </a:extLst>
           </p:cNvPr>
@@ -13651,10 +13819,10 @@
           <p:cNvPr id="11" name="Image 0">
             <a:extLst>
               <a:ext uri="{FF2B5EF4-FFF2-40B4-BE49-F238E27FC236}">
-                <a16:creationId xmlns="" xmlns:a16="http://schemas.microsoft.com/office/drawing/2014/main" id="{CD2D664E-6702-6607-A37E-2E996144917C}"/>
+                <a16:creationId xmlns:a16="http://schemas.microsoft.com/office/drawing/2014/main" xmlns="" id="{CD2D664E-6702-6607-A37E-2E996144917C}"/>
               </a:ext>
               <a:ext uri="{C183D7F6-B498-43B3-948B-1728B52AA6E4}">
-                <adec:decorative xmlns="" xmlns:adec="http://schemas.microsoft.com/office/drawing/2017/decorative" val="1"/>
+                <adec:decorative xmlns:adec="http://schemas.microsoft.com/office/drawing/2017/decorative" xmlns="" val="1"/>
               </a:ext>
             </a:extLst>
           </p:cNvPr>
@@ -13744,10 +13912,10 @@
           <p:cNvPr id="13" name="Image 1">
             <a:extLst>
               <a:ext uri="{FF2B5EF4-FFF2-40B4-BE49-F238E27FC236}">
-                <a16:creationId xmlns="" xmlns:a16="http://schemas.microsoft.com/office/drawing/2014/main" id="{951C5737-DF7E-D671-AC74-9E488335BCA2}"/>
+                <a16:creationId xmlns:a16="http://schemas.microsoft.com/office/drawing/2014/main" xmlns="" id="{951C5737-DF7E-D671-AC74-9E488335BCA2}"/>
               </a:ext>
               <a:ext uri="{C183D7F6-B498-43B3-948B-1728B52AA6E4}">
-                <adec:decorative xmlns="" xmlns:adec="http://schemas.microsoft.com/office/drawing/2017/decorative" val="1"/>
+                <adec:decorative xmlns:adec="http://schemas.microsoft.com/office/drawing/2017/decorative" xmlns="" val="1"/>
               </a:ext>
             </a:extLst>
           </p:cNvPr>
@@ -13763,7 +13931,7 @@
                 <a14:useLocalDpi xmlns:a14="http://schemas.microsoft.com/office/drawing/2010/main"/>
               </a:ext>
               <a:ext uri="{96DAC541-7B7A-43D3-8B79-37D633B846F1}">
-                <asvg:svgBlip xmlns="" xmlns:asvg="http://schemas.microsoft.com/office/drawing/2016/SVG/main" r:embed="rId3"/>
+                <asvg:svgBlip xmlns:asvg="http://schemas.microsoft.com/office/drawing/2016/SVG/main" xmlns="" r:embed="rId3"/>
               </a:ext>
             </a:extLst>
           </a:blip>
@@ -13785,10 +13953,10 @@
           <p:cNvPr id="39" name="Freeform: Shape 38">
             <a:extLst>
               <a:ext uri="{FF2B5EF4-FFF2-40B4-BE49-F238E27FC236}">
-                <a16:creationId xmlns="" xmlns:a16="http://schemas.microsoft.com/office/drawing/2014/main" id="{F232A1E1-DD38-15EA-6CA1-A84950EC43F0}"/>
+                <a16:creationId xmlns:a16="http://schemas.microsoft.com/office/drawing/2014/main" xmlns="" id="{F232A1E1-DD38-15EA-6CA1-A84950EC43F0}"/>
               </a:ext>
               <a:ext uri="{C183D7F6-B498-43B3-948B-1728B52AA6E4}">
-                <adec:decorative xmlns="" xmlns:adec="http://schemas.microsoft.com/office/drawing/2017/decorative" val="1"/>
+                <adec:decorative xmlns:adec="http://schemas.microsoft.com/office/drawing/2017/decorative" xmlns="" val="1"/>
               </a:ext>
             </a:extLst>
           </p:cNvPr>
@@ -14642,10 +14810,10 @@
           <p:cNvPr id="17" name="Image 5">
             <a:extLst>
               <a:ext uri="{FF2B5EF4-FFF2-40B4-BE49-F238E27FC236}">
-                <a16:creationId xmlns="" xmlns:a16="http://schemas.microsoft.com/office/drawing/2014/main" id="{B9036D42-A06F-E6EE-BB91-8BAF045198BE}"/>
+                <a16:creationId xmlns:a16="http://schemas.microsoft.com/office/drawing/2014/main" xmlns="" id="{B9036D42-A06F-E6EE-BB91-8BAF045198BE}"/>
               </a:ext>
               <a:ext uri="{C183D7F6-B498-43B3-948B-1728B52AA6E4}">
-                <adec:decorative xmlns="" xmlns:adec="http://schemas.microsoft.com/office/drawing/2017/decorative" val="1"/>
+                <adec:decorative xmlns:adec="http://schemas.microsoft.com/office/drawing/2017/decorative" xmlns="" val="1"/>
               </a:ext>
             </a:extLst>
           </p:cNvPr>
@@ -14743,10 +14911,10 @@
           <p:cNvPr id="19" name="Image 6">
             <a:extLst>
               <a:ext uri="{FF2B5EF4-FFF2-40B4-BE49-F238E27FC236}">
-                <a16:creationId xmlns="" xmlns:a16="http://schemas.microsoft.com/office/drawing/2014/main" id="{86E0540C-3355-A50D-AC61-047B54B70C64}"/>
+                <a16:creationId xmlns:a16="http://schemas.microsoft.com/office/drawing/2014/main" xmlns="" id="{86E0540C-3355-A50D-AC61-047B54B70C64}"/>
               </a:ext>
               <a:ext uri="{C183D7F6-B498-43B3-948B-1728B52AA6E4}">
-                <adec:decorative xmlns="" xmlns:adec="http://schemas.microsoft.com/office/drawing/2017/decorative" val="1"/>
+                <adec:decorative xmlns:adec="http://schemas.microsoft.com/office/drawing/2017/decorative" xmlns="" val="1"/>
               </a:ext>
             </a:extLst>
           </p:cNvPr>
@@ -14762,7 +14930,7 @@
                 <a14:useLocalDpi xmlns:a14="http://schemas.microsoft.com/office/drawing/2010/main"/>
               </a:ext>
               <a:ext uri="{96DAC541-7B7A-43D3-8B79-37D633B846F1}">
-                <asvg:svgBlip xmlns="" xmlns:asvg="http://schemas.microsoft.com/office/drawing/2016/SVG/main" r:embed="rId5"/>
+                <asvg:svgBlip xmlns:asvg="http://schemas.microsoft.com/office/drawing/2016/SVG/main" xmlns="" r:embed="rId5"/>
               </a:ext>
             </a:extLst>
           </a:blip>
@@ -14784,7 +14952,7 @@
           <p:cNvPr id="16" name="Slide Number Placeholder 2">
             <a:extLst>
               <a:ext uri="{FF2B5EF4-FFF2-40B4-BE49-F238E27FC236}">
-                <a16:creationId xmlns="" xmlns:a16="http://schemas.microsoft.com/office/drawing/2014/main" id="{B00F713C-1CC6-5879-0410-95F179D56AD2}"/>
+                <a16:creationId xmlns:a16="http://schemas.microsoft.com/office/drawing/2014/main" xmlns="" id="{B00F713C-1CC6-5879-0410-95F179D56AD2}"/>
               </a:ext>
             </a:extLst>
           </p:cNvPr>
@@ -14825,7 +14993,7 @@
           <p:cNvPr id="2" name="Content Placeholder 2">
             <a:extLst>
               <a:ext uri="{FF2B5EF4-FFF2-40B4-BE49-F238E27FC236}">
-                <a16:creationId xmlns="" xmlns:a16="http://schemas.microsoft.com/office/drawing/2014/main" id="{8E40D3F2-4A7A-F909-AC98-0B402B26776E}"/>
+                <a16:creationId xmlns:a16="http://schemas.microsoft.com/office/drawing/2014/main" xmlns="" id="{8E40D3F2-4A7A-F909-AC98-0B402B26776E}"/>
               </a:ext>
             </a:extLst>
           </p:cNvPr>
@@ -14937,10 +15105,10 @@
           <p:cNvPr id="27" name="Freeform 26">
             <a:extLst>
               <a:ext uri="{FF2B5EF4-FFF2-40B4-BE49-F238E27FC236}">
-                <a16:creationId xmlns="" xmlns:a16="http://schemas.microsoft.com/office/drawing/2014/main" id="{3C7B0BB3-A5CA-7C72-DC39-AD00EC90964C}"/>
+                <a16:creationId xmlns:a16="http://schemas.microsoft.com/office/drawing/2014/main" xmlns="" id="{3C7B0BB3-A5CA-7C72-DC39-AD00EC90964C}"/>
               </a:ext>
               <a:ext uri="{C183D7F6-B498-43B3-948B-1728B52AA6E4}">
-                <adec:decorative xmlns="" xmlns:adec="http://schemas.microsoft.com/office/drawing/2017/decorative" val="1"/>
+                <adec:decorative xmlns:adec="http://schemas.microsoft.com/office/drawing/2017/decorative" xmlns="" val="1"/>
               </a:ext>
             </a:extLst>
           </p:cNvPr>
@@ -15028,10 +15196,10 @@
           <p:cNvPr id="18" name="Freeform 17">
             <a:extLst>
               <a:ext uri="{FF2B5EF4-FFF2-40B4-BE49-F238E27FC236}">
-                <a16:creationId xmlns="" xmlns:a16="http://schemas.microsoft.com/office/drawing/2014/main" id="{07871527-68A5-0A5C-F5A6-A80523BAC92F}"/>
+                <a16:creationId xmlns:a16="http://schemas.microsoft.com/office/drawing/2014/main" xmlns="" id="{07871527-68A5-0A5C-F5A6-A80523BAC92F}"/>
               </a:ext>
               <a:ext uri="{C183D7F6-B498-43B3-948B-1728B52AA6E4}">
-                <adec:decorative xmlns="" xmlns:adec="http://schemas.microsoft.com/office/drawing/2017/decorative" val="1"/>
+                <adec:decorative xmlns:adec="http://schemas.microsoft.com/office/drawing/2017/decorative" xmlns="" val="1"/>
               </a:ext>
             </a:extLst>
           </p:cNvPr>
@@ -15119,10 +15287,10 @@
           <p:cNvPr id="14" name="Freeform 13">
             <a:extLst>
               <a:ext uri="{FF2B5EF4-FFF2-40B4-BE49-F238E27FC236}">
-                <a16:creationId xmlns="" xmlns:a16="http://schemas.microsoft.com/office/drawing/2014/main" id="{CEB118B3-9B06-AD11-738A-7A0651F98B7E}"/>
+                <a16:creationId xmlns:a16="http://schemas.microsoft.com/office/drawing/2014/main" xmlns="" id="{CEB118B3-9B06-AD11-738A-7A0651F98B7E}"/>
               </a:ext>
               <a:ext uri="{C183D7F6-B498-43B3-948B-1728B52AA6E4}">
-                <adec:decorative xmlns="" xmlns:adec="http://schemas.microsoft.com/office/drawing/2017/decorative" val="1"/>
+                <adec:decorative xmlns:adec="http://schemas.microsoft.com/office/drawing/2017/decorative" xmlns="" val="1"/>
               </a:ext>
             </a:extLst>
           </p:cNvPr>
@@ -15210,10 +15378,10 @@
           <p:cNvPr id="16" name="Freeform 15">
             <a:extLst>
               <a:ext uri="{FF2B5EF4-FFF2-40B4-BE49-F238E27FC236}">
-                <a16:creationId xmlns="" xmlns:a16="http://schemas.microsoft.com/office/drawing/2014/main" id="{0EA94262-504E-06F2-F383-E832C37B1250}"/>
+                <a16:creationId xmlns:a16="http://schemas.microsoft.com/office/drawing/2014/main" xmlns="" id="{0EA94262-504E-06F2-F383-E832C37B1250}"/>
               </a:ext>
               <a:ext uri="{C183D7F6-B498-43B3-948B-1728B52AA6E4}">
-                <adec:decorative xmlns="" xmlns:adec="http://schemas.microsoft.com/office/drawing/2017/decorative" val="1"/>
+                <adec:decorative xmlns:adec="http://schemas.microsoft.com/office/drawing/2017/decorative" xmlns="" val="1"/>
               </a:ext>
             </a:extLst>
           </p:cNvPr>
@@ -15301,7 +15469,7 @@
           <p:cNvPr id="20" name="Title 19">
             <a:extLst>
               <a:ext uri="{FF2B5EF4-FFF2-40B4-BE49-F238E27FC236}">
-                <a16:creationId xmlns="" xmlns:a16="http://schemas.microsoft.com/office/drawing/2014/main" id="{C26B5661-F583-FA44-8353-161B862E69B1}"/>
+                <a16:creationId xmlns:a16="http://schemas.microsoft.com/office/drawing/2014/main" xmlns="" id="{C26B5661-F583-FA44-8353-161B862E69B1}"/>
               </a:ext>
             </a:extLst>
           </p:cNvPr>
@@ -15343,7 +15511,7 @@
           <p:cNvPr id="19" name="Slide Number Placeholder 2">
             <a:extLst>
               <a:ext uri="{FF2B5EF4-FFF2-40B4-BE49-F238E27FC236}">
-                <a16:creationId xmlns="" xmlns:a16="http://schemas.microsoft.com/office/drawing/2014/main" id="{BFBCB81C-7599-87A1-8037-5FB8C374503A}"/>
+                <a16:creationId xmlns:a16="http://schemas.microsoft.com/office/drawing/2014/main" xmlns="" id="{BFBCB81C-7599-87A1-8037-5FB8C374503A}"/>
               </a:ext>
             </a:extLst>
           </p:cNvPr>
@@ -15384,7 +15552,7 @@
           <p:cNvPr id="23" name="Content Placeholder 3">
             <a:extLst>
               <a:ext uri="{FF2B5EF4-FFF2-40B4-BE49-F238E27FC236}">
-                <a16:creationId xmlns="" xmlns:a16="http://schemas.microsoft.com/office/drawing/2014/main" id="{6FF02D51-6992-3FED-2A19-92E5AC564CF4}"/>
+                <a16:creationId xmlns:a16="http://schemas.microsoft.com/office/drawing/2014/main" xmlns="" id="{6FF02D51-6992-3FED-2A19-92E5AC564CF4}"/>
               </a:ext>
             </a:extLst>
           </p:cNvPr>
@@ -15480,7 +15648,7 @@
           <p:cNvPr id="25" name="Content Placeholder 5">
             <a:extLst>
               <a:ext uri="{FF2B5EF4-FFF2-40B4-BE49-F238E27FC236}">
-                <a16:creationId xmlns="" xmlns:a16="http://schemas.microsoft.com/office/drawing/2014/main" id="{C2762372-3C12-61F8-F131-E4C08A2B1735}"/>
+                <a16:creationId xmlns:a16="http://schemas.microsoft.com/office/drawing/2014/main" xmlns="" id="{C2762372-3C12-61F8-F131-E4C08A2B1735}"/>
               </a:ext>
             </a:extLst>
           </p:cNvPr>
@@ -15609,10 +15777,10 @@
           <p:cNvPr id="33" name="Rectangle 32">
             <a:extLst>
               <a:ext uri="{FF2B5EF4-FFF2-40B4-BE49-F238E27FC236}">
-                <a16:creationId xmlns="" xmlns:a16="http://schemas.microsoft.com/office/drawing/2014/main" id="{376CF4B8-1811-BD21-43A7-560AC4724F3B}"/>
+                <a16:creationId xmlns:a16="http://schemas.microsoft.com/office/drawing/2014/main" xmlns="" id="{376CF4B8-1811-BD21-43A7-560AC4724F3B}"/>
               </a:ext>
               <a:ext uri="{C183D7F6-B498-43B3-948B-1728B52AA6E4}">
-                <adec:decorative xmlns="" xmlns:adec="http://schemas.microsoft.com/office/drawing/2017/decorative" val="1"/>
+                <adec:decorative xmlns:adec="http://schemas.microsoft.com/office/drawing/2017/decorative" xmlns="" val="1"/>
               </a:ext>
             </a:extLst>
           </p:cNvPr>
@@ -15666,10 +15834,10 @@
           <p:cNvPr id="34" name="Rectangle 33">
             <a:extLst>
               <a:ext uri="{FF2B5EF4-FFF2-40B4-BE49-F238E27FC236}">
-                <a16:creationId xmlns="" xmlns:a16="http://schemas.microsoft.com/office/drawing/2014/main" id="{30B7B4F0-D3BC-63DF-6429-F771BE5A3270}"/>
+                <a16:creationId xmlns:a16="http://schemas.microsoft.com/office/drawing/2014/main" xmlns="" id="{30B7B4F0-D3BC-63DF-6429-F771BE5A3270}"/>
               </a:ext>
               <a:ext uri="{C183D7F6-B498-43B3-948B-1728B52AA6E4}">
-                <adec:decorative xmlns="" xmlns:adec="http://schemas.microsoft.com/office/drawing/2017/decorative" val="1"/>
+                <adec:decorative xmlns:adec="http://schemas.microsoft.com/office/drawing/2017/decorative" xmlns="" val="1"/>
               </a:ext>
             </a:extLst>
           </p:cNvPr>
@@ -15721,7 +15889,7 @@
           <p:cNvPr id="2" name="Title 1">
             <a:extLst>
               <a:ext uri="{FF2B5EF4-FFF2-40B4-BE49-F238E27FC236}">
-                <a16:creationId xmlns="" xmlns:a16="http://schemas.microsoft.com/office/drawing/2014/main" id="{A65C6DDD-D2BB-0153-0F53-9F7C17BDFD2B}"/>
+                <a16:creationId xmlns:a16="http://schemas.microsoft.com/office/drawing/2014/main" xmlns="" id="{A65C6DDD-D2BB-0153-0F53-9F7C17BDFD2B}"/>
               </a:ext>
             </a:extLst>
           </p:cNvPr>
@@ -15765,7 +15933,7 @@
           <p:cNvPr id="5" name="Content Placeholder 2">
             <a:extLst>
               <a:ext uri="{FF2B5EF4-FFF2-40B4-BE49-F238E27FC236}">
-                <a16:creationId xmlns="" xmlns:a16="http://schemas.microsoft.com/office/drawing/2014/main" id="{0AADE444-940A-5A34-8C49-4F15BC33EEC7}"/>
+                <a16:creationId xmlns:a16="http://schemas.microsoft.com/office/drawing/2014/main" xmlns="" id="{0AADE444-940A-5A34-8C49-4F15BC33EEC7}"/>
               </a:ext>
             </a:extLst>
           </p:cNvPr>
@@ -15861,7 +16029,7 @@
           <p:cNvPr id="3" name="Content Placeholder 2">
             <a:extLst>
               <a:ext uri="{FF2B5EF4-FFF2-40B4-BE49-F238E27FC236}">
-                <a16:creationId xmlns="" xmlns:a16="http://schemas.microsoft.com/office/drawing/2014/main" id="{97A79FCB-9A9F-6B60-A95C-FCF020598DE3}"/>
+                <a16:creationId xmlns:a16="http://schemas.microsoft.com/office/drawing/2014/main" xmlns="" id="{97A79FCB-9A9F-6B60-A95C-FCF020598DE3}"/>
               </a:ext>
             </a:extLst>
           </p:cNvPr>
@@ -15957,7 +16125,7 @@
           <p:cNvPr id="31" name="Picture Placeholder 30">
             <a:extLst>
               <a:ext uri="{FF2B5EF4-FFF2-40B4-BE49-F238E27FC236}">
-                <a16:creationId xmlns="" xmlns:a16="http://schemas.microsoft.com/office/drawing/2014/main" id="{2912B88E-830A-AD4C-378F-46EF5F77950C}"/>
+                <a16:creationId xmlns:a16="http://schemas.microsoft.com/office/drawing/2014/main" xmlns="" id="{2912B88E-830A-AD4C-378F-46EF5F77950C}"/>
               </a:ext>
             </a:extLst>
           </p:cNvPr>
@@ -16157,10 +16325,10 @@
           <p:cNvPr id="32" name="Group 31">
             <a:extLst>
               <a:ext uri="{FF2B5EF4-FFF2-40B4-BE49-F238E27FC236}">
-                <a16:creationId xmlns="" xmlns:a16="http://schemas.microsoft.com/office/drawing/2014/main" id="{B9152F76-E42E-3D76-6BDB-2FA0D69216AD}"/>
+                <a16:creationId xmlns:a16="http://schemas.microsoft.com/office/drawing/2014/main" xmlns="" id="{B9152F76-E42E-3D76-6BDB-2FA0D69216AD}"/>
               </a:ext>
               <a:ext uri="{C183D7F6-B498-43B3-948B-1728B52AA6E4}">
-                <adec:decorative xmlns="" xmlns:adec="http://schemas.microsoft.com/office/drawing/2017/decorative" val="1"/>
+                <adec:decorative xmlns:adec="http://schemas.microsoft.com/office/drawing/2017/decorative" xmlns="" val="1"/>
               </a:ext>
             </a:extLst>
           </p:cNvPr>
@@ -16180,10 +16348,10 @@
             <p:cNvPr id="20" name="Freeform: Shape 28">
               <a:extLst>
                 <a:ext uri="{FF2B5EF4-FFF2-40B4-BE49-F238E27FC236}">
-                  <a16:creationId xmlns="" xmlns:a16="http://schemas.microsoft.com/office/drawing/2014/main" id="{ED0348C7-D83F-0AD7-2539-41219A795693}"/>
+                  <a16:creationId xmlns:a16="http://schemas.microsoft.com/office/drawing/2014/main" xmlns="" id="{ED0348C7-D83F-0AD7-2539-41219A795693}"/>
                 </a:ext>
                 <a:ext uri="{C183D7F6-B498-43B3-948B-1728B52AA6E4}">
-                  <adec:decorative xmlns="" xmlns:adec="http://schemas.microsoft.com/office/drawing/2017/decorative" val="1"/>
+                  <adec:decorative xmlns:adec="http://schemas.microsoft.com/office/drawing/2017/decorative" xmlns="" val="1"/>
                 </a:ext>
               </a:extLst>
             </p:cNvPr>
@@ -16303,10 +16471,10 @@
             <p:cNvPr id="21" name="Freeform: Shape 25">
               <a:extLst>
                 <a:ext uri="{FF2B5EF4-FFF2-40B4-BE49-F238E27FC236}">
-                  <a16:creationId xmlns="" xmlns:a16="http://schemas.microsoft.com/office/drawing/2014/main" id="{E911AA2D-BE77-278D-CD2E-2EB3E180F3B8}"/>
+                  <a16:creationId xmlns:a16="http://schemas.microsoft.com/office/drawing/2014/main" xmlns="" id="{E911AA2D-BE77-278D-CD2E-2EB3E180F3B8}"/>
                 </a:ext>
                 <a:ext uri="{C183D7F6-B498-43B3-948B-1728B52AA6E4}">
-                  <adec:decorative xmlns="" xmlns:adec="http://schemas.microsoft.com/office/drawing/2017/decorative" val="1"/>
+                  <adec:decorative xmlns:adec="http://schemas.microsoft.com/office/drawing/2017/decorative" xmlns="" val="1"/>
                 </a:ext>
               </a:extLst>
             </p:cNvPr>
@@ -16404,10 +16572,10 @@
             <p:cNvPr id="22" name="Freeform: Shape 15">
               <a:extLst>
                 <a:ext uri="{FF2B5EF4-FFF2-40B4-BE49-F238E27FC236}">
-                  <a16:creationId xmlns="" xmlns:a16="http://schemas.microsoft.com/office/drawing/2014/main" id="{B6CE0BA6-C0FD-AC39-6C31-8477E0CAFDB0}"/>
+                  <a16:creationId xmlns:a16="http://schemas.microsoft.com/office/drawing/2014/main" xmlns="" id="{B6CE0BA6-C0FD-AC39-6C31-8477E0CAFDB0}"/>
                 </a:ext>
                 <a:ext uri="{C183D7F6-B498-43B3-948B-1728B52AA6E4}">
-                  <adec:decorative xmlns="" xmlns:adec="http://schemas.microsoft.com/office/drawing/2017/decorative" val="1"/>
+                  <adec:decorative xmlns:adec="http://schemas.microsoft.com/office/drawing/2017/decorative" xmlns="" val="1"/>
                 </a:ext>
               </a:extLst>
             </p:cNvPr>
@@ -16505,10 +16673,10 @@
             <p:cNvPr id="23" name="Image 2">
               <a:extLst>
                 <a:ext uri="{FF2B5EF4-FFF2-40B4-BE49-F238E27FC236}">
-                  <a16:creationId xmlns="" xmlns:a16="http://schemas.microsoft.com/office/drawing/2014/main" id="{666AD1A4-36DE-12F3-BB78-BA678A59572C}"/>
+                  <a16:creationId xmlns:a16="http://schemas.microsoft.com/office/drawing/2014/main" xmlns="" id="{666AD1A4-36DE-12F3-BB78-BA678A59572C}"/>
                 </a:ext>
                 <a:ext uri="{C183D7F6-B498-43B3-948B-1728B52AA6E4}">
-                  <adec:decorative xmlns="" xmlns:adec="http://schemas.microsoft.com/office/drawing/2017/decorative" val="1"/>
+                  <adec:decorative xmlns:adec="http://schemas.microsoft.com/office/drawing/2017/decorative" xmlns="" val="1"/>
                 </a:ext>
               </a:extLst>
             </p:cNvPr>
@@ -16605,7 +16773,7 @@
           <p:cNvPr id="44" name="Slide Number Placeholder 2">
             <a:extLst>
               <a:ext uri="{FF2B5EF4-FFF2-40B4-BE49-F238E27FC236}">
-                <a16:creationId xmlns="" xmlns:a16="http://schemas.microsoft.com/office/drawing/2014/main" id="{79071EEC-EAD1-8B22-009A-68E74589AA8D}"/>
+                <a16:creationId xmlns:a16="http://schemas.microsoft.com/office/drawing/2014/main" xmlns="" id="{79071EEC-EAD1-8B22-009A-68E74589AA8D}"/>
               </a:ext>
             </a:extLst>
           </p:cNvPr>
@@ -16679,10 +16847,10 @@
           <p:cNvPr id="5" name="Freeform 4">
             <a:extLst>
               <a:ext uri="{FF2B5EF4-FFF2-40B4-BE49-F238E27FC236}">
-                <a16:creationId xmlns="" xmlns:a16="http://schemas.microsoft.com/office/drawing/2014/main" id="{28259CF0-6BC5-3693-6F49-C4489C07C317}"/>
+                <a16:creationId xmlns:a16="http://schemas.microsoft.com/office/drawing/2014/main" xmlns="" id="{28259CF0-6BC5-3693-6F49-C4489C07C317}"/>
               </a:ext>
               <a:ext uri="{C183D7F6-B498-43B3-948B-1728B52AA6E4}">
-                <adec:decorative xmlns="" xmlns:adec="http://schemas.microsoft.com/office/drawing/2017/decorative" val="1"/>
+                <adec:decorative xmlns:adec="http://schemas.microsoft.com/office/drawing/2017/decorative" xmlns="" val="1"/>
               </a:ext>
             </a:extLst>
           </p:cNvPr>
@@ -16766,10 +16934,10 @@
           <p:cNvPr id="26" name="Image 4">
             <a:extLst>
               <a:ext uri="{FF2B5EF4-FFF2-40B4-BE49-F238E27FC236}">
-                <a16:creationId xmlns="" xmlns:a16="http://schemas.microsoft.com/office/drawing/2014/main" id="{9019DA73-2516-F3D2-ECDB-620C90483DB3}"/>
+                <a16:creationId xmlns:a16="http://schemas.microsoft.com/office/drawing/2014/main" xmlns="" id="{9019DA73-2516-F3D2-ECDB-620C90483DB3}"/>
               </a:ext>
               <a:ext uri="{C183D7F6-B498-43B3-948B-1728B52AA6E4}">
-                <adec:decorative xmlns="" xmlns:adec="http://schemas.microsoft.com/office/drawing/2017/decorative" val="1"/>
+                <adec:decorative xmlns:adec="http://schemas.microsoft.com/office/drawing/2017/decorative" xmlns="" val="1"/>
               </a:ext>
             </a:extLst>
           </p:cNvPr>
@@ -16851,10 +17019,10 @@
           <p:cNvPr id="14" name="Freeform 13">
             <a:extLst>
               <a:ext uri="{FF2B5EF4-FFF2-40B4-BE49-F238E27FC236}">
-                <a16:creationId xmlns="" xmlns:a16="http://schemas.microsoft.com/office/drawing/2014/main" id="{5665DA82-D253-8EC5-5DFB-F0266ED9FBB4}"/>
+                <a16:creationId xmlns:a16="http://schemas.microsoft.com/office/drawing/2014/main" xmlns="" id="{5665DA82-D253-8EC5-5DFB-F0266ED9FBB4}"/>
               </a:ext>
               <a:ext uri="{C183D7F6-B498-43B3-948B-1728B52AA6E4}">
-                <adec:decorative xmlns="" xmlns:adec="http://schemas.microsoft.com/office/drawing/2017/decorative" val="1"/>
+                <adec:decorative xmlns:adec="http://schemas.microsoft.com/office/drawing/2017/decorative" xmlns="" val="1"/>
               </a:ext>
             </a:extLst>
           </p:cNvPr>
@@ -16940,10 +17108,10 @@
           <p:cNvPr id="21" name="Image 2">
             <a:extLst>
               <a:ext uri="{FF2B5EF4-FFF2-40B4-BE49-F238E27FC236}">
-                <a16:creationId xmlns="" xmlns:a16="http://schemas.microsoft.com/office/drawing/2014/main" id="{A8B7F1F1-806C-8D65-7340-220A0C4653C8}"/>
+                <a16:creationId xmlns:a16="http://schemas.microsoft.com/office/drawing/2014/main" xmlns="" id="{A8B7F1F1-806C-8D65-7340-220A0C4653C8}"/>
               </a:ext>
               <a:ext uri="{C183D7F6-B498-43B3-948B-1728B52AA6E4}">
-                <adec:decorative xmlns="" xmlns:adec="http://schemas.microsoft.com/office/drawing/2017/decorative" val="1"/>
+                <adec:decorative xmlns:adec="http://schemas.microsoft.com/office/drawing/2017/decorative" xmlns="" val="1"/>
               </a:ext>
             </a:extLst>
           </p:cNvPr>
@@ -16959,7 +17127,7 @@
                 <a14:useLocalDpi xmlns:a14="http://schemas.microsoft.com/office/drawing/2010/main"/>
               </a:ext>
               <a:ext uri="{96DAC541-7B7A-43D3-8B79-37D633B846F1}">
-                <asvg:svgBlip xmlns="" xmlns:asvg="http://schemas.microsoft.com/office/drawing/2016/SVG/main" r:embed="rId3"/>
+                <asvg:svgBlip xmlns:asvg="http://schemas.microsoft.com/office/drawing/2016/SVG/main" xmlns="" r:embed="rId3"/>
               </a:ext>
             </a:extLst>
           </a:blip>
@@ -16981,10 +17149,10 @@
           <p:cNvPr id="12" name="Freeform 11">
             <a:extLst>
               <a:ext uri="{FF2B5EF4-FFF2-40B4-BE49-F238E27FC236}">
-                <a16:creationId xmlns="" xmlns:a16="http://schemas.microsoft.com/office/drawing/2014/main" id="{E76518D4-6149-BA03-3BE5-6A13A792C115}"/>
+                <a16:creationId xmlns:a16="http://schemas.microsoft.com/office/drawing/2014/main" xmlns="" id="{E76518D4-6149-BA03-3BE5-6A13A792C115}"/>
               </a:ext>
               <a:ext uri="{C183D7F6-B498-43B3-948B-1728B52AA6E4}">
-                <adec:decorative xmlns="" xmlns:adec="http://schemas.microsoft.com/office/drawing/2017/decorative" val="1"/>
+                <adec:decorative xmlns:adec="http://schemas.microsoft.com/office/drawing/2017/decorative" xmlns="" val="1"/>
               </a:ext>
             </a:extLst>
           </p:cNvPr>
@@ -17123,7 +17291,7 @@
           <p:cNvPr id="30" name="Content Placeholder 2">
             <a:extLst>
               <a:ext uri="{FF2B5EF4-FFF2-40B4-BE49-F238E27FC236}">
-                <a16:creationId xmlns="" xmlns:a16="http://schemas.microsoft.com/office/drawing/2014/main" id="{58F56A7F-403C-059D-4B58-A8D59888A158}"/>
+                <a16:creationId xmlns:a16="http://schemas.microsoft.com/office/drawing/2014/main" xmlns="" id="{58F56A7F-403C-059D-4B58-A8D59888A158}"/>
               </a:ext>
             </a:extLst>
           </p:cNvPr>
@@ -17202,7 +17370,7 @@
           <p:cNvPr id="10" name="Picture Placeholder 9">
             <a:extLst>
               <a:ext uri="{FF2B5EF4-FFF2-40B4-BE49-F238E27FC236}">
-                <a16:creationId xmlns="" xmlns:a16="http://schemas.microsoft.com/office/drawing/2014/main" id="{0723BF40-731C-2A5B-FC2F-B59DEF431C66}"/>
+                <a16:creationId xmlns:a16="http://schemas.microsoft.com/office/drawing/2014/main" xmlns="" id="{0723BF40-731C-2A5B-FC2F-B59DEF431C66}"/>
               </a:ext>
             </a:extLst>
           </p:cNvPr>
@@ -17246,7 +17414,7 @@
           <p:cNvPr id="20" name="Slide Number Placeholder 2">
             <a:extLst>
               <a:ext uri="{FF2B5EF4-FFF2-40B4-BE49-F238E27FC236}">
-                <a16:creationId xmlns="" xmlns:a16="http://schemas.microsoft.com/office/drawing/2014/main" id="{3ACD3A33-D8A4-7058-9798-30967E3EFD39}"/>
+                <a16:creationId xmlns:a16="http://schemas.microsoft.com/office/drawing/2014/main" xmlns="" id="{3ACD3A33-D8A4-7058-9798-30967E3EFD39}"/>
               </a:ext>
             </a:extLst>
           </p:cNvPr>
@@ -17800,7 +17968,7 @@
           <p:cNvPr id="2" name="Title 1">
             <a:extLst>
               <a:ext uri="{FF2B5EF4-FFF2-40B4-BE49-F238E27FC236}">
-                <a16:creationId xmlns="" xmlns:a16="http://schemas.microsoft.com/office/drawing/2014/main" id="{4207FF65-A536-F639-8591-ED024C223308}"/>
+                <a16:creationId xmlns:a16="http://schemas.microsoft.com/office/drawing/2014/main" xmlns="" id="{4207FF65-A536-F639-8591-ED024C223308}"/>
               </a:ext>
             </a:extLst>
           </p:cNvPr>
@@ -17874,7 +18042,7 @@
           <p:cNvPr id="2" name="Title 1">
             <a:extLst>
               <a:ext uri="{FF2B5EF4-FFF2-40B4-BE49-F238E27FC236}">
-                <a16:creationId xmlns="" xmlns:a16="http://schemas.microsoft.com/office/drawing/2014/main" id="{FD5E8954-9BCB-7FD9-A210-38DC54382D45}"/>
+                <a16:creationId xmlns:a16="http://schemas.microsoft.com/office/drawing/2014/main" xmlns="" id="{FD5E8954-9BCB-7FD9-A210-38DC54382D45}"/>
               </a:ext>
             </a:extLst>
           </p:cNvPr>
@@ -17908,7 +18076,7 @@
           <p:cNvPr id="3" name="Content Placeholder 2">
             <a:extLst>
               <a:ext uri="{FF2B5EF4-FFF2-40B4-BE49-F238E27FC236}">
-                <a16:creationId xmlns="" xmlns:a16="http://schemas.microsoft.com/office/drawing/2014/main" id="{75111C33-898C-4414-4665-5136EB6FC126}"/>
+                <a16:creationId xmlns:a16="http://schemas.microsoft.com/office/drawing/2014/main" xmlns="" id="{75111C33-898C-4414-4665-5136EB6FC126}"/>
               </a:ext>
             </a:extLst>
           </p:cNvPr>
@@ -17955,7 +18123,7 @@
           <p:cNvPr id="23" name="Slide Number Placeholder 22">
             <a:extLst>
               <a:ext uri="{FF2B5EF4-FFF2-40B4-BE49-F238E27FC236}">
-                <a16:creationId xmlns="" xmlns:a16="http://schemas.microsoft.com/office/drawing/2014/main" id="{94FF72B7-0438-3641-5939-75128934B0DF}"/>
+                <a16:creationId xmlns:a16="http://schemas.microsoft.com/office/drawing/2014/main" xmlns="" id="{94FF72B7-0438-3641-5939-75128934B0DF}"/>
               </a:ext>
             </a:extLst>
           </p:cNvPr>
@@ -18030,7 +18198,7 @@
           <p:cNvPr id="2" name="Title 1">
             <a:extLst>
               <a:ext uri="{FF2B5EF4-FFF2-40B4-BE49-F238E27FC236}">
-                <a16:creationId xmlns="" xmlns:a16="http://schemas.microsoft.com/office/drawing/2014/main" id="{FD5E8954-9BCB-7FD9-A210-38DC54382D45}"/>
+                <a16:creationId xmlns:a16="http://schemas.microsoft.com/office/drawing/2014/main" xmlns="" id="{FD5E8954-9BCB-7FD9-A210-38DC54382D45}"/>
               </a:ext>
             </a:extLst>
           </p:cNvPr>
@@ -18064,7 +18232,7 @@
           <p:cNvPr id="3" name="Content Placeholder 2">
             <a:extLst>
               <a:ext uri="{FF2B5EF4-FFF2-40B4-BE49-F238E27FC236}">
-                <a16:creationId xmlns="" xmlns:a16="http://schemas.microsoft.com/office/drawing/2014/main" id="{75111C33-898C-4414-4665-5136EB6FC126}"/>
+                <a16:creationId xmlns:a16="http://schemas.microsoft.com/office/drawing/2014/main" xmlns="" id="{75111C33-898C-4414-4665-5136EB6FC126}"/>
               </a:ext>
             </a:extLst>
           </p:cNvPr>
@@ -18100,7 +18268,7 @@
           <p:cNvPr id="23" name="Slide Number Placeholder 22">
             <a:extLst>
               <a:ext uri="{FF2B5EF4-FFF2-40B4-BE49-F238E27FC236}">
-                <a16:creationId xmlns="" xmlns:a16="http://schemas.microsoft.com/office/drawing/2014/main" id="{94FF72B7-0438-3641-5939-75128934B0DF}"/>
+                <a16:creationId xmlns:a16="http://schemas.microsoft.com/office/drawing/2014/main" xmlns="" id="{94FF72B7-0438-3641-5939-75128934B0DF}"/>
               </a:ext>
             </a:extLst>
           </p:cNvPr>
@@ -18175,7 +18343,7 @@
           <p:cNvPr id="2" name="Title 1">
             <a:extLst>
               <a:ext uri="{FF2B5EF4-FFF2-40B4-BE49-F238E27FC236}">
-                <a16:creationId xmlns="" xmlns:a16="http://schemas.microsoft.com/office/drawing/2014/main" id="{FD5E8954-9BCB-7FD9-A210-38DC54382D45}"/>
+                <a16:creationId xmlns:a16="http://schemas.microsoft.com/office/drawing/2014/main" xmlns="" id="{FD5E8954-9BCB-7FD9-A210-38DC54382D45}"/>
               </a:ext>
             </a:extLst>
           </p:cNvPr>
@@ -18213,7 +18381,7 @@
           <p:cNvPr id="3" name="Content Placeholder 2">
             <a:extLst>
               <a:ext uri="{FF2B5EF4-FFF2-40B4-BE49-F238E27FC236}">
-                <a16:creationId xmlns="" xmlns:a16="http://schemas.microsoft.com/office/drawing/2014/main" id="{75111C33-898C-4414-4665-5136EB6FC126}"/>
+                <a16:creationId xmlns:a16="http://schemas.microsoft.com/office/drawing/2014/main" xmlns="" id="{75111C33-898C-4414-4665-5136EB6FC126}"/>
               </a:ext>
             </a:extLst>
           </p:cNvPr>
@@ -18339,7 +18507,7 @@
           <p:cNvPr id="23" name="Slide Number Placeholder 22">
             <a:extLst>
               <a:ext uri="{FF2B5EF4-FFF2-40B4-BE49-F238E27FC236}">
-                <a16:creationId xmlns="" xmlns:a16="http://schemas.microsoft.com/office/drawing/2014/main" id="{94FF72B7-0438-3641-5939-75128934B0DF}"/>
+                <a16:creationId xmlns:a16="http://schemas.microsoft.com/office/drawing/2014/main" xmlns="" id="{94FF72B7-0438-3641-5939-75128934B0DF}"/>
               </a:ext>
             </a:extLst>
           </p:cNvPr>
@@ -18392,6 +18560,875 @@
 </p:sld>
 </file>
 
+<file path=ppt/slides/slide13.xml><?xml version="1.0" encoding="utf-8"?>
+<p:sld xmlns:a="http://schemas.openxmlformats.org/drawingml/2006/main" xmlns:r="http://schemas.openxmlformats.org/officeDocument/2006/relationships" xmlns:p="http://schemas.openxmlformats.org/presentationml/2006/main">
+  <p:cSld>
+    <p:spTree>
+      <p:nvGrpSpPr>
+        <p:cNvPr id="1" name=""/>
+        <p:cNvGrpSpPr/>
+        <p:nvPr/>
+      </p:nvGrpSpPr>
+      <p:grpSpPr>
+        <a:xfrm>
+          <a:off x="0" y="0"/>
+          <a:ext cx="0" cy="0"/>
+          <a:chOff x="0" y="0"/>
+          <a:chExt cx="0" cy="0"/>
+        </a:xfrm>
+      </p:grpSpPr>
+      <p:sp>
+        <p:nvSpPr>
+          <p:cNvPr id="5" name="Title 4">
+            <a:extLst>
+              <a:ext uri="{FF2B5EF4-FFF2-40B4-BE49-F238E27FC236}">
+                <a16:creationId xmlns="" xmlns:a16="http://schemas.microsoft.com/office/drawing/2014/main" id="{2136FCF6-982C-CC37-9625-3EBFC7E7DD13}"/>
+              </a:ext>
+            </a:extLst>
+          </p:cNvPr>
+          <p:cNvSpPr>
+            <a:spLocks noGrp="1"/>
+          </p:cNvSpPr>
+          <p:nvPr>
+            <p:ph type="title"/>
+          </p:nvPr>
+        </p:nvSpPr>
+        <p:spPr>
+          <a:xfrm>
+            <a:off x="1550563" y="1089213"/>
+            <a:ext cx="9879437" cy="980844"/>
+          </a:xfrm>
+        </p:spPr>
+        <p:txBody>
+          <a:bodyPr/>
+          <a:lstStyle/>
+          <a:p>
+            <a:r>
+              <a:rPr lang="en-US" dirty="0" smtClean="0"/>
+              <a:t>Composite primary key example</a:t>
+            </a:r>
+            <a:endParaRPr lang="en-US" dirty="0"/>
+          </a:p>
+        </p:txBody>
+      </p:sp>
+      <p:graphicFrame>
+        <p:nvGraphicFramePr>
+          <p:cNvPr id="6" name="Content Placeholder 5">
+            <a:extLst>
+              <a:ext uri="{FF2B5EF4-FFF2-40B4-BE49-F238E27FC236}">
+                <a16:creationId xmlns="" xmlns:a16="http://schemas.microsoft.com/office/drawing/2014/main" id="{4DB3991E-0605-C20E-53AD-D64E13638DA5}"/>
+              </a:ext>
+            </a:extLst>
+          </p:cNvPr>
+          <p:cNvGraphicFramePr>
+            <a:graphicFrameLocks noGrp="1"/>
+          </p:cNvGraphicFramePr>
+          <p:nvPr>
+            <p:ph sz="half" idx="1"/>
+            <p:extLst>
+              <p:ext uri="{D42A27DB-BD31-4B8C-83A1-F6EECF244321}">
+                <p14:modId xmlns:p14="http://schemas.microsoft.com/office/powerpoint/2010/main" val="3673166241"/>
+              </p:ext>
+            </p:extLst>
+          </p:nvPr>
+        </p:nvGraphicFramePr>
+        <p:xfrm>
+          <a:off x="1550563" y="2279175"/>
+          <a:ext cx="5925805" cy="3909083"/>
+        </p:xfrm>
+        <a:graphic>
+          <a:graphicData uri="http://schemas.openxmlformats.org/drawingml/2006/table">
+            <a:tbl>
+              <a:tblPr firstRow="1" bandRow="1">
+                <a:tableStyleId>{3B4B98B0-60AC-42C2-AFA5-B58CD77FA1E5}</a:tableStyleId>
+              </a:tblPr>
+              <a:tblGrid>
+                <a:gridCol w="2444282">
+                  <a:extLst>
+                    <a:ext uri="{9D8B030D-6E8A-4147-A177-3AD203B41FA5}">
+                      <a16:colId xmlns="" xmlns:a16="http://schemas.microsoft.com/office/drawing/2014/main" val="180956085"/>
+                    </a:ext>
+                  </a:extLst>
+                </a:gridCol>
+                <a:gridCol w="1980270">
+                  <a:extLst>
+                    <a:ext uri="{9D8B030D-6E8A-4147-A177-3AD203B41FA5}">
+                      <a16:colId xmlns="" xmlns:a16="http://schemas.microsoft.com/office/drawing/2014/main" val="1180706872"/>
+                    </a:ext>
+                  </a:extLst>
+                </a:gridCol>
+                <a:gridCol w="1501253">
+                  <a:extLst>
+                    <a:ext uri="{9D8B030D-6E8A-4147-A177-3AD203B41FA5}">
+                      <a16:colId xmlns="" xmlns:a16="http://schemas.microsoft.com/office/drawing/2014/main" val="2050154702"/>
+                    </a:ext>
+                  </a:extLst>
+                </a:gridCol>
+              </a:tblGrid>
+              <a:tr h="505146">
+                <a:tc>
+                  <a:txBody>
+                    <a:bodyPr/>
+                    <a:lstStyle/>
+                    <a:p>
+                      <a:r>
+                        <a:rPr lang="en-US" dirty="0" smtClean="0">
+                          <a:solidFill>
+                            <a:schemeClr val="accent6"/>
+                          </a:solidFill>
+                        </a:rPr>
+                        <a:t>Id</a:t>
+                      </a:r>
+                      <a:endParaRPr lang="en-US" dirty="0">
+                        <a:solidFill>
+                          <a:schemeClr val="accent6"/>
+                        </a:solidFill>
+                      </a:endParaRPr>
+                    </a:p>
+                  </a:txBody>
+                  <a:tcPr anchor="ctr"/>
+                </a:tc>
+                <a:tc>
+                  <a:txBody>
+                    <a:bodyPr/>
+                    <a:lstStyle/>
+                    <a:p>
+                      <a:r>
+                        <a:rPr lang="en-US" dirty="0" smtClean="0">
+                          <a:solidFill>
+                            <a:schemeClr val="accent6"/>
+                          </a:solidFill>
+                        </a:rPr>
+                        <a:t>Employee</a:t>
+                      </a:r>
+                      <a:r>
+                        <a:rPr lang="en-US" baseline="0" dirty="0" smtClean="0">
+                          <a:solidFill>
+                            <a:schemeClr val="accent6"/>
+                          </a:solidFill>
+                        </a:rPr>
+                        <a:t> id</a:t>
+                      </a:r>
+                      <a:endParaRPr lang="en-US" dirty="0">
+                        <a:solidFill>
+                          <a:schemeClr val="accent6"/>
+                        </a:solidFill>
+                      </a:endParaRPr>
+                    </a:p>
+                  </a:txBody>
+                  <a:tcPr anchor="ctr"/>
+                </a:tc>
+                <a:tc>
+                  <a:txBody>
+                    <a:bodyPr/>
+                    <a:lstStyle/>
+                    <a:p>
+                      <a:r>
+                        <a:rPr lang="en-US" dirty="0" smtClean="0">
+                          <a:solidFill>
+                            <a:schemeClr val="accent6"/>
+                          </a:solidFill>
+                        </a:rPr>
+                        <a:t>Project id</a:t>
+                      </a:r>
+                      <a:endParaRPr lang="en-US" dirty="0">
+                        <a:solidFill>
+                          <a:schemeClr val="accent6"/>
+                        </a:solidFill>
+                      </a:endParaRPr>
+                    </a:p>
+                  </a:txBody>
+                  <a:tcPr anchor="ctr"/>
+                </a:tc>
+                <a:extLst>
+                  <a:ext uri="{0D108BD9-81ED-4DB2-BD59-A6C34878D82A}">
+                    <a16:rowId xmlns="" xmlns:a16="http://schemas.microsoft.com/office/drawing/2014/main" val="3059142786"/>
+                  </a:ext>
+                </a:extLst>
+              </a:tr>
+              <a:tr h="505146">
+                <a:tc>
+                  <a:txBody>
+                    <a:bodyPr/>
+                    <a:lstStyle/>
+                    <a:p>
+                      <a:r>
+                        <a:rPr lang="en-US" dirty="0" smtClean="0">
+                          <a:solidFill>
+                            <a:schemeClr val="accent6"/>
+                          </a:solidFill>
+                        </a:rPr>
+                        <a:t>1</a:t>
+                      </a:r>
+                      <a:endParaRPr lang="en-US" dirty="0">
+                        <a:solidFill>
+                          <a:schemeClr val="accent6"/>
+                        </a:solidFill>
+                      </a:endParaRPr>
+                    </a:p>
+                  </a:txBody>
+                  <a:tcPr anchor="ctr"/>
+                </a:tc>
+                <a:tc>
+                  <a:txBody>
+                    <a:bodyPr/>
+                    <a:lstStyle/>
+                    <a:p>
+                      <a:r>
+                        <a:rPr lang="en-US" dirty="0" smtClean="0">
+                          <a:solidFill>
+                            <a:schemeClr val="accent6"/>
+                          </a:solidFill>
+                        </a:rPr>
+                        <a:t>1</a:t>
+                      </a:r>
+                      <a:endParaRPr lang="en-US" dirty="0">
+                        <a:solidFill>
+                          <a:schemeClr val="accent6"/>
+                        </a:solidFill>
+                      </a:endParaRPr>
+                    </a:p>
+                  </a:txBody>
+                  <a:tcPr anchor="ctr"/>
+                </a:tc>
+                <a:tc>
+                  <a:txBody>
+                    <a:bodyPr/>
+                    <a:lstStyle/>
+                    <a:p>
+                      <a:r>
+                        <a:rPr lang="en-US" dirty="0" smtClean="0">
+                          <a:solidFill>
+                            <a:schemeClr val="accent6"/>
+                          </a:solidFill>
+                        </a:rPr>
+                        <a:t>1</a:t>
+                      </a:r>
+                      <a:endParaRPr lang="en-US" dirty="0">
+                        <a:solidFill>
+                          <a:schemeClr val="accent6"/>
+                        </a:solidFill>
+                      </a:endParaRPr>
+                    </a:p>
+                  </a:txBody>
+                  <a:tcPr anchor="ctr"/>
+                </a:tc>
+                <a:extLst>
+                  <a:ext uri="{0D108BD9-81ED-4DB2-BD59-A6C34878D82A}">
+                    <a16:rowId xmlns="" xmlns:a16="http://schemas.microsoft.com/office/drawing/2014/main" val="3588576737"/>
+                  </a:ext>
+                </a:extLst>
+              </a:tr>
+              <a:tr h="536289">
+                <a:tc>
+                  <a:txBody>
+                    <a:bodyPr/>
+                    <a:lstStyle/>
+                    <a:p>
+                      <a:r>
+                        <a:rPr lang="en-US" dirty="0" smtClean="0">
+                          <a:solidFill>
+                            <a:schemeClr val="accent6"/>
+                          </a:solidFill>
+                        </a:rPr>
+                        <a:t>2</a:t>
+                      </a:r>
+                      <a:endParaRPr lang="en-US" dirty="0">
+                        <a:solidFill>
+                          <a:schemeClr val="accent6"/>
+                        </a:solidFill>
+                      </a:endParaRPr>
+                    </a:p>
+                  </a:txBody>
+                  <a:tcPr anchor="ctr"/>
+                </a:tc>
+                <a:tc>
+                  <a:txBody>
+                    <a:bodyPr/>
+                    <a:lstStyle/>
+                    <a:p>
+                      <a:r>
+                        <a:rPr lang="en-US" dirty="0" smtClean="0">
+                          <a:solidFill>
+                            <a:schemeClr val="accent6"/>
+                          </a:solidFill>
+                        </a:rPr>
+                        <a:t>1</a:t>
+                      </a:r>
+                      <a:endParaRPr lang="en-US" dirty="0">
+                        <a:solidFill>
+                          <a:schemeClr val="accent6"/>
+                        </a:solidFill>
+                      </a:endParaRPr>
+                    </a:p>
+                  </a:txBody>
+                  <a:tcPr anchor="ctr"/>
+                </a:tc>
+                <a:tc>
+                  <a:txBody>
+                    <a:bodyPr/>
+                    <a:lstStyle/>
+                    <a:p>
+                      <a:r>
+                        <a:rPr lang="en-US" dirty="0" smtClean="0">
+                          <a:solidFill>
+                            <a:schemeClr val="accent6"/>
+                          </a:solidFill>
+                        </a:rPr>
+                        <a:t>2</a:t>
+                      </a:r>
+                      <a:endParaRPr lang="en-US" dirty="0">
+                        <a:solidFill>
+                          <a:schemeClr val="accent6"/>
+                        </a:solidFill>
+                      </a:endParaRPr>
+                    </a:p>
+                  </a:txBody>
+                  <a:tcPr anchor="ctr"/>
+                </a:tc>
+                <a:extLst>
+                  <a:ext uri="{0D108BD9-81ED-4DB2-BD59-A6C34878D82A}">
+                    <a16:rowId xmlns="" xmlns:a16="http://schemas.microsoft.com/office/drawing/2014/main" val="1626410507"/>
+                  </a:ext>
+                </a:extLst>
+              </a:tr>
+              <a:tr h="505146">
+                <a:tc>
+                  <a:txBody>
+                    <a:bodyPr/>
+                    <a:lstStyle/>
+                    <a:p>
+                      <a:r>
+                        <a:rPr lang="en-US" dirty="0" smtClean="0">
+                          <a:solidFill>
+                            <a:schemeClr val="accent6"/>
+                          </a:solidFill>
+                        </a:rPr>
+                        <a:t>3</a:t>
+                      </a:r>
+                      <a:endParaRPr lang="en-US" dirty="0">
+                        <a:solidFill>
+                          <a:schemeClr val="accent6"/>
+                        </a:solidFill>
+                      </a:endParaRPr>
+                    </a:p>
+                  </a:txBody>
+                  <a:tcPr anchor="ctr"/>
+                </a:tc>
+                <a:tc>
+                  <a:txBody>
+                    <a:bodyPr/>
+                    <a:lstStyle/>
+                    <a:p>
+                      <a:r>
+                        <a:rPr lang="en-US" dirty="0" smtClean="0">
+                          <a:solidFill>
+                            <a:schemeClr val="accent6"/>
+                          </a:solidFill>
+                        </a:rPr>
+                        <a:t>2</a:t>
+                      </a:r>
+                      <a:endParaRPr lang="en-US" dirty="0">
+                        <a:solidFill>
+                          <a:schemeClr val="accent6"/>
+                        </a:solidFill>
+                      </a:endParaRPr>
+                    </a:p>
+                  </a:txBody>
+                  <a:tcPr anchor="ctr"/>
+                </a:tc>
+                <a:tc>
+                  <a:txBody>
+                    <a:bodyPr/>
+                    <a:lstStyle/>
+                    <a:p>
+                      <a:r>
+                        <a:rPr lang="en-US" dirty="0" smtClean="0">
+                          <a:solidFill>
+                            <a:schemeClr val="accent6"/>
+                          </a:solidFill>
+                        </a:rPr>
+                        <a:t>1</a:t>
+                      </a:r>
+                      <a:endParaRPr lang="en-US" dirty="0">
+                        <a:solidFill>
+                          <a:schemeClr val="accent6"/>
+                        </a:solidFill>
+                      </a:endParaRPr>
+                    </a:p>
+                  </a:txBody>
+                  <a:tcPr anchor="ctr"/>
+                </a:tc>
+                <a:extLst>
+                  <a:ext uri="{0D108BD9-81ED-4DB2-BD59-A6C34878D82A}">
+                    <a16:rowId xmlns="" xmlns:a16="http://schemas.microsoft.com/office/drawing/2014/main" val="1888116840"/>
+                  </a:ext>
+                </a:extLst>
+              </a:tr>
+              <a:tr h="505146">
+                <a:tc>
+                  <a:txBody>
+                    <a:bodyPr/>
+                    <a:lstStyle/>
+                    <a:p>
+                      <a:r>
+                        <a:rPr lang="en-US" dirty="0" smtClean="0">
+                          <a:solidFill>
+                            <a:schemeClr val="accent6"/>
+                          </a:solidFill>
+                        </a:rPr>
+                        <a:t>4</a:t>
+                      </a:r>
+                      <a:endParaRPr lang="en-US" dirty="0">
+                        <a:solidFill>
+                          <a:schemeClr val="accent6"/>
+                        </a:solidFill>
+                      </a:endParaRPr>
+                    </a:p>
+                  </a:txBody>
+                  <a:tcPr anchor="ctr"/>
+                </a:tc>
+                <a:tc>
+                  <a:txBody>
+                    <a:bodyPr/>
+                    <a:lstStyle/>
+                    <a:p>
+                      <a:r>
+                        <a:rPr lang="en-US" dirty="0" smtClean="0">
+                          <a:solidFill>
+                            <a:schemeClr val="accent6"/>
+                          </a:solidFill>
+                        </a:rPr>
+                        <a:t>3</a:t>
+                      </a:r>
+                      <a:endParaRPr lang="en-US" dirty="0">
+                        <a:solidFill>
+                          <a:schemeClr val="accent6"/>
+                        </a:solidFill>
+                      </a:endParaRPr>
+                    </a:p>
+                  </a:txBody>
+                  <a:tcPr anchor="ctr"/>
+                </a:tc>
+                <a:tc>
+                  <a:txBody>
+                    <a:bodyPr/>
+                    <a:lstStyle/>
+                    <a:p>
+                      <a:r>
+                        <a:rPr lang="en-US" dirty="0" smtClean="0">
+                          <a:solidFill>
+                            <a:schemeClr val="accent6"/>
+                          </a:solidFill>
+                        </a:rPr>
+                        <a:t>2</a:t>
+                      </a:r>
+                      <a:endParaRPr lang="en-US" dirty="0">
+                        <a:solidFill>
+                          <a:schemeClr val="accent6"/>
+                        </a:solidFill>
+                      </a:endParaRPr>
+                    </a:p>
+                  </a:txBody>
+                  <a:tcPr anchor="ctr"/>
+                </a:tc>
+                <a:extLst>
+                  <a:ext uri="{0D108BD9-81ED-4DB2-BD59-A6C34878D82A}">
+                    <a16:rowId xmlns="" xmlns:a16="http://schemas.microsoft.com/office/drawing/2014/main" val="4023592559"/>
+                  </a:ext>
+                </a:extLst>
+              </a:tr>
+              <a:tr h="676105">
+                <a:tc>
+                  <a:txBody>
+                    <a:bodyPr/>
+                    <a:lstStyle/>
+                    <a:p>
+                      <a:r>
+                        <a:rPr lang="en-US" dirty="0" smtClean="0">
+                          <a:solidFill>
+                            <a:schemeClr val="accent6"/>
+                          </a:solidFill>
+                        </a:rPr>
+                        <a:t>5</a:t>
+                      </a:r>
+                      <a:endParaRPr lang="en-US" dirty="0">
+                        <a:solidFill>
+                          <a:schemeClr val="accent6"/>
+                        </a:solidFill>
+                      </a:endParaRPr>
+                    </a:p>
+                  </a:txBody>
+                  <a:tcPr anchor="ctr"/>
+                </a:tc>
+                <a:tc>
+                  <a:txBody>
+                    <a:bodyPr/>
+                    <a:lstStyle/>
+                    <a:p>
+                      <a:r>
+                        <a:rPr lang="en-US" dirty="0" smtClean="0">
+                          <a:solidFill>
+                            <a:schemeClr val="accent6"/>
+                          </a:solidFill>
+                        </a:rPr>
+                        <a:t>4</a:t>
+                      </a:r>
+                      <a:endParaRPr lang="en-US" dirty="0">
+                        <a:solidFill>
+                          <a:schemeClr val="accent6"/>
+                        </a:solidFill>
+                      </a:endParaRPr>
+                    </a:p>
+                  </a:txBody>
+                  <a:tcPr anchor="ctr"/>
+                </a:tc>
+                <a:tc>
+                  <a:txBody>
+                    <a:bodyPr/>
+                    <a:lstStyle/>
+                    <a:p>
+                      <a:r>
+                        <a:rPr lang="en-US" dirty="0" smtClean="0">
+                          <a:solidFill>
+                            <a:schemeClr val="accent6"/>
+                          </a:solidFill>
+                        </a:rPr>
+                        <a:t>3</a:t>
+                      </a:r>
+                      <a:endParaRPr lang="en-US" dirty="0">
+                        <a:solidFill>
+                          <a:schemeClr val="accent6"/>
+                        </a:solidFill>
+                      </a:endParaRPr>
+                    </a:p>
+                  </a:txBody>
+                  <a:tcPr anchor="ctr"/>
+                </a:tc>
+                <a:extLst>
+                  <a:ext uri="{0D108BD9-81ED-4DB2-BD59-A6C34878D82A}">
+                    <a16:rowId xmlns="" xmlns:a16="http://schemas.microsoft.com/office/drawing/2014/main" val="2426564953"/>
+                  </a:ext>
+                </a:extLst>
+              </a:tr>
+              <a:tr h="676105">
+                <a:tc>
+                  <a:txBody>
+                    <a:bodyPr/>
+                    <a:lstStyle/>
+                    <a:p>
+                      <a:r>
+                        <a:rPr lang="en-US" dirty="0" smtClean="0">
+                          <a:solidFill>
+                            <a:schemeClr val="accent6"/>
+                          </a:solidFill>
+                        </a:rPr>
+                        <a:t>6</a:t>
+                      </a:r>
+                      <a:endParaRPr lang="en-US" dirty="0">
+                        <a:solidFill>
+                          <a:schemeClr val="accent6"/>
+                        </a:solidFill>
+                      </a:endParaRPr>
+                    </a:p>
+                  </a:txBody>
+                  <a:tcPr anchor="ctr"/>
+                </a:tc>
+                <a:tc>
+                  <a:txBody>
+                    <a:bodyPr/>
+                    <a:lstStyle/>
+                    <a:p>
+                      <a:r>
+                        <a:rPr lang="en-US" dirty="0" smtClean="0">
+                          <a:solidFill>
+                            <a:schemeClr val="accent6"/>
+                          </a:solidFill>
+                        </a:rPr>
+                        <a:t>5</a:t>
+                      </a:r>
+                      <a:endParaRPr lang="en-US" dirty="0">
+                        <a:solidFill>
+                          <a:schemeClr val="accent6"/>
+                        </a:solidFill>
+                      </a:endParaRPr>
+                    </a:p>
+                  </a:txBody>
+                  <a:tcPr anchor="ctr"/>
+                </a:tc>
+                <a:tc>
+                  <a:txBody>
+                    <a:bodyPr/>
+                    <a:lstStyle/>
+                    <a:p>
+                      <a:r>
+                        <a:rPr lang="en-US" dirty="0" smtClean="0">
+                          <a:solidFill>
+                            <a:schemeClr val="accent6"/>
+                          </a:solidFill>
+                        </a:rPr>
+                        <a:t>3</a:t>
+                      </a:r>
+                      <a:endParaRPr lang="en-US" dirty="0">
+                        <a:solidFill>
+                          <a:schemeClr val="accent6"/>
+                        </a:solidFill>
+                      </a:endParaRPr>
+                    </a:p>
+                  </a:txBody>
+                  <a:tcPr anchor="ctr"/>
+                </a:tc>
+              </a:tr>
+            </a:tbl>
+          </a:graphicData>
+        </a:graphic>
+      </p:graphicFrame>
+      <p:sp>
+        <p:nvSpPr>
+          <p:cNvPr id="2" name="Slide Number Placeholder 1">
+            <a:extLst>
+              <a:ext uri="{FF2B5EF4-FFF2-40B4-BE49-F238E27FC236}">
+                <a16:creationId xmlns="" xmlns:a16="http://schemas.microsoft.com/office/drawing/2014/main" id="{A913EEC9-16E3-6C86-97D0-A7EC7EA09CDA}"/>
+              </a:ext>
+            </a:extLst>
+          </p:cNvPr>
+          <p:cNvSpPr>
+            <a:spLocks noGrp="1"/>
+          </p:cNvSpPr>
+          <p:nvPr>
+            <p:ph type="sldNum" sz="quarter" idx="10"/>
+          </p:nvPr>
+        </p:nvSpPr>
+        <p:spPr>
+          <a:xfrm>
+            <a:off x="10358437" y="457199"/>
+            <a:ext cx="1067589" cy="471489"/>
+          </a:xfrm>
+        </p:spPr>
+        <p:txBody>
+          <a:bodyPr/>
+          <a:lstStyle/>
+          <a:p>
+            <a:fld id="{48F63A3B-78C7-47BE-AE5E-E10140E04643}" type="slidenum">
+              <a:rPr lang="en-US" smtClean="0"/>
+              <a:pPr/>
+              <a:t>13</a:t>
+            </a:fld>
+            <a:endParaRPr lang="en-US" dirty="0"/>
+          </a:p>
+        </p:txBody>
+      </p:sp>
+    </p:spTree>
+    <p:extLst>
+      <p:ext uri="{BB962C8B-B14F-4D97-AF65-F5344CB8AC3E}">
+        <p14:creationId xmlns:p14="http://schemas.microsoft.com/office/powerpoint/2010/main" val="1378297716"/>
+      </p:ext>
+    </p:extLst>
+  </p:cSld>
+  <p:clrMapOvr>
+    <a:masterClrMapping/>
+  </p:clrMapOvr>
+  <p:transition>
+    <p:split orient="vert"/>
+  </p:transition>
+  <p:timing>
+    <p:tnLst>
+      <p:par>
+        <p:cTn id="1" dur="indefinite" restart="never" nodeType="tmRoot"/>
+      </p:par>
+    </p:tnLst>
+  </p:timing>
+</p:sld>
+</file>
+
+<file path=ppt/slides/slide14.xml><?xml version="1.0" encoding="utf-8"?>
+<p:sld xmlns:a="http://schemas.openxmlformats.org/drawingml/2006/main" xmlns:r="http://schemas.openxmlformats.org/officeDocument/2006/relationships" xmlns:p="http://schemas.openxmlformats.org/presentationml/2006/main">
+  <p:cSld>
+    <p:spTree>
+      <p:nvGrpSpPr>
+        <p:cNvPr id="1" name=""/>
+        <p:cNvGrpSpPr/>
+        <p:nvPr/>
+      </p:nvGrpSpPr>
+      <p:grpSpPr>
+        <a:xfrm>
+          <a:off x="0" y="0"/>
+          <a:ext cx="0" cy="0"/>
+          <a:chOff x="0" y="0"/>
+          <a:chExt cx="0" cy="0"/>
+        </a:xfrm>
+      </p:grpSpPr>
+      <p:sp>
+        <p:nvSpPr>
+          <p:cNvPr id="2" name="Title 1">
+            <a:extLst>
+              <a:ext uri="{FF2B5EF4-FFF2-40B4-BE49-F238E27FC236}">
+                <a16:creationId xmlns:a16="http://schemas.microsoft.com/office/drawing/2014/main" xmlns="" id="{FD5E8954-9BCB-7FD9-A210-38DC54382D45}"/>
+              </a:ext>
+            </a:extLst>
+          </p:cNvPr>
+          <p:cNvSpPr>
+            <a:spLocks noGrp="1"/>
+          </p:cNvSpPr>
+          <p:nvPr>
+            <p:ph type="title"/>
+          </p:nvPr>
+        </p:nvSpPr>
+        <p:spPr>
+          <a:xfrm>
+            <a:off x="3460565" y="1057274"/>
+            <a:ext cx="8426635" cy="994164"/>
+          </a:xfrm>
+        </p:spPr>
+        <p:txBody>
+          <a:bodyPr/>
+          <a:lstStyle/>
+          <a:p>
+            <a:r>
+              <a:rPr lang="en-IN" dirty="0"/>
+              <a:t>surrogate key</a:t>
+            </a:r>
+            <a:endParaRPr lang="en-US" dirty="0"/>
+          </a:p>
+        </p:txBody>
+      </p:sp>
+      <p:sp>
+        <p:nvSpPr>
+          <p:cNvPr id="3" name="Content Placeholder 2">
+            <a:extLst>
+              <a:ext uri="{FF2B5EF4-FFF2-40B4-BE49-F238E27FC236}">
+                <a16:creationId xmlns:a16="http://schemas.microsoft.com/office/drawing/2014/main" xmlns="" id="{75111C33-898C-4414-4665-5136EB6FC126}"/>
+              </a:ext>
+            </a:extLst>
+          </p:cNvPr>
+          <p:cNvSpPr>
+            <a:spLocks noGrp="1"/>
+          </p:cNvSpPr>
+          <p:nvPr>
+            <p:ph sz="half" idx="2"/>
+          </p:nvPr>
+        </p:nvSpPr>
+        <p:spPr>
+          <a:xfrm>
+            <a:off x="3460565" y="2303029"/>
+            <a:ext cx="7965460" cy="3497698"/>
+          </a:xfrm>
+        </p:spPr>
+        <p:txBody>
+          <a:bodyPr>
+            <a:normAutofit/>
+          </a:bodyPr>
+          <a:lstStyle/>
+          <a:p>
+            <a:r>
+              <a:rPr lang="en-US" sz="2400" dirty="0"/>
+              <a:t>A</a:t>
+            </a:r>
+            <a:r>
+              <a:rPr lang="en-US" sz="2400" dirty="0" smtClean="0"/>
+              <a:t> </a:t>
+            </a:r>
+            <a:r>
+              <a:rPr lang="en-US" sz="2400" dirty="0"/>
+              <a:t>surrogate key is a unique identifier assigned to each row in a table to serve as its primary </a:t>
+            </a:r>
+            <a:r>
+              <a:rPr lang="en-US" sz="2400" dirty="0" smtClean="0"/>
+              <a:t>key</a:t>
+            </a:r>
+          </a:p>
+          <a:p>
+            <a:r>
+              <a:rPr lang="en-US" sz="2400" dirty="0" smtClean="0"/>
+              <a:t>They are </a:t>
+            </a:r>
+            <a:r>
+              <a:rPr lang="en-US" sz="2400" dirty="0"/>
+              <a:t>system-generated and have no inherent meaning or significance outside of the database</a:t>
+            </a:r>
+            <a:r>
+              <a:rPr lang="en-US" sz="2400" dirty="0" smtClean="0"/>
+              <a:t>.</a:t>
+            </a:r>
+          </a:p>
+          <a:p>
+            <a:r>
+              <a:rPr lang="en-US" sz="2400" dirty="0"/>
+              <a:t>a surrogate key is </a:t>
+            </a:r>
+            <a:r>
+              <a:rPr lang="en-US" sz="2400" b="1" dirty="0"/>
+              <a:t>not derived from the table data</a:t>
+            </a:r>
+            <a:r>
+              <a:rPr lang="en-US" sz="2400" dirty="0"/>
+              <a:t>; instead, the object generates this key itself</a:t>
+            </a:r>
+            <a:endParaRPr lang="en-US" sz="2400" dirty="0"/>
+          </a:p>
+          <a:p>
+            <a:endParaRPr lang="en-US" sz="2400" dirty="0" smtClean="0"/>
+          </a:p>
+        </p:txBody>
+      </p:sp>
+      <p:sp>
+        <p:nvSpPr>
+          <p:cNvPr id="23" name="Slide Number Placeholder 22">
+            <a:extLst>
+              <a:ext uri="{FF2B5EF4-FFF2-40B4-BE49-F238E27FC236}">
+                <a16:creationId xmlns:a16="http://schemas.microsoft.com/office/drawing/2014/main" xmlns="" id="{94FF72B7-0438-3641-5939-75128934B0DF}"/>
+              </a:ext>
+            </a:extLst>
+          </p:cNvPr>
+          <p:cNvSpPr>
+            <a:spLocks noGrp="1"/>
+          </p:cNvSpPr>
+          <p:nvPr>
+            <p:ph type="sldNum" sz="quarter" idx="10"/>
+          </p:nvPr>
+        </p:nvSpPr>
+        <p:spPr>
+          <a:xfrm>
+            <a:off x="10358437" y="457199"/>
+            <a:ext cx="1067589" cy="471489"/>
+          </a:xfrm>
+        </p:spPr>
+        <p:txBody>
+          <a:bodyPr/>
+          <a:lstStyle/>
+          <a:p>
+            <a:fld id="{48F63A3B-78C7-47BE-AE5E-E10140E04643}" type="slidenum">
+              <a:rPr lang="en-US" smtClean="0"/>
+              <a:pPr/>
+              <a:t>14</a:t>
+            </a:fld>
+            <a:endParaRPr lang="en-US" dirty="0"/>
+          </a:p>
+        </p:txBody>
+      </p:sp>
+    </p:spTree>
+    <p:extLst>
+      <p:ext uri="{BB962C8B-B14F-4D97-AF65-F5344CB8AC3E}">
+        <p14:creationId xmlns:p14="http://schemas.microsoft.com/office/powerpoint/2010/main" val="1616857004"/>
+      </p:ext>
+    </p:extLst>
+  </p:cSld>
+  <p:clrMapOvr>
+    <a:masterClrMapping/>
+  </p:clrMapOvr>
+  <p:transition>
+    <p:split orient="vert"/>
+  </p:transition>
+  <p:timing>
+    <p:tnLst>
+      <p:par>
+        <p:cTn id="1" dur="indefinite" restart="never" nodeType="tmRoot"/>
+      </p:par>
+    </p:tnLst>
+  </p:timing>
+</p:sld>
+</file>
+
 <file path=ppt/slides/slide2.xml><?xml version="1.0" encoding="utf-8"?>
 <p:sld xmlns:a="http://schemas.openxmlformats.org/drawingml/2006/main" xmlns:r="http://schemas.openxmlformats.org/officeDocument/2006/relationships" xmlns:p="http://schemas.openxmlformats.org/presentationml/2006/main">
   <p:cSld>
@@ -18414,7 +19451,7 @@
           <p:cNvPr id="2" name="Title 1">
             <a:extLst>
               <a:ext uri="{FF2B5EF4-FFF2-40B4-BE49-F238E27FC236}">
-                <a16:creationId xmlns="" xmlns:a16="http://schemas.microsoft.com/office/drawing/2014/main" id="{FD5E8954-9BCB-7FD9-A210-38DC54382D45}"/>
+                <a16:creationId xmlns:a16="http://schemas.microsoft.com/office/drawing/2014/main" xmlns="" id="{FD5E8954-9BCB-7FD9-A210-38DC54382D45}"/>
               </a:ext>
             </a:extLst>
           </p:cNvPr>
@@ -18448,7 +19485,7 @@
           <p:cNvPr id="3" name="Content Placeholder 2">
             <a:extLst>
               <a:ext uri="{FF2B5EF4-FFF2-40B4-BE49-F238E27FC236}">
-                <a16:creationId xmlns="" xmlns:a16="http://schemas.microsoft.com/office/drawing/2014/main" id="{75111C33-898C-4414-4665-5136EB6FC126}"/>
+                <a16:creationId xmlns:a16="http://schemas.microsoft.com/office/drawing/2014/main" xmlns="" id="{75111C33-898C-4414-4665-5136EB6FC126}"/>
               </a:ext>
             </a:extLst>
           </p:cNvPr>
@@ -18516,7 +19553,7 @@
           <p:cNvPr id="23" name="Slide Number Placeholder 22">
             <a:extLst>
               <a:ext uri="{FF2B5EF4-FFF2-40B4-BE49-F238E27FC236}">
-                <a16:creationId xmlns="" xmlns:a16="http://schemas.microsoft.com/office/drawing/2014/main" id="{94FF72B7-0438-3641-5939-75128934B0DF}"/>
+                <a16:creationId xmlns:a16="http://schemas.microsoft.com/office/drawing/2014/main" xmlns="" id="{94FF72B7-0438-3641-5939-75128934B0DF}"/>
               </a:ext>
             </a:extLst>
           </p:cNvPr>
@@ -18591,7 +19628,7 @@
           <p:cNvPr id="2" name="Title 1">
             <a:extLst>
               <a:ext uri="{FF2B5EF4-FFF2-40B4-BE49-F238E27FC236}">
-                <a16:creationId xmlns="" xmlns:a16="http://schemas.microsoft.com/office/drawing/2014/main" id="{FD5E8954-9BCB-7FD9-A210-38DC54382D45}"/>
+                <a16:creationId xmlns:a16="http://schemas.microsoft.com/office/drawing/2014/main" xmlns="" id="{FD5E8954-9BCB-7FD9-A210-38DC54382D45}"/>
               </a:ext>
             </a:extLst>
           </p:cNvPr>
@@ -18625,7 +19662,7 @@
           <p:cNvPr id="3" name="Content Placeholder 2">
             <a:extLst>
               <a:ext uri="{FF2B5EF4-FFF2-40B4-BE49-F238E27FC236}">
-                <a16:creationId xmlns="" xmlns:a16="http://schemas.microsoft.com/office/drawing/2014/main" id="{75111C33-898C-4414-4665-5136EB6FC126}"/>
+                <a16:creationId xmlns:a16="http://schemas.microsoft.com/office/drawing/2014/main" xmlns="" id="{75111C33-898C-4414-4665-5136EB6FC126}"/>
               </a:ext>
             </a:extLst>
           </p:cNvPr>
@@ -18680,7 +19717,7 @@
           <p:cNvPr id="23" name="Slide Number Placeholder 22">
             <a:extLst>
               <a:ext uri="{FF2B5EF4-FFF2-40B4-BE49-F238E27FC236}">
-                <a16:creationId xmlns="" xmlns:a16="http://schemas.microsoft.com/office/drawing/2014/main" id="{94FF72B7-0438-3641-5939-75128934B0DF}"/>
+                <a16:creationId xmlns:a16="http://schemas.microsoft.com/office/drawing/2014/main" xmlns="" id="{94FF72B7-0438-3641-5939-75128934B0DF}"/>
               </a:ext>
             </a:extLst>
           </p:cNvPr>
@@ -18755,7 +19792,7 @@
           <p:cNvPr id="5" name="Title 4">
             <a:extLst>
               <a:ext uri="{FF2B5EF4-FFF2-40B4-BE49-F238E27FC236}">
-                <a16:creationId xmlns="" xmlns:a16="http://schemas.microsoft.com/office/drawing/2014/main" id="{2136FCF6-982C-CC37-9625-3EBFC7E7DD13}"/>
+                <a16:creationId xmlns:a16="http://schemas.microsoft.com/office/drawing/2014/main" xmlns="" id="{2136FCF6-982C-CC37-9625-3EBFC7E7DD13}"/>
               </a:ext>
             </a:extLst>
           </p:cNvPr>
@@ -18789,7 +19826,7 @@
           <p:cNvPr id="6" name="Content Placeholder 5">
             <a:extLst>
               <a:ext uri="{FF2B5EF4-FFF2-40B4-BE49-F238E27FC236}">
-                <a16:creationId xmlns="" xmlns:a16="http://schemas.microsoft.com/office/drawing/2014/main" id="{4DB3991E-0605-C20E-53AD-D64E13638DA5}"/>
+                <a16:creationId xmlns:a16="http://schemas.microsoft.com/office/drawing/2014/main" xmlns="" id="{4DB3991E-0605-C20E-53AD-D64E13638DA5}"/>
               </a:ext>
             </a:extLst>
           </p:cNvPr>
@@ -18819,21 +19856,21 @@
                 <a:gridCol w="2719020">
                   <a:extLst>
                     <a:ext uri="{9D8B030D-6E8A-4147-A177-3AD203B41FA5}">
-                      <a16:colId xmlns="" xmlns:a16="http://schemas.microsoft.com/office/drawing/2014/main" val="180956085"/>
+                      <a16:colId xmlns:a16="http://schemas.microsoft.com/office/drawing/2014/main" xmlns="" val="180956085"/>
                     </a:ext>
                   </a:extLst>
                 </a:gridCol>
                 <a:gridCol w="2719020">
                   <a:extLst>
                     <a:ext uri="{9D8B030D-6E8A-4147-A177-3AD203B41FA5}">
-                      <a16:colId xmlns="" xmlns:a16="http://schemas.microsoft.com/office/drawing/2014/main" val="1180706872"/>
+                      <a16:colId xmlns:a16="http://schemas.microsoft.com/office/drawing/2014/main" xmlns="" val="1180706872"/>
                     </a:ext>
                   </a:extLst>
                 </a:gridCol>
                 <a:gridCol w="1153827">
                   <a:extLst>
                     <a:ext uri="{9D8B030D-6E8A-4147-A177-3AD203B41FA5}">
-                      <a16:colId xmlns="" xmlns:a16="http://schemas.microsoft.com/office/drawing/2014/main" val="2050154702"/>
+                      <a16:colId xmlns:a16="http://schemas.microsoft.com/office/drawing/2014/main" xmlns="" val="2050154702"/>
                     </a:ext>
                   </a:extLst>
                 </a:gridCol>
@@ -18915,7 +19952,7 @@
                 </a:tc>
                 <a:extLst>
                   <a:ext uri="{0D108BD9-81ED-4DB2-BD59-A6C34878D82A}">
-                    <a16:rowId xmlns="" xmlns:a16="http://schemas.microsoft.com/office/drawing/2014/main" val="3059142786"/>
+                    <a16:rowId xmlns:a16="http://schemas.microsoft.com/office/drawing/2014/main" xmlns="" val="3059142786"/>
                   </a:ext>
                 </a:extLst>
               </a:tr>
@@ -18988,7 +20025,7 @@
                 </a:tc>
                 <a:extLst>
                   <a:ext uri="{0D108BD9-81ED-4DB2-BD59-A6C34878D82A}">
-                    <a16:rowId xmlns="" xmlns:a16="http://schemas.microsoft.com/office/drawing/2014/main" val="3588576737"/>
+                    <a16:rowId xmlns:a16="http://schemas.microsoft.com/office/drawing/2014/main" xmlns="" val="3588576737"/>
                   </a:ext>
                 </a:extLst>
               </a:tr>
@@ -19061,7 +20098,7 @@
                 </a:tc>
                 <a:extLst>
                   <a:ext uri="{0D108BD9-81ED-4DB2-BD59-A6C34878D82A}">
-                    <a16:rowId xmlns="" xmlns:a16="http://schemas.microsoft.com/office/drawing/2014/main" val="1626410507"/>
+                    <a16:rowId xmlns:a16="http://schemas.microsoft.com/office/drawing/2014/main" xmlns="" val="1626410507"/>
                   </a:ext>
                 </a:extLst>
               </a:tr>
@@ -19134,7 +20171,7 @@
                 </a:tc>
                 <a:extLst>
                   <a:ext uri="{0D108BD9-81ED-4DB2-BD59-A6C34878D82A}">
-                    <a16:rowId xmlns="" xmlns:a16="http://schemas.microsoft.com/office/drawing/2014/main" val="1888116840"/>
+                    <a16:rowId xmlns:a16="http://schemas.microsoft.com/office/drawing/2014/main" xmlns="" val="1888116840"/>
                   </a:ext>
                 </a:extLst>
               </a:tr>
@@ -19207,7 +20244,7 @@
                 </a:tc>
                 <a:extLst>
                   <a:ext uri="{0D108BD9-81ED-4DB2-BD59-A6C34878D82A}">
-                    <a16:rowId xmlns="" xmlns:a16="http://schemas.microsoft.com/office/drawing/2014/main" val="4023592559"/>
+                    <a16:rowId xmlns:a16="http://schemas.microsoft.com/office/drawing/2014/main" xmlns="" val="4023592559"/>
                   </a:ext>
                 </a:extLst>
               </a:tr>
@@ -19280,7 +20317,7 @@
                 </a:tc>
                 <a:extLst>
                   <a:ext uri="{0D108BD9-81ED-4DB2-BD59-A6C34878D82A}">
-                    <a16:rowId xmlns="" xmlns:a16="http://schemas.microsoft.com/office/drawing/2014/main" val="2426564953"/>
+                    <a16:rowId xmlns:a16="http://schemas.microsoft.com/office/drawing/2014/main" xmlns="" val="2426564953"/>
                   </a:ext>
                 </a:extLst>
               </a:tr>
@@ -19293,7 +20330,7 @@
           <p:cNvPr id="2" name="Slide Number Placeholder 1">
             <a:extLst>
               <a:ext uri="{FF2B5EF4-FFF2-40B4-BE49-F238E27FC236}">
-                <a16:creationId xmlns="" xmlns:a16="http://schemas.microsoft.com/office/drawing/2014/main" id="{A913EEC9-16E3-6C86-97D0-A7EC7EA09CDA}"/>
+                <a16:creationId xmlns:a16="http://schemas.microsoft.com/office/drawing/2014/main" xmlns="" id="{A913EEC9-16E3-6C86-97D0-A7EC7EA09CDA}"/>
               </a:ext>
             </a:extLst>
           </p:cNvPr>
@@ -19328,7 +20365,7 @@
           <p:cNvPr id="7" name="Content Placeholder 5">
             <a:extLst>
               <a:ext uri="{FF2B5EF4-FFF2-40B4-BE49-F238E27FC236}">
-                <a16:creationId xmlns="" xmlns:a16="http://schemas.microsoft.com/office/drawing/2014/main" id="{4DB3991E-0605-C20E-53AD-D64E13638DA5}"/>
+                <a16:creationId xmlns:a16="http://schemas.microsoft.com/office/drawing/2014/main" xmlns="" id="{4DB3991E-0605-C20E-53AD-D64E13638DA5}"/>
               </a:ext>
             </a:extLst>
           </p:cNvPr>
@@ -19357,14 +20394,14 @@
                 <a:gridCol w="2013246">
                   <a:extLst>
                     <a:ext uri="{9D8B030D-6E8A-4147-A177-3AD203B41FA5}">
-                      <a16:colId xmlns="" xmlns:a16="http://schemas.microsoft.com/office/drawing/2014/main" val="180956085"/>
+                      <a16:colId xmlns:a16="http://schemas.microsoft.com/office/drawing/2014/main" xmlns="" val="180956085"/>
                     </a:ext>
                   </a:extLst>
                 </a:gridCol>
                 <a:gridCol w="2013246">
                   <a:extLst>
                     <a:ext uri="{9D8B030D-6E8A-4147-A177-3AD203B41FA5}">
-                      <a16:colId xmlns="" xmlns:a16="http://schemas.microsoft.com/office/drawing/2014/main" val="1180706872"/>
+                      <a16:colId xmlns:a16="http://schemas.microsoft.com/office/drawing/2014/main" xmlns="" val="1180706872"/>
                     </a:ext>
                   </a:extLst>
                 </a:gridCol>
@@ -19416,7 +20453,7 @@
                 </a:tc>
                 <a:extLst>
                   <a:ext uri="{0D108BD9-81ED-4DB2-BD59-A6C34878D82A}">
-                    <a16:rowId xmlns="" xmlns:a16="http://schemas.microsoft.com/office/drawing/2014/main" val="3059142786"/>
+                    <a16:rowId xmlns:a16="http://schemas.microsoft.com/office/drawing/2014/main" xmlns="" val="3059142786"/>
                   </a:ext>
                 </a:extLst>
               </a:tr>
@@ -19467,7 +20504,7 @@
                 </a:tc>
                 <a:extLst>
                   <a:ext uri="{0D108BD9-81ED-4DB2-BD59-A6C34878D82A}">
-                    <a16:rowId xmlns="" xmlns:a16="http://schemas.microsoft.com/office/drawing/2014/main" val="3588576737"/>
+                    <a16:rowId xmlns:a16="http://schemas.microsoft.com/office/drawing/2014/main" xmlns="" val="3588576737"/>
                   </a:ext>
                 </a:extLst>
               </a:tr>
@@ -19518,7 +20555,7 @@
                 </a:tc>
                 <a:extLst>
                   <a:ext uri="{0D108BD9-81ED-4DB2-BD59-A6C34878D82A}">
-                    <a16:rowId xmlns="" xmlns:a16="http://schemas.microsoft.com/office/drawing/2014/main" val="1626410507"/>
+                    <a16:rowId xmlns:a16="http://schemas.microsoft.com/office/drawing/2014/main" xmlns="" val="1626410507"/>
                   </a:ext>
                 </a:extLst>
               </a:tr>
@@ -19569,7 +20606,7 @@
                 </a:tc>
                 <a:extLst>
                   <a:ext uri="{0D108BD9-81ED-4DB2-BD59-A6C34878D82A}">
-                    <a16:rowId xmlns="" xmlns:a16="http://schemas.microsoft.com/office/drawing/2014/main" val="1888116840"/>
+                    <a16:rowId xmlns:a16="http://schemas.microsoft.com/office/drawing/2014/main" xmlns="" val="1888116840"/>
                   </a:ext>
                 </a:extLst>
               </a:tr>
@@ -19582,7 +20619,7 @@
           <p:cNvPr id="8" name="Title 1">
             <a:extLst>
               <a:ext uri="{FF2B5EF4-FFF2-40B4-BE49-F238E27FC236}">
-                <a16:creationId xmlns:a16="http://schemas.microsoft.com/office/drawing/2014/main" xmlns="" id="{13021072-4A77-DB4D-DF41-58EADB7DA94E}"/>
+                <a16:creationId xmlns="" xmlns:a16="http://schemas.microsoft.com/office/drawing/2014/main" id="{13021072-4A77-DB4D-DF41-58EADB7DA94E}"/>
               </a:ext>
             </a:extLst>
           </p:cNvPr>
@@ -19638,7 +20675,7 @@
           <p:cNvPr id="9" name="Title 1">
             <a:extLst>
               <a:ext uri="{FF2B5EF4-FFF2-40B4-BE49-F238E27FC236}">
-                <a16:creationId xmlns:a16="http://schemas.microsoft.com/office/drawing/2014/main" xmlns="" id="{13021072-4A77-DB4D-DF41-58EADB7DA94E}"/>
+                <a16:creationId xmlns="" xmlns:a16="http://schemas.microsoft.com/office/drawing/2014/main" id="{13021072-4A77-DB4D-DF41-58EADB7DA94E}"/>
               </a:ext>
             </a:extLst>
           </p:cNvPr>
@@ -19734,7 +20771,7 @@
           <p:cNvPr id="2" name="Title 1">
             <a:extLst>
               <a:ext uri="{FF2B5EF4-FFF2-40B4-BE49-F238E27FC236}">
-                <a16:creationId xmlns="" xmlns:a16="http://schemas.microsoft.com/office/drawing/2014/main" id="{FD5E8954-9BCB-7FD9-A210-38DC54382D45}"/>
+                <a16:creationId xmlns:a16="http://schemas.microsoft.com/office/drawing/2014/main" xmlns="" id="{FD5E8954-9BCB-7FD9-A210-38DC54382D45}"/>
               </a:ext>
             </a:extLst>
           </p:cNvPr>
@@ -19780,7 +20817,7 @@
           <p:cNvPr id="3" name="Content Placeholder 2">
             <a:extLst>
               <a:ext uri="{FF2B5EF4-FFF2-40B4-BE49-F238E27FC236}">
-                <a16:creationId xmlns="" xmlns:a16="http://schemas.microsoft.com/office/drawing/2014/main" id="{75111C33-898C-4414-4665-5136EB6FC126}"/>
+                <a16:creationId xmlns:a16="http://schemas.microsoft.com/office/drawing/2014/main" xmlns="" id="{75111C33-898C-4414-4665-5136EB6FC126}"/>
               </a:ext>
             </a:extLst>
           </p:cNvPr>
@@ -19859,7 +20896,7 @@
           <p:cNvPr id="23" name="Slide Number Placeholder 22">
             <a:extLst>
               <a:ext uri="{FF2B5EF4-FFF2-40B4-BE49-F238E27FC236}">
-                <a16:creationId xmlns="" xmlns:a16="http://schemas.microsoft.com/office/drawing/2014/main" id="{94FF72B7-0438-3641-5939-75128934B0DF}"/>
+                <a16:creationId xmlns:a16="http://schemas.microsoft.com/office/drawing/2014/main" xmlns="" id="{94FF72B7-0438-3641-5939-75128934B0DF}"/>
               </a:ext>
             </a:extLst>
           </p:cNvPr>
@@ -19934,7 +20971,7 @@
           <p:cNvPr id="5" name="Title 4">
             <a:extLst>
               <a:ext uri="{FF2B5EF4-FFF2-40B4-BE49-F238E27FC236}">
-                <a16:creationId xmlns="" xmlns:a16="http://schemas.microsoft.com/office/drawing/2014/main" id="{2136FCF6-982C-CC37-9625-3EBFC7E7DD13}"/>
+                <a16:creationId xmlns:a16="http://schemas.microsoft.com/office/drawing/2014/main" xmlns="" id="{2136FCF6-982C-CC37-9625-3EBFC7E7DD13}"/>
               </a:ext>
             </a:extLst>
           </p:cNvPr>
@@ -19976,7 +21013,7 @@
           <p:cNvPr id="6" name="Content Placeholder 5">
             <a:extLst>
               <a:ext uri="{FF2B5EF4-FFF2-40B4-BE49-F238E27FC236}">
-                <a16:creationId xmlns="" xmlns:a16="http://schemas.microsoft.com/office/drawing/2014/main" id="{4DB3991E-0605-C20E-53AD-D64E13638DA5}"/>
+                <a16:creationId xmlns:a16="http://schemas.microsoft.com/office/drawing/2014/main" xmlns="" id="{4DB3991E-0605-C20E-53AD-D64E13638DA5}"/>
               </a:ext>
             </a:extLst>
           </p:cNvPr>
@@ -20006,14 +21043,14 @@
                 <a:gridCol w="2354278">
                   <a:extLst>
                     <a:ext uri="{9D8B030D-6E8A-4147-A177-3AD203B41FA5}">
-                      <a16:colId xmlns="" xmlns:a16="http://schemas.microsoft.com/office/drawing/2014/main" val="180956085"/>
+                      <a16:colId xmlns:a16="http://schemas.microsoft.com/office/drawing/2014/main" xmlns="" val="180956085"/>
                     </a:ext>
                   </a:extLst>
                 </a:gridCol>
                 <a:gridCol w="2354278">
                   <a:extLst>
                     <a:ext uri="{9D8B030D-6E8A-4147-A177-3AD203B41FA5}">
-                      <a16:colId xmlns="" xmlns:a16="http://schemas.microsoft.com/office/drawing/2014/main" val="1180706872"/>
+                      <a16:colId xmlns:a16="http://schemas.microsoft.com/office/drawing/2014/main" xmlns="" val="1180706872"/>
                     </a:ext>
                   </a:extLst>
                 </a:gridCol>
@@ -20073,7 +21110,7 @@
                 </a:tc>
                 <a:extLst>
                   <a:ext uri="{0D108BD9-81ED-4DB2-BD59-A6C34878D82A}">
-                    <a16:rowId xmlns="" xmlns:a16="http://schemas.microsoft.com/office/drawing/2014/main" val="3059142786"/>
+                    <a16:rowId xmlns:a16="http://schemas.microsoft.com/office/drawing/2014/main" xmlns="" val="3059142786"/>
                   </a:ext>
                 </a:extLst>
               </a:tr>
@@ -20124,7 +21161,7 @@
                 </a:tc>
                 <a:extLst>
                   <a:ext uri="{0D108BD9-81ED-4DB2-BD59-A6C34878D82A}">
-                    <a16:rowId xmlns="" xmlns:a16="http://schemas.microsoft.com/office/drawing/2014/main" val="3588576737"/>
+                    <a16:rowId xmlns:a16="http://schemas.microsoft.com/office/drawing/2014/main" xmlns="" val="3588576737"/>
                   </a:ext>
                 </a:extLst>
               </a:tr>
@@ -20175,7 +21212,7 @@
                 </a:tc>
                 <a:extLst>
                   <a:ext uri="{0D108BD9-81ED-4DB2-BD59-A6C34878D82A}">
-                    <a16:rowId xmlns="" xmlns:a16="http://schemas.microsoft.com/office/drawing/2014/main" val="1626410507"/>
+                    <a16:rowId xmlns:a16="http://schemas.microsoft.com/office/drawing/2014/main" xmlns="" val="1626410507"/>
                   </a:ext>
                 </a:extLst>
               </a:tr>
@@ -20226,7 +21263,7 @@
                 </a:tc>
                 <a:extLst>
                   <a:ext uri="{0D108BD9-81ED-4DB2-BD59-A6C34878D82A}">
-                    <a16:rowId xmlns="" xmlns:a16="http://schemas.microsoft.com/office/drawing/2014/main" val="1888116840"/>
+                    <a16:rowId xmlns:a16="http://schemas.microsoft.com/office/drawing/2014/main" xmlns="" val="1888116840"/>
                   </a:ext>
                 </a:extLst>
               </a:tr>
@@ -20277,7 +21314,7 @@
                 </a:tc>
                 <a:extLst>
                   <a:ext uri="{0D108BD9-81ED-4DB2-BD59-A6C34878D82A}">
-                    <a16:rowId xmlns="" xmlns:a16="http://schemas.microsoft.com/office/drawing/2014/main" val="4023592559"/>
+                    <a16:rowId xmlns:a16="http://schemas.microsoft.com/office/drawing/2014/main" xmlns="" val="4023592559"/>
                   </a:ext>
                 </a:extLst>
               </a:tr>
@@ -20328,7 +21365,7 @@
                 </a:tc>
                 <a:extLst>
                   <a:ext uri="{0D108BD9-81ED-4DB2-BD59-A6C34878D82A}">
-                    <a16:rowId xmlns="" xmlns:a16="http://schemas.microsoft.com/office/drawing/2014/main" val="2426564953"/>
+                    <a16:rowId xmlns:a16="http://schemas.microsoft.com/office/drawing/2014/main" xmlns="" val="2426564953"/>
                   </a:ext>
                 </a:extLst>
               </a:tr>
@@ -20341,7 +21378,7 @@
           <p:cNvPr id="2" name="Slide Number Placeholder 1">
             <a:extLst>
               <a:ext uri="{FF2B5EF4-FFF2-40B4-BE49-F238E27FC236}">
-                <a16:creationId xmlns="" xmlns:a16="http://schemas.microsoft.com/office/drawing/2014/main" id="{A913EEC9-16E3-6C86-97D0-A7EC7EA09CDA}"/>
+                <a16:creationId xmlns:a16="http://schemas.microsoft.com/office/drawing/2014/main" xmlns="" id="{A913EEC9-16E3-6C86-97D0-A7EC7EA09CDA}"/>
               </a:ext>
             </a:extLst>
           </p:cNvPr>
@@ -20376,7 +21413,7 @@
           <p:cNvPr id="8" name="Content Placeholder 5">
             <a:extLst>
               <a:ext uri="{FF2B5EF4-FFF2-40B4-BE49-F238E27FC236}">
-                <a16:creationId xmlns="" xmlns:a16="http://schemas.microsoft.com/office/drawing/2014/main" id="{4DB3991E-0605-C20E-53AD-D64E13638DA5}"/>
+                <a16:creationId xmlns:a16="http://schemas.microsoft.com/office/drawing/2014/main" xmlns="" id="{4DB3991E-0605-C20E-53AD-D64E13638DA5}"/>
               </a:ext>
             </a:extLst>
           </p:cNvPr>
@@ -20405,14 +21442,14 @@
                 <a:gridCol w="1414250">
                   <a:extLst>
                     <a:ext uri="{9D8B030D-6E8A-4147-A177-3AD203B41FA5}">
-                      <a16:colId xmlns="" xmlns:a16="http://schemas.microsoft.com/office/drawing/2014/main" val="180956085"/>
+                      <a16:colId xmlns:a16="http://schemas.microsoft.com/office/drawing/2014/main" xmlns="" val="180956085"/>
                     </a:ext>
                   </a:extLst>
                 </a:gridCol>
                 <a:gridCol w="1414250">
                   <a:extLst>
                     <a:ext uri="{9D8B030D-6E8A-4147-A177-3AD203B41FA5}">
-                      <a16:colId xmlns="" xmlns:a16="http://schemas.microsoft.com/office/drawing/2014/main" val="1180706872"/>
+                      <a16:colId xmlns:a16="http://schemas.microsoft.com/office/drawing/2014/main" xmlns="" val="1180706872"/>
                     </a:ext>
                   </a:extLst>
                 </a:gridCol>
@@ -20510,7 +21547,7 @@
                 </a:tc>
                 <a:extLst>
                   <a:ext uri="{0D108BD9-81ED-4DB2-BD59-A6C34878D82A}">
-                    <a16:rowId xmlns="" xmlns:a16="http://schemas.microsoft.com/office/drawing/2014/main" val="3059142786"/>
+                    <a16:rowId xmlns:a16="http://schemas.microsoft.com/office/drawing/2014/main" xmlns="" val="3059142786"/>
                   </a:ext>
                 </a:extLst>
               </a:tr>
@@ -20605,7 +21642,7 @@
                 </a:tc>
                 <a:extLst>
                   <a:ext uri="{0D108BD9-81ED-4DB2-BD59-A6C34878D82A}">
-                    <a16:rowId xmlns="" xmlns:a16="http://schemas.microsoft.com/office/drawing/2014/main" val="3588576737"/>
+                    <a16:rowId xmlns:a16="http://schemas.microsoft.com/office/drawing/2014/main" xmlns="" val="3588576737"/>
                   </a:ext>
                 </a:extLst>
               </a:tr>
@@ -20719,7 +21756,7 @@
                 </a:tc>
                 <a:extLst>
                   <a:ext uri="{0D108BD9-81ED-4DB2-BD59-A6C34878D82A}">
-                    <a16:rowId xmlns="" xmlns:a16="http://schemas.microsoft.com/office/drawing/2014/main" val="1626410507"/>
+                    <a16:rowId xmlns:a16="http://schemas.microsoft.com/office/drawing/2014/main" xmlns="" val="1626410507"/>
                   </a:ext>
                 </a:extLst>
               </a:tr>
@@ -20833,7 +21870,7 @@
                 </a:tc>
                 <a:extLst>
                   <a:ext uri="{0D108BD9-81ED-4DB2-BD59-A6C34878D82A}">
-                    <a16:rowId xmlns="" xmlns:a16="http://schemas.microsoft.com/office/drawing/2014/main" val="1888116840"/>
+                    <a16:rowId xmlns:a16="http://schemas.microsoft.com/office/drawing/2014/main" xmlns="" val="1888116840"/>
                   </a:ext>
                 </a:extLst>
               </a:tr>
@@ -21064,7 +22101,7 @@
           <p:cNvPr id="9" name="Title 1">
             <a:extLst>
               <a:ext uri="{FF2B5EF4-FFF2-40B4-BE49-F238E27FC236}">
-                <a16:creationId xmlns:a16="http://schemas.microsoft.com/office/drawing/2014/main" xmlns="" id="{13021072-4A77-DB4D-DF41-58EADB7DA94E}"/>
+                <a16:creationId xmlns="" xmlns:a16="http://schemas.microsoft.com/office/drawing/2014/main" id="{13021072-4A77-DB4D-DF41-58EADB7DA94E}"/>
               </a:ext>
             </a:extLst>
           </p:cNvPr>
@@ -21120,7 +22157,7 @@
           <p:cNvPr id="10" name="Title 1">
             <a:extLst>
               <a:ext uri="{FF2B5EF4-FFF2-40B4-BE49-F238E27FC236}">
-                <a16:creationId xmlns:a16="http://schemas.microsoft.com/office/drawing/2014/main" xmlns="" id="{13021072-4A77-DB4D-DF41-58EADB7DA94E}"/>
+                <a16:creationId xmlns="" xmlns:a16="http://schemas.microsoft.com/office/drawing/2014/main" id="{13021072-4A77-DB4D-DF41-58EADB7DA94E}"/>
               </a:ext>
             </a:extLst>
           </p:cNvPr>
@@ -21216,7 +22253,7 @@
           <p:cNvPr id="2" name="Title 1">
             <a:extLst>
               <a:ext uri="{FF2B5EF4-FFF2-40B4-BE49-F238E27FC236}">
-                <a16:creationId xmlns="" xmlns:a16="http://schemas.microsoft.com/office/drawing/2014/main" id="{FD5E8954-9BCB-7FD9-A210-38DC54382D45}"/>
+                <a16:creationId xmlns:a16="http://schemas.microsoft.com/office/drawing/2014/main" xmlns="" id="{FD5E8954-9BCB-7FD9-A210-38DC54382D45}"/>
               </a:ext>
             </a:extLst>
           </p:cNvPr>
@@ -21262,7 +22299,7 @@
           <p:cNvPr id="3" name="Content Placeholder 2">
             <a:extLst>
               <a:ext uri="{FF2B5EF4-FFF2-40B4-BE49-F238E27FC236}">
-                <a16:creationId xmlns="" xmlns:a16="http://schemas.microsoft.com/office/drawing/2014/main" id="{75111C33-898C-4414-4665-5136EB6FC126}"/>
+                <a16:creationId xmlns:a16="http://schemas.microsoft.com/office/drawing/2014/main" xmlns="" id="{75111C33-898C-4414-4665-5136EB6FC126}"/>
               </a:ext>
             </a:extLst>
           </p:cNvPr>
@@ -21333,7 +22370,7 @@
           <p:cNvPr id="23" name="Slide Number Placeholder 22">
             <a:extLst>
               <a:ext uri="{FF2B5EF4-FFF2-40B4-BE49-F238E27FC236}">
-                <a16:creationId xmlns="" xmlns:a16="http://schemas.microsoft.com/office/drawing/2014/main" id="{94FF72B7-0438-3641-5939-75128934B0DF}"/>
+                <a16:creationId xmlns:a16="http://schemas.microsoft.com/office/drawing/2014/main" xmlns="" id="{94FF72B7-0438-3641-5939-75128934B0DF}"/>
               </a:ext>
             </a:extLst>
           </p:cNvPr>
@@ -21408,7 +22445,7 @@
           <p:cNvPr id="5" name="Title 4">
             <a:extLst>
               <a:ext uri="{FF2B5EF4-FFF2-40B4-BE49-F238E27FC236}">
-                <a16:creationId xmlns="" xmlns:a16="http://schemas.microsoft.com/office/drawing/2014/main" id="{2136FCF6-982C-CC37-9625-3EBFC7E7DD13}"/>
+                <a16:creationId xmlns:a16="http://schemas.microsoft.com/office/drawing/2014/main" xmlns="" id="{2136FCF6-982C-CC37-9625-3EBFC7E7DD13}"/>
               </a:ext>
             </a:extLst>
           </p:cNvPr>
@@ -21454,7 +22491,7 @@
           <p:cNvPr id="6" name="Content Placeholder 5">
             <a:extLst>
               <a:ext uri="{FF2B5EF4-FFF2-40B4-BE49-F238E27FC236}">
-                <a16:creationId xmlns="" xmlns:a16="http://schemas.microsoft.com/office/drawing/2014/main" id="{4DB3991E-0605-C20E-53AD-D64E13638DA5}"/>
+                <a16:creationId xmlns:a16="http://schemas.microsoft.com/office/drawing/2014/main" xmlns="" id="{4DB3991E-0605-C20E-53AD-D64E13638DA5}"/>
               </a:ext>
             </a:extLst>
           </p:cNvPr>
@@ -21484,14 +22521,14 @@
                 <a:gridCol w="1924373">
                   <a:extLst>
                     <a:ext uri="{9D8B030D-6E8A-4147-A177-3AD203B41FA5}">
-                      <a16:colId xmlns="" xmlns:a16="http://schemas.microsoft.com/office/drawing/2014/main" val="180956085"/>
+                      <a16:colId xmlns:a16="http://schemas.microsoft.com/office/drawing/2014/main" xmlns="" val="180956085"/>
                     </a:ext>
                   </a:extLst>
                 </a:gridCol>
                 <a:gridCol w="1924373">
                   <a:extLst>
                     <a:ext uri="{9D8B030D-6E8A-4147-A177-3AD203B41FA5}">
-                      <a16:colId xmlns="" xmlns:a16="http://schemas.microsoft.com/office/drawing/2014/main" val="1180706872"/>
+                      <a16:colId xmlns:a16="http://schemas.microsoft.com/office/drawing/2014/main" xmlns="" val="1180706872"/>
                     </a:ext>
                   </a:extLst>
                 </a:gridCol>
@@ -21551,7 +22588,7 @@
                 </a:tc>
                 <a:extLst>
                   <a:ext uri="{0D108BD9-81ED-4DB2-BD59-A6C34878D82A}">
-                    <a16:rowId xmlns="" xmlns:a16="http://schemas.microsoft.com/office/drawing/2014/main" val="3059142786"/>
+                    <a16:rowId xmlns:a16="http://schemas.microsoft.com/office/drawing/2014/main" xmlns="" val="3059142786"/>
                   </a:ext>
                 </a:extLst>
               </a:tr>
@@ -21602,7 +22639,7 @@
                 </a:tc>
                 <a:extLst>
                   <a:ext uri="{0D108BD9-81ED-4DB2-BD59-A6C34878D82A}">
-                    <a16:rowId xmlns="" xmlns:a16="http://schemas.microsoft.com/office/drawing/2014/main" val="3588576737"/>
+                    <a16:rowId xmlns:a16="http://schemas.microsoft.com/office/drawing/2014/main" xmlns="" val="3588576737"/>
                   </a:ext>
                 </a:extLst>
               </a:tr>
@@ -21653,7 +22690,7 @@
                 </a:tc>
                 <a:extLst>
                   <a:ext uri="{0D108BD9-81ED-4DB2-BD59-A6C34878D82A}">
-                    <a16:rowId xmlns="" xmlns:a16="http://schemas.microsoft.com/office/drawing/2014/main" val="1626410507"/>
+                    <a16:rowId xmlns:a16="http://schemas.microsoft.com/office/drawing/2014/main" xmlns="" val="1626410507"/>
                   </a:ext>
                 </a:extLst>
               </a:tr>
@@ -21704,7 +22741,7 @@
                 </a:tc>
                 <a:extLst>
                   <a:ext uri="{0D108BD9-81ED-4DB2-BD59-A6C34878D82A}">
-                    <a16:rowId xmlns="" xmlns:a16="http://schemas.microsoft.com/office/drawing/2014/main" val="1888116840"/>
+                    <a16:rowId xmlns:a16="http://schemas.microsoft.com/office/drawing/2014/main" xmlns="" val="1888116840"/>
                   </a:ext>
                 </a:extLst>
               </a:tr>
@@ -21755,7 +22792,7 @@
                 </a:tc>
                 <a:extLst>
                   <a:ext uri="{0D108BD9-81ED-4DB2-BD59-A6C34878D82A}">
-                    <a16:rowId xmlns="" xmlns:a16="http://schemas.microsoft.com/office/drawing/2014/main" val="4023592559"/>
+                    <a16:rowId xmlns:a16="http://schemas.microsoft.com/office/drawing/2014/main" xmlns="" val="4023592559"/>
                   </a:ext>
                 </a:extLst>
               </a:tr>
@@ -21806,7 +22843,7 @@
                 </a:tc>
                 <a:extLst>
                   <a:ext uri="{0D108BD9-81ED-4DB2-BD59-A6C34878D82A}">
-                    <a16:rowId xmlns="" xmlns:a16="http://schemas.microsoft.com/office/drawing/2014/main" val="2426564953"/>
+                    <a16:rowId xmlns:a16="http://schemas.microsoft.com/office/drawing/2014/main" xmlns="" val="2426564953"/>
                   </a:ext>
                 </a:extLst>
               </a:tr>
@@ -21819,7 +22856,7 @@
           <p:cNvPr id="2" name="Slide Number Placeholder 1">
             <a:extLst>
               <a:ext uri="{FF2B5EF4-FFF2-40B4-BE49-F238E27FC236}">
-                <a16:creationId xmlns="" xmlns:a16="http://schemas.microsoft.com/office/drawing/2014/main" id="{A913EEC9-16E3-6C86-97D0-A7EC7EA09CDA}"/>
+                <a16:creationId xmlns:a16="http://schemas.microsoft.com/office/drawing/2014/main" xmlns="" id="{A913EEC9-16E3-6C86-97D0-A7EC7EA09CDA}"/>
               </a:ext>
             </a:extLst>
           </p:cNvPr>
@@ -21854,7 +22891,7 @@
           <p:cNvPr id="8" name="Content Placeholder 5">
             <a:extLst>
               <a:ext uri="{FF2B5EF4-FFF2-40B4-BE49-F238E27FC236}">
-                <a16:creationId xmlns="" xmlns:a16="http://schemas.microsoft.com/office/drawing/2014/main" id="{4DB3991E-0605-C20E-53AD-D64E13638DA5}"/>
+                <a16:creationId xmlns:a16="http://schemas.microsoft.com/office/drawing/2014/main" xmlns="" id="{4DB3991E-0605-C20E-53AD-D64E13638DA5}"/>
               </a:ext>
             </a:extLst>
           </p:cNvPr>
@@ -21883,14 +22920,14 @@
                 <a:gridCol w="1550720">
                   <a:extLst>
                     <a:ext uri="{9D8B030D-6E8A-4147-A177-3AD203B41FA5}">
-                      <a16:colId xmlns="" xmlns:a16="http://schemas.microsoft.com/office/drawing/2014/main" val="180956085"/>
+                      <a16:colId xmlns:a16="http://schemas.microsoft.com/office/drawing/2014/main" xmlns="" val="180956085"/>
                     </a:ext>
                   </a:extLst>
                 </a:gridCol>
                 <a:gridCol w="1550720">
                   <a:extLst>
                     <a:ext uri="{9D8B030D-6E8A-4147-A177-3AD203B41FA5}">
-                      <a16:colId xmlns="" xmlns:a16="http://schemas.microsoft.com/office/drawing/2014/main" val="1180706872"/>
+                      <a16:colId xmlns:a16="http://schemas.microsoft.com/office/drawing/2014/main" xmlns="" val="1180706872"/>
                     </a:ext>
                   </a:extLst>
                 </a:gridCol>
@@ -21942,7 +22979,7 @@
                 </a:tc>
                 <a:extLst>
                   <a:ext uri="{0D108BD9-81ED-4DB2-BD59-A6C34878D82A}">
-                    <a16:rowId xmlns="" xmlns:a16="http://schemas.microsoft.com/office/drawing/2014/main" val="3059142786"/>
+                    <a16:rowId xmlns:a16="http://schemas.microsoft.com/office/drawing/2014/main" xmlns="" val="3059142786"/>
                   </a:ext>
                 </a:extLst>
               </a:tr>
@@ -21993,7 +23030,7 @@
                 </a:tc>
                 <a:extLst>
                   <a:ext uri="{0D108BD9-81ED-4DB2-BD59-A6C34878D82A}">
-                    <a16:rowId xmlns="" xmlns:a16="http://schemas.microsoft.com/office/drawing/2014/main" val="3588576737"/>
+                    <a16:rowId xmlns:a16="http://schemas.microsoft.com/office/drawing/2014/main" xmlns="" val="3588576737"/>
                   </a:ext>
                 </a:extLst>
               </a:tr>
@@ -22044,7 +23081,7 @@
                 </a:tc>
                 <a:extLst>
                   <a:ext uri="{0D108BD9-81ED-4DB2-BD59-A6C34878D82A}">
-                    <a16:rowId xmlns="" xmlns:a16="http://schemas.microsoft.com/office/drawing/2014/main" val="1626410507"/>
+                    <a16:rowId xmlns:a16="http://schemas.microsoft.com/office/drawing/2014/main" xmlns="" val="1626410507"/>
                   </a:ext>
                 </a:extLst>
               </a:tr>
@@ -22095,7 +23132,7 @@
                 </a:tc>
                 <a:extLst>
                   <a:ext uri="{0D108BD9-81ED-4DB2-BD59-A6C34878D82A}">
-                    <a16:rowId xmlns="" xmlns:a16="http://schemas.microsoft.com/office/drawing/2014/main" val="1888116840"/>
+                    <a16:rowId xmlns:a16="http://schemas.microsoft.com/office/drawing/2014/main" xmlns="" val="1888116840"/>
                   </a:ext>
                 </a:extLst>
               </a:tr>
@@ -22108,7 +23145,7 @@
           <p:cNvPr id="7" name="Content Placeholder 5">
             <a:extLst>
               <a:ext uri="{FF2B5EF4-FFF2-40B4-BE49-F238E27FC236}">
-                <a16:creationId xmlns="" xmlns:a16="http://schemas.microsoft.com/office/drawing/2014/main" id="{4DB3991E-0605-C20E-53AD-D64E13638DA5}"/>
+                <a16:creationId xmlns:a16="http://schemas.microsoft.com/office/drawing/2014/main" xmlns="" id="{4DB3991E-0605-C20E-53AD-D64E13638DA5}"/>
               </a:ext>
             </a:extLst>
           </p:cNvPr>
@@ -22137,14 +23174,14 @@
                 <a:gridCol w="1319283">
                   <a:extLst>
                     <a:ext uri="{9D8B030D-6E8A-4147-A177-3AD203B41FA5}">
-                      <a16:colId xmlns="" xmlns:a16="http://schemas.microsoft.com/office/drawing/2014/main" val="180956085"/>
+                      <a16:colId xmlns:a16="http://schemas.microsoft.com/office/drawing/2014/main" xmlns="" val="180956085"/>
                     </a:ext>
                   </a:extLst>
                 </a:gridCol>
                 <a:gridCol w="1319283">
                   <a:extLst>
                     <a:ext uri="{9D8B030D-6E8A-4147-A177-3AD203B41FA5}">
-                      <a16:colId xmlns="" xmlns:a16="http://schemas.microsoft.com/office/drawing/2014/main" val="1180706872"/>
+                      <a16:colId xmlns:a16="http://schemas.microsoft.com/office/drawing/2014/main" xmlns="" val="1180706872"/>
                     </a:ext>
                   </a:extLst>
                 </a:gridCol>
@@ -22230,7 +23267,7 @@
                 </a:tc>
                 <a:extLst>
                   <a:ext uri="{0D108BD9-81ED-4DB2-BD59-A6C34878D82A}">
-                    <a16:rowId xmlns="" xmlns:a16="http://schemas.microsoft.com/office/drawing/2014/main" val="3059142786"/>
+                    <a16:rowId xmlns:a16="http://schemas.microsoft.com/office/drawing/2014/main" xmlns="" val="3059142786"/>
                   </a:ext>
                 </a:extLst>
               </a:tr>
@@ -22303,7 +23340,7 @@
                 </a:tc>
                 <a:extLst>
                   <a:ext uri="{0D108BD9-81ED-4DB2-BD59-A6C34878D82A}">
-                    <a16:rowId xmlns="" xmlns:a16="http://schemas.microsoft.com/office/drawing/2014/main" val="3588576737"/>
+                    <a16:rowId xmlns:a16="http://schemas.microsoft.com/office/drawing/2014/main" xmlns="" val="3588576737"/>
                   </a:ext>
                 </a:extLst>
               </a:tr>
@@ -22376,7 +23413,7 @@
                 </a:tc>
                 <a:extLst>
                   <a:ext uri="{0D108BD9-81ED-4DB2-BD59-A6C34878D82A}">
-                    <a16:rowId xmlns="" xmlns:a16="http://schemas.microsoft.com/office/drawing/2014/main" val="1626410507"/>
+                    <a16:rowId xmlns:a16="http://schemas.microsoft.com/office/drawing/2014/main" xmlns="" val="1626410507"/>
                   </a:ext>
                 </a:extLst>
               </a:tr>
@@ -22445,7 +23482,7 @@
                 </a:tc>
                 <a:extLst>
                   <a:ext uri="{0D108BD9-81ED-4DB2-BD59-A6C34878D82A}">
-                    <a16:rowId xmlns="" xmlns:a16="http://schemas.microsoft.com/office/drawing/2014/main" val="1888116840"/>
+                    <a16:rowId xmlns:a16="http://schemas.microsoft.com/office/drawing/2014/main" xmlns="" val="1888116840"/>
                   </a:ext>
                 </a:extLst>
               </a:tr>
@@ -22658,7 +23695,7 @@
           <p:cNvPr id="9" name="Title 1">
             <a:extLst>
               <a:ext uri="{FF2B5EF4-FFF2-40B4-BE49-F238E27FC236}">
-                <a16:creationId xmlns:a16="http://schemas.microsoft.com/office/drawing/2014/main" xmlns="" id="{13021072-4A77-DB4D-DF41-58EADB7DA94E}"/>
+                <a16:creationId xmlns="" xmlns:a16="http://schemas.microsoft.com/office/drawing/2014/main" id="{13021072-4A77-DB4D-DF41-58EADB7DA94E}"/>
               </a:ext>
             </a:extLst>
           </p:cNvPr>
@@ -22714,7 +23751,7 @@
           <p:cNvPr id="10" name="Title 1">
             <a:extLst>
               <a:ext uri="{FF2B5EF4-FFF2-40B4-BE49-F238E27FC236}">
-                <a16:creationId xmlns:a16="http://schemas.microsoft.com/office/drawing/2014/main" xmlns="" id="{13021072-4A77-DB4D-DF41-58EADB7DA94E}"/>
+                <a16:creationId xmlns="" xmlns:a16="http://schemas.microsoft.com/office/drawing/2014/main" id="{13021072-4A77-DB4D-DF41-58EADB7DA94E}"/>
               </a:ext>
             </a:extLst>
           </p:cNvPr>
@@ -22770,7 +23807,7 @@
           <p:cNvPr id="11" name="Title 1">
             <a:extLst>
               <a:ext uri="{FF2B5EF4-FFF2-40B4-BE49-F238E27FC236}">
-                <a16:creationId xmlns:a16="http://schemas.microsoft.com/office/drawing/2014/main" xmlns="" id="{13021072-4A77-DB4D-DF41-58EADB7DA94E}"/>
+                <a16:creationId xmlns="" xmlns:a16="http://schemas.microsoft.com/office/drawing/2014/main" id="{13021072-4A77-DB4D-DF41-58EADB7DA94E}"/>
               </a:ext>
             </a:extLst>
           </p:cNvPr>
@@ -22870,7 +23907,7 @@
           <p:cNvPr id="2" name="Title 1">
             <a:extLst>
               <a:ext uri="{FF2B5EF4-FFF2-40B4-BE49-F238E27FC236}">
-                <a16:creationId xmlns="" xmlns:a16="http://schemas.microsoft.com/office/drawing/2014/main" id="{FD5E8954-9BCB-7FD9-A210-38DC54382D45}"/>
+                <a16:creationId xmlns:a16="http://schemas.microsoft.com/office/drawing/2014/main" xmlns="" id="{FD5E8954-9BCB-7FD9-A210-38DC54382D45}"/>
               </a:ext>
             </a:extLst>
           </p:cNvPr>
@@ -22904,7 +23941,7 @@
           <p:cNvPr id="3" name="Content Placeholder 2">
             <a:extLst>
               <a:ext uri="{FF2B5EF4-FFF2-40B4-BE49-F238E27FC236}">
-                <a16:creationId xmlns="" xmlns:a16="http://schemas.microsoft.com/office/drawing/2014/main" id="{75111C33-898C-4414-4665-5136EB6FC126}"/>
+                <a16:creationId xmlns:a16="http://schemas.microsoft.com/office/drawing/2014/main" xmlns="" id="{75111C33-898C-4414-4665-5136EB6FC126}"/>
               </a:ext>
             </a:extLst>
           </p:cNvPr>
@@ -22950,7 +23987,7 @@
           <p:cNvPr id="23" name="Slide Number Placeholder 22">
             <a:extLst>
               <a:ext uri="{FF2B5EF4-FFF2-40B4-BE49-F238E27FC236}">
-                <a16:creationId xmlns="" xmlns:a16="http://schemas.microsoft.com/office/drawing/2014/main" id="{94FF72B7-0438-3641-5939-75128934B0DF}"/>
+                <a16:creationId xmlns:a16="http://schemas.microsoft.com/office/drawing/2014/main" xmlns="" id="{94FF72B7-0438-3641-5939-75128934B0DF}"/>
               </a:ext>
             </a:extLst>
           </p:cNvPr>
@@ -23198,7 +24235,7 @@
   <a:extraClrSchemeLst/>
   <a:extLst>
     <a:ext uri="{05A4C25C-085E-4340-85A3-A5531E510DB2}">
-      <thm15:themeFamily xmlns="" xmlns:thm15="http://schemas.microsoft.com/office/thememl/2012/main" name="Geometric color block_Win32_SL_v14" id="{59749740-91A0-46B8-82A8-B436C7A8A142}" vid="{B3F8D047-377B-4FC8-B21C-47530C6DE3AB}"/>
+      <thm15:themeFamily xmlns:thm15="http://schemas.microsoft.com/office/thememl/2012/main" xmlns="" name="Geometric color block_Win32_SL_v14" id="{59749740-91A0-46B8-82A8-B436C7A8A142}" vid="{B3F8D047-377B-4FC8-B21C-47530C6DE3AB}"/>
     </a:ext>
   </a:extLst>
 </a:theme>
@@ -23493,7 +24530,7 @@
   <a:extraClrSchemeLst/>
   <a:extLst>
     <a:ext uri="{05A4C25C-085E-4340-85A3-A5531E510DB2}">
-      <thm15:themeFamily xmlns="" xmlns:thm15="http://schemas.microsoft.com/office/thememl/2012/main" name="Office Theme" id="{62F939B6-93AF-4DB8-9C6B-D6C7DFDC589F}" vid="{4A3C46E8-61CC-4603-A589-7422A47A8E4A}"/>
+      <thm15:themeFamily xmlns:thm15="http://schemas.microsoft.com/office/thememl/2012/main" xmlns="" name="Office Theme" id="{62F939B6-93AF-4DB8-9C6B-D6C7DFDC589F}" vid="{4A3C46E8-61CC-4603-A589-7422A47A8E4A}"/>
     </a:ext>
   </a:extLst>
 </a:theme>
@@ -23788,42 +24825,13 @@
   <a:extraClrSchemeLst/>
   <a:extLst>
     <a:ext uri="{05A4C25C-085E-4340-85A3-A5531E510DB2}">
-      <thm15:themeFamily xmlns="" xmlns:thm15="http://schemas.microsoft.com/office/thememl/2012/main" name="Office Theme" id="{62F939B6-93AF-4DB8-9C6B-D6C7DFDC589F}" vid="{4A3C46E8-61CC-4603-A589-7422A47A8E4A}"/>
+      <thm15:themeFamily xmlns:thm15="http://schemas.microsoft.com/office/thememl/2012/main" xmlns="" name="Office Theme" id="{62F939B6-93AF-4DB8-9C6B-D6C7DFDC589F}" vid="{4A3C46E8-61CC-4603-A589-7422A47A8E4A}"/>
     </a:ext>
   </a:extLst>
 </a:theme>
 </file>
 
 <file path=customXml/item1.xml><?xml version="1.0" encoding="utf-8"?>
-<p:properties xmlns:p="http://schemas.microsoft.com/office/2006/metadata/properties" xmlns:xsi="http://www.w3.org/2001/XMLSchema-instance" xmlns:pc="http://schemas.microsoft.com/office/infopath/2007/PartnerControls">
-  <documentManagement>
-    <_ip_UnifiedCompliancePolicyUIAction xmlns="http://schemas.microsoft.com/sharepoint/v3" xsi:nil="true"/>
-    <Image xmlns="71af3243-3dd4-4a8d-8c0d-dd76da1f02a5">
-      <Url xsi:nil="true"/>
-      <Description xsi:nil="true"/>
-    </Image>
-    <Status xmlns="71af3243-3dd4-4a8d-8c0d-dd76da1f02a5">Not started</Status>
-    <Background xmlns="71af3243-3dd4-4a8d-8c0d-dd76da1f02a5">false</Background>
-    <_ip_UnifiedCompliancePolicyProperties xmlns="http://schemas.microsoft.com/sharepoint/v3" xsi:nil="true"/>
-    <ImageTagsTaxHTField xmlns="71af3243-3dd4-4a8d-8c0d-dd76da1f02a5">
-      <Terms xmlns="http://schemas.microsoft.com/office/infopath/2007/PartnerControls"/>
-    </ImageTagsTaxHTField>
-    <TaxCatchAll xmlns="230e9df3-be65-4c73-a93b-d1236ebd677e" xsi:nil="true"/>
-    <MediaServiceKeyPoints xmlns="71af3243-3dd4-4a8d-8c0d-dd76da1f02a5" xsi:nil="true"/>
-  </documentManagement>
-</p:properties>
-</file>
-
-<file path=customXml/item2.xml><?xml version="1.0" encoding="utf-8"?>
-<?mso-contentType ?>
-<FormTemplates xmlns="http://schemas.microsoft.com/sharepoint/v3/contenttype/forms">
-  <Display>DocumentLibraryForm</Display>
-  <Edit>DocumentLibraryForm</Edit>
-  <New>DocumentLibraryForm</New>
-</FormTemplates>
-</file>
-
-<file path=customXml/item3.xml><?xml version="1.0" encoding="utf-8"?>
 <ct:contentTypeSchema xmlns:ct="http://schemas.microsoft.com/office/2006/metadata/contentType" xmlns:ma="http://schemas.microsoft.com/office/2006/metadata/properties/metaAttributes" ct:_="" ma:_="" ma:contentTypeName="Document" ma:contentTypeID="0x01010079F111ED35F8CC479449609E8A0923A6" ma:contentTypeVersion="28" ma:contentTypeDescription="Create a new document." ma:contentTypeScope="" ma:versionID="60f5a4f2d2b0abadcf532d48ebf9cb71">
   <xsd:schema xmlns:xsd="http://www.w3.org/2001/XMLSchema" xmlns:xs="http://www.w3.org/2001/XMLSchema" xmlns:p="http://schemas.microsoft.com/office/2006/metadata/properties" xmlns:ns1="http://schemas.microsoft.com/sharepoint/v3" xmlns:ns2="71af3243-3dd4-4a8d-8c0d-dd76da1f02a5" xmlns:ns3="16c05727-aa75-4e4a-9b5f-8a80a1165891" xmlns:ns4="230e9df3-be65-4c73-a93b-d1236ebd677e" targetNamespace="http://schemas.microsoft.com/office/2006/metadata/properties" ma:root="true" ma:fieldsID="7dd78129e6a1811f84807ad11c651531" ns1:_="" ns2:_="" ns3:_="" ns4:_="">
     <xsd:import namespace="http://schemas.microsoft.com/sharepoint/v3"/>
@@ -24135,34 +25143,36 @@
 </ct:contentTypeSchema>
 </file>
 
-<file path=customXml/itemProps1.xml><?xml version="1.0" encoding="utf-8"?>
-<ds:datastoreItem xmlns:ds="http://schemas.openxmlformats.org/officeDocument/2006/customXml" ds:itemID="{BA719FA4-954C-4FA8-82CB-206659C3B826}">
-  <ds:schemaRefs>
-    <ds:schemaRef ds:uri="230e9df3-be65-4c73-a93b-d1236ebd677e"/>
-    <ds:schemaRef ds:uri="http://schemas.microsoft.com/office/2006/documentManagement/types"/>
-    <ds:schemaRef ds:uri="http://schemas.openxmlformats.org/package/2006/metadata/core-properties"/>
-    <ds:schemaRef ds:uri="http://purl.org/dc/elements/1.1/"/>
-    <ds:schemaRef ds:uri="http://schemas.microsoft.com/office/2006/metadata/properties"/>
-    <ds:schemaRef ds:uri="http://schemas.microsoft.com/sharepoint/v3"/>
-    <ds:schemaRef ds:uri="http://schemas.microsoft.com/office/infopath/2007/PartnerControls"/>
-    <ds:schemaRef ds:uri="http://purl.org/dc/terms/"/>
-    <ds:schemaRef ds:uri="16c05727-aa75-4e4a-9b5f-8a80a1165891"/>
-    <ds:schemaRef ds:uri="71af3243-3dd4-4a8d-8c0d-dd76da1f02a5"/>
-    <ds:schemaRef ds:uri="http://www.w3.org/XML/1998/namespace"/>
-    <ds:schemaRef ds:uri="http://purl.org/dc/dcmitype/"/>
-  </ds:schemaRefs>
-</ds:datastoreItem>
+<file path=customXml/item2.xml><?xml version="1.0" encoding="utf-8"?>
+<?mso-contentType ?>
+<FormTemplates xmlns="http://schemas.microsoft.com/sharepoint/v3/contenttype/forms">
+  <Display>DocumentLibraryForm</Display>
+  <Edit>DocumentLibraryForm</Edit>
+  <New>DocumentLibraryForm</New>
+</FormTemplates>
 </file>
 
-<file path=customXml/itemProps2.xml><?xml version="1.0" encoding="utf-8"?>
-<ds:datastoreItem xmlns:ds="http://schemas.openxmlformats.org/officeDocument/2006/customXml" ds:itemID="{16DBB56F-4362-4386-A1A1-3DF898896616}">
-  <ds:schemaRefs>
-    <ds:schemaRef ds:uri="http://schemas.microsoft.com/sharepoint/v3/contenttype/forms"/>
-  </ds:schemaRefs>
-</ds:datastoreItem>
+<file path=customXml/item3.xml><?xml version="1.0" encoding="utf-8"?>
+<p:properties xmlns:p="http://schemas.microsoft.com/office/2006/metadata/properties" xmlns:xsi="http://www.w3.org/2001/XMLSchema-instance" xmlns:pc="http://schemas.microsoft.com/office/infopath/2007/PartnerControls">
+  <documentManagement>
+    <_ip_UnifiedCompliancePolicyUIAction xmlns="http://schemas.microsoft.com/sharepoint/v3" xsi:nil="true"/>
+    <Image xmlns="71af3243-3dd4-4a8d-8c0d-dd76da1f02a5">
+      <Url xsi:nil="true"/>
+      <Description xsi:nil="true"/>
+    </Image>
+    <Status xmlns="71af3243-3dd4-4a8d-8c0d-dd76da1f02a5">Not started</Status>
+    <Background xmlns="71af3243-3dd4-4a8d-8c0d-dd76da1f02a5">false</Background>
+    <_ip_UnifiedCompliancePolicyProperties xmlns="http://schemas.microsoft.com/sharepoint/v3" xsi:nil="true"/>
+    <ImageTagsTaxHTField xmlns="71af3243-3dd4-4a8d-8c0d-dd76da1f02a5">
+      <Terms xmlns="http://schemas.microsoft.com/office/infopath/2007/PartnerControls"/>
+    </ImageTagsTaxHTField>
+    <TaxCatchAll xmlns="230e9df3-be65-4c73-a93b-d1236ebd677e" xsi:nil="true"/>
+    <MediaServiceKeyPoints xmlns="71af3243-3dd4-4a8d-8c0d-dd76da1f02a5" xsi:nil="true"/>
+  </documentManagement>
+</p:properties>
 </file>
 
-<file path=customXml/itemProps3.xml><?xml version="1.0" encoding="utf-8"?>
+<file path=customXml/itemProps1.xml><?xml version="1.0" encoding="utf-8"?>
 <ds:datastoreItem xmlns:ds="http://schemas.openxmlformats.org/officeDocument/2006/customXml" ds:itemID="{04948363-B267-4BAC-8655-100FBEC280C1}">
   <ds:schemaRefs>
     <ds:schemaRef ds:uri="http://schemas.microsoft.com/office/2006/metadata/contentType"/>
@@ -24183,6 +25193,33 @@
 </ds:datastoreItem>
 </file>
 
+<file path=customXml/itemProps2.xml><?xml version="1.0" encoding="utf-8"?>
+<ds:datastoreItem xmlns:ds="http://schemas.openxmlformats.org/officeDocument/2006/customXml" ds:itemID="{16DBB56F-4362-4386-A1A1-3DF898896616}">
+  <ds:schemaRefs>
+    <ds:schemaRef ds:uri="http://schemas.microsoft.com/sharepoint/v3/contenttype/forms"/>
+  </ds:schemaRefs>
+</ds:datastoreItem>
+</file>
+
+<file path=customXml/itemProps3.xml><?xml version="1.0" encoding="utf-8"?>
+<ds:datastoreItem xmlns:ds="http://schemas.openxmlformats.org/officeDocument/2006/customXml" ds:itemID="{BA719FA4-954C-4FA8-82CB-206659C3B826}">
+  <ds:schemaRefs>
+    <ds:schemaRef ds:uri="230e9df3-be65-4c73-a93b-d1236ebd677e"/>
+    <ds:schemaRef ds:uri="http://schemas.microsoft.com/office/2006/documentManagement/types"/>
+    <ds:schemaRef ds:uri="http://schemas.openxmlformats.org/package/2006/metadata/core-properties"/>
+    <ds:schemaRef ds:uri="http://purl.org/dc/elements/1.1/"/>
+    <ds:schemaRef ds:uri="http://schemas.microsoft.com/office/2006/metadata/properties"/>
+    <ds:schemaRef ds:uri="http://schemas.microsoft.com/sharepoint/v3"/>
+    <ds:schemaRef ds:uri="http://schemas.microsoft.com/office/infopath/2007/PartnerControls"/>
+    <ds:schemaRef ds:uri="http://purl.org/dc/terms/"/>
+    <ds:schemaRef ds:uri="16c05727-aa75-4e4a-9b5f-8a80a1165891"/>
+    <ds:schemaRef ds:uri="71af3243-3dd4-4a8d-8c0d-dd76da1f02a5"/>
+    <ds:schemaRef ds:uri="http://www.w3.org/XML/1998/namespace"/>
+    <ds:schemaRef ds:uri="http://purl.org/dc/dcmitype/"/>
+  </ds:schemaRefs>
+</ds:datastoreItem>
+</file>
+
 <file path=docMetadata/LabelInfo.xml><?xml version="1.0" encoding="utf-8"?>
 <clbl:labelList xmlns:clbl="http://schemas.microsoft.com/office/2020/mipLabelMetadata"/>
 </file>